--- a/skeleton-guide.pptx
+++ b/skeleton-guide.pptx
@@ -5,10 +5,10 @@
     <p:sldMasterId id="2147483674" r:id="rId4"/>
   </p:sldMasterIdLst>
   <p:notesMasterIdLst>
-    <p:notesMasterId r:id="rId33"/>
+    <p:notesMasterId r:id="rId35"/>
   </p:notesMasterIdLst>
   <p:handoutMasterIdLst>
-    <p:handoutMasterId r:id="rId34"/>
+    <p:handoutMasterId r:id="rId36"/>
   </p:handoutMasterIdLst>
   <p:sldIdLst>
     <p:sldId id="331" r:id="rId5"/>
@@ -30,15 +30,17 @@
     <p:sldId id="3884" r:id="rId21"/>
     <p:sldId id="3883" r:id="rId22"/>
     <p:sldId id="3882" r:id="rId23"/>
-    <p:sldId id="3878" r:id="rId24"/>
-    <p:sldId id="343" r:id="rId25"/>
-    <p:sldId id="337" r:id="rId26"/>
-    <p:sldId id="338" r:id="rId27"/>
-    <p:sldId id="339" r:id="rId28"/>
-    <p:sldId id="340" r:id="rId29"/>
-    <p:sldId id="341" r:id="rId30"/>
-    <p:sldId id="342" r:id="rId31"/>
-    <p:sldId id="336" r:id="rId32"/>
+    <p:sldId id="3885" r:id="rId24"/>
+    <p:sldId id="3887" r:id="rId25"/>
+    <p:sldId id="3878" r:id="rId26"/>
+    <p:sldId id="343" r:id="rId27"/>
+    <p:sldId id="337" r:id="rId28"/>
+    <p:sldId id="338" r:id="rId29"/>
+    <p:sldId id="339" r:id="rId30"/>
+    <p:sldId id="340" r:id="rId31"/>
+    <p:sldId id="341" r:id="rId32"/>
+    <p:sldId id="342" r:id="rId33"/>
+    <p:sldId id="3886" r:id="rId34"/>
   </p:sldIdLst>
   <p:sldSz cx="14630400" cy="8229600"/>
   <p:notesSz cx="6858000" cy="9144000"/>
@@ -385,7 +387,7 @@
           <a:p>
             <a:fld id="{D2887149-AF03-6142-908A-3DD284EAF54B}" type="datetimeFigureOut">
               <a:rPr lang="en-US" smtClean="0"/>
-              <a:t>6/8/22</a:t>
+              <a:t>6/10/22</a:t>
             </a:fld>
             <a:endParaRPr lang="en-US"/>
           </a:p>
@@ -567,7 +569,7 @@
             <a:fld id="{0B25AC41-3BEC-9247-8322-91B80C013F2D}" type="datetimeFigureOut">
               <a:rPr lang="en-US" smtClean="0"/>
               <a:pPr/>
-              <a:t>6/8/22</a:t>
+              <a:t>6/10/22</a:t>
             </a:fld>
             <a:endParaRPr lang="en-US"/>
           </a:p>
@@ -9257,6 +9259,36 @@
           <a:bodyPr/>
           <a:lstStyle/>
           <a:p>
+            <a:pPr marL="514350" indent="-514350">
+              <a:buFont typeface="+mj-ea"/>
+              <a:buAutoNum type="circleNumDbPlain"/>
+            </a:pPr>
+            <a:r>
+              <a:rPr kumimoji="1" lang="en-US" altLang="ja-JP" dirty="0" err="1"/>
+              <a:t>Dockerfile</a:t>
+            </a:r>
+            <a:r>
+              <a:rPr kumimoji="1" lang="en-US" altLang="ja-JP" dirty="0"/>
+              <a:t> </a:t>
+            </a:r>
+            <a:r>
+              <a:rPr kumimoji="1" lang="ja-JP" altLang="en-US"/>
+              <a:t>を作成</a:t>
+            </a:r>
+            <a:endParaRPr kumimoji="1" lang="en-US" altLang="ja-JP" dirty="0"/>
+          </a:p>
+          <a:p>
+            <a:pPr marL="514350" indent="-514350">
+              <a:buFont typeface="+mj-ea"/>
+              <a:buAutoNum type="circleNumDbPlain"/>
+            </a:pPr>
+            <a:endParaRPr kumimoji="1" lang="en-US" altLang="ja-JP" dirty="0"/>
+          </a:p>
+          <a:p>
+            <a:pPr marL="514350" indent="-514350">
+              <a:buFont typeface="+mj-ea"/>
+              <a:buAutoNum type="circleNumDbPlain"/>
+            </a:pPr>
             <a:r>
               <a:rPr kumimoji="1" lang="en-US" altLang="ja-JP" dirty="0"/>
               <a:t>$ cd [</a:t>
@@ -9271,18 +9303,58 @@
             </a:r>
           </a:p>
           <a:p>
+            <a:pPr marL="514350" indent="-514350">
+              <a:buFont typeface="+mj-ea"/>
+              <a:buAutoNum type="circleNumDbPlain"/>
+            </a:pPr>
             <a:endParaRPr kumimoji="1" lang="en-US" altLang="ja-JP" dirty="0"/>
           </a:p>
           <a:p>
+            <a:pPr marL="514350" indent="-514350">
+              <a:buFont typeface="+mj-ea"/>
+              <a:buAutoNum type="circleNumDbPlain"/>
+            </a:pPr>
             <a:r>
               <a:rPr kumimoji="1" lang="en-US" altLang="ja-JP" dirty="0"/>
-              <a:t>$ docker build modern-skeleton .  [CR]</a:t>
-            </a:r>
-          </a:p>
-          <a:p>
+              <a:t>$ docker</a:t>
+            </a:r>
+            <a:r>
+              <a:rPr kumimoji="1" lang="ja-JP" altLang="en-US"/>
+              <a:t> </a:t>
+            </a:r>
+            <a:r>
+              <a:rPr kumimoji="1" lang="en-US" altLang="ja-JP" dirty="0"/>
+              <a:t>image</a:t>
+            </a:r>
+            <a:r>
+              <a:rPr kumimoji="1" lang="ja-JP" altLang="en-US"/>
+              <a:t> </a:t>
+            </a:r>
+            <a:r>
+              <a:rPr kumimoji="1" lang="en-US" altLang="ja-JP" dirty="0"/>
+              <a:t>build –t</a:t>
+            </a:r>
+            <a:r>
+              <a:rPr kumimoji="1" lang="ja-JP" altLang="en-US"/>
+              <a:t> </a:t>
+            </a:r>
+            <a:r>
+              <a:rPr kumimoji="1" lang="en-US" altLang="ja-JP" dirty="0"/>
+              <a:t>modern-skeleton .  [CR]</a:t>
+            </a:r>
+          </a:p>
+          <a:p>
+            <a:pPr marL="514350" indent="-514350">
+              <a:buFont typeface="+mj-ea"/>
+              <a:buAutoNum type="circleNumDbPlain"/>
+            </a:pPr>
             <a:endParaRPr kumimoji="1" lang="en-US" altLang="ja-JP" dirty="0"/>
           </a:p>
           <a:p>
+            <a:pPr marL="514350" indent="-514350">
+              <a:buFont typeface="+mj-ea"/>
+              <a:buAutoNum type="circleNumDbPlain"/>
+            </a:pPr>
             <a:r>
               <a:rPr kumimoji="1" lang="en-US" altLang="ja-JP" dirty="0"/>
               <a:t>$ docker container ls [CR] </a:t>
@@ -9353,7 +9425,10 @@
           <a:bodyPr/>
           <a:lstStyle/>
           <a:p>
-            <a:endParaRPr lang="ja-JP" altLang="en-US"/>
+            <a:r>
+              <a:rPr lang="ja-JP" altLang="en-US"/>
+              <a:t>コンテナでの稼働</a:t>
+            </a:r>
           </a:p>
         </p:txBody>
       </p:sp>
@@ -9387,6 +9462,114 @@
           </a:prstGeom>
         </p:spPr>
       </p:pic>
+      <p:sp>
+        <p:nvSpPr>
+          <p:cNvPr id="4" name="テキスト ボックス 3">
+            <a:extLst>
+              <a:ext uri="{FF2B5EF4-FFF2-40B4-BE49-F238E27FC236}">
+                <a16:creationId xmlns:a16="http://schemas.microsoft.com/office/drawing/2014/main" id="{7EDCD2C2-F32E-A234-C470-462C83B63F9D}"/>
+              </a:ext>
+            </a:extLst>
+          </p:cNvPr>
+          <p:cNvSpPr txBox="1"/>
+          <p:nvPr/>
+        </p:nvSpPr>
+        <p:spPr>
+          <a:xfrm>
+            <a:off x="7132488" y="6248400"/>
+            <a:ext cx="6786712" cy="707886"/>
+          </a:xfrm>
+          <a:prstGeom prst="rect">
+            <a:avLst/>
+          </a:prstGeom>
+          <a:solidFill>
+            <a:schemeClr val="accent1">
+              <a:lumMod val="20000"/>
+              <a:lumOff val="80000"/>
+            </a:schemeClr>
+          </a:solidFill>
+        </p:spPr>
+        <p:txBody>
+          <a:bodyPr wrap="square" rtlCol="0">
+            <a:spAutoFit/>
+          </a:bodyPr>
+          <a:lstStyle/>
+          <a:p>
+            <a:pPr algn="l"/>
+            <a:r>
+              <a:rPr kumimoji="1" lang="en-US" altLang="ja-JP" sz="2000" dirty="0" err="1">
+                <a:solidFill>
+                  <a:srgbClr val="000000"/>
+                </a:solidFill>
+                <a:latin typeface="Meiryo" panose="020B0604030504040204" pitchFamily="34" charset="-128"/>
+                <a:ea typeface="Meiryo" panose="020B0604030504040204" pitchFamily="34" charset="-128"/>
+                <a:cs typeface="Amazon Ember" panose="020B0603020204020204" pitchFamily="34" charset="0"/>
+              </a:rPr>
+              <a:t>Dockerfile</a:t>
+            </a:r>
+            <a:r>
+              <a:rPr kumimoji="1" lang="ja-JP" altLang="en-US" sz="2000">
+                <a:solidFill>
+                  <a:srgbClr val="000000"/>
+                </a:solidFill>
+                <a:latin typeface="Meiryo" panose="020B0604030504040204" pitchFamily="34" charset="-128"/>
+                <a:ea typeface="Meiryo" panose="020B0604030504040204" pitchFamily="34" charset="-128"/>
+                <a:cs typeface="Amazon Ember" panose="020B0603020204020204" pitchFamily="34" charset="0"/>
+              </a:rPr>
+              <a:t>を用意し</a:t>
+            </a:r>
+            <a:r>
+              <a:rPr kumimoji="1" lang="en-US" altLang="ja-JP" sz="2000" dirty="0">
+                <a:solidFill>
+                  <a:srgbClr val="000000"/>
+                </a:solidFill>
+                <a:latin typeface="Meiryo" panose="020B0604030504040204" pitchFamily="34" charset="-128"/>
+                <a:ea typeface="Meiryo" panose="020B0604030504040204" pitchFamily="34" charset="-128"/>
+                <a:cs typeface="Amazon Ember" panose="020B0603020204020204" pitchFamily="34" charset="0"/>
+              </a:rPr>
+              <a:t>Docker </a:t>
+            </a:r>
+            <a:r>
+              <a:rPr kumimoji="1" lang="ja-JP" altLang="en-US" sz="2000">
+                <a:solidFill>
+                  <a:srgbClr val="000000"/>
+                </a:solidFill>
+                <a:latin typeface="Meiryo" panose="020B0604030504040204" pitchFamily="34" charset="-128"/>
+                <a:ea typeface="Meiryo" panose="020B0604030504040204" pitchFamily="34" charset="-128"/>
+                <a:cs typeface="Amazon Ember" panose="020B0603020204020204" pitchFamily="34" charset="0"/>
+              </a:rPr>
+              <a:t>イメージをビルドすると、認</a:t>
+            </a:r>
+            <a:r>
+              <a:rPr kumimoji="1" lang="en-US" altLang="ja-JP" sz="2000" dirty="0">
+                <a:solidFill>
+                  <a:srgbClr val="000000"/>
+                </a:solidFill>
+                <a:latin typeface="Meiryo" panose="020B0604030504040204" pitchFamily="34" charset="-128"/>
+                <a:ea typeface="Meiryo" panose="020B0604030504040204" pitchFamily="34" charset="-128"/>
+                <a:cs typeface="Amazon Ember" panose="020B0603020204020204" pitchFamily="34" charset="0"/>
+              </a:rPr>
+              <a:t>Docker</a:t>
+            </a:r>
+            <a:r>
+              <a:rPr kumimoji="1" lang="ja-JP" altLang="en-US" sz="2000">
+                <a:solidFill>
+                  <a:srgbClr val="000000"/>
+                </a:solidFill>
+                <a:latin typeface="Meiryo" panose="020B0604030504040204" pitchFamily="34" charset="-128"/>
+                <a:ea typeface="Meiryo" panose="020B0604030504040204" pitchFamily="34" charset="-128"/>
+                <a:cs typeface="Amazon Ember" panose="020B0603020204020204" pitchFamily="34" charset="0"/>
+              </a:rPr>
+              <a:t>管理画面に表示されます。</a:t>
+            </a:r>
+            <a:endParaRPr kumimoji="1" lang="en-US" altLang="ja-JP" sz="2000" dirty="0">
+              <a:latin typeface="Meiryo" panose="020B0604030504040204" pitchFamily="34" charset="-128"/>
+              <a:ea typeface="Meiryo" panose="020B0604030504040204" pitchFamily="34" charset="-128"/>
+              <a:cs typeface="Amazon Ember" panose="020B0603020204020204" pitchFamily="34" charset="0"/>
+            </a:endParaRPr>
+          </a:p>
+        </p:txBody>
+      </p:sp>
     </p:spTree>
     <p:extLst>
       <p:ext uri="{BB962C8B-B14F-4D97-AF65-F5344CB8AC3E}">
@@ -9438,16 +9621,19 @@
           <a:bodyPr/>
           <a:lstStyle/>
           <a:p>
-            <a:endParaRPr lang="ja-JP" altLang="en-US"/>
+            <a:r>
+              <a:rPr lang="ja-JP" altLang="en-US"/>
+              <a:t>コンテナでの稼働</a:t>
+            </a:r>
           </a:p>
         </p:txBody>
       </p:sp>
       <p:pic>
         <p:nvPicPr>
-          <p:cNvPr id="5" name="図 4">
+          <p:cNvPr id="3" name="図 2">
             <a:extLst>
               <a:ext uri="{FF2B5EF4-FFF2-40B4-BE49-F238E27FC236}">
-                <a16:creationId xmlns:a16="http://schemas.microsoft.com/office/drawing/2014/main" id="{CF17D183-BA9C-D1AA-D7C7-06AF24201701}"/>
+                <a16:creationId xmlns:a16="http://schemas.microsoft.com/office/drawing/2014/main" id="{A01903F8-A1A2-BD60-39AF-DBE874E3D532}"/>
               </a:ext>
             </a:extLst>
           </p:cNvPr>
@@ -9464,14 +9650,89 @@
         </p:blipFill>
         <p:spPr>
           <a:xfrm>
-            <a:off x="0" y="1555630"/>
-            <a:ext cx="14630400" cy="5118340"/>
+            <a:off x="548638" y="1701800"/>
+            <a:ext cx="11393563" cy="4546600"/>
           </a:xfrm>
           <a:prstGeom prst="rect">
             <a:avLst/>
           </a:prstGeom>
         </p:spPr>
       </p:pic>
+      <p:sp>
+        <p:nvSpPr>
+          <p:cNvPr id="4" name="テキスト ボックス 3">
+            <a:extLst>
+              <a:ext uri="{FF2B5EF4-FFF2-40B4-BE49-F238E27FC236}">
+                <a16:creationId xmlns:a16="http://schemas.microsoft.com/office/drawing/2014/main" id="{E1CFCA04-D528-62C0-3D49-F101ACBF0AC9}"/>
+              </a:ext>
+            </a:extLst>
+          </p:cNvPr>
+          <p:cNvSpPr txBox="1"/>
+          <p:nvPr/>
+        </p:nvSpPr>
+        <p:spPr>
+          <a:xfrm>
+            <a:off x="6715319" y="6508237"/>
+            <a:ext cx="6786712" cy="707886"/>
+          </a:xfrm>
+          <a:prstGeom prst="rect">
+            <a:avLst/>
+          </a:prstGeom>
+          <a:solidFill>
+            <a:schemeClr val="accent1">
+              <a:lumMod val="20000"/>
+              <a:lumOff val="80000"/>
+            </a:schemeClr>
+          </a:solidFill>
+        </p:spPr>
+        <p:txBody>
+          <a:bodyPr wrap="square" rtlCol="0">
+            <a:spAutoFit/>
+          </a:bodyPr>
+          <a:lstStyle/>
+          <a:p>
+            <a:pPr algn="l"/>
+            <a:r>
+              <a:rPr kumimoji="1" lang="ja-JP" altLang="en-US" sz="2000">
+                <a:solidFill>
+                  <a:srgbClr val="000000"/>
+                </a:solidFill>
+                <a:latin typeface="Meiryo" panose="020B0604030504040204" pitchFamily="34" charset="-128"/>
+                <a:ea typeface="Meiryo" panose="020B0604030504040204" pitchFamily="34" charset="-128"/>
+                <a:cs typeface="Amazon Ember" panose="020B0603020204020204" pitchFamily="34" charset="0"/>
+              </a:rPr>
+              <a:t>ログ表示から</a:t>
+            </a:r>
+            <a:r>
+              <a:rPr kumimoji="1" lang="en-US" altLang="ja-JP" sz="2000" dirty="0">
+                <a:solidFill>
+                  <a:srgbClr val="000000"/>
+                </a:solidFill>
+                <a:latin typeface="Meiryo" panose="020B0604030504040204" pitchFamily="34" charset="-128"/>
+                <a:ea typeface="Meiryo" panose="020B0604030504040204" pitchFamily="34" charset="-128"/>
+                <a:cs typeface="Amazon Ember" panose="020B0603020204020204" pitchFamily="34" charset="0"/>
+              </a:rPr>
+              <a:t> modern-skeleton </a:t>
+            </a:r>
+            <a:r>
+              <a:rPr kumimoji="1" lang="ja-JP" altLang="en-US" sz="2000">
+                <a:solidFill>
+                  <a:srgbClr val="000000"/>
+                </a:solidFill>
+                <a:latin typeface="Meiryo" panose="020B0604030504040204" pitchFamily="34" charset="-128"/>
+                <a:ea typeface="Meiryo" panose="020B0604030504040204" pitchFamily="34" charset="-128"/>
+                <a:cs typeface="Amazon Ember" panose="020B0603020204020204" pitchFamily="34" charset="0"/>
+              </a:rPr>
+              <a:t>の起動状況が表示されます。</a:t>
+            </a:r>
+            <a:endParaRPr kumimoji="1" lang="en-US" altLang="ja-JP" sz="2000" dirty="0">
+              <a:latin typeface="Meiryo" panose="020B0604030504040204" pitchFamily="34" charset="-128"/>
+              <a:ea typeface="Meiryo" panose="020B0604030504040204" pitchFamily="34" charset="-128"/>
+              <a:cs typeface="Amazon Ember" panose="020B0603020204020204" pitchFamily="34" charset="0"/>
+            </a:endParaRPr>
+          </a:p>
+        </p:txBody>
+      </p:sp>
     </p:spTree>
     <p:extLst>
       <p:ext uri="{BB962C8B-B14F-4D97-AF65-F5344CB8AC3E}">
@@ -9715,10 +9976,10 @@
       </p:grpSpPr>
       <p:sp>
         <p:nvSpPr>
-          <p:cNvPr id="3" name="タイトル 2">
+          <p:cNvPr id="2" name="タイトル 1">
             <a:extLst>
               <a:ext uri="{FF2B5EF4-FFF2-40B4-BE49-F238E27FC236}">
-                <a16:creationId xmlns:a16="http://schemas.microsoft.com/office/drawing/2014/main" id="{D312E969-2058-B776-7460-26EAD49A80E4}"/>
+                <a16:creationId xmlns:a16="http://schemas.microsoft.com/office/drawing/2014/main" id="{6E9EFACE-54F7-A156-7384-581AF7A57E5E}"/>
               </a:ext>
             </a:extLst>
           </p:cNvPr>
@@ -9735,64 +9996,180 @@
           <a:lstStyle/>
           <a:p>
             <a:r>
-              <a:rPr lang="en-US" altLang="ja-JP" dirty="0"/>
-              <a:t>SaaS</a:t>
-            </a:r>
-            <a:r>
-              <a:rPr lang="ja-JP" altLang="en-US"/>
-              <a:t>での稼働</a:t>
-            </a:r>
-          </a:p>
-        </p:txBody>
-      </p:sp>
-      <p:sp>
-        <p:nvSpPr>
-          <p:cNvPr id="2" name="テキスト プレースホルダー 1">
+              <a:rPr kumimoji="1" lang="ja-JP" altLang="en-US"/>
+              <a:t>コンテナでの稼働</a:t>
+            </a:r>
+          </a:p>
+        </p:txBody>
+      </p:sp>
+      <p:pic>
+        <p:nvPicPr>
+          <p:cNvPr id="4" name="図 3">
             <a:extLst>
               <a:ext uri="{FF2B5EF4-FFF2-40B4-BE49-F238E27FC236}">
-                <a16:creationId xmlns:a16="http://schemas.microsoft.com/office/drawing/2014/main" id="{EB1E17B8-7608-8E93-3C3A-0763A40B116C}"/>
+                <a16:creationId xmlns:a16="http://schemas.microsoft.com/office/drawing/2014/main" id="{E837F9DE-92CE-692F-46F1-3AAD91480E03}"/>
               </a:ext>
             </a:extLst>
           </p:cNvPr>
-          <p:cNvSpPr>
-            <a:spLocks noGrp="1"/>
-          </p:cNvSpPr>
-          <p:nvPr>
-            <p:ph type="body" sz="quarter" idx="10"/>
-          </p:nvPr>
-        </p:nvSpPr>
-        <p:spPr/>
-        <p:txBody>
-          <a:bodyPr/>
-          <a:lstStyle/>
-          <a:p>
+          <p:cNvPicPr>
+            <a:picLocks noChangeAspect="1"/>
+          </p:cNvPicPr>
+          <p:nvPr/>
+        </p:nvPicPr>
+        <p:blipFill>
+          <a:blip r:embed="rId2"/>
+          <a:stretch>
+            <a:fillRect/>
+          </a:stretch>
+        </p:blipFill>
+        <p:spPr>
+          <a:xfrm>
+            <a:off x="548639" y="1220122"/>
+            <a:ext cx="5450574" cy="6920577"/>
+          </a:xfrm>
+          <a:prstGeom prst="rect">
+            <a:avLst/>
+          </a:prstGeom>
+        </p:spPr>
+      </p:pic>
+      <p:sp>
+        <p:nvSpPr>
+          <p:cNvPr id="5" name="テキスト ボックス 4">
+            <a:extLst>
+              <a:ext uri="{FF2B5EF4-FFF2-40B4-BE49-F238E27FC236}">
+                <a16:creationId xmlns:a16="http://schemas.microsoft.com/office/drawing/2014/main" id="{A3FC36E0-D2AE-7CA3-B817-71B95D1FD068}"/>
+              </a:ext>
+            </a:extLst>
+          </p:cNvPr>
+          <p:cNvSpPr txBox="1"/>
+          <p:nvPr/>
+        </p:nvSpPr>
+        <p:spPr>
+          <a:xfrm>
+            <a:off x="6624488" y="1473200"/>
+            <a:ext cx="6786712" cy="2862322"/>
+          </a:xfrm>
+          <a:prstGeom prst="rect">
+            <a:avLst/>
+          </a:prstGeom>
+          <a:solidFill>
+            <a:schemeClr val="accent1">
+              <a:lumMod val="20000"/>
+              <a:lumOff val="80000"/>
+            </a:schemeClr>
+          </a:solidFill>
+        </p:spPr>
+        <p:txBody>
+          <a:bodyPr wrap="square" rtlCol="0">
+            <a:spAutoFit/>
+          </a:bodyPr>
+          <a:lstStyle>
+            <a:defPPr>
+              <a:defRPr lang="en-US"/>
+            </a:defPPr>
+            <a:lvl1pPr>
+              <a:defRPr kumimoji="1" sz="2000">
+                <a:solidFill>
+                  <a:srgbClr val="000000"/>
+                </a:solidFill>
+                <a:latin typeface="Meiryo" panose="020B0604030504040204" pitchFamily="34" charset="-128"/>
+                <a:ea typeface="Meiryo" panose="020B0604030504040204" pitchFamily="34" charset="-128"/>
+                <a:cs typeface="Amazon Ember" panose="020B0603020204020204" pitchFamily="34" charset="0"/>
+              </a:defRPr>
+            </a:lvl1pPr>
+          </a:lstStyle>
+          <a:p>
+            <a:pPr marL="342900" indent="-342900">
+              <a:buFont typeface="Arial" panose="020B0604020202020204" pitchFamily="34" charset="0"/>
+              <a:buChar char="•"/>
+            </a:pPr>
+            <a:r>
+              <a:rPr lang="en-US" altLang="ja-JP" dirty="0"/>
+              <a:t>modern-skeleton </a:t>
+            </a:r>
             <a:r>
               <a:rPr lang="ja-JP" altLang="en-US"/>
-              <a:t>コンテナイメージを</a:t>
-            </a:r>
+              <a:t>のコンソールから以下のコマンドを叩いたものを表示しています。</a:t>
+            </a:r>
+            <a:endParaRPr lang="en-US" altLang="ja-JP" dirty="0"/>
+          </a:p>
+          <a:p>
             <a:r>
               <a:rPr lang="en-US" altLang="ja-JP" dirty="0"/>
-              <a:t>App Runner</a:t>
+              <a:t>    $ </a:t>
+            </a:r>
+            <a:r>
+              <a:rPr lang="en-US" altLang="ja-JP" dirty="0" err="1"/>
+              <a:t>uname</a:t>
+            </a:r>
+            <a:r>
+              <a:rPr lang="en-US" altLang="ja-JP" dirty="0"/>
+              <a:t> –a</a:t>
+            </a:r>
+          </a:p>
+          <a:p>
+            <a:r>
+              <a:rPr lang="en-US" altLang="ja-JP" dirty="0"/>
+              <a:t>    $ ls –la</a:t>
+            </a:r>
+          </a:p>
+          <a:p>
+            <a:r>
+              <a:rPr lang="en-US" altLang="ja-JP" dirty="0"/>
+              <a:t>    $ </a:t>
+            </a:r>
+            <a:r>
+              <a:rPr lang="en-US" altLang="ja-JP" dirty="0" err="1"/>
+              <a:t>pwd</a:t>
+            </a:r>
+            <a:endParaRPr lang="en-US" altLang="ja-JP" dirty="0"/>
+          </a:p>
+          <a:p>
+            <a:r>
+              <a:rPr lang="en-US" altLang="ja-JP" dirty="0"/>
+              <a:t>    $ curl 127.0.0.1:5000</a:t>
+            </a:r>
+          </a:p>
+          <a:p>
+            <a:endParaRPr lang="en-US" altLang="ja-JP" dirty="0"/>
+          </a:p>
+          <a:p>
+            <a:pPr marL="342900" indent="-342900">
+              <a:buFont typeface="Arial" panose="020B0604020202020204" pitchFamily="34" charset="0"/>
+              <a:buChar char="•"/>
+            </a:pPr>
+            <a:r>
+              <a:rPr lang="en-US" altLang="ja-JP" dirty="0"/>
+              <a:t>curl </a:t>
             </a:r>
             <a:r>
               <a:rPr lang="ja-JP" altLang="en-US"/>
-              <a:t>上で</a:t>
+              <a:t>により</a:t>
             </a:r>
             <a:r>
               <a:rPr lang="en-US" altLang="ja-JP" dirty="0"/>
-              <a:t>SaaS</a:t>
+              <a:t>modern-skeleton</a:t>
             </a:r>
             <a:r>
               <a:rPr lang="ja-JP" altLang="en-US"/>
-              <a:t>として稼働します</a:t>
-            </a:r>
+              <a:t>の</a:t>
+            </a:r>
+            <a:r>
+              <a:rPr lang="en-US" altLang="ja-JP" dirty="0"/>
+              <a:t>HTML</a:t>
+            </a:r>
+            <a:r>
+              <a:rPr lang="ja-JP" altLang="en-US"/>
+              <a:t>が表示され、プログラムが正常かどうしている様子が分かります。</a:t>
+            </a:r>
+            <a:endParaRPr lang="en-US" altLang="ja-JP" dirty="0"/>
           </a:p>
         </p:txBody>
       </p:sp>
     </p:spTree>
     <p:extLst>
       <p:ext uri="{BB962C8B-B14F-4D97-AF65-F5344CB8AC3E}">
-        <p14:creationId xmlns:p14="http://schemas.microsoft.com/office/powerpoint/2010/main" val="2760395679"/>
+        <p14:creationId xmlns:p14="http://schemas.microsoft.com/office/powerpoint/2010/main" val="3460782261"/>
       </p:ext>
     </p:extLst>
   </p:cSld>
@@ -9821,10 +10198,10 @@
       </p:grpSpPr>
       <p:sp>
         <p:nvSpPr>
-          <p:cNvPr id="4" name="タイトル 3">
+          <p:cNvPr id="2" name="タイトル 1">
             <a:extLst>
               <a:ext uri="{FF2B5EF4-FFF2-40B4-BE49-F238E27FC236}">
-                <a16:creationId xmlns:a16="http://schemas.microsoft.com/office/drawing/2014/main" id="{905F8104-5EF2-3BE0-49FB-A6460168719B}"/>
+                <a16:creationId xmlns:a16="http://schemas.microsoft.com/office/drawing/2014/main" id="{E60C6A5D-236D-09F3-F1AB-9128AC98637B}"/>
               </a:ext>
             </a:extLst>
           </p:cNvPr>
@@ -9841,30 +10218,18 @@
           <a:lstStyle/>
           <a:p>
             <a:r>
-              <a:rPr lang="en-US" altLang="ja-JP" dirty="0"/>
-              <a:t>AWS</a:t>
-            </a:r>
-            <a:r>
-              <a:rPr lang="ja-JP" altLang="en-US"/>
-              <a:t>管理コンソールから</a:t>
-            </a:r>
-            <a:r>
-              <a:rPr lang="en-US" altLang="ja-JP" dirty="0"/>
-              <a:t>App Runner</a:t>
-            </a:r>
-            <a:r>
-              <a:rPr lang="ja-JP" altLang="en-US"/>
-              <a:t>へ</a:t>
+              <a:rPr kumimoji="1" lang="ja-JP" altLang="en-US"/>
+              <a:t>コンテナでの稼働</a:t>
             </a:r>
           </a:p>
         </p:txBody>
       </p:sp>
       <p:pic>
         <p:nvPicPr>
-          <p:cNvPr id="6" name="図 5">
+          <p:cNvPr id="5" name="図 4">
             <a:extLst>
               <a:ext uri="{FF2B5EF4-FFF2-40B4-BE49-F238E27FC236}">
-                <a16:creationId xmlns:a16="http://schemas.microsoft.com/office/drawing/2014/main" id="{21D33EFF-6B65-68B4-4EFD-9818ADAF49FA}"/>
+                <a16:creationId xmlns:a16="http://schemas.microsoft.com/office/drawing/2014/main" id="{AC57161A-988E-E0DB-4D1B-65CC5579E4F2}"/>
               </a:ext>
             </a:extLst>
           </p:cNvPr>
@@ -9881,8 +10246,8 @@
         </p:blipFill>
         <p:spPr>
           <a:xfrm>
-            <a:off x="283464" y="1512040"/>
-            <a:ext cx="14063471" cy="2451431"/>
+            <a:off x="548639" y="1088020"/>
+            <a:ext cx="8047944" cy="5084180"/>
           </a:xfrm>
           <a:prstGeom prst="rect">
             <a:avLst/>
@@ -9891,10 +10256,104 @@
       </p:pic>
       <p:sp>
         <p:nvSpPr>
-          <p:cNvPr id="2" name="正方形/長方形 1">
+          <p:cNvPr id="6" name="テキスト ボックス 5">
             <a:extLst>
               <a:ext uri="{FF2B5EF4-FFF2-40B4-BE49-F238E27FC236}">
-                <a16:creationId xmlns:a16="http://schemas.microsoft.com/office/drawing/2014/main" id="{BE497367-421C-1D26-8DAF-C26922F404E5}"/>
+                <a16:creationId xmlns:a16="http://schemas.microsoft.com/office/drawing/2014/main" id="{311D698B-7A76-63AF-F4E4-D303ABE35BCE}"/>
+              </a:ext>
+            </a:extLst>
+          </p:cNvPr>
+          <p:cNvSpPr txBox="1"/>
+          <p:nvPr/>
+        </p:nvSpPr>
+        <p:spPr>
+          <a:xfrm>
+            <a:off x="3826565" y="6406536"/>
+            <a:ext cx="10210189" cy="1323439"/>
+          </a:xfrm>
+          <a:prstGeom prst="rect">
+            <a:avLst/>
+          </a:prstGeom>
+          <a:solidFill>
+            <a:schemeClr val="accent1">
+              <a:lumMod val="20000"/>
+              <a:lumOff val="80000"/>
+            </a:schemeClr>
+          </a:solidFill>
+        </p:spPr>
+        <p:txBody>
+          <a:bodyPr wrap="square" rtlCol="0">
+            <a:spAutoFit/>
+          </a:bodyPr>
+          <a:lstStyle>
+            <a:defPPr>
+              <a:defRPr lang="en-US"/>
+            </a:defPPr>
+            <a:lvl1pPr>
+              <a:defRPr kumimoji="1" sz="2000">
+                <a:solidFill>
+                  <a:srgbClr val="000000"/>
+                </a:solidFill>
+                <a:latin typeface="Meiryo" panose="020B0604030504040204" pitchFamily="34" charset="-128"/>
+                <a:ea typeface="Meiryo" panose="020B0604030504040204" pitchFamily="34" charset="-128"/>
+                <a:cs typeface="Amazon Ember" panose="020B0603020204020204" pitchFamily="34" charset="0"/>
+              </a:defRPr>
+            </a:lvl1pPr>
+          </a:lstStyle>
+          <a:p>
+            <a:pPr marL="342900" indent="-342900">
+              <a:buFont typeface="Arial" panose="020B0604020202020204" pitchFamily="34" charset="0"/>
+              <a:buChar char="•"/>
+            </a:pPr>
+            <a:r>
+              <a:rPr lang="en-US" altLang="ja-JP" dirty="0"/>
+              <a:t>Docker</a:t>
+            </a:r>
+            <a:r>
+              <a:rPr lang="ja-JP" altLang="en-US"/>
+              <a:t>クライアントからではなく、コマンドで実行する場合、下記のようにします。</a:t>
+            </a:r>
+            <a:endParaRPr lang="en-US" altLang="ja-JP" dirty="0"/>
+          </a:p>
+          <a:p>
+            <a:r>
+              <a:rPr lang="en-US" altLang="ja-JP" dirty="0"/>
+              <a:t>        $ docker run –it –rm –p 5000:5000 modern-skeleton [CR]</a:t>
+            </a:r>
+          </a:p>
+          <a:p>
+            <a:pPr marL="342900" indent="-342900">
+              <a:buFont typeface="Arial" panose="020B0604020202020204" pitchFamily="34" charset="0"/>
+              <a:buChar char="•"/>
+            </a:pPr>
+            <a:r>
+              <a:rPr lang="ja-JP" altLang="en-US"/>
+              <a:t>アクセスするには下記</a:t>
+            </a:r>
+            <a:r>
+              <a:rPr lang="en-US" altLang="ja-JP" dirty="0"/>
+              <a:t>URL</a:t>
+            </a:r>
+            <a:r>
+              <a:rPr lang="ja-JP" altLang="en-US"/>
+              <a:t>をブラウザで指定します。</a:t>
+            </a:r>
+            <a:endParaRPr lang="en-US" altLang="ja-JP" dirty="0"/>
+          </a:p>
+          <a:p>
+            <a:r>
+              <a:rPr lang="en-US" altLang="ja-JP" dirty="0"/>
+              <a:t>        http://127.0.0.1:5000</a:t>
+            </a:r>
+          </a:p>
+        </p:txBody>
+      </p:sp>
+      <p:sp>
+        <p:nvSpPr>
+          <p:cNvPr id="7" name="正方形/長方形 6">
+            <a:extLst>
+              <a:ext uri="{FF2B5EF4-FFF2-40B4-BE49-F238E27FC236}">
+                <a16:creationId xmlns:a16="http://schemas.microsoft.com/office/drawing/2014/main" id="{716EB6AC-0F35-30D6-AC84-94B93938B4C3}"/>
               </a:ext>
             </a:extLst>
           </p:cNvPr>
@@ -9902,67 +10361,99 @@
           <p:nvPr/>
         </p:nvSpPr>
         <p:spPr>
-          <a:xfrm rot="21095183">
-            <a:off x="8316605" y="563209"/>
-            <a:ext cx="5856090" cy="523220"/>
+          <a:xfrm>
+            <a:off x="548638" y="1077742"/>
+            <a:ext cx="5293362" cy="344658"/>
           </a:xfrm>
           <a:prstGeom prst="rect">
             <a:avLst/>
           </a:prstGeom>
           <a:noFill/>
-        </p:spPr>
-        <p:txBody>
-          <a:bodyPr wrap="none" lIns="91440" tIns="45720" rIns="91440" bIns="45720">
-            <a:spAutoFit/>
-          </a:bodyPr>
+          <a:ln w="25400">
+            <a:solidFill>
+              <a:srgbClr val="FFFF00"/>
+            </a:solidFill>
+          </a:ln>
+          <a:effectLst/>
+        </p:spPr>
+        <p:style>
+          <a:lnRef idx="1">
+            <a:schemeClr val="accent1"/>
+          </a:lnRef>
+          <a:fillRef idx="3">
+            <a:schemeClr val="accent1"/>
+          </a:fillRef>
+          <a:effectRef idx="2">
+            <a:schemeClr val="accent1"/>
+          </a:effectRef>
+          <a:fontRef idx="minor">
+            <a:schemeClr val="lt1"/>
+          </a:fontRef>
+        </p:style>
+        <p:txBody>
+          <a:bodyPr rtlCol="0" anchor="ctr"/>
           <a:lstStyle/>
           <a:p>
             <a:pPr algn="ctr"/>
-            <a:r>
-              <a:rPr lang="en-US" altLang="ja-JP" sz="2800" b="0" cap="none" spc="0" dirty="0">
-                <a:ln w="0"/>
-                <a:solidFill>
-                  <a:srgbClr val="FF0000"/>
-                </a:solidFill>
-                <a:effectLst>
-                  <a:outerShdw blurRad="38100" dist="25400" dir="5400000" algn="ctr" rotWithShape="0">
-                    <a:srgbClr val="6E747A">
-                      <a:alpha val="43000"/>
-                    </a:srgbClr>
-                  </a:outerShdw>
-                </a:effectLst>
-                <a:highlight>
-                  <a:srgbClr val="FFFF00"/>
-                </a:highlight>
-              </a:rPr>
-              <a:t>modern-skeleton</a:t>
-            </a:r>
-            <a:r>
-              <a:rPr lang="ja-JP" altLang="en-US" sz="2800" b="0" cap="none" spc="0">
-                <a:ln w="0"/>
-                <a:solidFill>
-                  <a:srgbClr val="FF0000"/>
-                </a:solidFill>
-                <a:effectLst>
-                  <a:outerShdw blurRad="38100" dist="25400" dir="5400000" algn="ctr" rotWithShape="0">
-                    <a:srgbClr val="6E747A">
-                      <a:alpha val="43000"/>
-                    </a:srgbClr>
-                  </a:outerShdw>
-                </a:effectLst>
-                <a:highlight>
-                  <a:srgbClr val="FFFF00"/>
-                </a:highlight>
-              </a:rPr>
-              <a:t>のケースに置換え</a:t>
-            </a:r>
+            <a:endParaRPr kumimoji="1" lang="ja-JP" altLang="en-US" dirty="0"/>
+          </a:p>
+        </p:txBody>
+      </p:sp>
+      <p:sp>
+        <p:nvSpPr>
+          <p:cNvPr id="8" name="正方形/長方形 7">
+            <a:extLst>
+              <a:ext uri="{FF2B5EF4-FFF2-40B4-BE49-F238E27FC236}">
+                <a16:creationId xmlns:a16="http://schemas.microsoft.com/office/drawing/2014/main" id="{A7BC1020-046E-8109-1FCD-20D919C06EAF}"/>
+              </a:ext>
+            </a:extLst>
+          </p:cNvPr>
+          <p:cNvSpPr/>
+          <p:nvPr/>
+        </p:nvSpPr>
+        <p:spPr>
+          <a:xfrm>
+            <a:off x="1920239" y="3195059"/>
+            <a:ext cx="4442462" cy="233942"/>
+          </a:xfrm>
+          <a:prstGeom prst="rect">
+            <a:avLst/>
+          </a:prstGeom>
+          <a:noFill/>
+          <a:ln w="25400">
+            <a:solidFill>
+              <a:srgbClr val="FFFF00"/>
+            </a:solidFill>
+          </a:ln>
+          <a:effectLst/>
+        </p:spPr>
+        <p:style>
+          <a:lnRef idx="1">
+            <a:schemeClr val="accent1"/>
+          </a:lnRef>
+          <a:fillRef idx="3">
+            <a:schemeClr val="accent1"/>
+          </a:fillRef>
+          <a:effectRef idx="2">
+            <a:schemeClr val="accent1"/>
+          </a:effectRef>
+          <a:fontRef idx="minor">
+            <a:schemeClr val="lt1"/>
+          </a:fontRef>
+        </p:style>
+        <p:txBody>
+          <a:bodyPr rtlCol="0" anchor="ctr"/>
+          <a:lstStyle/>
+          <a:p>
+            <a:pPr algn="ctr"/>
+            <a:endParaRPr kumimoji="1" lang="ja-JP" altLang="en-US" dirty="0"/>
           </a:p>
         </p:txBody>
       </p:sp>
     </p:spTree>
     <p:extLst>
       <p:ext uri="{BB962C8B-B14F-4D97-AF65-F5344CB8AC3E}">
-        <p14:creationId xmlns:p14="http://schemas.microsoft.com/office/powerpoint/2010/main" val="1534380687"/>
+        <p14:creationId xmlns:p14="http://schemas.microsoft.com/office/powerpoint/2010/main" val="879824772"/>
       </p:ext>
     </p:extLst>
   </p:cSld>
@@ -9991,10 +10482,10 @@
       </p:grpSpPr>
       <p:sp>
         <p:nvSpPr>
-          <p:cNvPr id="4" name="タイトル 3">
+          <p:cNvPr id="3" name="タイトル 2">
             <a:extLst>
               <a:ext uri="{FF2B5EF4-FFF2-40B4-BE49-F238E27FC236}">
-                <a16:creationId xmlns:a16="http://schemas.microsoft.com/office/drawing/2014/main" id="{38BD2EF6-E0C8-5342-8A27-952440045C3E}"/>
+                <a16:creationId xmlns:a16="http://schemas.microsoft.com/office/drawing/2014/main" id="{D312E969-2058-B776-7460-26EAD49A80E4}"/>
               </a:ext>
             </a:extLst>
           </p:cNvPr>
@@ -10012,111 +10503,55 @@
           <a:p>
             <a:r>
               <a:rPr lang="en-US" altLang="ja-JP" dirty="0"/>
-              <a:t>GitHub</a:t>
+              <a:t>SaaS</a:t>
             </a:r>
             <a:r>
               <a:rPr lang="ja-JP" altLang="en-US"/>
-              <a:t>を定義します</a:t>
-            </a:r>
-          </a:p>
-        </p:txBody>
-      </p:sp>
-      <p:pic>
-        <p:nvPicPr>
-          <p:cNvPr id="5" name="図 4">
+              <a:t>での稼働</a:t>
+            </a:r>
+          </a:p>
+        </p:txBody>
+      </p:sp>
+      <p:sp>
+        <p:nvSpPr>
+          <p:cNvPr id="2" name="テキスト プレースホルダー 1">
             <a:extLst>
               <a:ext uri="{FF2B5EF4-FFF2-40B4-BE49-F238E27FC236}">
-                <a16:creationId xmlns:a16="http://schemas.microsoft.com/office/drawing/2014/main" id="{962CA548-B51D-E74C-BF8E-B2A02E3FD1CA}"/>
+                <a16:creationId xmlns:a16="http://schemas.microsoft.com/office/drawing/2014/main" id="{EB1E17B8-7608-8E93-3C3A-0763A40B116C}"/>
               </a:ext>
             </a:extLst>
           </p:cNvPr>
-          <p:cNvPicPr>
-            <a:picLocks noChangeAspect="1"/>
-          </p:cNvPicPr>
-          <p:nvPr/>
-        </p:nvPicPr>
-        <p:blipFill>
-          <a:blip r:embed="rId2"/>
-          <a:stretch>
-            <a:fillRect/>
-          </a:stretch>
-        </p:blipFill>
-        <p:spPr>
-          <a:xfrm>
-            <a:off x="566929" y="976809"/>
-            <a:ext cx="8475223" cy="6858000"/>
-          </a:xfrm>
-          <a:prstGeom prst="rect">
-            <a:avLst/>
-          </a:prstGeom>
-        </p:spPr>
-      </p:pic>
-      <p:sp>
-        <p:nvSpPr>
-          <p:cNvPr id="6" name="正方形/長方形 5">
-            <a:extLst>
-              <a:ext uri="{FF2B5EF4-FFF2-40B4-BE49-F238E27FC236}">
-                <a16:creationId xmlns:a16="http://schemas.microsoft.com/office/drawing/2014/main" id="{8A49F16B-F030-AF4A-33CA-C1A380946821}"/>
-              </a:ext>
-            </a:extLst>
-          </p:cNvPr>
-          <p:cNvSpPr/>
-          <p:nvPr/>
-        </p:nvSpPr>
-        <p:spPr>
-          <a:xfrm rot="21095183">
-            <a:off x="8316605" y="563209"/>
-            <a:ext cx="5856090" cy="523220"/>
-          </a:xfrm>
-          <a:prstGeom prst="rect">
-            <a:avLst/>
-          </a:prstGeom>
-          <a:noFill/>
-        </p:spPr>
-        <p:txBody>
-          <a:bodyPr wrap="none" lIns="91440" tIns="45720" rIns="91440" bIns="45720">
-            <a:spAutoFit/>
-          </a:bodyPr>
+          <p:cNvSpPr>
+            <a:spLocks noGrp="1"/>
+          </p:cNvSpPr>
+          <p:nvPr>
+            <p:ph type="body" sz="quarter" idx="10"/>
+          </p:nvPr>
+        </p:nvSpPr>
+        <p:spPr/>
+        <p:txBody>
+          <a:bodyPr/>
           <a:lstStyle/>
           <a:p>
-            <a:pPr algn="ctr"/>
-            <a:r>
-              <a:rPr lang="en-US" altLang="ja-JP" sz="2800" b="0" cap="none" spc="0" dirty="0">
-                <a:ln w="0"/>
-                <a:solidFill>
-                  <a:srgbClr val="FF0000"/>
-                </a:solidFill>
-                <a:effectLst>
-                  <a:outerShdw blurRad="38100" dist="25400" dir="5400000" algn="ctr" rotWithShape="0">
-                    <a:srgbClr val="6E747A">
-                      <a:alpha val="43000"/>
-                    </a:srgbClr>
-                  </a:outerShdw>
-                </a:effectLst>
-                <a:highlight>
-                  <a:srgbClr val="FFFF00"/>
-                </a:highlight>
-              </a:rPr>
-              <a:t>modern-skeleton</a:t>
-            </a:r>
-            <a:r>
-              <a:rPr lang="ja-JP" altLang="en-US" sz="2800" b="0" cap="none" spc="0">
-                <a:ln w="0"/>
-                <a:solidFill>
-                  <a:srgbClr val="FF0000"/>
-                </a:solidFill>
-                <a:effectLst>
-                  <a:outerShdw blurRad="38100" dist="25400" dir="5400000" algn="ctr" rotWithShape="0">
-                    <a:srgbClr val="6E747A">
-                      <a:alpha val="43000"/>
-                    </a:srgbClr>
-                  </a:outerShdw>
-                </a:effectLst>
-                <a:highlight>
-                  <a:srgbClr val="FFFF00"/>
-                </a:highlight>
-              </a:rPr>
-              <a:t>のケースに置換え</a:t>
+            <a:r>
+              <a:rPr lang="ja-JP" altLang="en-US"/>
+              <a:t>コンテナイメージを</a:t>
+            </a:r>
+            <a:r>
+              <a:rPr lang="en-US" altLang="ja-JP" dirty="0"/>
+              <a:t>App Runner</a:t>
+            </a:r>
+            <a:r>
+              <a:rPr lang="ja-JP" altLang="en-US"/>
+              <a:t>上で</a:t>
+            </a:r>
+            <a:r>
+              <a:rPr lang="en-US" altLang="ja-JP" dirty="0"/>
+              <a:t>SaaS</a:t>
+            </a:r>
+            <a:r>
+              <a:rPr lang="ja-JP" altLang="en-US"/>
+              <a:t>として稼働します</a:t>
             </a:r>
           </a:p>
         </p:txBody>
@@ -10124,7 +10559,7 @@
     </p:spTree>
     <p:extLst>
       <p:ext uri="{BB962C8B-B14F-4D97-AF65-F5344CB8AC3E}">
-        <p14:creationId xmlns:p14="http://schemas.microsoft.com/office/powerpoint/2010/main" val="1378150833"/>
+        <p14:creationId xmlns:p14="http://schemas.microsoft.com/office/powerpoint/2010/main" val="2760395679"/>
       </p:ext>
     </p:extLst>
   </p:cSld>
@@ -10156,7 +10591,7 @@
           <p:cNvPr id="4" name="タイトル 3">
             <a:extLst>
               <a:ext uri="{FF2B5EF4-FFF2-40B4-BE49-F238E27FC236}">
-                <a16:creationId xmlns:a16="http://schemas.microsoft.com/office/drawing/2014/main" id="{38BD2EF6-E0C8-5342-8A27-952440045C3E}"/>
+                <a16:creationId xmlns:a16="http://schemas.microsoft.com/office/drawing/2014/main" id="{905F8104-5EF2-3BE0-49FB-A6460168719B}"/>
               </a:ext>
             </a:extLst>
           </p:cNvPr>
@@ -10174,29 +10609,29 @@
           <a:p>
             <a:r>
               <a:rPr lang="en-US" altLang="ja-JP" dirty="0"/>
-              <a:t>GitHub</a:t>
+              <a:t>AWS</a:t>
             </a:r>
             <a:r>
               <a:rPr lang="ja-JP" altLang="en-US"/>
-              <a:t>の</a:t>
-            </a:r>
-            <a:r>
-              <a:rPr lang="en-US" altLang="ja-JP" dirty="0" err="1"/>
-              <a:t>Apprunner.yaml</a:t>
+              <a:t>管理コンソールから</a:t>
+            </a:r>
+            <a:r>
+              <a:rPr lang="en-US" altLang="ja-JP" dirty="0"/>
+              <a:t>App Runner</a:t>
             </a:r>
             <a:r>
               <a:rPr lang="ja-JP" altLang="en-US"/>
-              <a:t>を指定</a:t>
+              <a:t>へ</a:t>
             </a:r>
           </a:p>
         </p:txBody>
       </p:sp>
       <p:pic>
         <p:nvPicPr>
-          <p:cNvPr id="3" name="図 2">
+          <p:cNvPr id="6" name="図 5">
             <a:extLst>
               <a:ext uri="{FF2B5EF4-FFF2-40B4-BE49-F238E27FC236}">
-                <a16:creationId xmlns:a16="http://schemas.microsoft.com/office/drawing/2014/main" id="{6D98B4DD-D711-A845-A91B-5EEC53E09919}"/>
+                <a16:creationId xmlns:a16="http://schemas.microsoft.com/office/drawing/2014/main" id="{21D33EFF-6B65-68B4-4EFD-9818ADAF49FA}"/>
               </a:ext>
             </a:extLst>
           </p:cNvPr>
@@ -10213,8 +10648,8 @@
         </p:blipFill>
         <p:spPr>
           <a:xfrm>
-            <a:off x="566929" y="1088020"/>
-            <a:ext cx="12192000" cy="6157480"/>
+            <a:off x="283464" y="1512040"/>
+            <a:ext cx="14063471" cy="2451431"/>
           </a:xfrm>
           <a:prstGeom prst="rect">
             <a:avLst/>
@@ -10223,10 +10658,10 @@
       </p:pic>
       <p:sp>
         <p:nvSpPr>
-          <p:cNvPr id="5" name="正方形/長方形 4">
+          <p:cNvPr id="2" name="正方形/長方形 1">
             <a:extLst>
               <a:ext uri="{FF2B5EF4-FFF2-40B4-BE49-F238E27FC236}">
-                <a16:creationId xmlns:a16="http://schemas.microsoft.com/office/drawing/2014/main" id="{C4BE15CE-186D-479F-EB66-2930B25C456B}"/>
+                <a16:creationId xmlns:a16="http://schemas.microsoft.com/office/drawing/2014/main" id="{BE497367-421C-1D26-8DAF-C26922F404E5}"/>
               </a:ext>
             </a:extLst>
           </p:cNvPr>
@@ -10294,7 +10729,7 @@
     </p:spTree>
     <p:extLst>
       <p:ext uri="{BB962C8B-B14F-4D97-AF65-F5344CB8AC3E}">
-        <p14:creationId xmlns:p14="http://schemas.microsoft.com/office/powerpoint/2010/main" val="3832118666"/>
+        <p14:creationId xmlns:p14="http://schemas.microsoft.com/office/powerpoint/2010/main" val="1534380687"/>
       </p:ext>
     </p:extLst>
   </p:cSld>
@@ -10343,18 +10778,22 @@
           <a:lstStyle/>
           <a:p>
             <a:r>
+              <a:rPr lang="en-US" altLang="ja-JP" dirty="0"/>
+              <a:t>GitHub</a:t>
+            </a:r>
+            <a:r>
               <a:rPr lang="ja-JP" altLang="en-US"/>
-              <a:t>サービスを設定します</a:t>
+              <a:t>を定義します</a:t>
             </a:r>
           </a:p>
         </p:txBody>
       </p:sp>
       <p:pic>
         <p:nvPicPr>
-          <p:cNvPr id="3" name="図 2">
+          <p:cNvPr id="5" name="図 4">
             <a:extLst>
               <a:ext uri="{FF2B5EF4-FFF2-40B4-BE49-F238E27FC236}">
-                <a16:creationId xmlns:a16="http://schemas.microsoft.com/office/drawing/2014/main" id="{D9DE963C-4529-624B-A4A3-2615D10865E8}"/>
+                <a16:creationId xmlns:a16="http://schemas.microsoft.com/office/drawing/2014/main" id="{962CA548-B51D-E74C-BF8E-B2A02E3FD1CA}"/>
               </a:ext>
             </a:extLst>
           </p:cNvPr>
@@ -10371,8 +10810,8 @@
         </p:blipFill>
         <p:spPr>
           <a:xfrm>
-            <a:off x="566929" y="1088020"/>
-            <a:ext cx="6155147" cy="6485684"/>
+            <a:off x="566929" y="976809"/>
+            <a:ext cx="8475223" cy="6858000"/>
           </a:xfrm>
           <a:prstGeom prst="rect">
             <a:avLst/>
@@ -10381,10 +10820,10 @@
       </p:pic>
       <p:sp>
         <p:nvSpPr>
-          <p:cNvPr id="5" name="正方形/長方形 4">
+          <p:cNvPr id="6" name="正方形/長方形 5">
             <a:extLst>
               <a:ext uri="{FF2B5EF4-FFF2-40B4-BE49-F238E27FC236}">
-                <a16:creationId xmlns:a16="http://schemas.microsoft.com/office/drawing/2014/main" id="{89A2D6FC-F033-60F4-B2B6-3726B4D6923A}"/>
+                <a16:creationId xmlns:a16="http://schemas.microsoft.com/office/drawing/2014/main" id="{8A49F16B-F030-AF4A-33CA-C1A380946821}"/>
               </a:ext>
             </a:extLst>
           </p:cNvPr>
@@ -10452,7 +10891,7 @@
     </p:spTree>
     <p:extLst>
       <p:ext uri="{BB962C8B-B14F-4D97-AF65-F5344CB8AC3E}">
-        <p14:creationId xmlns:p14="http://schemas.microsoft.com/office/powerpoint/2010/main" val="203306385"/>
+        <p14:creationId xmlns:p14="http://schemas.microsoft.com/office/powerpoint/2010/main" val="1378150833"/>
       </p:ext>
     </p:extLst>
   </p:cSld>
@@ -10501,8 +10940,20 @@
           <a:lstStyle/>
           <a:p>
             <a:r>
+              <a:rPr lang="en-US" altLang="ja-JP" dirty="0"/>
+              <a:t>GitHub</a:t>
+            </a:r>
+            <a:r>
               <a:rPr lang="ja-JP" altLang="en-US"/>
-              <a:t>確認と作成を行います</a:t>
+              <a:t>の</a:t>
+            </a:r>
+            <a:r>
+              <a:rPr lang="en-US" altLang="ja-JP" dirty="0" err="1"/>
+              <a:t>Apprunner.yaml</a:t>
+            </a:r>
+            <a:r>
+              <a:rPr lang="ja-JP" altLang="en-US"/>
+              <a:t>を指定</a:t>
             </a:r>
           </a:p>
         </p:txBody>
@@ -10512,7 +10963,7 @@
           <p:cNvPr id="3" name="図 2">
             <a:extLst>
               <a:ext uri="{FF2B5EF4-FFF2-40B4-BE49-F238E27FC236}">
-                <a16:creationId xmlns:a16="http://schemas.microsoft.com/office/drawing/2014/main" id="{1BDFFD64-FD98-1143-A264-21F98797ED59}"/>
+                <a16:creationId xmlns:a16="http://schemas.microsoft.com/office/drawing/2014/main" id="{6D98B4DD-D711-A845-A91B-5EEC53E09919}"/>
               </a:ext>
             </a:extLst>
           </p:cNvPr>
@@ -10529,8 +10980,8 @@
         </p:blipFill>
         <p:spPr>
           <a:xfrm>
-            <a:off x="566929" y="989166"/>
-            <a:ext cx="4309246" cy="6560812"/>
+            <a:off x="566929" y="1088020"/>
+            <a:ext cx="12192000" cy="6157480"/>
           </a:xfrm>
           <a:prstGeom prst="rect">
             <a:avLst/>
@@ -10542,7 +10993,7 @@
           <p:cNvPr id="5" name="正方形/長方形 4">
             <a:extLst>
               <a:ext uri="{FF2B5EF4-FFF2-40B4-BE49-F238E27FC236}">
-                <a16:creationId xmlns:a16="http://schemas.microsoft.com/office/drawing/2014/main" id="{E8BBBA20-FEB1-1240-256D-01390F69B57A}"/>
+                <a16:creationId xmlns:a16="http://schemas.microsoft.com/office/drawing/2014/main" id="{C4BE15CE-186D-479F-EB66-2930B25C456B}"/>
               </a:ext>
             </a:extLst>
           </p:cNvPr>
@@ -10610,7 +11061,7 @@
     </p:spTree>
     <p:extLst>
       <p:ext uri="{BB962C8B-B14F-4D97-AF65-F5344CB8AC3E}">
-        <p14:creationId xmlns:p14="http://schemas.microsoft.com/office/powerpoint/2010/main" val="2300780642"/>
+        <p14:creationId xmlns:p14="http://schemas.microsoft.com/office/powerpoint/2010/main" val="3832118666"/>
       </p:ext>
     </p:extLst>
   </p:cSld>
@@ -10659,12 +11110,8 @@
           <a:lstStyle/>
           <a:p>
             <a:r>
-              <a:rPr lang="en-US" altLang="ja-JP" dirty="0" err="1"/>
-              <a:t>apa-gui</a:t>
-            </a:r>
-            <a:r>
               <a:rPr lang="ja-JP" altLang="en-US"/>
-              <a:t>のデプロイが開始されます</a:t>
+              <a:t>サービスを設定します</a:t>
             </a:r>
           </a:p>
         </p:txBody>
@@ -10674,7 +11121,7 @@
           <p:cNvPr id="3" name="図 2">
             <a:extLst>
               <a:ext uri="{FF2B5EF4-FFF2-40B4-BE49-F238E27FC236}">
-                <a16:creationId xmlns:a16="http://schemas.microsoft.com/office/drawing/2014/main" id="{6D36AF84-739F-3F41-BB65-0BCDCD18E88C}"/>
+                <a16:creationId xmlns:a16="http://schemas.microsoft.com/office/drawing/2014/main" id="{D9DE963C-4529-624B-A4A3-2615D10865E8}"/>
               </a:ext>
             </a:extLst>
           </p:cNvPr>
@@ -10691,8 +11138,8 @@
         </p:blipFill>
         <p:spPr>
           <a:xfrm>
-            <a:off x="548639" y="1088020"/>
-            <a:ext cx="6581786" cy="6438496"/>
+            <a:off x="566929" y="1088020"/>
+            <a:ext cx="6155147" cy="6485684"/>
           </a:xfrm>
           <a:prstGeom prst="rect">
             <a:avLst/>
@@ -10704,7 +11151,7 @@
           <p:cNvPr id="5" name="正方形/長方形 4">
             <a:extLst>
               <a:ext uri="{FF2B5EF4-FFF2-40B4-BE49-F238E27FC236}">
-                <a16:creationId xmlns:a16="http://schemas.microsoft.com/office/drawing/2014/main" id="{2246EEED-891C-4ED1-46DE-D45AFB6B523E}"/>
+                <a16:creationId xmlns:a16="http://schemas.microsoft.com/office/drawing/2014/main" id="{89A2D6FC-F033-60F4-B2B6-3726B4D6923A}"/>
               </a:ext>
             </a:extLst>
           </p:cNvPr>
@@ -10772,7 +11219,7 @@
     </p:spTree>
     <p:extLst>
       <p:ext uri="{BB962C8B-B14F-4D97-AF65-F5344CB8AC3E}">
-        <p14:creationId xmlns:p14="http://schemas.microsoft.com/office/powerpoint/2010/main" val="1274006657"/>
+        <p14:creationId xmlns:p14="http://schemas.microsoft.com/office/powerpoint/2010/main" val="203306385"/>
       </p:ext>
     </p:extLst>
   </p:cSld>
@@ -10801,10 +11248,10 @@
       </p:grpSpPr>
       <p:sp>
         <p:nvSpPr>
-          <p:cNvPr id="2" name="タイトル 1">
+          <p:cNvPr id="4" name="タイトル 3">
             <a:extLst>
               <a:ext uri="{FF2B5EF4-FFF2-40B4-BE49-F238E27FC236}">
-                <a16:creationId xmlns:a16="http://schemas.microsoft.com/office/drawing/2014/main" id="{E537222A-1AC9-664E-B60A-B057083DB7C6}"/>
+                <a16:creationId xmlns:a16="http://schemas.microsoft.com/office/drawing/2014/main" id="{38BD2EF6-E0C8-5342-8A27-952440045C3E}"/>
               </a:ext>
             </a:extLst>
           </p:cNvPr>
@@ -10821,12 +11268,8 @@
           <a:lstStyle/>
           <a:p>
             <a:r>
-              <a:rPr kumimoji="1" lang="en-US" altLang="ja-JP" dirty="0" err="1"/>
-              <a:t>apa-gui</a:t>
-            </a:r>
-            <a:r>
-              <a:rPr kumimoji="1" lang="ja-JP" altLang="en-US"/>
-              <a:t>がデプロイされ、ログを参照できます</a:t>
+              <a:rPr lang="ja-JP" altLang="en-US"/>
+              <a:t>確認と作成を行います</a:t>
             </a:r>
           </a:p>
         </p:txBody>
@@ -10836,7 +11279,7 @@
           <p:cNvPr id="3" name="図 2">
             <a:extLst>
               <a:ext uri="{FF2B5EF4-FFF2-40B4-BE49-F238E27FC236}">
-                <a16:creationId xmlns:a16="http://schemas.microsoft.com/office/drawing/2014/main" id="{76AE3008-A067-9A41-B32B-794208580333}"/>
+                <a16:creationId xmlns:a16="http://schemas.microsoft.com/office/drawing/2014/main" id="{1BDFFD64-FD98-1143-A264-21F98797ED59}"/>
               </a:ext>
             </a:extLst>
           </p:cNvPr>
@@ -10853,8 +11296,8 @@
         </p:blipFill>
         <p:spPr>
           <a:xfrm>
-            <a:off x="548639" y="1088020"/>
-            <a:ext cx="6921266" cy="6489315"/>
+            <a:off x="566929" y="989166"/>
+            <a:ext cx="4309246" cy="6560812"/>
           </a:xfrm>
           <a:prstGeom prst="rect">
             <a:avLst/>
@@ -10863,10 +11306,10 @@
       </p:pic>
       <p:sp>
         <p:nvSpPr>
-          <p:cNvPr id="4" name="正方形/長方形 3">
+          <p:cNvPr id="5" name="正方形/長方形 4">
             <a:extLst>
               <a:ext uri="{FF2B5EF4-FFF2-40B4-BE49-F238E27FC236}">
-                <a16:creationId xmlns:a16="http://schemas.microsoft.com/office/drawing/2014/main" id="{5D28A7C8-ACEE-B25F-DE79-15259E9A09DE}"/>
+                <a16:creationId xmlns:a16="http://schemas.microsoft.com/office/drawing/2014/main" id="{E8BBBA20-FEB1-1240-256D-01390F69B57A}"/>
               </a:ext>
             </a:extLst>
           </p:cNvPr>
@@ -10934,7 +11377,7 @@
     </p:spTree>
     <p:extLst>
       <p:ext uri="{BB962C8B-B14F-4D97-AF65-F5344CB8AC3E}">
-        <p14:creationId xmlns:p14="http://schemas.microsoft.com/office/powerpoint/2010/main" val="2031403356"/>
+        <p14:creationId xmlns:p14="http://schemas.microsoft.com/office/powerpoint/2010/main" val="2300780642"/>
       </p:ext>
     </p:extLst>
   </p:cSld>
@@ -10963,10 +11406,10 @@
       </p:grpSpPr>
       <p:sp>
         <p:nvSpPr>
-          <p:cNvPr id="2" name="Title 1">
+          <p:cNvPr id="4" name="タイトル 3">
             <a:extLst>
               <a:ext uri="{FF2B5EF4-FFF2-40B4-BE49-F238E27FC236}">
-                <a16:creationId xmlns:a16="http://schemas.microsoft.com/office/drawing/2014/main" id="{9EBADC66-B5FD-D747-96FE-62C7FB088D4C}"/>
+                <a16:creationId xmlns:a16="http://schemas.microsoft.com/office/drawing/2014/main" id="{38BD2EF6-E0C8-5342-8A27-952440045C3E}"/>
               </a:ext>
             </a:extLst>
           </p:cNvPr>
@@ -10983,18 +11426,152 @@
           <a:lstStyle/>
           <a:p>
             <a:r>
-              <a:rPr lang="en-US"/>
-              <a:t>Q&amp;A</a:t>
-            </a:r>
-          </a:p>
-        </p:txBody>
-      </p:sp>
-      <p:sp>
-        <p:nvSpPr>
-          <p:cNvPr id="3" name="Text Placeholder 2">
+              <a:rPr lang="en-US" altLang="ja-JP" dirty="0" err="1"/>
+              <a:t>apa-gui</a:t>
+            </a:r>
+            <a:r>
+              <a:rPr lang="ja-JP" altLang="en-US"/>
+              <a:t>のデプロイが開始されます</a:t>
+            </a:r>
+          </a:p>
+        </p:txBody>
+      </p:sp>
+      <p:pic>
+        <p:nvPicPr>
+          <p:cNvPr id="3" name="図 2">
             <a:extLst>
               <a:ext uri="{FF2B5EF4-FFF2-40B4-BE49-F238E27FC236}">
-                <a16:creationId xmlns:a16="http://schemas.microsoft.com/office/drawing/2014/main" id="{8CFD704F-8BFC-2847-9F9E-08EBD45A313F}"/>
+                <a16:creationId xmlns:a16="http://schemas.microsoft.com/office/drawing/2014/main" id="{6D36AF84-739F-3F41-BB65-0BCDCD18E88C}"/>
+              </a:ext>
+            </a:extLst>
+          </p:cNvPr>
+          <p:cNvPicPr>
+            <a:picLocks noChangeAspect="1"/>
+          </p:cNvPicPr>
+          <p:nvPr/>
+        </p:nvPicPr>
+        <p:blipFill>
+          <a:blip r:embed="rId2"/>
+          <a:stretch>
+            <a:fillRect/>
+          </a:stretch>
+        </p:blipFill>
+        <p:spPr>
+          <a:xfrm>
+            <a:off x="548639" y="1088020"/>
+            <a:ext cx="6581786" cy="6438496"/>
+          </a:xfrm>
+          <a:prstGeom prst="rect">
+            <a:avLst/>
+          </a:prstGeom>
+        </p:spPr>
+      </p:pic>
+      <p:sp>
+        <p:nvSpPr>
+          <p:cNvPr id="5" name="正方形/長方形 4">
+            <a:extLst>
+              <a:ext uri="{FF2B5EF4-FFF2-40B4-BE49-F238E27FC236}">
+                <a16:creationId xmlns:a16="http://schemas.microsoft.com/office/drawing/2014/main" id="{2246EEED-891C-4ED1-46DE-D45AFB6B523E}"/>
+              </a:ext>
+            </a:extLst>
+          </p:cNvPr>
+          <p:cNvSpPr/>
+          <p:nvPr/>
+        </p:nvSpPr>
+        <p:spPr>
+          <a:xfrm rot="21095183">
+            <a:off x="8316605" y="563209"/>
+            <a:ext cx="5856090" cy="523220"/>
+          </a:xfrm>
+          <a:prstGeom prst="rect">
+            <a:avLst/>
+          </a:prstGeom>
+          <a:noFill/>
+        </p:spPr>
+        <p:txBody>
+          <a:bodyPr wrap="none" lIns="91440" tIns="45720" rIns="91440" bIns="45720">
+            <a:spAutoFit/>
+          </a:bodyPr>
+          <a:lstStyle/>
+          <a:p>
+            <a:pPr algn="ctr"/>
+            <a:r>
+              <a:rPr lang="en-US" altLang="ja-JP" sz="2800" b="0" cap="none" spc="0" dirty="0">
+                <a:ln w="0"/>
+                <a:solidFill>
+                  <a:srgbClr val="FF0000"/>
+                </a:solidFill>
+                <a:effectLst>
+                  <a:outerShdw blurRad="38100" dist="25400" dir="5400000" algn="ctr" rotWithShape="0">
+                    <a:srgbClr val="6E747A">
+                      <a:alpha val="43000"/>
+                    </a:srgbClr>
+                  </a:outerShdw>
+                </a:effectLst>
+                <a:highlight>
+                  <a:srgbClr val="FFFF00"/>
+                </a:highlight>
+              </a:rPr>
+              <a:t>modern-skeleton</a:t>
+            </a:r>
+            <a:r>
+              <a:rPr lang="ja-JP" altLang="en-US" sz="2800" b="0" cap="none" spc="0">
+                <a:ln w="0"/>
+                <a:solidFill>
+                  <a:srgbClr val="FF0000"/>
+                </a:solidFill>
+                <a:effectLst>
+                  <a:outerShdw blurRad="38100" dist="25400" dir="5400000" algn="ctr" rotWithShape="0">
+                    <a:srgbClr val="6E747A">
+                      <a:alpha val="43000"/>
+                    </a:srgbClr>
+                  </a:outerShdw>
+                </a:effectLst>
+                <a:highlight>
+                  <a:srgbClr val="FFFF00"/>
+                </a:highlight>
+              </a:rPr>
+              <a:t>のケースに置換え</a:t>
+            </a:r>
+          </a:p>
+        </p:txBody>
+      </p:sp>
+    </p:spTree>
+    <p:extLst>
+      <p:ext uri="{BB962C8B-B14F-4D97-AF65-F5344CB8AC3E}">
+        <p14:creationId xmlns:p14="http://schemas.microsoft.com/office/powerpoint/2010/main" val="1274006657"/>
+      </p:ext>
+    </p:extLst>
+  </p:cSld>
+  <p:clrMapOvr>
+    <a:masterClrMapping/>
+  </p:clrMapOvr>
+</p:sld>
+</file>
+
+<file path=ppt/slides/slide29.xml><?xml version="1.0" encoding="utf-8"?>
+<p:sld xmlns:a="http://schemas.openxmlformats.org/drawingml/2006/main" xmlns:r="http://schemas.openxmlformats.org/officeDocument/2006/relationships" xmlns:p="http://schemas.openxmlformats.org/presentationml/2006/main">
+  <p:cSld>
+    <p:spTree>
+      <p:nvGrpSpPr>
+        <p:cNvPr id="1" name=""/>
+        <p:cNvGrpSpPr/>
+        <p:nvPr/>
+      </p:nvGrpSpPr>
+      <p:grpSpPr>
+        <a:xfrm>
+          <a:off x="0" y="0"/>
+          <a:ext cx="0" cy="0"/>
+          <a:chOff x="0" y="0"/>
+          <a:chExt cx="0" cy="0"/>
+        </a:xfrm>
+      </p:grpSpPr>
+      <p:sp>
+        <p:nvSpPr>
+          <p:cNvPr id="2" name="タイトル 1">
+            <a:extLst>
+              <a:ext uri="{FF2B5EF4-FFF2-40B4-BE49-F238E27FC236}">
+                <a16:creationId xmlns:a16="http://schemas.microsoft.com/office/drawing/2014/main" id="{E537222A-1AC9-664E-B60A-B057083DB7C6}"/>
               </a:ext>
             </a:extLst>
           </p:cNvPr>
@@ -11002,7 +11579,7 @@
             <a:spLocks noGrp="1"/>
           </p:cNvSpPr>
           <p:nvPr>
-            <p:ph type="body" sz="quarter" idx="10"/>
+            <p:ph type="title"/>
           </p:nvPr>
         </p:nvSpPr>
         <p:spPr/>
@@ -11011,8 +11588,112 @@
           <a:lstStyle/>
           <a:p>
             <a:r>
-              <a:rPr lang="en-US"/>
-              <a:t>Name of presenter</a:t>
+              <a:rPr kumimoji="1" lang="en-US" altLang="ja-JP" dirty="0" err="1"/>
+              <a:t>apa-gui</a:t>
+            </a:r>
+            <a:r>
+              <a:rPr kumimoji="1" lang="ja-JP" altLang="en-US"/>
+              <a:t>がデプロイされ、ログを参照できます</a:t>
+            </a:r>
+          </a:p>
+        </p:txBody>
+      </p:sp>
+      <p:pic>
+        <p:nvPicPr>
+          <p:cNvPr id="3" name="図 2">
+            <a:extLst>
+              <a:ext uri="{FF2B5EF4-FFF2-40B4-BE49-F238E27FC236}">
+                <a16:creationId xmlns:a16="http://schemas.microsoft.com/office/drawing/2014/main" id="{76AE3008-A067-9A41-B32B-794208580333}"/>
+              </a:ext>
+            </a:extLst>
+          </p:cNvPr>
+          <p:cNvPicPr>
+            <a:picLocks noChangeAspect="1"/>
+          </p:cNvPicPr>
+          <p:nvPr/>
+        </p:nvPicPr>
+        <p:blipFill>
+          <a:blip r:embed="rId2"/>
+          <a:stretch>
+            <a:fillRect/>
+          </a:stretch>
+        </p:blipFill>
+        <p:spPr>
+          <a:xfrm>
+            <a:off x="548639" y="1088020"/>
+            <a:ext cx="6921266" cy="6489315"/>
+          </a:xfrm>
+          <a:prstGeom prst="rect">
+            <a:avLst/>
+          </a:prstGeom>
+        </p:spPr>
+      </p:pic>
+      <p:sp>
+        <p:nvSpPr>
+          <p:cNvPr id="4" name="正方形/長方形 3">
+            <a:extLst>
+              <a:ext uri="{FF2B5EF4-FFF2-40B4-BE49-F238E27FC236}">
+                <a16:creationId xmlns:a16="http://schemas.microsoft.com/office/drawing/2014/main" id="{5D28A7C8-ACEE-B25F-DE79-15259E9A09DE}"/>
+              </a:ext>
+            </a:extLst>
+          </p:cNvPr>
+          <p:cNvSpPr/>
+          <p:nvPr/>
+        </p:nvSpPr>
+        <p:spPr>
+          <a:xfrm rot="21095183">
+            <a:off x="8316605" y="563209"/>
+            <a:ext cx="5856090" cy="523220"/>
+          </a:xfrm>
+          <a:prstGeom prst="rect">
+            <a:avLst/>
+          </a:prstGeom>
+          <a:noFill/>
+        </p:spPr>
+        <p:txBody>
+          <a:bodyPr wrap="none" lIns="91440" tIns="45720" rIns="91440" bIns="45720">
+            <a:spAutoFit/>
+          </a:bodyPr>
+          <a:lstStyle/>
+          <a:p>
+            <a:pPr algn="ctr"/>
+            <a:r>
+              <a:rPr lang="en-US" altLang="ja-JP" sz="2800" b="0" cap="none" spc="0" dirty="0">
+                <a:ln w="0"/>
+                <a:solidFill>
+                  <a:srgbClr val="FF0000"/>
+                </a:solidFill>
+                <a:effectLst>
+                  <a:outerShdw blurRad="38100" dist="25400" dir="5400000" algn="ctr" rotWithShape="0">
+                    <a:srgbClr val="6E747A">
+                      <a:alpha val="43000"/>
+                    </a:srgbClr>
+                  </a:outerShdw>
+                </a:effectLst>
+                <a:highlight>
+                  <a:srgbClr val="FFFF00"/>
+                </a:highlight>
+              </a:rPr>
+              <a:t>modern-skeleton</a:t>
+            </a:r>
+            <a:r>
+              <a:rPr lang="ja-JP" altLang="en-US" sz="2800" b="0" cap="none" spc="0">
+                <a:ln w="0"/>
+                <a:solidFill>
+                  <a:srgbClr val="FF0000"/>
+                </a:solidFill>
+                <a:effectLst>
+                  <a:outerShdw blurRad="38100" dist="25400" dir="5400000" algn="ctr" rotWithShape="0">
+                    <a:srgbClr val="6E747A">
+                      <a:alpha val="43000"/>
+                    </a:srgbClr>
+                  </a:outerShdw>
+                </a:effectLst>
+                <a:highlight>
+                  <a:srgbClr val="FFFF00"/>
+                </a:highlight>
+              </a:rPr>
+              <a:t>のケースに置換え</a:t>
             </a:r>
           </a:p>
         </p:txBody>
@@ -11020,7 +11701,7 @@
     </p:spTree>
     <p:extLst>
       <p:ext uri="{BB962C8B-B14F-4D97-AF65-F5344CB8AC3E}">
-        <p14:creationId xmlns:p14="http://schemas.microsoft.com/office/powerpoint/2010/main" val="1310125899"/>
+        <p14:creationId xmlns:p14="http://schemas.microsoft.com/office/powerpoint/2010/main" val="2031403356"/>
       </p:ext>
     </p:extLst>
   </p:cSld>
@@ -11153,6 +11834,93 @@
     <p:extLst>
       <p:ext uri="{BB962C8B-B14F-4D97-AF65-F5344CB8AC3E}">
         <p14:creationId xmlns:p14="http://schemas.microsoft.com/office/powerpoint/2010/main" val="952943633"/>
+      </p:ext>
+    </p:extLst>
+  </p:cSld>
+  <p:clrMapOvr>
+    <a:masterClrMapping/>
+  </p:clrMapOvr>
+</p:sld>
+</file>
+
+<file path=ppt/slides/slide30.xml><?xml version="1.0" encoding="utf-8"?>
+<p:sld xmlns:a="http://schemas.openxmlformats.org/drawingml/2006/main" xmlns:r="http://schemas.openxmlformats.org/officeDocument/2006/relationships" xmlns:p="http://schemas.openxmlformats.org/presentationml/2006/main">
+  <p:cSld>
+    <p:spTree>
+      <p:nvGrpSpPr>
+        <p:cNvPr id="1" name=""/>
+        <p:cNvGrpSpPr/>
+        <p:nvPr/>
+      </p:nvGrpSpPr>
+      <p:grpSpPr>
+        <a:xfrm>
+          <a:off x="0" y="0"/>
+          <a:ext cx="0" cy="0"/>
+          <a:chOff x="0" y="0"/>
+          <a:chExt cx="0" cy="0"/>
+        </a:xfrm>
+      </p:grpSpPr>
+      <p:sp>
+        <p:nvSpPr>
+          <p:cNvPr id="2" name="Title 1">
+            <a:extLst>
+              <a:ext uri="{FF2B5EF4-FFF2-40B4-BE49-F238E27FC236}">
+                <a16:creationId xmlns:a16="http://schemas.microsoft.com/office/drawing/2014/main" id="{9EBADC66-B5FD-D747-96FE-62C7FB088D4C}"/>
+              </a:ext>
+            </a:extLst>
+          </p:cNvPr>
+          <p:cNvSpPr>
+            <a:spLocks noGrp="1"/>
+          </p:cNvSpPr>
+          <p:nvPr>
+            <p:ph type="title"/>
+          </p:nvPr>
+        </p:nvSpPr>
+        <p:spPr/>
+        <p:txBody>
+          <a:bodyPr/>
+          <a:lstStyle/>
+          <a:p>
+            <a:r>
+              <a:rPr lang="en-US" dirty="0"/>
+              <a:t>Thank you !!</a:t>
+            </a:r>
+          </a:p>
+        </p:txBody>
+      </p:sp>
+      <p:sp>
+        <p:nvSpPr>
+          <p:cNvPr id="3" name="Text Placeholder 2">
+            <a:extLst>
+              <a:ext uri="{FF2B5EF4-FFF2-40B4-BE49-F238E27FC236}">
+                <a16:creationId xmlns:a16="http://schemas.microsoft.com/office/drawing/2014/main" id="{8CFD704F-8BFC-2847-9F9E-08EBD45A313F}"/>
+              </a:ext>
+            </a:extLst>
+          </p:cNvPr>
+          <p:cNvSpPr>
+            <a:spLocks noGrp="1"/>
+          </p:cNvSpPr>
+          <p:nvPr>
+            <p:ph type="body" sz="quarter" idx="10"/>
+          </p:nvPr>
+        </p:nvSpPr>
+        <p:spPr/>
+        <p:txBody>
+          <a:bodyPr/>
+          <a:lstStyle/>
+          <a:p>
+            <a:r>
+              <a:rPr lang="en-US" dirty="0" err="1"/>
+              <a:t>ありがとうございました</a:t>
+            </a:r>
+            <a:endParaRPr lang="en-US" dirty="0"/>
+          </a:p>
+        </p:txBody>
+      </p:sp>
+    </p:spTree>
+    <p:extLst>
+      <p:ext uri="{BB962C8B-B14F-4D97-AF65-F5344CB8AC3E}">
+        <p14:creationId xmlns:p14="http://schemas.microsoft.com/office/powerpoint/2010/main" val="2654942265"/>
       </p:ext>
     </p:extLst>
   </p:cSld>
@@ -11706,7 +12474,10 @@
             <a:r>
               <a:rPr lang="en" altLang="ja-JP" sz="1800" dirty="0">
                 <a:solidFill>
-                  <a:srgbClr val="F2F2F2"/>
+                  <a:schemeClr val="accent6">
+                    <a:lumMod val="20000"/>
+                    <a:lumOff val="80000"/>
+                  </a:schemeClr>
                 </a:solidFill>
                 <a:latin typeface="Monaco" pitchFamily="2" charset="0"/>
               </a:rPr>
@@ -11717,7 +12488,10 @@
             <a:r>
               <a:rPr lang="en" altLang="ja-JP" sz="1800" dirty="0">
                 <a:solidFill>
-                  <a:srgbClr val="F2F2F2"/>
+                  <a:schemeClr val="accent6">
+                    <a:lumMod val="20000"/>
+                    <a:lumOff val="80000"/>
+                  </a:schemeClr>
                 </a:solidFill>
                 <a:latin typeface="Monaco" pitchFamily="2" charset="0"/>
               </a:rPr>
@@ -11726,7 +12500,10 @@
             <a:r>
               <a:rPr lang="en" altLang="ja-JP" sz="1800" dirty="0" err="1">
                 <a:solidFill>
-                  <a:srgbClr val="F2F2F2"/>
+                  <a:schemeClr val="accent6">
+                    <a:lumMod val="20000"/>
+                    <a:lumOff val="80000"/>
+                  </a:schemeClr>
                 </a:solidFill>
                 <a:latin typeface="Monaco" pitchFamily="2" charset="0"/>
               </a:rPr>
@@ -11734,7 +12511,10 @@
             </a:r>
             <a:endParaRPr lang="en" altLang="ja-JP" sz="1800" dirty="0">
               <a:solidFill>
-                <a:srgbClr val="F2F2F2"/>
+                <a:schemeClr val="accent6">
+                  <a:lumMod val="20000"/>
+                  <a:lumOff val="80000"/>
+                </a:schemeClr>
               </a:solidFill>
               <a:latin typeface="Monaco" pitchFamily="2" charset="0"/>
             </a:endParaRPr>
@@ -11743,7 +12523,10 @@
             <a:r>
               <a:rPr lang="en" altLang="ja-JP" sz="1800" dirty="0">
                 <a:solidFill>
-                  <a:srgbClr val="F2F2F2"/>
+                  <a:schemeClr val="accent6">
+                    <a:lumMod val="20000"/>
+                    <a:lumOff val="80000"/>
+                  </a:schemeClr>
                 </a:solidFill>
                 <a:latin typeface="Monaco" pitchFamily="2" charset="0"/>
               </a:rPr>
@@ -11752,7 +12535,10 @@
             <a:r>
               <a:rPr lang="en" altLang="ja-JP" sz="1800" dirty="0" err="1">
                 <a:solidFill>
-                  <a:srgbClr val="F2F2F2"/>
+                  <a:schemeClr val="accent6">
+                    <a:lumMod val="20000"/>
+                    <a:lumOff val="80000"/>
+                  </a:schemeClr>
                 </a:solidFill>
                 <a:latin typeface="Monaco" pitchFamily="2" charset="0"/>
               </a:rPr>
@@ -11760,7 +12546,10 @@
             </a:r>
             <a:endParaRPr lang="en" altLang="ja-JP" sz="1800" dirty="0">
               <a:solidFill>
-                <a:srgbClr val="F2F2F2"/>
+                <a:schemeClr val="accent6">
+                  <a:lumMod val="20000"/>
+                  <a:lumOff val="80000"/>
+                </a:schemeClr>
               </a:solidFill>
               <a:latin typeface="Monaco" pitchFamily="2" charset="0"/>
             </a:endParaRPr>
@@ -11769,7 +12558,10 @@
             <a:r>
               <a:rPr lang="en" altLang="ja-JP" sz="1800" dirty="0">
                 <a:solidFill>
-                  <a:srgbClr val="F2F2F2"/>
+                  <a:schemeClr val="accent6">
+                    <a:lumMod val="20000"/>
+                    <a:lumOff val="80000"/>
+                  </a:schemeClr>
                 </a:solidFill>
                 <a:latin typeface="Monaco" pitchFamily="2" charset="0"/>
               </a:rPr>
@@ -11778,7 +12570,10 @@
             <a:r>
               <a:rPr lang="en" altLang="ja-JP" sz="1800" dirty="0" err="1">
                 <a:solidFill>
-                  <a:srgbClr val="F2F2F2"/>
+                  <a:schemeClr val="accent6">
+                    <a:lumMod val="20000"/>
+                    <a:lumOff val="80000"/>
+                  </a:schemeClr>
                 </a:solidFill>
                 <a:latin typeface="Monaco" pitchFamily="2" charset="0"/>
               </a:rPr>
@@ -11786,7 +12581,10 @@
             </a:r>
             <a:endParaRPr lang="en" altLang="ja-JP" sz="1800" dirty="0">
               <a:solidFill>
-                <a:srgbClr val="F2F2F2"/>
+                <a:schemeClr val="accent6">
+                  <a:lumMod val="20000"/>
+                  <a:lumOff val="80000"/>
+                </a:schemeClr>
               </a:solidFill>
               <a:latin typeface="Monaco" pitchFamily="2" charset="0"/>
             </a:endParaRPr>
@@ -11795,7 +12593,10 @@
             <a:r>
               <a:rPr lang="en" altLang="ja-JP" sz="1800" dirty="0">
                 <a:solidFill>
-                  <a:srgbClr val="F2F2F2"/>
+                  <a:schemeClr val="accent6">
+                    <a:lumMod val="20000"/>
+                    <a:lumOff val="80000"/>
+                  </a:schemeClr>
                 </a:solidFill>
                 <a:latin typeface="Monaco" pitchFamily="2" charset="0"/>
               </a:rPr>
@@ -11804,7 +12605,10 @@
             <a:r>
               <a:rPr lang="en" altLang="ja-JP" sz="1800" dirty="0" err="1">
                 <a:solidFill>
-                  <a:srgbClr val="F2F2F2"/>
+                  <a:schemeClr val="accent6">
+                    <a:lumMod val="20000"/>
+                    <a:lumOff val="80000"/>
+                  </a:schemeClr>
                 </a:solidFill>
                 <a:latin typeface="Monaco" pitchFamily="2" charset="0"/>
               </a:rPr>
@@ -11812,7 +12616,10 @@
             </a:r>
             <a:endParaRPr lang="en" altLang="ja-JP" sz="1800" dirty="0">
               <a:solidFill>
-                <a:srgbClr val="F2F2F2"/>
+                <a:schemeClr val="accent6">
+                  <a:lumMod val="20000"/>
+                  <a:lumOff val="80000"/>
+                </a:schemeClr>
               </a:solidFill>
               <a:latin typeface="Monaco" pitchFamily="2" charset="0"/>
             </a:endParaRPr>
@@ -11821,7 +12628,10 @@
             <a:r>
               <a:rPr lang="en" altLang="ja-JP" sz="1800" dirty="0">
                 <a:solidFill>
-                  <a:srgbClr val="F2F2F2"/>
+                  <a:schemeClr val="accent6">
+                    <a:lumMod val="20000"/>
+                    <a:lumOff val="80000"/>
+                  </a:schemeClr>
                 </a:solidFill>
                 <a:latin typeface="Monaco" pitchFamily="2" charset="0"/>
               </a:rPr>
@@ -11830,7 +12640,10 @@
             <a:r>
               <a:rPr lang="en" altLang="ja-JP" sz="1800" dirty="0" err="1">
                 <a:solidFill>
-                  <a:srgbClr val="F2F2F2"/>
+                  <a:schemeClr val="accent6">
+                    <a:lumMod val="20000"/>
+                    <a:lumOff val="80000"/>
+                  </a:schemeClr>
                 </a:solidFill>
                 <a:latin typeface="Monaco" pitchFamily="2" charset="0"/>
               </a:rPr>
@@ -11838,7 +12651,10 @@
             </a:r>
             <a:endParaRPr lang="en" altLang="ja-JP" sz="1800" dirty="0">
               <a:solidFill>
-                <a:srgbClr val="F2F2F2"/>
+                <a:schemeClr val="accent6">
+                  <a:lumMod val="20000"/>
+                  <a:lumOff val="80000"/>
+                </a:schemeClr>
               </a:solidFill>
               <a:latin typeface="Monaco" pitchFamily="2" charset="0"/>
             </a:endParaRPr>
@@ -11847,7 +12663,10 @@
             <a:r>
               <a:rPr lang="en" altLang="ja-JP" sz="1800" dirty="0">
                 <a:solidFill>
-                  <a:srgbClr val="F2F2F2"/>
+                  <a:schemeClr val="accent6">
+                    <a:lumMod val="20000"/>
+                    <a:lumOff val="80000"/>
+                  </a:schemeClr>
                 </a:solidFill>
                 <a:latin typeface="Monaco" pitchFamily="2" charset="0"/>
               </a:rPr>
@@ -11856,7 +12675,10 @@
             <a:r>
               <a:rPr lang="en" altLang="ja-JP" sz="1800" dirty="0" err="1">
                 <a:solidFill>
-                  <a:srgbClr val="F2F2F2"/>
+                  <a:schemeClr val="accent6">
+                    <a:lumMod val="20000"/>
+                    <a:lumOff val="80000"/>
+                  </a:schemeClr>
                 </a:solidFill>
                 <a:latin typeface="Monaco" pitchFamily="2" charset="0"/>
               </a:rPr>
@@ -11864,7 +12686,10 @@
             </a:r>
             <a:endParaRPr lang="en" altLang="ja-JP" sz="1800" dirty="0">
               <a:solidFill>
-                <a:srgbClr val="F2F2F2"/>
+                <a:schemeClr val="accent6">
+                  <a:lumMod val="20000"/>
+                  <a:lumOff val="80000"/>
+                </a:schemeClr>
               </a:solidFill>
               <a:latin typeface="Monaco" pitchFamily="2" charset="0"/>
             </a:endParaRPr>
@@ -11873,7 +12698,10 @@
             <a:r>
               <a:rPr lang="en" altLang="ja-JP" sz="1800" dirty="0">
                 <a:solidFill>
-                  <a:srgbClr val="F2F2F2"/>
+                  <a:schemeClr val="accent6">
+                    <a:lumMod val="20000"/>
+                    <a:lumOff val="80000"/>
+                  </a:schemeClr>
                 </a:solidFill>
                 <a:latin typeface="Monaco" pitchFamily="2" charset="0"/>
               </a:rPr>
@@ -11884,7 +12712,10 @@
             <a:r>
               <a:rPr lang="en" altLang="ja-JP" sz="1800" dirty="0">
                 <a:solidFill>
-                  <a:srgbClr val="F2F2F2"/>
+                  <a:schemeClr val="accent6">
+                    <a:lumMod val="20000"/>
+                    <a:lumOff val="80000"/>
+                  </a:schemeClr>
                 </a:solidFill>
                 <a:latin typeface="Monaco" pitchFamily="2" charset="0"/>
               </a:rPr>
@@ -11893,7 +12724,10 @@
             <a:r>
               <a:rPr lang="en" altLang="ja-JP" sz="1800" dirty="0" err="1">
                 <a:solidFill>
-                  <a:srgbClr val="F2F2F2"/>
+                  <a:schemeClr val="accent6">
+                    <a:lumMod val="20000"/>
+                    <a:lumOff val="80000"/>
+                  </a:schemeClr>
                 </a:solidFill>
                 <a:latin typeface="Monaco" pitchFamily="2" charset="0"/>
               </a:rPr>
@@ -11901,7 +12735,10 @@
             </a:r>
             <a:endParaRPr lang="en" altLang="ja-JP" sz="1800" dirty="0">
               <a:solidFill>
-                <a:srgbClr val="F2F2F2"/>
+                <a:schemeClr val="accent6">
+                  <a:lumMod val="20000"/>
+                  <a:lumOff val="80000"/>
+                </a:schemeClr>
               </a:solidFill>
               <a:latin typeface="Monaco" pitchFamily="2" charset="0"/>
             </a:endParaRPr>
@@ -11910,7 +12747,10 @@
             <a:r>
               <a:rPr lang="en" altLang="ja-JP" sz="1800" dirty="0">
                 <a:solidFill>
-                  <a:srgbClr val="F2F2F2"/>
+                  <a:schemeClr val="accent6">
+                    <a:lumMod val="20000"/>
+                    <a:lumOff val="80000"/>
+                  </a:schemeClr>
                 </a:solidFill>
                 <a:latin typeface="Monaco" pitchFamily="2" charset="0"/>
               </a:rPr>
@@ -11919,7 +12759,10 @@
             <a:r>
               <a:rPr lang="en" altLang="ja-JP" sz="1800" dirty="0" err="1">
                 <a:solidFill>
-                  <a:srgbClr val="F2F2F2"/>
+                  <a:schemeClr val="accent6">
+                    <a:lumMod val="20000"/>
+                    <a:lumOff val="80000"/>
+                  </a:schemeClr>
                 </a:solidFill>
                 <a:latin typeface="Monaco" pitchFamily="2" charset="0"/>
               </a:rPr>
@@ -11927,7 +12770,10 @@
             </a:r>
             <a:endParaRPr lang="en" altLang="ja-JP" sz="1800" dirty="0">
               <a:solidFill>
-                <a:srgbClr val="F2F2F2"/>
+                <a:schemeClr val="accent6">
+                  <a:lumMod val="20000"/>
+                  <a:lumOff val="80000"/>
+                </a:schemeClr>
               </a:solidFill>
               <a:latin typeface="Monaco" pitchFamily="2" charset="0"/>
             </a:endParaRPr>
@@ -11936,7 +12782,10 @@
             <a:r>
               <a:rPr lang="en" altLang="ja-JP" sz="1800" dirty="0">
                 <a:solidFill>
-                  <a:srgbClr val="F2F2F2"/>
+                  <a:schemeClr val="accent6">
+                    <a:lumMod val="20000"/>
+                    <a:lumOff val="80000"/>
+                  </a:schemeClr>
                 </a:solidFill>
                 <a:latin typeface="Monaco" pitchFamily="2" charset="0"/>
               </a:rPr>
@@ -11945,7 +12794,10 @@
             <a:r>
               <a:rPr lang="en" altLang="ja-JP" sz="1800" dirty="0" err="1">
                 <a:solidFill>
-                  <a:srgbClr val="F2F2F2"/>
+                  <a:schemeClr val="accent6">
+                    <a:lumMod val="20000"/>
+                    <a:lumOff val="80000"/>
+                  </a:schemeClr>
                 </a:solidFill>
                 <a:latin typeface="Monaco" pitchFamily="2" charset="0"/>
               </a:rPr>
@@ -11953,9 +12805,601 @@
             </a:r>
             <a:endParaRPr lang="en" altLang="ja-JP" sz="1800" dirty="0">
               <a:solidFill>
-                <a:srgbClr val="F2F2F2"/>
+                <a:schemeClr val="accent6">
+                  <a:lumMod val="20000"/>
+                  <a:lumOff val="80000"/>
+                </a:schemeClr>
               </a:solidFill>
               <a:latin typeface="Monaco" pitchFamily="2" charset="0"/>
+            </a:endParaRPr>
+          </a:p>
+        </p:txBody>
+      </p:sp>
+      <p:sp>
+        <p:nvSpPr>
+          <p:cNvPr id="7" name="正方形/長方形 6">
+            <a:extLst>
+              <a:ext uri="{FF2B5EF4-FFF2-40B4-BE49-F238E27FC236}">
+                <a16:creationId xmlns:a16="http://schemas.microsoft.com/office/drawing/2014/main" id="{CDB5975D-CB17-2468-FFFA-4A1572BC0DB6}"/>
+              </a:ext>
+            </a:extLst>
+          </p:cNvPr>
+          <p:cNvSpPr/>
+          <p:nvPr/>
+        </p:nvSpPr>
+        <p:spPr>
+          <a:xfrm>
+            <a:off x="4589848" y="3891662"/>
+            <a:ext cx="7589452" cy="3139321"/>
+          </a:xfrm>
+          <a:prstGeom prst="rect">
+            <a:avLst/>
+          </a:prstGeom>
+        </p:spPr>
+        <p:txBody>
+          <a:bodyPr wrap="square">
+            <a:spAutoFit/>
+          </a:bodyPr>
+          <a:lstStyle/>
+          <a:p>
+            <a:endParaRPr lang="en" altLang="ja-JP" sz="1800" dirty="0">
+              <a:solidFill>
+                <a:schemeClr val="accent6">
+                  <a:lumMod val="40000"/>
+                  <a:lumOff val="60000"/>
+                </a:schemeClr>
+              </a:solidFill>
+              <a:latin typeface="Meiryo" panose="020B0604030504040204" pitchFamily="34" charset="-128"/>
+              <a:ea typeface="Meiryo" panose="020B0604030504040204" pitchFamily="34" charset="-128"/>
+            </a:endParaRPr>
+          </a:p>
+          <a:p>
+            <a:r>
+              <a:rPr lang="en" altLang="ja-JP" sz="1800" dirty="0">
+                <a:solidFill>
+                  <a:schemeClr val="accent6">
+                    <a:lumMod val="40000"/>
+                    <a:lumOff val="60000"/>
+                  </a:schemeClr>
+                </a:solidFill>
+                <a:latin typeface="Meiryo" panose="020B0604030504040204" pitchFamily="34" charset="-128"/>
+                <a:ea typeface="Meiryo" panose="020B0604030504040204" pitchFamily="34" charset="-128"/>
+              </a:rPr>
+              <a:t>&lt;- </a:t>
+            </a:r>
+            <a:r>
+              <a:rPr lang="ja-JP" altLang="en-US" sz="1800">
+                <a:solidFill>
+                  <a:schemeClr val="accent6">
+                    <a:lumMod val="40000"/>
+                    <a:lumOff val="60000"/>
+                  </a:schemeClr>
+                </a:solidFill>
+                <a:latin typeface="Meiryo" panose="020B0604030504040204" pitchFamily="34" charset="-128"/>
+                <a:ea typeface="Meiryo" panose="020B0604030504040204" pitchFamily="34" charset="-128"/>
+              </a:rPr>
+              <a:t>コンテナ化のための設定ファイル</a:t>
+            </a:r>
+            <a:endParaRPr lang="en" altLang="ja-JP" sz="1800" dirty="0">
+              <a:solidFill>
+                <a:schemeClr val="accent6">
+                  <a:lumMod val="40000"/>
+                  <a:lumOff val="60000"/>
+                </a:schemeClr>
+              </a:solidFill>
+              <a:latin typeface="Meiryo" panose="020B0604030504040204" pitchFamily="34" charset="-128"/>
+              <a:ea typeface="Meiryo" panose="020B0604030504040204" pitchFamily="34" charset="-128"/>
+            </a:endParaRPr>
+          </a:p>
+          <a:p>
+            <a:r>
+              <a:rPr lang="en-US" altLang="ja-JP" sz="1800" dirty="0">
+                <a:solidFill>
+                  <a:schemeClr val="accent6">
+                    <a:lumMod val="40000"/>
+                    <a:lumOff val="60000"/>
+                  </a:schemeClr>
+                </a:solidFill>
+                <a:latin typeface="Meiryo" panose="020B0604030504040204" pitchFamily="34" charset="-128"/>
+                <a:ea typeface="Meiryo" panose="020B0604030504040204" pitchFamily="34" charset="-128"/>
+              </a:rPr>
+              <a:t>&lt;-</a:t>
+            </a:r>
+            <a:r>
+              <a:rPr lang="ja-JP" altLang="en-US" sz="1800">
+                <a:solidFill>
+                  <a:schemeClr val="accent6">
+                    <a:lumMod val="40000"/>
+                    <a:lumOff val="60000"/>
+                  </a:schemeClr>
+                </a:solidFill>
+                <a:latin typeface="Meiryo" panose="020B0604030504040204" pitchFamily="34" charset="-128"/>
+                <a:ea typeface="Meiryo" panose="020B0604030504040204" pitchFamily="34" charset="-128"/>
+              </a:rPr>
+              <a:t> </a:t>
+            </a:r>
+            <a:r>
+              <a:rPr lang="en-US" altLang="ja-JP" sz="1800" dirty="0">
+                <a:solidFill>
+                  <a:schemeClr val="accent6">
+                    <a:lumMod val="40000"/>
+                    <a:lumOff val="60000"/>
+                  </a:schemeClr>
+                </a:solidFill>
+                <a:latin typeface="Meiryo" panose="020B0604030504040204" pitchFamily="34" charset="-128"/>
+                <a:ea typeface="Meiryo" panose="020B0604030504040204" pitchFamily="34" charset="-128"/>
+              </a:rPr>
+              <a:t>GitHub</a:t>
+            </a:r>
+            <a:r>
+              <a:rPr lang="ja-JP" altLang="en-US" sz="1800">
+                <a:solidFill>
+                  <a:schemeClr val="accent6">
+                    <a:lumMod val="40000"/>
+                    <a:lumOff val="60000"/>
+                  </a:schemeClr>
+                </a:solidFill>
+                <a:latin typeface="Meiryo" panose="020B0604030504040204" pitchFamily="34" charset="-128"/>
+                <a:ea typeface="Meiryo" panose="020B0604030504040204" pitchFamily="34" charset="-128"/>
+              </a:rPr>
+              <a:t>での</a:t>
+            </a:r>
+            <a:r>
+              <a:rPr lang="en-US" altLang="ja-JP" sz="1800" dirty="0">
+                <a:solidFill>
+                  <a:schemeClr val="accent6">
+                    <a:lumMod val="40000"/>
+                    <a:lumOff val="60000"/>
+                  </a:schemeClr>
+                </a:solidFill>
+                <a:latin typeface="Meiryo" panose="020B0604030504040204" pitchFamily="34" charset="-128"/>
+                <a:ea typeface="Meiryo" panose="020B0604030504040204" pitchFamily="34" charset="-128"/>
+              </a:rPr>
+              <a:t>README</a:t>
+            </a:r>
+            <a:r>
+              <a:rPr lang="ja-JP" altLang="en-US" sz="1800">
+                <a:solidFill>
+                  <a:schemeClr val="accent6">
+                    <a:lumMod val="40000"/>
+                    <a:lumOff val="60000"/>
+                  </a:schemeClr>
+                </a:solidFill>
+                <a:latin typeface="Meiryo" panose="020B0604030504040204" pitchFamily="34" charset="-128"/>
+                <a:ea typeface="Meiryo" panose="020B0604030504040204" pitchFamily="34" charset="-128"/>
+              </a:rPr>
+              <a:t>ファイル</a:t>
+            </a:r>
+            <a:endParaRPr lang="en" altLang="ja-JP" sz="1800" dirty="0">
+              <a:solidFill>
+                <a:schemeClr val="accent6">
+                  <a:lumMod val="40000"/>
+                  <a:lumOff val="60000"/>
+                </a:schemeClr>
+              </a:solidFill>
+              <a:latin typeface="Meiryo" panose="020B0604030504040204" pitchFamily="34" charset="-128"/>
+              <a:ea typeface="Meiryo" panose="020B0604030504040204" pitchFamily="34" charset="-128"/>
+            </a:endParaRPr>
+          </a:p>
+          <a:p>
+            <a:r>
+              <a:rPr lang="en-US" altLang="ja-JP" sz="1800" dirty="0">
+                <a:solidFill>
+                  <a:schemeClr val="accent6">
+                    <a:lumMod val="40000"/>
+                    <a:lumOff val="60000"/>
+                  </a:schemeClr>
+                </a:solidFill>
+                <a:latin typeface="Meiryo" panose="020B0604030504040204" pitchFamily="34" charset="-128"/>
+                <a:ea typeface="Meiryo" panose="020B0604030504040204" pitchFamily="34" charset="-128"/>
+              </a:rPr>
+              <a:t>&lt;-</a:t>
+            </a:r>
+            <a:r>
+              <a:rPr lang="ja-JP" altLang="en-US" sz="1800">
+                <a:solidFill>
+                  <a:schemeClr val="accent6">
+                    <a:lumMod val="40000"/>
+                    <a:lumOff val="60000"/>
+                  </a:schemeClr>
+                </a:solidFill>
+                <a:latin typeface="Meiryo" panose="020B0604030504040204" pitchFamily="34" charset="-128"/>
+                <a:ea typeface="Meiryo" panose="020B0604030504040204" pitchFamily="34" charset="-128"/>
+              </a:rPr>
+              <a:t> コア機能、上記①</a:t>
+            </a:r>
+            <a:r>
+              <a:rPr lang="en-US" altLang="ja-JP" sz="1800" dirty="0">
+                <a:solidFill>
+                  <a:schemeClr val="accent6">
+                    <a:lumMod val="40000"/>
+                    <a:lumOff val="60000"/>
+                  </a:schemeClr>
+                </a:solidFill>
+                <a:latin typeface="Meiryo" panose="020B0604030504040204" pitchFamily="34" charset="-128"/>
+                <a:ea typeface="Meiryo" panose="020B0604030504040204" pitchFamily="34" charset="-128"/>
+              </a:rPr>
+              <a:t>〜</a:t>
+            </a:r>
+            <a:r>
+              <a:rPr lang="ja-JP" altLang="en-US" sz="1800">
+                <a:solidFill>
+                  <a:schemeClr val="accent6">
+                    <a:lumMod val="40000"/>
+                    <a:lumOff val="60000"/>
+                  </a:schemeClr>
+                </a:solidFill>
+                <a:latin typeface="Meiryo" panose="020B0604030504040204" pitchFamily="34" charset="-128"/>
+                <a:ea typeface="Meiryo" panose="020B0604030504040204" pitchFamily="34" charset="-128"/>
+              </a:rPr>
+              <a:t>③の処理を行う</a:t>
+            </a:r>
+            <a:endParaRPr lang="en-US" altLang="ja-JP" sz="1800" dirty="0">
+              <a:solidFill>
+                <a:schemeClr val="accent6">
+                  <a:lumMod val="40000"/>
+                  <a:lumOff val="60000"/>
+                </a:schemeClr>
+              </a:solidFill>
+              <a:latin typeface="Meiryo" panose="020B0604030504040204" pitchFamily="34" charset="-128"/>
+              <a:ea typeface="Meiryo" panose="020B0604030504040204" pitchFamily="34" charset="-128"/>
+            </a:endParaRPr>
+          </a:p>
+          <a:p>
+            <a:r>
+              <a:rPr lang="en-US" altLang="ja-JP" sz="1800" dirty="0">
+                <a:solidFill>
+                  <a:schemeClr val="accent6">
+                    <a:lumMod val="40000"/>
+                    <a:lumOff val="60000"/>
+                  </a:schemeClr>
+                </a:solidFill>
+                <a:latin typeface="Meiryo" panose="020B0604030504040204" pitchFamily="34" charset="-128"/>
+                <a:ea typeface="Meiryo" panose="020B0604030504040204" pitchFamily="34" charset="-128"/>
+              </a:rPr>
+              <a:t>&lt;- Flask</a:t>
+            </a:r>
+            <a:r>
+              <a:rPr lang="ja-JP" altLang="en-US" sz="1800">
+                <a:solidFill>
+                  <a:schemeClr val="accent6">
+                    <a:lumMod val="40000"/>
+                    <a:lumOff val="60000"/>
+                  </a:schemeClr>
+                </a:solidFill>
+                <a:latin typeface="Meiryo" panose="020B0604030504040204" pitchFamily="34" charset="-128"/>
+                <a:ea typeface="Meiryo" panose="020B0604030504040204" pitchFamily="34" charset="-128"/>
+              </a:rPr>
+              <a:t>による</a:t>
+            </a:r>
+            <a:r>
+              <a:rPr lang="en-US" altLang="ja-JP" sz="1800" dirty="0">
+                <a:solidFill>
+                  <a:schemeClr val="accent6">
+                    <a:lumMod val="40000"/>
+                    <a:lumOff val="60000"/>
+                  </a:schemeClr>
+                </a:solidFill>
+                <a:latin typeface="Meiryo" panose="020B0604030504040204" pitchFamily="34" charset="-128"/>
+                <a:ea typeface="Meiryo" panose="020B0604030504040204" pitchFamily="34" charset="-128"/>
+              </a:rPr>
+              <a:t>Web</a:t>
+            </a:r>
+            <a:r>
+              <a:rPr lang="ja-JP" altLang="en-US" sz="1800">
+                <a:solidFill>
+                  <a:schemeClr val="accent6">
+                    <a:lumMod val="40000"/>
+                    <a:lumOff val="60000"/>
+                  </a:schemeClr>
+                </a:solidFill>
+                <a:latin typeface="Meiryo" panose="020B0604030504040204" pitchFamily="34" charset="-128"/>
+                <a:ea typeface="Meiryo" panose="020B0604030504040204" pitchFamily="34" charset="-128"/>
+              </a:rPr>
+              <a:t>アプリ</a:t>
+            </a:r>
+            <a:endParaRPr lang="en" altLang="ja-JP" sz="1800" dirty="0">
+              <a:solidFill>
+                <a:schemeClr val="accent6">
+                  <a:lumMod val="40000"/>
+                  <a:lumOff val="60000"/>
+                </a:schemeClr>
+              </a:solidFill>
+              <a:latin typeface="Meiryo" panose="020B0604030504040204" pitchFamily="34" charset="-128"/>
+              <a:ea typeface="Meiryo" panose="020B0604030504040204" pitchFamily="34" charset="-128"/>
+            </a:endParaRPr>
+          </a:p>
+          <a:p>
+            <a:r>
+              <a:rPr lang="en" altLang="ja-JP" sz="1800" dirty="0">
+                <a:solidFill>
+                  <a:schemeClr val="accent6">
+                    <a:lumMod val="40000"/>
+                    <a:lumOff val="60000"/>
+                  </a:schemeClr>
+                </a:solidFill>
+                <a:latin typeface="Meiryo" panose="020B0604030504040204" pitchFamily="34" charset="-128"/>
+                <a:ea typeface="Meiryo" panose="020B0604030504040204" pitchFamily="34" charset="-128"/>
+              </a:rPr>
+              <a:t>&lt;- AWS App Runner</a:t>
+            </a:r>
+            <a:r>
+              <a:rPr lang="en-US" altLang="ja-JP" sz="1800" dirty="0">
+                <a:solidFill>
+                  <a:schemeClr val="accent6">
+                    <a:lumMod val="40000"/>
+                    <a:lumOff val="60000"/>
+                  </a:schemeClr>
+                </a:solidFill>
+                <a:latin typeface="Meiryo" panose="020B0604030504040204" pitchFamily="34" charset="-128"/>
+                <a:ea typeface="Meiryo" panose="020B0604030504040204" pitchFamily="34" charset="-128"/>
+              </a:rPr>
+              <a:t> </a:t>
+            </a:r>
+            <a:r>
+              <a:rPr lang="ja-JP" altLang="en-US" sz="1800">
+                <a:solidFill>
+                  <a:schemeClr val="accent6">
+                    <a:lumMod val="40000"/>
+                    <a:lumOff val="60000"/>
+                  </a:schemeClr>
+                </a:solidFill>
+                <a:latin typeface="Meiryo" panose="020B0604030504040204" pitchFamily="34" charset="-128"/>
+                <a:ea typeface="Meiryo" panose="020B0604030504040204" pitchFamily="34" charset="-128"/>
+              </a:rPr>
+              <a:t>用の設定ファイル</a:t>
+            </a:r>
+            <a:endParaRPr lang="en" altLang="ja-JP" sz="1800" dirty="0">
+              <a:solidFill>
+                <a:schemeClr val="accent6">
+                  <a:lumMod val="40000"/>
+                  <a:lumOff val="60000"/>
+                </a:schemeClr>
+              </a:solidFill>
+              <a:latin typeface="Meiryo" panose="020B0604030504040204" pitchFamily="34" charset="-128"/>
+              <a:ea typeface="Meiryo" panose="020B0604030504040204" pitchFamily="34" charset="-128"/>
+            </a:endParaRPr>
+          </a:p>
+          <a:p>
+            <a:r>
+              <a:rPr lang="en" altLang="ja-JP" sz="1800" dirty="0">
+                <a:solidFill>
+                  <a:schemeClr val="accent6">
+                    <a:lumMod val="40000"/>
+                    <a:lumOff val="60000"/>
+                  </a:schemeClr>
+                </a:solidFill>
+                <a:latin typeface="Meiryo" panose="020B0604030504040204" pitchFamily="34" charset="-128"/>
+                <a:ea typeface="Meiryo" panose="020B0604030504040204" pitchFamily="34" charset="-128"/>
+              </a:rPr>
+              <a:t>&lt;- </a:t>
+            </a:r>
+            <a:r>
+              <a:rPr lang="ja-JP" altLang="en-US" sz="1800">
+                <a:solidFill>
+                  <a:schemeClr val="accent6">
+                    <a:lumMod val="40000"/>
+                    <a:lumOff val="60000"/>
+                  </a:schemeClr>
+                </a:solidFill>
+                <a:latin typeface="Meiryo" panose="020B0604030504040204" pitchFamily="34" charset="-128"/>
+                <a:ea typeface="Meiryo" panose="020B0604030504040204" pitchFamily="34" charset="-128"/>
+              </a:rPr>
+              <a:t>サンプルコード実行の前提となるモジュールの設定ファイル</a:t>
+            </a:r>
+            <a:endParaRPr lang="en" altLang="ja-JP" sz="1800" dirty="0">
+              <a:solidFill>
+                <a:schemeClr val="accent6">
+                  <a:lumMod val="40000"/>
+                  <a:lumOff val="60000"/>
+                </a:schemeClr>
+              </a:solidFill>
+              <a:latin typeface="Meiryo" panose="020B0604030504040204" pitchFamily="34" charset="-128"/>
+              <a:ea typeface="Meiryo" panose="020B0604030504040204" pitchFamily="34" charset="-128"/>
+            </a:endParaRPr>
+          </a:p>
+          <a:p>
+            <a:r>
+              <a:rPr lang="en" altLang="ja-JP" sz="1800" dirty="0">
+                <a:solidFill>
+                  <a:schemeClr val="accent6">
+                    <a:lumMod val="40000"/>
+                    <a:lumOff val="60000"/>
+                  </a:schemeClr>
+                </a:solidFill>
+                <a:latin typeface="Meiryo" panose="020B0604030504040204" pitchFamily="34" charset="-128"/>
+                <a:ea typeface="Meiryo" panose="020B0604030504040204" pitchFamily="34" charset="-128"/>
+              </a:rPr>
+              <a:t>&lt;- F</a:t>
+            </a:r>
+            <a:r>
+              <a:rPr lang="en-US" altLang="ja-JP" sz="1800" dirty="0" err="1">
+                <a:solidFill>
+                  <a:schemeClr val="accent6">
+                    <a:lumMod val="40000"/>
+                    <a:lumOff val="60000"/>
+                  </a:schemeClr>
+                </a:solidFill>
+                <a:latin typeface="Meiryo" panose="020B0604030504040204" pitchFamily="34" charset="-128"/>
+                <a:ea typeface="Meiryo" panose="020B0604030504040204" pitchFamily="34" charset="-128"/>
+              </a:rPr>
+              <a:t>lask</a:t>
+            </a:r>
+            <a:r>
+              <a:rPr lang="en-US" altLang="ja-JP" sz="1800" dirty="0">
+                <a:solidFill>
+                  <a:schemeClr val="accent6">
+                    <a:lumMod val="40000"/>
+                    <a:lumOff val="60000"/>
+                  </a:schemeClr>
+                </a:solidFill>
+                <a:latin typeface="Meiryo" panose="020B0604030504040204" pitchFamily="34" charset="-128"/>
+                <a:ea typeface="Meiryo" panose="020B0604030504040204" pitchFamily="34" charset="-128"/>
+              </a:rPr>
+              <a:t> </a:t>
+            </a:r>
+            <a:r>
+              <a:rPr lang="ja-JP" altLang="en-US" sz="1800">
+                <a:solidFill>
+                  <a:schemeClr val="accent6">
+                    <a:lumMod val="40000"/>
+                    <a:lumOff val="60000"/>
+                  </a:schemeClr>
+                </a:solidFill>
+                <a:latin typeface="Meiryo" panose="020B0604030504040204" pitchFamily="34" charset="-128"/>
+                <a:ea typeface="Meiryo" panose="020B0604030504040204" pitchFamily="34" charset="-128"/>
+              </a:rPr>
+              <a:t>用の</a:t>
+            </a:r>
+            <a:r>
+              <a:rPr lang="en-US" altLang="ja-JP" sz="1800" dirty="0">
+                <a:solidFill>
+                  <a:schemeClr val="accent6">
+                    <a:lumMod val="40000"/>
+                    <a:lumOff val="60000"/>
+                  </a:schemeClr>
+                </a:solidFill>
+                <a:latin typeface="Meiryo" panose="020B0604030504040204" pitchFamily="34" charset="-128"/>
+                <a:ea typeface="Meiryo" panose="020B0604030504040204" pitchFamily="34" charset="-128"/>
+              </a:rPr>
+              <a:t>HTML</a:t>
+            </a:r>
+            <a:r>
+              <a:rPr lang="ja-JP" altLang="en-US" sz="1800">
+                <a:solidFill>
+                  <a:schemeClr val="accent6">
+                    <a:lumMod val="40000"/>
+                    <a:lumOff val="60000"/>
+                  </a:schemeClr>
+                </a:solidFill>
+                <a:latin typeface="Meiryo" panose="020B0604030504040204" pitchFamily="34" charset="-128"/>
+                <a:ea typeface="Meiryo" panose="020B0604030504040204" pitchFamily="34" charset="-128"/>
+              </a:rPr>
+              <a:t>ファイル・ディレクトリ</a:t>
+            </a:r>
+            <a:endParaRPr lang="en" altLang="ja-JP" sz="1800" dirty="0">
+              <a:solidFill>
+                <a:schemeClr val="accent6">
+                  <a:lumMod val="40000"/>
+                  <a:lumOff val="60000"/>
+                </a:schemeClr>
+              </a:solidFill>
+              <a:latin typeface="Meiryo" panose="020B0604030504040204" pitchFamily="34" charset="-128"/>
+              <a:ea typeface="Meiryo" panose="020B0604030504040204" pitchFamily="34" charset="-128"/>
+            </a:endParaRPr>
+          </a:p>
+          <a:p>
+            <a:r>
+              <a:rPr lang="en-US" altLang="ja-JP" sz="1800" dirty="0">
+                <a:solidFill>
+                  <a:schemeClr val="accent6">
+                    <a:lumMod val="40000"/>
+                    <a:lumOff val="60000"/>
+                  </a:schemeClr>
+                </a:solidFill>
+                <a:latin typeface="Meiryo" panose="020B0604030504040204" pitchFamily="34" charset="-128"/>
+                <a:ea typeface="Meiryo" panose="020B0604030504040204" pitchFamily="34" charset="-128"/>
+              </a:rPr>
+              <a:t>    &lt;- </a:t>
+            </a:r>
+            <a:r>
+              <a:rPr lang="ja-JP" altLang="en-US" sz="1800">
+                <a:solidFill>
+                  <a:schemeClr val="accent6">
+                    <a:lumMod val="40000"/>
+                    <a:lumOff val="60000"/>
+                  </a:schemeClr>
+                </a:solidFill>
+                <a:latin typeface="Meiryo" panose="020B0604030504040204" pitchFamily="34" charset="-128"/>
+                <a:ea typeface="Meiryo" panose="020B0604030504040204" pitchFamily="34" charset="-128"/>
+              </a:rPr>
+              <a:t>エラー画面</a:t>
+            </a:r>
+            <a:endParaRPr lang="en-US" altLang="ja-JP" sz="1800" dirty="0">
+              <a:solidFill>
+                <a:schemeClr val="accent6">
+                  <a:lumMod val="40000"/>
+                  <a:lumOff val="60000"/>
+                </a:schemeClr>
+              </a:solidFill>
+              <a:latin typeface="Meiryo" panose="020B0604030504040204" pitchFamily="34" charset="-128"/>
+              <a:ea typeface="Meiryo" panose="020B0604030504040204" pitchFamily="34" charset="-128"/>
+            </a:endParaRPr>
+          </a:p>
+          <a:p>
+            <a:r>
+              <a:rPr lang="en-US" altLang="ja-JP" sz="1800" dirty="0">
+                <a:solidFill>
+                  <a:schemeClr val="accent6">
+                    <a:lumMod val="40000"/>
+                    <a:lumOff val="60000"/>
+                  </a:schemeClr>
+                </a:solidFill>
+                <a:latin typeface="Meiryo" panose="020B0604030504040204" pitchFamily="34" charset="-128"/>
+                <a:ea typeface="Meiryo" panose="020B0604030504040204" pitchFamily="34" charset="-128"/>
+              </a:rPr>
+              <a:t>    &lt;- </a:t>
+            </a:r>
+            <a:r>
+              <a:rPr lang="ja-JP" altLang="en-US" sz="1800">
+                <a:solidFill>
+                  <a:schemeClr val="accent6">
+                    <a:lumMod val="40000"/>
+                    <a:lumOff val="60000"/>
+                  </a:schemeClr>
+                </a:solidFill>
+                <a:latin typeface="Meiryo" panose="020B0604030504040204" pitchFamily="34" charset="-128"/>
+                <a:ea typeface="Meiryo" panose="020B0604030504040204" pitchFamily="34" charset="-128"/>
+              </a:rPr>
+              <a:t>初期画面</a:t>
+            </a:r>
+            <a:endParaRPr lang="en-US" altLang="ja-JP" sz="1800" dirty="0">
+              <a:solidFill>
+                <a:schemeClr val="accent6">
+                  <a:lumMod val="40000"/>
+                  <a:lumOff val="60000"/>
+                </a:schemeClr>
+              </a:solidFill>
+              <a:latin typeface="Meiryo" panose="020B0604030504040204" pitchFamily="34" charset="-128"/>
+              <a:ea typeface="Meiryo" panose="020B0604030504040204" pitchFamily="34" charset="-128"/>
+            </a:endParaRPr>
+          </a:p>
+          <a:p>
+            <a:r>
+              <a:rPr lang="en-US" altLang="ja-JP" sz="1800" dirty="0">
+                <a:solidFill>
+                  <a:schemeClr val="accent6">
+                    <a:lumMod val="40000"/>
+                    <a:lumOff val="60000"/>
+                  </a:schemeClr>
+                </a:solidFill>
+                <a:latin typeface="Meiryo" panose="020B0604030504040204" pitchFamily="34" charset="-128"/>
+                <a:ea typeface="Meiryo" panose="020B0604030504040204" pitchFamily="34" charset="-128"/>
+              </a:rPr>
+              <a:t>    &lt;- </a:t>
+            </a:r>
+            <a:r>
+              <a:rPr lang="ja-JP" altLang="en-US" sz="1800">
+                <a:solidFill>
+                  <a:schemeClr val="accent6">
+                    <a:lumMod val="40000"/>
+                    <a:lumOff val="60000"/>
+                  </a:schemeClr>
+                </a:solidFill>
+                <a:latin typeface="Meiryo" panose="020B0604030504040204" pitchFamily="34" charset="-128"/>
+                <a:ea typeface="Meiryo" panose="020B0604030504040204" pitchFamily="34" charset="-128"/>
+              </a:rPr>
+              <a:t>ファイルアップロード画面</a:t>
+            </a:r>
+            <a:endParaRPr lang="en-US" altLang="ja-JP" sz="1800" dirty="0">
+              <a:solidFill>
+                <a:schemeClr val="accent6">
+                  <a:lumMod val="40000"/>
+                  <a:lumOff val="60000"/>
+                </a:schemeClr>
+              </a:solidFill>
+              <a:latin typeface="Meiryo" panose="020B0604030504040204" pitchFamily="34" charset="-128"/>
+              <a:ea typeface="Meiryo" panose="020B0604030504040204" pitchFamily="34" charset="-128"/>
             </a:endParaRPr>
           </a:p>
         </p:txBody>

--- a/skeleton-guide.pptx
+++ b/skeleton-guide.pptx
@@ -5,10 +5,10 @@
     <p:sldMasterId id="2147483674" r:id="rId4"/>
   </p:sldMasterIdLst>
   <p:notesMasterIdLst>
-    <p:notesMasterId r:id="rId35"/>
+    <p:notesMasterId r:id="rId40"/>
   </p:notesMasterIdLst>
   <p:handoutMasterIdLst>
-    <p:handoutMasterId r:id="rId36"/>
+    <p:handoutMasterId r:id="rId41"/>
   </p:handoutMasterIdLst>
   <p:sldIdLst>
     <p:sldId id="331" r:id="rId5"/>
@@ -40,7 +40,12 @@
     <p:sldId id="340" r:id="rId31"/>
     <p:sldId id="341" r:id="rId32"/>
     <p:sldId id="342" r:id="rId33"/>
-    <p:sldId id="3886" r:id="rId34"/>
+    <p:sldId id="3888" r:id="rId34"/>
+    <p:sldId id="3886" r:id="rId35"/>
+    <p:sldId id="3889" r:id="rId36"/>
+    <p:sldId id="3890" r:id="rId37"/>
+    <p:sldId id="3891" r:id="rId38"/>
+    <p:sldId id="3892" r:id="rId39"/>
   </p:sldIdLst>
   <p:sldSz cx="14630400" cy="8229600"/>
   <p:notesSz cx="6858000" cy="9144000"/>
@@ -8001,21 +8006,6 @@
             <a:endParaRPr lang="en-US" altLang="ja-JP" sz="1800" dirty="0"/>
           </a:p>
           <a:p>
-            <a:r>
-              <a:rPr lang="ja-JP" altLang="en-US" sz="1800"/>
-              <a:t>諸岡</a:t>
-            </a:r>
-            <a:r>
-              <a:rPr lang="en-US" altLang="ja-JP" sz="1800" dirty="0"/>
-              <a:t> </a:t>
-            </a:r>
-            <a:r>
-              <a:rPr lang="ja-JP" altLang="en-US" sz="1800"/>
-              <a:t>賢司</a:t>
-            </a:r>
-            <a:endParaRPr lang="en-US" altLang="ja-JP" sz="1800" dirty="0"/>
-          </a:p>
-          <a:p>
             <a:endParaRPr lang="en-US" altLang="ja-JP" sz="1800" dirty="0"/>
           </a:p>
         </p:txBody>
@@ -8080,9 +8070,70 @@
             </a:r>
             <a:r>
               <a:rPr lang="en-US" altLang="ja-JP" sz="2800" dirty="0"/>
-              <a:t>6.8</a:t>
+              <a:t>6.10</a:t>
             </a:r>
             <a:endParaRPr lang="en-US" sz="2800" dirty="0"/>
+          </a:p>
+        </p:txBody>
+      </p:sp>
+      <p:sp>
+        <p:nvSpPr>
+          <p:cNvPr id="2" name="正方形/長方形 1">
+            <a:extLst>
+              <a:ext uri="{FF2B5EF4-FFF2-40B4-BE49-F238E27FC236}">
+                <a16:creationId xmlns:a16="http://schemas.microsoft.com/office/drawing/2014/main" id="{7389ACE0-90FA-3F77-D29E-09EB30EDD8BE}"/>
+              </a:ext>
+            </a:extLst>
+          </p:cNvPr>
+          <p:cNvSpPr/>
+          <p:nvPr/>
+        </p:nvSpPr>
+        <p:spPr>
+          <a:xfrm rot="20685844">
+            <a:off x="3886893" y="3504265"/>
+            <a:ext cx="5109092" cy="1569660"/>
+          </a:xfrm>
+          <a:prstGeom prst="rect">
+            <a:avLst/>
+          </a:prstGeom>
+          <a:noFill/>
+        </p:spPr>
+        <p:txBody>
+          <a:bodyPr wrap="none" lIns="91440" tIns="45720" rIns="91440" bIns="45720">
+            <a:spAutoFit/>
+          </a:bodyPr>
+          <a:lstStyle/>
+          <a:p>
+            <a:pPr algn="ctr"/>
+            <a:r>
+              <a:rPr lang="ja-JP" altLang="en-US" sz="9600" cap="none" spc="0">
+                <a:ln w="12700">
+                  <a:solidFill>
+                    <a:schemeClr val="accent1"/>
+                  </a:solidFill>
+                  <a:prstDash val="solid"/>
+                </a:ln>
+                <a:pattFill prst="pct50">
+                  <a:fgClr>
+                    <a:schemeClr val="accent1"/>
+                  </a:fgClr>
+                  <a:bgClr>
+                    <a:schemeClr val="accent1">
+                      <a:lumMod val="20000"/>
+                      <a:lumOff val="80000"/>
+                    </a:schemeClr>
+                  </a:bgClr>
+                </a:pattFill>
+                <a:effectLst>
+                  <a:outerShdw dist="38100" dir="2640000" algn="bl" rotWithShape="0">
+                    <a:schemeClr val="accent1"/>
+                  </a:outerShdw>
+                </a:effectLst>
+                <a:latin typeface="Hiragino Mincho ProN W3" panose="02020300000000000000" pitchFamily="18" charset="-128"/>
+                <a:ea typeface="Hiragino Mincho ProN W3" panose="02020300000000000000" pitchFamily="18" charset="-128"/>
+              </a:rPr>
+              <a:t>ドラフト</a:t>
+            </a:r>
           </a:p>
         </p:txBody>
       </p:sp>
@@ -9264,12 +9315,8 @@
               <a:buAutoNum type="circleNumDbPlain"/>
             </a:pPr>
             <a:r>
-              <a:rPr kumimoji="1" lang="en-US" altLang="ja-JP" dirty="0" err="1"/>
-              <a:t>Dockerfile</a:t>
-            </a:r>
-            <a:r>
               <a:rPr kumimoji="1" lang="en-US" altLang="ja-JP" dirty="0"/>
-              <a:t> </a:t>
+              <a:t>Dockerfile </a:t>
             </a:r>
             <a:r>
               <a:rPr kumimoji="1" lang="ja-JP" altLang="en-US"/>
@@ -9497,7 +9544,7 @@
           <a:p>
             <a:pPr algn="l"/>
             <a:r>
-              <a:rPr kumimoji="1" lang="en-US" altLang="ja-JP" sz="2000" dirty="0" err="1">
+              <a:rPr kumimoji="1" lang="en-US" altLang="ja-JP" sz="2000" dirty="0">
                 <a:solidFill>
                   <a:srgbClr val="000000"/>
                 </a:solidFill>
@@ -9538,10 +9585,10 @@
                 <a:ea typeface="Meiryo" panose="020B0604030504040204" pitchFamily="34" charset="-128"/>
                 <a:cs typeface="Amazon Ember" panose="020B0603020204020204" pitchFamily="34" charset="0"/>
               </a:rPr>
-              <a:t>イメージをビルドすると、認</a:t>
-            </a:r>
-            <a:r>
-              <a:rPr kumimoji="1" lang="en-US" altLang="ja-JP" sz="2000" dirty="0">
+              <a:t>イメージをビルドすると、</a:t>
+            </a:r>
+            <a:r>
+              <a:rPr kumimoji="1" lang="en-US" altLang="ja-JP" sz="2000">
                 <a:solidFill>
                   <a:srgbClr val="000000"/>
                 </a:solidFill>
@@ -9823,23 +9870,7 @@
             </a:pPr>
             <a:r>
               <a:rPr lang="ja-JP" altLang="en-US" sz="2400"/>
-              <a:t>このサンプルコード一式は、</a:t>
-            </a:r>
-            <a:r>
-              <a:rPr lang="en-US" altLang="ja-JP" sz="2400" dirty="0"/>
-              <a:t>Flask</a:t>
-            </a:r>
-            <a:r>
-              <a:rPr lang="ja-JP" altLang="en-US" sz="2400"/>
-              <a:t>を利用した</a:t>
-            </a:r>
-            <a:r>
-              <a:rPr lang="en-US" altLang="ja-JP" sz="2400" dirty="0"/>
-              <a:t>Python</a:t>
-            </a:r>
-            <a:r>
-              <a:rPr lang="ja-JP" altLang="en-US" sz="2400"/>
-              <a:t>による簡素な</a:t>
+              <a:t>この資料は初心者向けに、どのようにしたら既存の</a:t>
             </a:r>
             <a:r>
               <a:rPr lang="en-US" altLang="ja-JP" sz="2400" dirty="0"/>
@@ -9847,7 +9878,7 @@
             </a:r>
             <a:r>
               <a:rPr lang="ja-JP" altLang="en-US" sz="2400"/>
-              <a:t>アプリケーションを、コンテナ化、更には</a:t>
+              <a:t>アプリケーションをコンテナ化したり、</a:t>
             </a:r>
             <a:r>
               <a:rPr lang="en-US" altLang="ja-JP" sz="2400" dirty="0"/>
@@ -9855,7 +9886,7 @@
             </a:r>
             <a:r>
               <a:rPr lang="ja-JP" altLang="en-US" sz="2400"/>
-              <a:t>化するための参考資料です。</a:t>
+              <a:t>化したりできるのか？という素朴な疑問の助けとなるように作成しています。</a:t>
             </a:r>
             <a:endParaRPr lang="en-US" altLang="ja-JP" sz="2400" dirty="0"/>
           </a:p>
@@ -9866,15 +9897,7 @@
             </a:pPr>
             <a:r>
               <a:rPr lang="ja-JP" altLang="en-US" sz="2400"/>
-              <a:t>モダナイズという用語は、ここではコンテナ化、</a:t>
-            </a:r>
-            <a:r>
-              <a:rPr lang="en-US" altLang="ja-JP" sz="2400" dirty="0"/>
-              <a:t>SaaS</a:t>
-            </a:r>
-            <a:r>
-              <a:rPr lang="ja-JP" altLang="en-US" sz="2400"/>
-              <a:t>化という限定された意味として使っています。</a:t>
+              <a:t>基本的な理解をすすめるために最小限の内容にしているつもりです。</a:t>
             </a:r>
             <a:endParaRPr lang="en-US" altLang="ja-JP" sz="2400" dirty="0"/>
           </a:p>
@@ -9883,18 +9906,6 @@
               <a:buFont typeface="Arial" panose="020B0604020202020204" pitchFamily="34" charset="0"/>
               <a:buChar char="•"/>
             </a:pPr>
-            <a:r>
-              <a:rPr lang="ja-JP" altLang="en-US" sz="2400"/>
-              <a:t>元々</a:t>
-            </a:r>
-            <a:r>
-              <a:rPr lang="en-US" altLang="ja-JP" sz="2400" dirty="0"/>
-              <a:t>ETA</a:t>
-            </a:r>
-            <a:r>
-              <a:rPr lang="ja-JP" altLang="en-US" sz="2400"/>
-              <a:t>チームが作成した内部ツールをベースに、基本動作以外はすべて削除したスケルトンコードにし、学習のためにわかりやすくしました。</a:t>
-            </a:r>
             <a:endParaRPr lang="en-US" altLang="ja-JP" sz="2400" dirty="0"/>
           </a:p>
           <a:p>
@@ -9904,15 +9915,96 @@
             </a:pPr>
             <a:r>
               <a:rPr lang="ja-JP" altLang="en-US" sz="2400"/>
-              <a:t>コード一式は下記</a:t>
+              <a:t>このサンプルコード一式は、</a:t>
             </a:r>
             <a:r>
               <a:rPr lang="en-US" altLang="ja-JP" sz="2400" dirty="0"/>
-              <a:t>GitHub</a:t>
+              <a:t>Flask </a:t>
             </a:r>
             <a:r>
               <a:rPr lang="ja-JP" altLang="en-US" sz="2400"/>
-              <a:t>を参照してください。</a:t>
+              <a:t>を利用した</a:t>
+            </a:r>
+            <a:r>
+              <a:rPr lang="en-US" altLang="ja-JP" sz="2400" dirty="0"/>
+              <a:t> Python </a:t>
+            </a:r>
+            <a:r>
+              <a:rPr lang="ja-JP" altLang="en-US" sz="2400"/>
+              <a:t>による簡素な</a:t>
+            </a:r>
+            <a:r>
+              <a:rPr lang="en-US" altLang="ja-JP" sz="2400" dirty="0"/>
+              <a:t> Web</a:t>
+            </a:r>
+            <a:r>
+              <a:rPr lang="ja-JP" altLang="en-US" sz="2400"/>
+              <a:t>アプリケーションを、コンテナ化、</a:t>
+            </a:r>
+            <a:r>
+              <a:rPr lang="en-US" altLang="ja-JP" sz="2400" dirty="0"/>
+              <a:t>SaaS</a:t>
+            </a:r>
+            <a:r>
+              <a:rPr lang="ja-JP" altLang="en-US" sz="2400"/>
+              <a:t>化するための参考資料です。</a:t>
+            </a:r>
+            <a:endParaRPr lang="en-US" altLang="ja-JP" sz="2400" dirty="0"/>
+          </a:p>
+          <a:p>
+            <a:pPr marL="457200" indent="-457200">
+              <a:buFont typeface="Arial" panose="020B0604020202020204" pitchFamily="34" charset="0"/>
+              <a:buChar char="•"/>
+            </a:pPr>
+            <a:r>
+              <a:rPr lang="ja-JP" altLang="en-US" sz="2400"/>
+              <a:t>モダナイズという用語は、ここではコンテナ化、</a:t>
+            </a:r>
+            <a:r>
+              <a:rPr lang="en-US" altLang="ja-JP" sz="2400" dirty="0"/>
+              <a:t>SaaS</a:t>
+            </a:r>
+            <a:r>
+              <a:rPr lang="ja-JP" altLang="en-US" sz="2400"/>
+              <a:t>化という限定された意味として使っています。</a:t>
+            </a:r>
+            <a:endParaRPr lang="en-US" altLang="ja-JP" sz="2400" dirty="0"/>
+          </a:p>
+          <a:p>
+            <a:pPr marL="457200" indent="-457200">
+              <a:buFont typeface="Arial" panose="020B0604020202020204" pitchFamily="34" charset="0"/>
+              <a:buChar char="•"/>
+            </a:pPr>
+            <a:r>
+              <a:rPr lang="ja-JP" altLang="en-US" sz="2400"/>
+              <a:t>元々</a:t>
+            </a:r>
+            <a:r>
+              <a:rPr lang="en-US" altLang="ja-JP" sz="2400" dirty="0"/>
+              <a:t> ETA/MSA </a:t>
+            </a:r>
+            <a:r>
+              <a:rPr lang="ja-JP" altLang="en-US" sz="2400"/>
+              <a:t>チームが作成した内部ツールをベースに、基本動作以外はすべて削除したスケルトンコードにし、学習のために作成しました。</a:t>
+            </a:r>
+            <a:endParaRPr lang="en-US" altLang="ja-JP" sz="2400" dirty="0"/>
+          </a:p>
+          <a:p>
+            <a:pPr marL="457200" indent="-457200">
+              <a:buFont typeface="Arial" panose="020B0604020202020204" pitchFamily="34" charset="0"/>
+              <a:buChar char="•"/>
+            </a:pPr>
+            <a:r>
+              <a:rPr lang="ja-JP" altLang="en-US" sz="2400"/>
+              <a:t>資料やコード一式は下記</a:t>
+            </a:r>
+            <a:r>
+              <a:rPr lang="en-US" altLang="ja-JP" sz="2400" dirty="0"/>
+              <a:t> GitHub </a:t>
+            </a:r>
+            <a:r>
+              <a:rPr lang="ja-JP" altLang="en-US" sz="2400"/>
+              <a:t>を御覧ください。</a:t>
             </a:r>
             <a:endParaRPr lang="en-US" altLang="ja-JP" sz="2400" dirty="0"/>
           </a:p>
@@ -10658,71 +10750,72 @@
       </p:pic>
       <p:sp>
         <p:nvSpPr>
-          <p:cNvPr id="2" name="正方形/長方形 1">
+          <p:cNvPr id="5" name="テキスト ボックス 4">
             <a:extLst>
               <a:ext uri="{FF2B5EF4-FFF2-40B4-BE49-F238E27FC236}">
-                <a16:creationId xmlns:a16="http://schemas.microsoft.com/office/drawing/2014/main" id="{BE497367-421C-1D26-8DAF-C26922F404E5}"/>
+                <a16:creationId xmlns:a16="http://schemas.microsoft.com/office/drawing/2014/main" id="{2CE5B8DC-A806-ED63-11A3-DA32C03EB7DD}"/>
               </a:ext>
             </a:extLst>
           </p:cNvPr>
-          <p:cNvSpPr/>
+          <p:cNvSpPr txBox="1"/>
           <p:nvPr/>
         </p:nvSpPr>
         <p:spPr>
-          <a:xfrm rot="21095183">
-            <a:off x="8316605" y="563209"/>
-            <a:ext cx="5856090" cy="523220"/>
+          <a:xfrm>
+            <a:off x="1138088" y="4850330"/>
+            <a:ext cx="7637612" cy="400110"/>
           </a:xfrm>
           <a:prstGeom prst="rect">
             <a:avLst/>
           </a:prstGeom>
-          <a:noFill/>
-        </p:spPr>
-        <p:txBody>
-          <a:bodyPr wrap="none" lIns="91440" tIns="45720" rIns="91440" bIns="45720">
+          <a:solidFill>
+            <a:schemeClr val="accent1">
+              <a:lumMod val="20000"/>
+              <a:lumOff val="80000"/>
+            </a:schemeClr>
+          </a:solidFill>
+        </p:spPr>
+        <p:txBody>
+          <a:bodyPr wrap="square" rtlCol="0">
             <a:spAutoFit/>
           </a:bodyPr>
-          <a:lstStyle/>
-          <a:p>
-            <a:pPr algn="ctr"/>
-            <a:r>
-              <a:rPr lang="en-US" altLang="ja-JP" sz="2800" b="0" cap="none" spc="0" dirty="0">
-                <a:ln w="0"/>
-                <a:solidFill>
-                  <a:srgbClr val="FF0000"/>
-                </a:solidFill>
-                <a:effectLst>
-                  <a:outerShdw blurRad="38100" dist="25400" dir="5400000" algn="ctr" rotWithShape="0">
-                    <a:srgbClr val="6E747A">
-                      <a:alpha val="43000"/>
-                    </a:srgbClr>
-                  </a:outerShdw>
-                </a:effectLst>
-                <a:highlight>
-                  <a:srgbClr val="FFFF00"/>
-                </a:highlight>
-              </a:rPr>
-              <a:t>modern-skeleton</a:t>
-            </a:r>
-            <a:r>
-              <a:rPr lang="ja-JP" altLang="en-US" sz="2800" b="0" cap="none" spc="0">
-                <a:ln w="0"/>
-                <a:solidFill>
-                  <a:srgbClr val="FF0000"/>
-                </a:solidFill>
-                <a:effectLst>
-                  <a:outerShdw blurRad="38100" dist="25400" dir="5400000" algn="ctr" rotWithShape="0">
-                    <a:srgbClr val="6E747A">
-                      <a:alpha val="43000"/>
-                    </a:srgbClr>
-                  </a:outerShdw>
-                </a:effectLst>
-                <a:highlight>
-                  <a:srgbClr val="FFFF00"/>
-                </a:highlight>
-              </a:rPr>
-              <a:t>のケースに置換え</a:t>
-            </a:r>
+          <a:lstStyle>
+            <a:defPPr>
+              <a:defRPr lang="en-US"/>
+            </a:defPPr>
+            <a:lvl1pPr>
+              <a:defRPr kumimoji="1" sz="2000">
+                <a:solidFill>
+                  <a:srgbClr val="000000"/>
+                </a:solidFill>
+                <a:latin typeface="Meiryo" panose="020B0604030504040204" pitchFamily="34" charset="-128"/>
+                <a:ea typeface="Meiryo" panose="020B0604030504040204" pitchFamily="34" charset="-128"/>
+                <a:cs typeface="Amazon Ember" panose="020B0603020204020204" pitchFamily="34" charset="0"/>
+              </a:defRPr>
+            </a:lvl1pPr>
+          </a:lstStyle>
+          <a:p>
+            <a:pPr marL="342900" indent="-342900">
+              <a:buFont typeface="Arial" panose="020B0604020202020204" pitchFamily="34" charset="0"/>
+              <a:buChar char="•"/>
+            </a:pPr>
+            <a:r>
+              <a:rPr lang="en-US" altLang="ja-JP" dirty="0"/>
+              <a:t>AWS</a:t>
+            </a:r>
+            <a:r>
+              <a:rPr lang="ja-JP" altLang="en-US"/>
+              <a:t>管理コンソールから</a:t>
+            </a:r>
+            <a:r>
+              <a:rPr lang="en-US" altLang="ja-JP" dirty="0"/>
+              <a:t>App Runner</a:t>
+            </a:r>
+            <a:r>
+              <a:rPr lang="ja-JP" altLang="en-US"/>
+              <a:t>サービスへ移動します。</a:t>
+            </a:r>
+            <a:endParaRPr lang="en-US" altLang="ja-JP" dirty="0"/>
           </a:p>
         </p:txBody>
       </p:sp>
@@ -10790,10 +10883,10 @@
       </p:sp>
       <p:pic>
         <p:nvPicPr>
-          <p:cNvPr id="5" name="図 4">
+          <p:cNvPr id="2" name="図 1">
             <a:extLst>
               <a:ext uri="{FF2B5EF4-FFF2-40B4-BE49-F238E27FC236}">
-                <a16:creationId xmlns:a16="http://schemas.microsoft.com/office/drawing/2014/main" id="{962CA548-B51D-E74C-BF8E-B2A02E3FD1CA}"/>
+                <a16:creationId xmlns:a16="http://schemas.microsoft.com/office/drawing/2014/main" id="{99613B4F-5473-04EE-7178-2F275020AF67}"/>
               </a:ext>
             </a:extLst>
           </p:cNvPr>
@@ -10810,8 +10903,8 @@
         </p:blipFill>
         <p:spPr>
           <a:xfrm>
-            <a:off x="566929" y="976809"/>
-            <a:ext cx="8475223" cy="6858000"/>
+            <a:off x="548639" y="1088020"/>
+            <a:ext cx="8589771" cy="6387886"/>
           </a:xfrm>
           <a:prstGeom prst="rect">
             <a:avLst/>
@@ -10820,71 +10913,102 @@
       </p:pic>
       <p:sp>
         <p:nvSpPr>
-          <p:cNvPr id="6" name="正方形/長方形 5">
+          <p:cNvPr id="7" name="テキスト ボックス 6">
             <a:extLst>
               <a:ext uri="{FF2B5EF4-FFF2-40B4-BE49-F238E27FC236}">
-                <a16:creationId xmlns:a16="http://schemas.microsoft.com/office/drawing/2014/main" id="{8A49F16B-F030-AF4A-33CA-C1A380946821}"/>
+                <a16:creationId xmlns:a16="http://schemas.microsoft.com/office/drawing/2014/main" id="{2DE1E3FC-721C-13CF-6135-29F0850D019A}"/>
               </a:ext>
             </a:extLst>
           </p:cNvPr>
-          <p:cNvSpPr/>
+          <p:cNvSpPr txBox="1"/>
           <p:nvPr/>
         </p:nvSpPr>
         <p:spPr>
-          <a:xfrm rot="21095183">
-            <a:off x="8316605" y="563209"/>
-            <a:ext cx="5856090" cy="523220"/>
+          <a:xfrm>
+            <a:off x="9638959" y="2017542"/>
+            <a:ext cx="4442802" cy="1938992"/>
           </a:xfrm>
           <a:prstGeom prst="rect">
             <a:avLst/>
           </a:prstGeom>
-          <a:noFill/>
-        </p:spPr>
-        <p:txBody>
-          <a:bodyPr wrap="none" lIns="91440" tIns="45720" rIns="91440" bIns="45720">
+          <a:solidFill>
+            <a:schemeClr val="accent1">
+              <a:lumMod val="20000"/>
+              <a:lumOff val="80000"/>
+            </a:schemeClr>
+          </a:solidFill>
+        </p:spPr>
+        <p:txBody>
+          <a:bodyPr wrap="square" rtlCol="0">
             <a:spAutoFit/>
           </a:bodyPr>
-          <a:lstStyle/>
-          <a:p>
-            <a:pPr algn="ctr"/>
-            <a:r>
-              <a:rPr lang="en-US" altLang="ja-JP" sz="2800" b="0" cap="none" spc="0" dirty="0">
-                <a:ln w="0"/>
-                <a:solidFill>
-                  <a:srgbClr val="FF0000"/>
-                </a:solidFill>
-                <a:effectLst>
-                  <a:outerShdw blurRad="38100" dist="25400" dir="5400000" algn="ctr" rotWithShape="0">
-                    <a:srgbClr val="6E747A">
-                      <a:alpha val="43000"/>
-                    </a:srgbClr>
-                  </a:outerShdw>
-                </a:effectLst>
-                <a:highlight>
-                  <a:srgbClr val="FFFF00"/>
-                </a:highlight>
-              </a:rPr>
-              <a:t>modern-skeleton</a:t>
-            </a:r>
-            <a:r>
-              <a:rPr lang="ja-JP" altLang="en-US" sz="2800" b="0" cap="none" spc="0">
-                <a:ln w="0"/>
-                <a:solidFill>
-                  <a:srgbClr val="FF0000"/>
-                </a:solidFill>
-                <a:effectLst>
-                  <a:outerShdw blurRad="38100" dist="25400" dir="5400000" algn="ctr" rotWithShape="0">
-                    <a:srgbClr val="6E747A">
-                      <a:alpha val="43000"/>
-                    </a:srgbClr>
-                  </a:outerShdw>
-                </a:effectLst>
-                <a:highlight>
-                  <a:srgbClr val="FFFF00"/>
-                </a:highlight>
-              </a:rPr>
-              <a:t>のケースに置換え</a:t>
-            </a:r>
+          <a:lstStyle>
+            <a:defPPr>
+              <a:defRPr lang="en-US"/>
+            </a:defPPr>
+            <a:lvl1pPr>
+              <a:defRPr kumimoji="1" sz="2000">
+                <a:solidFill>
+                  <a:srgbClr val="000000"/>
+                </a:solidFill>
+                <a:latin typeface="Meiryo" panose="020B0604030504040204" pitchFamily="34" charset="-128"/>
+                <a:ea typeface="Meiryo" panose="020B0604030504040204" pitchFamily="34" charset="-128"/>
+                <a:cs typeface="Amazon Ember" panose="020B0603020204020204" pitchFamily="34" charset="0"/>
+              </a:defRPr>
+            </a:lvl1pPr>
+          </a:lstStyle>
+          <a:p>
+            <a:pPr marL="342900" indent="-342900">
+              <a:buFont typeface="Arial" panose="020B0604020202020204" pitchFamily="34" charset="0"/>
+              <a:buChar char="•"/>
+            </a:pPr>
+            <a:r>
+              <a:rPr lang="ja-JP" altLang="en-US"/>
+              <a:t>サービスの設定を行っていきます。</a:t>
+            </a:r>
+            <a:endParaRPr lang="en-US" altLang="ja-JP" dirty="0"/>
+          </a:p>
+          <a:p>
+            <a:pPr marL="342900" indent="-342900">
+              <a:buFont typeface="Arial" panose="020B0604020202020204" pitchFamily="34" charset="0"/>
+              <a:buChar char="•"/>
+            </a:pPr>
+            <a:r>
+              <a:rPr lang="ja-JP" altLang="en-US"/>
+              <a:t>ここでは</a:t>
+            </a:r>
+            <a:r>
+              <a:rPr lang="en-US" altLang="ja-JP" dirty="0"/>
+              <a:t>GitHub</a:t>
+            </a:r>
+            <a:r>
+              <a:rPr lang="ja-JP" altLang="en-US"/>
+              <a:t>を指定し、リポジトリやブランチを選択しています。</a:t>
+            </a:r>
+            <a:endParaRPr lang="en-US" altLang="ja-JP" dirty="0"/>
+          </a:p>
+          <a:p>
+            <a:pPr marL="342900" indent="-342900">
+              <a:buFont typeface="Arial" panose="020B0604020202020204" pitchFamily="34" charset="0"/>
+              <a:buChar char="•"/>
+            </a:pPr>
+            <a:r>
+              <a:rPr lang="en-US" altLang="ja-JP" dirty="0"/>
+              <a:t>GitHub</a:t>
+            </a:r>
+            <a:r>
+              <a:rPr lang="ja-JP" altLang="en-US"/>
+              <a:t>へのプッシュがあると、自動的に</a:t>
+            </a:r>
+            <a:r>
+              <a:rPr lang="en-US" altLang="ja-JP" dirty="0"/>
+              <a:t>App Runner</a:t>
+            </a:r>
+            <a:r>
+              <a:rPr lang="ja-JP" altLang="en-US"/>
+              <a:t>がデプロイを行います。</a:t>
+            </a:r>
+            <a:endParaRPr lang="en-US" altLang="ja-JP" dirty="0"/>
           </a:p>
         </p:txBody>
       </p:sp>
@@ -10949,7 +11073,7 @@
             </a:r>
             <a:r>
               <a:rPr lang="en-US" altLang="ja-JP" dirty="0" err="1"/>
-              <a:t>Apprunner.yaml</a:t>
+              <a:t>apprunner.yaml</a:t>
             </a:r>
             <a:r>
               <a:rPr lang="ja-JP" altLang="en-US"/>
@@ -10990,71 +11114,68 @@
       </p:pic>
       <p:sp>
         <p:nvSpPr>
-          <p:cNvPr id="5" name="正方形/長方形 4">
+          <p:cNvPr id="6" name="テキスト ボックス 5">
             <a:extLst>
               <a:ext uri="{FF2B5EF4-FFF2-40B4-BE49-F238E27FC236}">
-                <a16:creationId xmlns:a16="http://schemas.microsoft.com/office/drawing/2014/main" id="{C4BE15CE-186D-479F-EB66-2930B25C456B}"/>
+                <a16:creationId xmlns:a16="http://schemas.microsoft.com/office/drawing/2014/main" id="{DBC15C87-ED5E-D890-0794-70957F603C9F}"/>
               </a:ext>
             </a:extLst>
           </p:cNvPr>
-          <p:cNvSpPr/>
+          <p:cNvSpPr txBox="1"/>
           <p:nvPr/>
         </p:nvSpPr>
         <p:spPr>
-          <a:xfrm rot="21095183">
-            <a:off x="8316605" y="563209"/>
-            <a:ext cx="5856090" cy="523220"/>
+          <a:xfrm>
+            <a:off x="5668430" y="6259342"/>
+            <a:ext cx="8395041" cy="400110"/>
           </a:xfrm>
           <a:prstGeom prst="rect">
             <a:avLst/>
           </a:prstGeom>
-          <a:noFill/>
-        </p:spPr>
-        <p:txBody>
-          <a:bodyPr wrap="none" lIns="91440" tIns="45720" rIns="91440" bIns="45720">
+          <a:solidFill>
+            <a:schemeClr val="accent1">
+              <a:lumMod val="20000"/>
+              <a:lumOff val="80000"/>
+            </a:schemeClr>
+          </a:solidFill>
+        </p:spPr>
+        <p:txBody>
+          <a:bodyPr wrap="square" rtlCol="0">
             <a:spAutoFit/>
           </a:bodyPr>
-          <a:lstStyle/>
-          <a:p>
-            <a:pPr algn="ctr"/>
-            <a:r>
-              <a:rPr lang="en-US" altLang="ja-JP" sz="2800" b="0" cap="none" spc="0" dirty="0">
-                <a:ln w="0"/>
-                <a:solidFill>
-                  <a:srgbClr val="FF0000"/>
-                </a:solidFill>
-                <a:effectLst>
-                  <a:outerShdw blurRad="38100" dist="25400" dir="5400000" algn="ctr" rotWithShape="0">
-                    <a:srgbClr val="6E747A">
-                      <a:alpha val="43000"/>
-                    </a:srgbClr>
-                  </a:outerShdw>
-                </a:effectLst>
-                <a:highlight>
-                  <a:srgbClr val="FFFF00"/>
-                </a:highlight>
-              </a:rPr>
-              <a:t>modern-skeleton</a:t>
-            </a:r>
-            <a:r>
-              <a:rPr lang="ja-JP" altLang="en-US" sz="2800" b="0" cap="none" spc="0">
-                <a:ln w="0"/>
-                <a:solidFill>
-                  <a:srgbClr val="FF0000"/>
-                </a:solidFill>
-                <a:effectLst>
-                  <a:outerShdw blurRad="38100" dist="25400" dir="5400000" algn="ctr" rotWithShape="0">
-                    <a:srgbClr val="6E747A">
-                      <a:alpha val="43000"/>
-                    </a:srgbClr>
-                  </a:outerShdw>
-                </a:effectLst>
-                <a:highlight>
-                  <a:srgbClr val="FFFF00"/>
-                </a:highlight>
-              </a:rPr>
-              <a:t>のケースに置換え</a:t>
-            </a:r>
+          <a:lstStyle>
+            <a:defPPr>
+              <a:defRPr lang="en-US"/>
+            </a:defPPr>
+            <a:lvl1pPr>
+              <a:defRPr kumimoji="1" sz="2000">
+                <a:solidFill>
+                  <a:srgbClr val="000000"/>
+                </a:solidFill>
+                <a:latin typeface="Meiryo" panose="020B0604030504040204" pitchFamily="34" charset="-128"/>
+                <a:ea typeface="Meiryo" panose="020B0604030504040204" pitchFamily="34" charset="-128"/>
+                <a:cs typeface="Amazon Ember" panose="020B0603020204020204" pitchFamily="34" charset="0"/>
+              </a:defRPr>
+            </a:lvl1pPr>
+          </a:lstStyle>
+          <a:p>
+            <a:pPr marL="342900" indent="-342900">
+              <a:buFont typeface="Arial" panose="020B0604020202020204" pitchFamily="34" charset="0"/>
+              <a:buChar char="•"/>
+            </a:pPr>
+            <a:r>
+              <a:rPr lang="en-US" altLang="ja-JP" dirty="0" err="1"/>
+              <a:t>apprunner.yaml</a:t>
+            </a:r>
+            <a:r>
+              <a:rPr lang="en-US" altLang="ja-JP" dirty="0"/>
+              <a:t> </a:t>
+            </a:r>
+            <a:r>
+              <a:rPr lang="ja-JP" altLang="en-US"/>
+              <a:t>設定ファイルを利用して設定を行うようにします。</a:t>
+            </a:r>
+            <a:endParaRPr lang="en-US" altLang="ja-JP" dirty="0"/>
           </a:p>
         </p:txBody>
       </p:sp>
@@ -11116,12 +11237,101 @@
           </a:p>
         </p:txBody>
       </p:sp>
+      <p:sp>
+        <p:nvSpPr>
+          <p:cNvPr id="6" name="テキスト ボックス 5">
+            <a:extLst>
+              <a:ext uri="{FF2B5EF4-FFF2-40B4-BE49-F238E27FC236}">
+                <a16:creationId xmlns:a16="http://schemas.microsoft.com/office/drawing/2014/main" id="{15E5084B-0CE4-32D4-664B-A36ACDBAD835}"/>
+              </a:ext>
+            </a:extLst>
+          </p:cNvPr>
+          <p:cNvSpPr txBox="1"/>
+          <p:nvPr/>
+        </p:nvSpPr>
+        <p:spPr>
+          <a:xfrm>
+            <a:off x="6228660" y="1827428"/>
+            <a:ext cx="7604761" cy="1323439"/>
+          </a:xfrm>
+          <a:prstGeom prst="rect">
+            <a:avLst/>
+          </a:prstGeom>
+          <a:solidFill>
+            <a:schemeClr val="accent1">
+              <a:lumMod val="20000"/>
+              <a:lumOff val="80000"/>
+            </a:schemeClr>
+          </a:solidFill>
+        </p:spPr>
+        <p:txBody>
+          <a:bodyPr wrap="square" rtlCol="0">
+            <a:spAutoFit/>
+          </a:bodyPr>
+          <a:lstStyle>
+            <a:defPPr>
+              <a:defRPr lang="en-US"/>
+            </a:defPPr>
+            <a:lvl1pPr>
+              <a:defRPr kumimoji="1" sz="2000">
+                <a:solidFill>
+                  <a:srgbClr val="000000"/>
+                </a:solidFill>
+                <a:latin typeface="Meiryo" panose="020B0604030504040204" pitchFamily="34" charset="-128"/>
+                <a:ea typeface="Meiryo" panose="020B0604030504040204" pitchFamily="34" charset="-128"/>
+                <a:cs typeface="Amazon Ember" panose="020B0603020204020204" pitchFamily="34" charset="0"/>
+              </a:defRPr>
+            </a:lvl1pPr>
+          </a:lstStyle>
+          <a:p>
+            <a:pPr marL="342900" indent="-342900">
+              <a:buFont typeface="Arial" panose="020B0604020202020204" pitchFamily="34" charset="0"/>
+              <a:buChar char="•"/>
+            </a:pPr>
+            <a:r>
+              <a:rPr lang="ja-JP" altLang="en-US"/>
+              <a:t>サービスのサージングなどの設定を行います。</a:t>
+            </a:r>
+            <a:endParaRPr lang="en-US" altLang="ja-JP" dirty="0"/>
+          </a:p>
+          <a:p>
+            <a:pPr marL="342900" indent="-342900">
+              <a:buFont typeface="Arial" panose="020B0604020202020204" pitchFamily="34" charset="0"/>
+              <a:buChar char="•"/>
+            </a:pPr>
+            <a:r>
+              <a:rPr lang="ja-JP" altLang="en-US"/>
+              <a:t>ここではスケルトンであることからデフォルト最小値の</a:t>
+            </a:r>
+            <a:r>
+              <a:rPr lang="en-US" altLang="ja-JP" dirty="0"/>
+              <a:t> 1vCPU, 2Gmem </a:t>
+            </a:r>
+            <a:r>
+              <a:rPr lang="ja-JP" altLang="en-US"/>
+              <a:t>としています。</a:t>
+            </a:r>
+            <a:endParaRPr lang="en-US" altLang="ja-JP" dirty="0"/>
+          </a:p>
+          <a:p>
+            <a:pPr marL="342900" indent="-342900">
+              <a:buFont typeface="Arial" panose="020B0604020202020204" pitchFamily="34" charset="0"/>
+              <a:buChar char="•"/>
+            </a:pPr>
+            <a:r>
+              <a:rPr lang="ja-JP" altLang="en-US"/>
+              <a:t>その他の設定はすべてデフォルトとしています。</a:t>
+            </a:r>
+            <a:endParaRPr lang="en-US" altLang="ja-JP" dirty="0"/>
+          </a:p>
+        </p:txBody>
+      </p:sp>
       <p:pic>
         <p:nvPicPr>
-          <p:cNvPr id="3" name="図 2">
+          <p:cNvPr id="2" name="図 1">
             <a:extLst>
               <a:ext uri="{FF2B5EF4-FFF2-40B4-BE49-F238E27FC236}">
-                <a16:creationId xmlns:a16="http://schemas.microsoft.com/office/drawing/2014/main" id="{D9DE963C-4529-624B-A4A3-2615D10865E8}"/>
+                <a16:creationId xmlns:a16="http://schemas.microsoft.com/office/drawing/2014/main" id="{EEB3B4CF-C8B9-229D-56B0-8FC78A546DD6}"/>
               </a:ext>
             </a:extLst>
           </p:cNvPr>
@@ -11138,84 +11348,14 @@
         </p:blipFill>
         <p:spPr>
           <a:xfrm>
-            <a:off x="566929" y="1088020"/>
-            <a:ext cx="6155147" cy="6485684"/>
+            <a:off x="1005838" y="1088020"/>
+            <a:ext cx="3593523" cy="6847939"/>
           </a:xfrm>
           <a:prstGeom prst="rect">
             <a:avLst/>
           </a:prstGeom>
         </p:spPr>
       </p:pic>
-      <p:sp>
-        <p:nvSpPr>
-          <p:cNvPr id="5" name="正方形/長方形 4">
-            <a:extLst>
-              <a:ext uri="{FF2B5EF4-FFF2-40B4-BE49-F238E27FC236}">
-                <a16:creationId xmlns:a16="http://schemas.microsoft.com/office/drawing/2014/main" id="{89A2D6FC-F033-60F4-B2B6-3726B4D6923A}"/>
-              </a:ext>
-            </a:extLst>
-          </p:cNvPr>
-          <p:cNvSpPr/>
-          <p:nvPr/>
-        </p:nvSpPr>
-        <p:spPr>
-          <a:xfrm rot="21095183">
-            <a:off x="8316605" y="563209"/>
-            <a:ext cx="5856090" cy="523220"/>
-          </a:xfrm>
-          <a:prstGeom prst="rect">
-            <a:avLst/>
-          </a:prstGeom>
-          <a:noFill/>
-        </p:spPr>
-        <p:txBody>
-          <a:bodyPr wrap="none" lIns="91440" tIns="45720" rIns="91440" bIns="45720">
-            <a:spAutoFit/>
-          </a:bodyPr>
-          <a:lstStyle/>
-          <a:p>
-            <a:pPr algn="ctr"/>
-            <a:r>
-              <a:rPr lang="en-US" altLang="ja-JP" sz="2800" b="0" cap="none" spc="0" dirty="0">
-                <a:ln w="0"/>
-                <a:solidFill>
-                  <a:srgbClr val="FF0000"/>
-                </a:solidFill>
-                <a:effectLst>
-                  <a:outerShdw blurRad="38100" dist="25400" dir="5400000" algn="ctr" rotWithShape="0">
-                    <a:srgbClr val="6E747A">
-                      <a:alpha val="43000"/>
-                    </a:srgbClr>
-                  </a:outerShdw>
-                </a:effectLst>
-                <a:highlight>
-                  <a:srgbClr val="FFFF00"/>
-                </a:highlight>
-              </a:rPr>
-              <a:t>modern-skeleton</a:t>
-            </a:r>
-            <a:r>
-              <a:rPr lang="ja-JP" altLang="en-US" sz="2800" b="0" cap="none" spc="0">
-                <a:ln w="0"/>
-                <a:solidFill>
-                  <a:srgbClr val="FF0000"/>
-                </a:solidFill>
-                <a:effectLst>
-                  <a:outerShdw blurRad="38100" dist="25400" dir="5400000" algn="ctr" rotWithShape="0">
-                    <a:srgbClr val="6E747A">
-                      <a:alpha val="43000"/>
-                    </a:srgbClr>
-                  </a:outerShdw>
-                </a:effectLst>
-                <a:highlight>
-                  <a:srgbClr val="FFFF00"/>
-                </a:highlight>
-              </a:rPr>
-              <a:t>のケースに置換え</a:t>
-            </a:r>
-          </a:p>
-        </p:txBody>
-      </p:sp>
     </p:spTree>
     <p:extLst>
       <p:ext uri="{BB962C8B-B14F-4D97-AF65-F5344CB8AC3E}">
@@ -11276,10 +11416,10 @@
       </p:sp>
       <p:pic>
         <p:nvPicPr>
-          <p:cNvPr id="3" name="図 2">
+          <p:cNvPr id="2" name="図 1">
             <a:extLst>
               <a:ext uri="{FF2B5EF4-FFF2-40B4-BE49-F238E27FC236}">
-                <a16:creationId xmlns:a16="http://schemas.microsoft.com/office/drawing/2014/main" id="{1BDFFD64-FD98-1143-A264-21F98797ED59}"/>
+                <a16:creationId xmlns:a16="http://schemas.microsoft.com/office/drawing/2014/main" id="{CF2EF61C-AB77-7DB8-1044-453CAF22E84C}"/>
               </a:ext>
             </a:extLst>
           </p:cNvPr>
@@ -11296,8 +11436,8 @@
         </p:blipFill>
         <p:spPr>
           <a:xfrm>
-            <a:off x="566929" y="989166"/>
-            <a:ext cx="4309246" cy="6560812"/>
+            <a:off x="1129142" y="1060702"/>
+            <a:ext cx="4637074" cy="6985000"/>
           </a:xfrm>
           <a:prstGeom prst="rect">
             <a:avLst/>
@@ -11306,71 +11446,60 @@
       </p:pic>
       <p:sp>
         <p:nvSpPr>
-          <p:cNvPr id="5" name="正方形/長方形 4">
+          <p:cNvPr id="6" name="テキスト ボックス 5">
             <a:extLst>
               <a:ext uri="{FF2B5EF4-FFF2-40B4-BE49-F238E27FC236}">
-                <a16:creationId xmlns:a16="http://schemas.microsoft.com/office/drawing/2014/main" id="{E8BBBA20-FEB1-1240-256D-01390F69B57A}"/>
+                <a16:creationId xmlns:a16="http://schemas.microsoft.com/office/drawing/2014/main" id="{B9B8935B-9335-D84A-F933-E7DE30505421}"/>
               </a:ext>
             </a:extLst>
           </p:cNvPr>
-          <p:cNvSpPr/>
+          <p:cNvSpPr txBox="1"/>
           <p:nvPr/>
         </p:nvSpPr>
         <p:spPr>
-          <a:xfrm rot="21095183">
-            <a:off x="8316605" y="563209"/>
-            <a:ext cx="5856090" cy="523220"/>
+          <a:xfrm>
+            <a:off x="6228660" y="1827428"/>
+            <a:ext cx="7604761" cy="400110"/>
           </a:xfrm>
           <a:prstGeom prst="rect">
             <a:avLst/>
           </a:prstGeom>
-          <a:noFill/>
-        </p:spPr>
-        <p:txBody>
-          <a:bodyPr wrap="none" lIns="91440" tIns="45720" rIns="91440" bIns="45720">
+          <a:solidFill>
+            <a:schemeClr val="accent1">
+              <a:lumMod val="20000"/>
+              <a:lumOff val="80000"/>
+            </a:schemeClr>
+          </a:solidFill>
+        </p:spPr>
+        <p:txBody>
+          <a:bodyPr wrap="square" rtlCol="0">
             <a:spAutoFit/>
           </a:bodyPr>
-          <a:lstStyle/>
-          <a:p>
-            <a:pPr algn="ctr"/>
-            <a:r>
-              <a:rPr lang="en-US" altLang="ja-JP" sz="2800" b="0" cap="none" spc="0" dirty="0">
-                <a:ln w="0"/>
-                <a:solidFill>
-                  <a:srgbClr val="FF0000"/>
-                </a:solidFill>
-                <a:effectLst>
-                  <a:outerShdw blurRad="38100" dist="25400" dir="5400000" algn="ctr" rotWithShape="0">
-                    <a:srgbClr val="6E747A">
-                      <a:alpha val="43000"/>
-                    </a:srgbClr>
-                  </a:outerShdw>
-                </a:effectLst>
-                <a:highlight>
-                  <a:srgbClr val="FFFF00"/>
-                </a:highlight>
-              </a:rPr>
-              <a:t>modern-skeleton</a:t>
-            </a:r>
-            <a:r>
-              <a:rPr lang="ja-JP" altLang="en-US" sz="2800" b="0" cap="none" spc="0">
-                <a:ln w="0"/>
-                <a:solidFill>
-                  <a:srgbClr val="FF0000"/>
-                </a:solidFill>
-                <a:effectLst>
-                  <a:outerShdw blurRad="38100" dist="25400" dir="5400000" algn="ctr" rotWithShape="0">
-                    <a:srgbClr val="6E747A">
-                      <a:alpha val="43000"/>
-                    </a:srgbClr>
-                  </a:outerShdw>
-                </a:effectLst>
-                <a:highlight>
-                  <a:srgbClr val="FFFF00"/>
-                </a:highlight>
-              </a:rPr>
-              <a:t>のケースに置換え</a:t>
-            </a:r>
+          <a:lstStyle>
+            <a:defPPr>
+              <a:defRPr lang="en-US"/>
+            </a:defPPr>
+            <a:lvl1pPr>
+              <a:defRPr kumimoji="1" sz="2000">
+                <a:solidFill>
+                  <a:srgbClr val="000000"/>
+                </a:solidFill>
+                <a:latin typeface="Meiryo" panose="020B0604030504040204" pitchFamily="34" charset="-128"/>
+                <a:ea typeface="Meiryo" panose="020B0604030504040204" pitchFamily="34" charset="-128"/>
+                <a:cs typeface="Amazon Ember" panose="020B0603020204020204" pitchFamily="34" charset="0"/>
+              </a:defRPr>
+            </a:lvl1pPr>
+          </a:lstStyle>
+          <a:p>
+            <a:pPr marL="342900" indent="-342900">
+              <a:buFont typeface="Arial" panose="020B0604020202020204" pitchFamily="34" charset="0"/>
+              <a:buChar char="•"/>
+            </a:pPr>
+            <a:r>
+              <a:rPr lang="ja-JP" altLang="en-US"/>
+              <a:t>設定確認後、「作成とデプロイ」をクリックします。</a:t>
+            </a:r>
+            <a:endParaRPr lang="en-US" altLang="ja-JP" dirty="0"/>
           </a:p>
         </p:txBody>
       </p:sp>
@@ -11438,10 +11567,10 @@
       </p:sp>
       <p:pic>
         <p:nvPicPr>
-          <p:cNvPr id="3" name="図 2">
+          <p:cNvPr id="2" name="図 1">
             <a:extLst>
               <a:ext uri="{FF2B5EF4-FFF2-40B4-BE49-F238E27FC236}">
-                <a16:creationId xmlns:a16="http://schemas.microsoft.com/office/drawing/2014/main" id="{6D36AF84-739F-3F41-BB65-0BCDCD18E88C}"/>
+                <a16:creationId xmlns:a16="http://schemas.microsoft.com/office/drawing/2014/main" id="{994C85D0-641D-DCA5-57BE-C5C541ECB147}"/>
               </a:ext>
             </a:extLst>
           </p:cNvPr>
@@ -11459,7 +11588,7 @@
         <p:spPr>
           <a:xfrm>
             <a:off x="548639" y="1088020"/>
-            <a:ext cx="6581786" cy="6438496"/>
+            <a:ext cx="9908265" cy="6496193"/>
           </a:xfrm>
           <a:prstGeom prst="rect">
             <a:avLst/>
@@ -11468,71 +11597,71 @@
       </p:pic>
       <p:sp>
         <p:nvSpPr>
-          <p:cNvPr id="5" name="正方形/長方形 4">
+          <p:cNvPr id="6" name="テキスト ボックス 5">
             <a:extLst>
               <a:ext uri="{FF2B5EF4-FFF2-40B4-BE49-F238E27FC236}">
-                <a16:creationId xmlns:a16="http://schemas.microsoft.com/office/drawing/2014/main" id="{2246EEED-891C-4ED1-46DE-D45AFB6B523E}"/>
+                <a16:creationId xmlns:a16="http://schemas.microsoft.com/office/drawing/2014/main" id="{9D50CFE0-7B03-1FE4-1B74-9D96257BC2D8}"/>
               </a:ext>
             </a:extLst>
           </p:cNvPr>
-          <p:cNvSpPr/>
+          <p:cNvSpPr txBox="1"/>
           <p:nvPr/>
         </p:nvSpPr>
         <p:spPr>
-          <a:xfrm rot="21095183">
-            <a:off x="8316605" y="563209"/>
-            <a:ext cx="5856090" cy="523220"/>
+          <a:xfrm>
+            <a:off x="7016061" y="5929528"/>
+            <a:ext cx="6560240" cy="707886"/>
           </a:xfrm>
           <a:prstGeom prst="rect">
             <a:avLst/>
           </a:prstGeom>
-          <a:noFill/>
-        </p:spPr>
-        <p:txBody>
-          <a:bodyPr wrap="none" lIns="91440" tIns="45720" rIns="91440" bIns="45720">
+          <a:solidFill>
+            <a:schemeClr val="accent1">
+              <a:lumMod val="20000"/>
+              <a:lumOff val="80000"/>
+            </a:schemeClr>
+          </a:solidFill>
+        </p:spPr>
+        <p:txBody>
+          <a:bodyPr wrap="square" rtlCol="0">
             <a:spAutoFit/>
           </a:bodyPr>
-          <a:lstStyle/>
-          <a:p>
-            <a:pPr algn="ctr"/>
-            <a:r>
-              <a:rPr lang="en-US" altLang="ja-JP" sz="2800" b="0" cap="none" spc="0" dirty="0">
-                <a:ln w="0"/>
-                <a:solidFill>
-                  <a:srgbClr val="FF0000"/>
-                </a:solidFill>
-                <a:effectLst>
-                  <a:outerShdw blurRad="38100" dist="25400" dir="5400000" algn="ctr" rotWithShape="0">
-                    <a:srgbClr val="6E747A">
-                      <a:alpha val="43000"/>
-                    </a:srgbClr>
-                  </a:outerShdw>
-                </a:effectLst>
-                <a:highlight>
-                  <a:srgbClr val="FFFF00"/>
-                </a:highlight>
-              </a:rPr>
-              <a:t>modern-skeleton</a:t>
-            </a:r>
-            <a:r>
-              <a:rPr lang="ja-JP" altLang="en-US" sz="2800" b="0" cap="none" spc="0">
-                <a:ln w="0"/>
-                <a:solidFill>
-                  <a:srgbClr val="FF0000"/>
-                </a:solidFill>
-                <a:effectLst>
-                  <a:outerShdw blurRad="38100" dist="25400" dir="5400000" algn="ctr" rotWithShape="0">
-                    <a:srgbClr val="6E747A">
-                      <a:alpha val="43000"/>
-                    </a:srgbClr>
-                  </a:outerShdw>
-                </a:effectLst>
-                <a:highlight>
-                  <a:srgbClr val="FFFF00"/>
-                </a:highlight>
-              </a:rPr>
-              <a:t>のケースに置換え</a:t>
-            </a:r>
+          <a:lstStyle>
+            <a:defPPr>
+              <a:defRPr lang="en-US"/>
+            </a:defPPr>
+            <a:lvl1pPr>
+              <a:defRPr kumimoji="1" sz="2000">
+                <a:solidFill>
+                  <a:srgbClr val="000000"/>
+                </a:solidFill>
+                <a:latin typeface="Meiryo" panose="020B0604030504040204" pitchFamily="34" charset="-128"/>
+                <a:ea typeface="Meiryo" panose="020B0604030504040204" pitchFamily="34" charset="-128"/>
+                <a:cs typeface="Amazon Ember" panose="020B0603020204020204" pitchFamily="34" charset="0"/>
+              </a:defRPr>
+            </a:lvl1pPr>
+          </a:lstStyle>
+          <a:p>
+            <a:pPr marL="342900" indent="-342900">
+              <a:buFont typeface="Arial" panose="020B0604020202020204" pitchFamily="34" charset="0"/>
+              <a:buChar char="•"/>
+            </a:pPr>
+            <a:r>
+              <a:rPr lang="ja-JP" altLang="en-US"/>
+              <a:t>デプロイが開始されます。数分かかります。</a:t>
+            </a:r>
+            <a:endParaRPr lang="en-US" altLang="ja-JP" dirty="0"/>
+          </a:p>
+          <a:p>
+            <a:pPr marL="342900" indent="-342900">
+              <a:buFont typeface="Arial" panose="020B0604020202020204" pitchFamily="34" charset="0"/>
+              <a:buChar char="•"/>
+            </a:pPr>
+            <a:r>
+              <a:rPr lang="ja-JP" altLang="en-US"/>
+              <a:t>更新ボタンでログ表示がリフレッシュされます。</a:t>
+            </a:r>
+            <a:endParaRPr lang="en-US" altLang="ja-JP" dirty="0"/>
           </a:p>
         </p:txBody>
       </p:sp>
@@ -11600,10 +11729,10 @@
       </p:sp>
       <p:pic>
         <p:nvPicPr>
-          <p:cNvPr id="3" name="図 2">
+          <p:cNvPr id="5" name="図 4">
             <a:extLst>
               <a:ext uri="{FF2B5EF4-FFF2-40B4-BE49-F238E27FC236}">
-                <a16:creationId xmlns:a16="http://schemas.microsoft.com/office/drawing/2014/main" id="{76AE3008-A067-9A41-B32B-794208580333}"/>
+                <a16:creationId xmlns:a16="http://schemas.microsoft.com/office/drawing/2014/main" id="{AF386AFF-E29B-CAAA-039C-5F838C2C59C2}"/>
               </a:ext>
             </a:extLst>
           </p:cNvPr>
@@ -11620,8 +11749,8 @@
         </p:blipFill>
         <p:spPr>
           <a:xfrm>
-            <a:off x="548639" y="1088020"/>
-            <a:ext cx="6921266" cy="6489315"/>
+            <a:off x="566929" y="901700"/>
+            <a:ext cx="7425764" cy="6756400"/>
           </a:xfrm>
           <a:prstGeom prst="rect">
             <a:avLst/>
@@ -11630,10 +11759,104 @@
       </p:pic>
       <p:sp>
         <p:nvSpPr>
-          <p:cNvPr id="4" name="正方形/長方形 3">
+          <p:cNvPr id="6" name="テキスト ボックス 5">
             <a:extLst>
               <a:ext uri="{FF2B5EF4-FFF2-40B4-BE49-F238E27FC236}">
-                <a16:creationId xmlns:a16="http://schemas.microsoft.com/office/drawing/2014/main" id="{5D28A7C8-ACEE-B25F-DE79-15259E9A09DE}"/>
+                <a16:creationId xmlns:a16="http://schemas.microsoft.com/office/drawing/2014/main" id="{9D263B51-F59B-5B68-F0EB-EF58F470008C}"/>
+              </a:ext>
+            </a:extLst>
+          </p:cNvPr>
+          <p:cNvSpPr txBox="1"/>
+          <p:nvPr/>
+        </p:nvSpPr>
+        <p:spPr>
+          <a:xfrm>
+            <a:off x="8349561" y="1741287"/>
+            <a:ext cx="5556939" cy="2246769"/>
+          </a:xfrm>
+          <a:prstGeom prst="rect">
+            <a:avLst/>
+          </a:prstGeom>
+          <a:solidFill>
+            <a:schemeClr val="accent1">
+              <a:lumMod val="20000"/>
+              <a:lumOff val="80000"/>
+            </a:schemeClr>
+          </a:solidFill>
+        </p:spPr>
+        <p:txBody>
+          <a:bodyPr wrap="square" rtlCol="0">
+            <a:spAutoFit/>
+          </a:bodyPr>
+          <a:lstStyle>
+            <a:defPPr>
+              <a:defRPr lang="en-US"/>
+            </a:defPPr>
+            <a:lvl1pPr>
+              <a:defRPr kumimoji="1" sz="2000">
+                <a:solidFill>
+                  <a:srgbClr val="000000"/>
+                </a:solidFill>
+                <a:latin typeface="Meiryo" panose="020B0604030504040204" pitchFamily="34" charset="-128"/>
+                <a:ea typeface="Meiryo" panose="020B0604030504040204" pitchFamily="34" charset="-128"/>
+                <a:cs typeface="Amazon Ember" panose="020B0603020204020204" pitchFamily="34" charset="0"/>
+              </a:defRPr>
+            </a:lvl1pPr>
+          </a:lstStyle>
+          <a:p>
+            <a:pPr marL="342900" indent="-342900">
+              <a:buFont typeface="Arial" panose="020B0604020202020204" pitchFamily="34" charset="0"/>
+              <a:buChar char="•"/>
+            </a:pPr>
+            <a:r>
+              <a:rPr lang="ja-JP" altLang="en-US"/>
+              <a:t>サービス作成に成功し、イベントログ、デプロイログ、アプリケーションログ、がそれぞれ確認できます。</a:t>
+            </a:r>
+            <a:endParaRPr lang="en-US" altLang="ja-JP" dirty="0"/>
+          </a:p>
+          <a:p>
+            <a:pPr marL="342900" indent="-342900">
+              <a:buFont typeface="Arial" panose="020B0604020202020204" pitchFamily="34" charset="0"/>
+              <a:buChar char="•"/>
+            </a:pPr>
+            <a:r>
+              <a:rPr lang="ja-JP" altLang="en-US"/>
+              <a:t>赤枠で囲った部分に、アクセス先の</a:t>
+            </a:r>
+            <a:r>
+              <a:rPr lang="en-US" altLang="ja-JP" dirty="0"/>
+              <a:t>URL</a:t>
+            </a:r>
+            <a:r>
+              <a:rPr lang="ja-JP" altLang="en-US"/>
+              <a:t>が表示されます。この</a:t>
+            </a:r>
+            <a:r>
+              <a:rPr lang="en-US" altLang="ja-JP" dirty="0"/>
+              <a:t>URL</a:t>
+            </a:r>
+            <a:r>
+              <a:rPr lang="ja-JP" altLang="en-US"/>
+              <a:t>をブラウザで開くと</a:t>
+            </a:r>
+            <a:r>
+              <a:rPr lang="en-US" altLang="ja-JP" dirty="0"/>
+              <a:t> modern-skeleton </a:t>
+            </a:r>
+            <a:r>
+              <a:rPr lang="ja-JP" altLang="en-US"/>
+              <a:t>の画面が表示されます。</a:t>
+            </a:r>
+            <a:endParaRPr lang="en-US" altLang="ja-JP" dirty="0"/>
+          </a:p>
+        </p:txBody>
+      </p:sp>
+      <p:sp>
+        <p:nvSpPr>
+          <p:cNvPr id="7" name="正方形/長方形 6">
+            <a:extLst>
+              <a:ext uri="{FF2B5EF4-FFF2-40B4-BE49-F238E27FC236}">
+                <a16:creationId xmlns:a16="http://schemas.microsoft.com/office/drawing/2014/main" id="{10B9D6A9-C8A8-C807-F82E-70A91B0ABDE6}"/>
               </a:ext>
             </a:extLst>
           </p:cNvPr>
@@ -11641,60 +11864,41 @@
           <p:nvPr/>
         </p:nvSpPr>
         <p:spPr>
-          <a:xfrm rot="21095183">
-            <a:off x="8316605" y="563209"/>
-            <a:ext cx="5856090" cy="523220"/>
+          <a:xfrm>
+            <a:off x="916938" y="2635419"/>
+            <a:ext cx="2740662" cy="344847"/>
           </a:xfrm>
           <a:prstGeom prst="rect">
             <a:avLst/>
           </a:prstGeom>
           <a:noFill/>
-        </p:spPr>
-        <p:txBody>
-          <a:bodyPr wrap="none" lIns="91440" tIns="45720" rIns="91440" bIns="45720">
-            <a:spAutoFit/>
-          </a:bodyPr>
+          <a:ln w="25400">
+            <a:solidFill>
+              <a:srgbClr val="FF0000"/>
+            </a:solidFill>
+          </a:ln>
+          <a:effectLst/>
+        </p:spPr>
+        <p:style>
+          <a:lnRef idx="1">
+            <a:schemeClr val="accent1"/>
+          </a:lnRef>
+          <a:fillRef idx="3">
+            <a:schemeClr val="accent1"/>
+          </a:fillRef>
+          <a:effectRef idx="2">
+            <a:schemeClr val="accent1"/>
+          </a:effectRef>
+          <a:fontRef idx="minor">
+            <a:schemeClr val="lt1"/>
+          </a:fontRef>
+        </p:style>
+        <p:txBody>
+          <a:bodyPr rtlCol="0" anchor="ctr"/>
           <a:lstStyle/>
           <a:p>
             <a:pPr algn="ctr"/>
-            <a:r>
-              <a:rPr lang="en-US" altLang="ja-JP" sz="2800" b="0" cap="none" spc="0" dirty="0">
-                <a:ln w="0"/>
-                <a:solidFill>
-                  <a:srgbClr val="FF0000"/>
-                </a:solidFill>
-                <a:effectLst>
-                  <a:outerShdw blurRad="38100" dist="25400" dir="5400000" algn="ctr" rotWithShape="0">
-                    <a:srgbClr val="6E747A">
-                      <a:alpha val="43000"/>
-                    </a:srgbClr>
-                  </a:outerShdw>
-                </a:effectLst>
-                <a:highlight>
-                  <a:srgbClr val="FFFF00"/>
-                </a:highlight>
-              </a:rPr>
-              <a:t>modern-skeleton</a:t>
-            </a:r>
-            <a:r>
-              <a:rPr lang="ja-JP" altLang="en-US" sz="2800" b="0" cap="none" spc="0">
-                <a:ln w="0"/>
-                <a:solidFill>
-                  <a:srgbClr val="FF0000"/>
-                </a:solidFill>
-                <a:effectLst>
-                  <a:outerShdw blurRad="38100" dist="25400" dir="5400000" algn="ctr" rotWithShape="0">
-                    <a:srgbClr val="6E747A">
-                      <a:alpha val="43000"/>
-                    </a:srgbClr>
-                  </a:outerShdw>
-                </a:effectLst>
-                <a:highlight>
-                  <a:srgbClr val="FFFF00"/>
-                </a:highlight>
-              </a:rPr>
-              <a:t>のケースに置換え</a:t>
-            </a:r>
+            <a:endParaRPr kumimoji="1" lang="ja-JP" altLang="en-US" dirty="0"/>
           </a:p>
         </p:txBody>
       </p:sp>
@@ -11826,6 +12030,17 @@
               <a:buFont typeface="+mj-lt"/>
               <a:buAutoNum type="arabicPeriod"/>
             </a:pPr>
+            <a:r>
+              <a:rPr kumimoji="1" lang="ja-JP" altLang="en-US"/>
+              <a:t>補足（サンプルコード一部）</a:t>
+            </a:r>
+            <a:endParaRPr kumimoji="1" lang="en-US" altLang="ja-JP" dirty="0"/>
+          </a:p>
+          <a:p>
+            <a:pPr marL="514350" indent="-514350">
+              <a:buFont typeface="+mj-lt"/>
+              <a:buAutoNum type="arabicPeriod"/>
+            </a:pPr>
             <a:endParaRPr kumimoji="1" lang="ja-JP" altLang="en-US"/>
           </a:p>
         </p:txBody>
@@ -11862,6 +12077,212 @@
       </p:grpSpPr>
       <p:sp>
         <p:nvSpPr>
+          <p:cNvPr id="2" name="タイトル 1">
+            <a:extLst>
+              <a:ext uri="{FF2B5EF4-FFF2-40B4-BE49-F238E27FC236}">
+                <a16:creationId xmlns:a16="http://schemas.microsoft.com/office/drawing/2014/main" id="{E537222A-1AC9-664E-B60A-B057083DB7C6}"/>
+              </a:ext>
+            </a:extLst>
+          </p:cNvPr>
+          <p:cNvSpPr>
+            <a:spLocks noGrp="1"/>
+          </p:cNvSpPr>
+          <p:nvPr>
+            <p:ph type="title"/>
+          </p:nvPr>
+        </p:nvSpPr>
+        <p:spPr/>
+        <p:txBody>
+          <a:bodyPr/>
+          <a:lstStyle/>
+          <a:p>
+            <a:r>
+              <a:rPr kumimoji="1" lang="ja-JP" altLang="en-US"/>
+              <a:t>デフォルトドメイン（アクセス先）の確認</a:t>
+            </a:r>
+          </a:p>
+        </p:txBody>
+      </p:sp>
+      <p:pic>
+        <p:nvPicPr>
+          <p:cNvPr id="4" name="図 3">
+            <a:extLst>
+              <a:ext uri="{FF2B5EF4-FFF2-40B4-BE49-F238E27FC236}">
+                <a16:creationId xmlns:a16="http://schemas.microsoft.com/office/drawing/2014/main" id="{EC128453-98E3-3D79-F0E2-91A81B1113D2}"/>
+              </a:ext>
+            </a:extLst>
+          </p:cNvPr>
+          <p:cNvPicPr>
+            <a:picLocks noChangeAspect="1"/>
+          </p:cNvPicPr>
+          <p:nvPr/>
+        </p:nvPicPr>
+        <p:blipFill>
+          <a:blip r:embed="rId2"/>
+          <a:stretch>
+            <a:fillRect/>
+          </a:stretch>
+        </p:blipFill>
+        <p:spPr>
+          <a:xfrm>
+            <a:off x="548639" y="1488239"/>
+            <a:ext cx="11263152" cy="3385333"/>
+          </a:xfrm>
+          <a:prstGeom prst="rect">
+            <a:avLst/>
+          </a:prstGeom>
+        </p:spPr>
+      </p:pic>
+      <p:sp>
+        <p:nvSpPr>
+          <p:cNvPr id="6" name="テキスト ボックス 5">
+            <a:extLst>
+              <a:ext uri="{FF2B5EF4-FFF2-40B4-BE49-F238E27FC236}">
+                <a16:creationId xmlns:a16="http://schemas.microsoft.com/office/drawing/2014/main" id="{9D263B51-F59B-5B68-F0EB-EF58F470008C}"/>
+              </a:ext>
+            </a:extLst>
+          </p:cNvPr>
+          <p:cNvSpPr txBox="1"/>
+          <p:nvPr/>
+        </p:nvSpPr>
+        <p:spPr>
+          <a:xfrm>
+            <a:off x="5398927" y="5810972"/>
+            <a:ext cx="7656673" cy="707886"/>
+          </a:xfrm>
+          <a:prstGeom prst="rect">
+            <a:avLst/>
+          </a:prstGeom>
+          <a:solidFill>
+            <a:schemeClr val="accent1">
+              <a:lumMod val="20000"/>
+              <a:lumOff val="80000"/>
+            </a:schemeClr>
+          </a:solidFill>
+        </p:spPr>
+        <p:txBody>
+          <a:bodyPr wrap="square" rtlCol="0">
+            <a:spAutoFit/>
+          </a:bodyPr>
+          <a:lstStyle>
+            <a:defPPr>
+              <a:defRPr lang="en-US"/>
+            </a:defPPr>
+            <a:lvl1pPr>
+              <a:defRPr kumimoji="1" sz="2000">
+                <a:solidFill>
+                  <a:srgbClr val="000000"/>
+                </a:solidFill>
+                <a:latin typeface="Meiryo" panose="020B0604030504040204" pitchFamily="34" charset="-128"/>
+                <a:ea typeface="Meiryo" panose="020B0604030504040204" pitchFamily="34" charset="-128"/>
+                <a:cs typeface="Amazon Ember" panose="020B0603020204020204" pitchFamily="34" charset="0"/>
+              </a:defRPr>
+            </a:lvl1pPr>
+          </a:lstStyle>
+          <a:p>
+            <a:pPr marL="342900" indent="-342900">
+              <a:buFont typeface="Arial" panose="020B0604020202020204" pitchFamily="34" charset="0"/>
+              <a:buChar char="•"/>
+            </a:pPr>
+            <a:r>
+              <a:rPr lang="ja-JP" altLang="en-US"/>
+              <a:t>黄色枠で囲った部分は、</a:t>
+            </a:r>
+            <a:r>
+              <a:rPr lang="en-US" altLang="ja-JP" dirty="0"/>
+              <a:t>App Runner</a:t>
+            </a:r>
+            <a:r>
+              <a:rPr lang="ja-JP" altLang="en-US"/>
+              <a:t>のデフォルトドメインで指定されたものと同じです。</a:t>
+            </a:r>
+            <a:endParaRPr lang="en-US" altLang="ja-JP" dirty="0"/>
+          </a:p>
+        </p:txBody>
+      </p:sp>
+      <p:sp>
+        <p:nvSpPr>
+          <p:cNvPr id="7" name="正方形/長方形 6">
+            <a:extLst>
+              <a:ext uri="{FF2B5EF4-FFF2-40B4-BE49-F238E27FC236}">
+                <a16:creationId xmlns:a16="http://schemas.microsoft.com/office/drawing/2014/main" id="{10B9D6A9-C8A8-C807-F82E-70A91B0ABDE6}"/>
+              </a:ext>
+            </a:extLst>
+          </p:cNvPr>
+          <p:cNvSpPr/>
+          <p:nvPr/>
+        </p:nvSpPr>
+        <p:spPr>
+          <a:xfrm>
+            <a:off x="1678938" y="1896534"/>
+            <a:ext cx="3959862" cy="394352"/>
+          </a:xfrm>
+          <a:prstGeom prst="rect">
+            <a:avLst/>
+          </a:prstGeom>
+          <a:noFill/>
+          <a:ln w="34925">
+            <a:solidFill>
+              <a:srgbClr val="FFFF00"/>
+            </a:solidFill>
+          </a:ln>
+          <a:effectLst/>
+        </p:spPr>
+        <p:style>
+          <a:lnRef idx="1">
+            <a:schemeClr val="accent1"/>
+          </a:lnRef>
+          <a:fillRef idx="3">
+            <a:schemeClr val="accent1"/>
+          </a:fillRef>
+          <a:effectRef idx="2">
+            <a:schemeClr val="accent1"/>
+          </a:effectRef>
+          <a:fontRef idx="minor">
+            <a:schemeClr val="lt1"/>
+          </a:fontRef>
+        </p:style>
+        <p:txBody>
+          <a:bodyPr rtlCol="0" anchor="ctr"/>
+          <a:lstStyle/>
+          <a:p>
+            <a:pPr algn="ctr"/>
+            <a:endParaRPr kumimoji="1" lang="ja-JP" altLang="en-US" dirty="0"/>
+          </a:p>
+        </p:txBody>
+      </p:sp>
+    </p:spTree>
+    <p:extLst>
+      <p:ext uri="{BB962C8B-B14F-4D97-AF65-F5344CB8AC3E}">
+        <p14:creationId xmlns:p14="http://schemas.microsoft.com/office/powerpoint/2010/main" val="3536643924"/>
+      </p:ext>
+    </p:extLst>
+  </p:cSld>
+  <p:clrMapOvr>
+    <a:masterClrMapping/>
+  </p:clrMapOvr>
+</p:sld>
+</file>
+
+<file path=ppt/slides/slide31.xml><?xml version="1.0" encoding="utf-8"?>
+<p:sld xmlns:a="http://schemas.openxmlformats.org/drawingml/2006/main" xmlns:r="http://schemas.openxmlformats.org/officeDocument/2006/relationships" xmlns:p="http://schemas.openxmlformats.org/presentationml/2006/main">
+  <p:cSld>
+    <p:spTree>
+      <p:nvGrpSpPr>
+        <p:cNvPr id="1" name=""/>
+        <p:cNvGrpSpPr/>
+        <p:nvPr/>
+      </p:nvGrpSpPr>
+      <p:grpSpPr>
+        <a:xfrm>
+          <a:off x="0" y="0"/>
+          <a:ext cx="0" cy="0"/>
+          <a:chOff x="0" y="0"/>
+          <a:chExt cx="0" cy="0"/>
+        </a:xfrm>
+      </p:grpSpPr>
+      <p:sp>
+        <p:nvSpPr>
           <p:cNvPr id="2" name="Title 1">
             <a:extLst>
               <a:ext uri="{FF2B5EF4-FFF2-40B4-BE49-F238E27FC236}">
@@ -11921,6 +12342,540 @@
     <p:extLst>
       <p:ext uri="{BB962C8B-B14F-4D97-AF65-F5344CB8AC3E}">
         <p14:creationId xmlns:p14="http://schemas.microsoft.com/office/powerpoint/2010/main" val="2654942265"/>
+      </p:ext>
+    </p:extLst>
+  </p:cSld>
+  <p:clrMapOvr>
+    <a:masterClrMapping/>
+  </p:clrMapOvr>
+</p:sld>
+</file>
+
+<file path=ppt/slides/slide32.xml><?xml version="1.0" encoding="utf-8"?>
+<p:sld xmlns:a="http://schemas.openxmlformats.org/drawingml/2006/main" xmlns:r="http://schemas.openxmlformats.org/officeDocument/2006/relationships" xmlns:p="http://schemas.openxmlformats.org/presentationml/2006/main">
+  <p:cSld>
+    <p:spTree>
+      <p:nvGrpSpPr>
+        <p:cNvPr id="1" name=""/>
+        <p:cNvGrpSpPr/>
+        <p:nvPr/>
+      </p:nvGrpSpPr>
+      <p:grpSpPr>
+        <a:xfrm>
+          <a:off x="0" y="0"/>
+          <a:ext cx="0" cy="0"/>
+          <a:chOff x="0" y="0"/>
+          <a:chExt cx="0" cy="0"/>
+        </a:xfrm>
+      </p:grpSpPr>
+      <p:sp>
+        <p:nvSpPr>
+          <p:cNvPr id="2" name="タイトル 1">
+            <a:extLst>
+              <a:ext uri="{FF2B5EF4-FFF2-40B4-BE49-F238E27FC236}">
+                <a16:creationId xmlns:a16="http://schemas.microsoft.com/office/drawing/2014/main" id="{3ECF1FDD-47E1-40D0-EC4D-C4E72226944E}"/>
+              </a:ext>
+            </a:extLst>
+          </p:cNvPr>
+          <p:cNvSpPr>
+            <a:spLocks noGrp="1"/>
+          </p:cNvSpPr>
+          <p:nvPr>
+            <p:ph type="title"/>
+          </p:nvPr>
+        </p:nvSpPr>
+        <p:spPr/>
+        <p:txBody>
+          <a:bodyPr/>
+          <a:lstStyle/>
+          <a:p>
+            <a:r>
+              <a:rPr kumimoji="1" lang="ja-JP" altLang="en-US"/>
+              <a:t>補足（サンプルコード一部）</a:t>
+            </a:r>
+          </a:p>
+        </p:txBody>
+      </p:sp>
+    </p:spTree>
+    <p:extLst>
+      <p:ext uri="{BB962C8B-B14F-4D97-AF65-F5344CB8AC3E}">
+        <p14:creationId xmlns:p14="http://schemas.microsoft.com/office/powerpoint/2010/main" val="1390121936"/>
+      </p:ext>
+    </p:extLst>
+  </p:cSld>
+  <p:clrMapOvr>
+    <a:masterClrMapping/>
+  </p:clrMapOvr>
+</p:sld>
+</file>
+
+<file path=ppt/slides/slide33.xml><?xml version="1.0" encoding="utf-8"?>
+<p:sld xmlns:a="http://schemas.openxmlformats.org/drawingml/2006/main" xmlns:r="http://schemas.openxmlformats.org/officeDocument/2006/relationships" xmlns:p="http://schemas.openxmlformats.org/presentationml/2006/main">
+  <p:cSld>
+    <p:spTree>
+      <p:nvGrpSpPr>
+        <p:cNvPr id="1" name=""/>
+        <p:cNvGrpSpPr/>
+        <p:nvPr/>
+      </p:nvGrpSpPr>
+      <p:grpSpPr>
+        <a:xfrm>
+          <a:off x="0" y="0"/>
+          <a:ext cx="0" cy="0"/>
+          <a:chOff x="0" y="0"/>
+          <a:chExt cx="0" cy="0"/>
+        </a:xfrm>
+      </p:grpSpPr>
+      <p:sp>
+        <p:nvSpPr>
+          <p:cNvPr id="2" name="タイトル 1">
+            <a:extLst>
+              <a:ext uri="{FF2B5EF4-FFF2-40B4-BE49-F238E27FC236}">
+                <a16:creationId xmlns:a16="http://schemas.microsoft.com/office/drawing/2014/main" id="{1A65DBFB-A86D-A170-7CC7-A3AD91C9ECF7}"/>
+              </a:ext>
+            </a:extLst>
+          </p:cNvPr>
+          <p:cNvSpPr>
+            <a:spLocks noGrp="1"/>
+          </p:cNvSpPr>
+          <p:nvPr>
+            <p:ph type="title"/>
+          </p:nvPr>
+        </p:nvSpPr>
+        <p:spPr/>
+        <p:txBody>
+          <a:bodyPr/>
+          <a:lstStyle/>
+          <a:p>
+            <a:r>
+              <a:rPr kumimoji="1" lang="en-US" altLang="ja-JP" dirty="0" err="1"/>
+              <a:t>requirements.txt</a:t>
+            </a:r>
+            <a:endParaRPr kumimoji="1" lang="ja-JP" altLang="en-US"/>
+          </a:p>
+        </p:txBody>
+      </p:sp>
+      <p:sp>
+        <p:nvSpPr>
+          <p:cNvPr id="3" name="テキスト プレースホルダー 2">
+            <a:extLst>
+              <a:ext uri="{FF2B5EF4-FFF2-40B4-BE49-F238E27FC236}">
+                <a16:creationId xmlns:a16="http://schemas.microsoft.com/office/drawing/2014/main" id="{7B766510-0882-5901-2A4E-7BB07D04B217}"/>
+              </a:ext>
+            </a:extLst>
+          </p:cNvPr>
+          <p:cNvSpPr>
+            <a:spLocks noGrp="1"/>
+          </p:cNvSpPr>
+          <p:nvPr>
+            <p:ph type="body" sz="quarter" idx="10"/>
+          </p:nvPr>
+        </p:nvSpPr>
+        <p:spPr>
+          <a:ln>
+            <a:solidFill>
+              <a:schemeClr val="accent6">
+                <a:lumMod val="60000"/>
+                <a:lumOff val="40000"/>
+              </a:schemeClr>
+            </a:solidFill>
+          </a:ln>
+        </p:spPr>
+        <p:txBody>
+          <a:bodyPr/>
+          <a:lstStyle/>
+          <a:p>
+            <a:r>
+              <a:rPr kumimoji="1" lang="en" altLang="ja-JP" sz="1600" dirty="0"/>
+              <a:t>Flask==2.0.2</a:t>
+            </a:r>
+          </a:p>
+          <a:p>
+            <a:endParaRPr kumimoji="1" lang="ja-JP" altLang="en-US" sz="1600"/>
+          </a:p>
+        </p:txBody>
+      </p:sp>
+    </p:spTree>
+    <p:extLst>
+      <p:ext uri="{BB962C8B-B14F-4D97-AF65-F5344CB8AC3E}">
+        <p14:creationId xmlns:p14="http://schemas.microsoft.com/office/powerpoint/2010/main" val="1796955621"/>
+      </p:ext>
+    </p:extLst>
+  </p:cSld>
+  <p:clrMapOvr>
+    <a:masterClrMapping/>
+  </p:clrMapOvr>
+</p:sld>
+</file>
+
+<file path=ppt/slides/slide34.xml><?xml version="1.0" encoding="utf-8"?>
+<p:sld xmlns:a="http://schemas.openxmlformats.org/drawingml/2006/main" xmlns:r="http://schemas.openxmlformats.org/officeDocument/2006/relationships" xmlns:p="http://schemas.openxmlformats.org/presentationml/2006/main">
+  <p:cSld>
+    <p:spTree>
+      <p:nvGrpSpPr>
+        <p:cNvPr id="1" name=""/>
+        <p:cNvGrpSpPr/>
+        <p:nvPr/>
+      </p:nvGrpSpPr>
+      <p:grpSpPr>
+        <a:xfrm>
+          <a:off x="0" y="0"/>
+          <a:ext cx="0" cy="0"/>
+          <a:chOff x="0" y="0"/>
+          <a:chExt cx="0" cy="0"/>
+        </a:xfrm>
+      </p:grpSpPr>
+      <p:sp>
+        <p:nvSpPr>
+          <p:cNvPr id="2" name="タイトル 1">
+            <a:extLst>
+              <a:ext uri="{FF2B5EF4-FFF2-40B4-BE49-F238E27FC236}">
+                <a16:creationId xmlns:a16="http://schemas.microsoft.com/office/drawing/2014/main" id="{1A65DBFB-A86D-A170-7CC7-A3AD91C9ECF7}"/>
+              </a:ext>
+            </a:extLst>
+          </p:cNvPr>
+          <p:cNvSpPr>
+            <a:spLocks noGrp="1"/>
+          </p:cNvSpPr>
+          <p:nvPr>
+            <p:ph type="title"/>
+          </p:nvPr>
+        </p:nvSpPr>
+        <p:spPr/>
+        <p:txBody>
+          <a:bodyPr/>
+          <a:lstStyle/>
+          <a:p>
+            <a:r>
+              <a:rPr kumimoji="1" lang="en-US" altLang="ja-JP" dirty="0" err="1"/>
+              <a:t>Dockerfile.txt</a:t>
+            </a:r>
+            <a:endParaRPr kumimoji="1" lang="ja-JP" altLang="en-US"/>
+          </a:p>
+        </p:txBody>
+      </p:sp>
+      <p:sp>
+        <p:nvSpPr>
+          <p:cNvPr id="3" name="テキスト プレースホルダー 2">
+            <a:extLst>
+              <a:ext uri="{FF2B5EF4-FFF2-40B4-BE49-F238E27FC236}">
+                <a16:creationId xmlns:a16="http://schemas.microsoft.com/office/drawing/2014/main" id="{7B766510-0882-5901-2A4E-7BB07D04B217}"/>
+              </a:ext>
+            </a:extLst>
+          </p:cNvPr>
+          <p:cNvSpPr>
+            <a:spLocks noGrp="1"/>
+          </p:cNvSpPr>
+          <p:nvPr>
+            <p:ph type="body" sz="quarter" idx="10"/>
+          </p:nvPr>
+        </p:nvSpPr>
+        <p:spPr>
+          <a:ln>
+            <a:solidFill>
+              <a:schemeClr val="accent6">
+                <a:lumMod val="60000"/>
+                <a:lumOff val="40000"/>
+              </a:schemeClr>
+            </a:solidFill>
+          </a:ln>
+        </p:spPr>
+        <p:txBody>
+          <a:bodyPr vert="horz" lIns="91440" tIns="45720" rIns="91440" bIns="45720" rtlCol="0">
+            <a:noAutofit/>
+          </a:bodyPr>
+          <a:lstStyle/>
+          <a:p>
+            <a:r>
+              <a:rPr kumimoji="1" lang="en" altLang="ja-JP" sz="1600" dirty="0"/>
+              <a:t>FROM python:3.8.12-slim-bullseye</a:t>
+            </a:r>
+          </a:p>
+          <a:p>
+            <a:endParaRPr kumimoji="1" lang="en" altLang="ja-JP" sz="1600" dirty="0"/>
+          </a:p>
+          <a:p>
+            <a:r>
+              <a:rPr kumimoji="1" lang="en" altLang="ja-JP" sz="1600" dirty="0"/>
+              <a:t>RUN apt update  &amp;&amp; \</a:t>
+            </a:r>
+          </a:p>
+          <a:p>
+            <a:r>
+              <a:rPr kumimoji="1" lang="en" altLang="ja-JP" sz="1600" dirty="0"/>
+              <a:t>  apt install -y git unzip curl &amp;&amp; \</a:t>
+            </a:r>
+          </a:p>
+          <a:p>
+            <a:r>
+              <a:rPr kumimoji="1" lang="en" altLang="ja-JP" sz="1600" dirty="0"/>
+              <a:t>  git clone https://</a:t>
+            </a:r>
+            <a:r>
+              <a:rPr kumimoji="1" lang="en" altLang="ja-JP" sz="1600" dirty="0" err="1"/>
+              <a:t>github.com</a:t>
+            </a:r>
+            <a:r>
+              <a:rPr kumimoji="1" lang="en" altLang="ja-JP" sz="1600" dirty="0"/>
+              <a:t>/</a:t>
+            </a:r>
+            <a:r>
+              <a:rPr kumimoji="1" lang="en" altLang="ja-JP" sz="1600" dirty="0" err="1"/>
+              <a:t>kmorooka</a:t>
+            </a:r>
+            <a:r>
+              <a:rPr kumimoji="1" lang="en" altLang="ja-JP" sz="1600" dirty="0"/>
+              <a:t>/modern-</a:t>
+            </a:r>
+            <a:r>
+              <a:rPr kumimoji="1" lang="en" altLang="ja-JP" sz="1600" dirty="0" err="1"/>
+              <a:t>skeleton.git</a:t>
+            </a:r>
+            <a:r>
+              <a:rPr kumimoji="1" lang="en" altLang="ja-JP" sz="1600" dirty="0"/>
+              <a:t> &amp;&amp; \</a:t>
+            </a:r>
+          </a:p>
+          <a:p>
+            <a:r>
+              <a:rPr kumimoji="1" lang="en" altLang="ja-JP" sz="1600" dirty="0"/>
+              <a:t>  pip install --upgrade pip &amp;&amp; \</a:t>
+            </a:r>
+          </a:p>
+          <a:p>
+            <a:r>
+              <a:rPr kumimoji="1" lang="en" altLang="ja-JP" sz="1600" dirty="0"/>
+              <a:t>  pip install -r /modern-skeleton/</a:t>
+            </a:r>
+            <a:r>
+              <a:rPr kumimoji="1" lang="en" altLang="ja-JP" sz="1600" dirty="0" err="1"/>
+              <a:t>requirements.txt</a:t>
+            </a:r>
+            <a:r>
+              <a:rPr kumimoji="1" lang="en" altLang="ja-JP" sz="1600" dirty="0"/>
+              <a:t> &amp;&amp; \</a:t>
+            </a:r>
+          </a:p>
+          <a:p>
+            <a:r>
+              <a:rPr kumimoji="1" lang="en" altLang="ja-JP" sz="1600" dirty="0"/>
+              <a:t>  rm -rf ~/.cache</a:t>
+            </a:r>
+          </a:p>
+          <a:p>
+            <a:endParaRPr kumimoji="1" lang="en" altLang="ja-JP" sz="1600" dirty="0"/>
+          </a:p>
+          <a:p>
+            <a:r>
+              <a:rPr kumimoji="1" lang="en" altLang="ja-JP" sz="1600" dirty="0"/>
+              <a:t>WORKDIR /modern-skeleton</a:t>
+            </a:r>
+          </a:p>
+          <a:p>
+            <a:endParaRPr kumimoji="1" lang="en" altLang="ja-JP" sz="1600" dirty="0"/>
+          </a:p>
+          <a:p>
+            <a:r>
+              <a:rPr kumimoji="1" lang="en" altLang="ja-JP" sz="1600" dirty="0"/>
+              <a:t>CMD ["flask", "run", "--host", "0.0.0.0", "--port", "5000"]</a:t>
+            </a:r>
+          </a:p>
+          <a:p>
+            <a:endParaRPr kumimoji="1" lang="ja-JP" altLang="en-US" sz="1600"/>
+          </a:p>
+        </p:txBody>
+      </p:sp>
+    </p:spTree>
+    <p:extLst>
+      <p:ext uri="{BB962C8B-B14F-4D97-AF65-F5344CB8AC3E}">
+        <p14:creationId xmlns:p14="http://schemas.microsoft.com/office/powerpoint/2010/main" val="257487454"/>
+      </p:ext>
+    </p:extLst>
+  </p:cSld>
+  <p:clrMapOvr>
+    <a:masterClrMapping/>
+  </p:clrMapOvr>
+</p:sld>
+</file>
+
+<file path=ppt/slides/slide35.xml><?xml version="1.0" encoding="utf-8"?>
+<p:sld xmlns:a="http://schemas.openxmlformats.org/drawingml/2006/main" xmlns:r="http://schemas.openxmlformats.org/officeDocument/2006/relationships" xmlns:p="http://schemas.openxmlformats.org/presentationml/2006/main">
+  <p:cSld>
+    <p:spTree>
+      <p:nvGrpSpPr>
+        <p:cNvPr id="1" name=""/>
+        <p:cNvGrpSpPr/>
+        <p:nvPr/>
+      </p:nvGrpSpPr>
+      <p:grpSpPr>
+        <a:xfrm>
+          <a:off x="0" y="0"/>
+          <a:ext cx="0" cy="0"/>
+          <a:chOff x="0" y="0"/>
+          <a:chExt cx="0" cy="0"/>
+        </a:xfrm>
+      </p:grpSpPr>
+      <p:sp>
+        <p:nvSpPr>
+          <p:cNvPr id="2" name="タイトル 1">
+            <a:extLst>
+              <a:ext uri="{FF2B5EF4-FFF2-40B4-BE49-F238E27FC236}">
+                <a16:creationId xmlns:a16="http://schemas.microsoft.com/office/drawing/2014/main" id="{1A65DBFB-A86D-A170-7CC7-A3AD91C9ECF7}"/>
+              </a:ext>
+            </a:extLst>
+          </p:cNvPr>
+          <p:cNvSpPr>
+            <a:spLocks noGrp="1"/>
+          </p:cNvSpPr>
+          <p:nvPr>
+            <p:ph type="title"/>
+          </p:nvPr>
+        </p:nvSpPr>
+        <p:spPr/>
+        <p:txBody>
+          <a:bodyPr/>
+          <a:lstStyle/>
+          <a:p>
+            <a:r>
+              <a:rPr kumimoji="1" lang="en-US" altLang="ja-JP" dirty="0" err="1"/>
+              <a:t>apprunner.txt</a:t>
+            </a:r>
+            <a:endParaRPr kumimoji="1" lang="ja-JP" altLang="en-US"/>
+          </a:p>
+        </p:txBody>
+      </p:sp>
+      <p:sp>
+        <p:nvSpPr>
+          <p:cNvPr id="3" name="テキスト プレースホルダー 2">
+            <a:extLst>
+              <a:ext uri="{FF2B5EF4-FFF2-40B4-BE49-F238E27FC236}">
+                <a16:creationId xmlns:a16="http://schemas.microsoft.com/office/drawing/2014/main" id="{7B766510-0882-5901-2A4E-7BB07D04B217}"/>
+              </a:ext>
+            </a:extLst>
+          </p:cNvPr>
+          <p:cNvSpPr>
+            <a:spLocks noGrp="1"/>
+          </p:cNvSpPr>
+          <p:nvPr>
+            <p:ph type="body" sz="quarter" idx="10"/>
+          </p:nvPr>
+        </p:nvSpPr>
+        <p:spPr>
+          <a:ln>
+            <a:solidFill>
+              <a:schemeClr val="accent6">
+                <a:lumMod val="60000"/>
+                <a:lumOff val="40000"/>
+              </a:schemeClr>
+            </a:solidFill>
+          </a:ln>
+        </p:spPr>
+        <p:txBody>
+          <a:bodyPr vert="horz" lIns="91440" tIns="45720" rIns="91440" bIns="45720" rtlCol="0">
+            <a:noAutofit/>
+          </a:bodyPr>
+          <a:lstStyle/>
+          <a:p>
+            <a:r>
+              <a:rPr kumimoji="1" lang="en" altLang="ja-JP" sz="1600" dirty="0"/>
+              <a:t>version: 1.0</a:t>
+            </a:r>
+          </a:p>
+          <a:p>
+            <a:r>
+              <a:rPr kumimoji="1" lang="en" altLang="ja-JP" sz="1600" dirty="0"/>
+              <a:t>runtime: python3</a:t>
+            </a:r>
+          </a:p>
+          <a:p>
+            <a:r>
+              <a:rPr kumimoji="1" lang="en" altLang="ja-JP" sz="1600" dirty="0"/>
+              <a:t>build:</a:t>
+            </a:r>
+          </a:p>
+          <a:p>
+            <a:r>
+              <a:rPr kumimoji="1" lang="en" altLang="ja-JP" sz="1600" dirty="0"/>
+              <a:t>  commands:</a:t>
+            </a:r>
+          </a:p>
+          <a:p>
+            <a:r>
+              <a:rPr kumimoji="1" lang="en" altLang="ja-JP" sz="1600" dirty="0"/>
+              <a:t>    build:</a:t>
+            </a:r>
+          </a:p>
+          <a:p>
+            <a:r>
+              <a:rPr kumimoji="1" lang="en" altLang="ja-JP" sz="1600" dirty="0"/>
+              <a:t>      - yum update -y</a:t>
+            </a:r>
+          </a:p>
+          <a:p>
+            <a:r>
+              <a:rPr kumimoji="1" lang="en" altLang="ja-JP" sz="1600" dirty="0"/>
+              <a:t>      - yum install -y unzip curl </a:t>
+            </a:r>
+            <a:r>
+              <a:rPr kumimoji="1" lang="en" altLang="ja-JP" sz="1600" dirty="0" err="1"/>
+              <a:t>fontconfig</a:t>
+            </a:r>
+            <a:endParaRPr kumimoji="1" lang="en" altLang="ja-JP" sz="1600" dirty="0"/>
+          </a:p>
+          <a:p>
+            <a:r>
+              <a:rPr kumimoji="1" lang="en" altLang="ja-JP" sz="1600" dirty="0"/>
+              <a:t>      - pip install -r </a:t>
+            </a:r>
+            <a:r>
+              <a:rPr kumimoji="1" lang="en" altLang="ja-JP" sz="1600" dirty="0" err="1"/>
+              <a:t>requirements.txt</a:t>
+            </a:r>
+            <a:endParaRPr kumimoji="1" lang="en" altLang="ja-JP" sz="1600" dirty="0"/>
+          </a:p>
+          <a:p>
+            <a:r>
+              <a:rPr kumimoji="1" lang="en" altLang="ja-JP" sz="1600" dirty="0"/>
+              <a:t>      - rm -rf ~/.cache</a:t>
+            </a:r>
+          </a:p>
+          <a:p>
+            <a:r>
+              <a:rPr kumimoji="1" lang="en" altLang="ja-JP" sz="1600" dirty="0"/>
+              <a:t>run:</a:t>
+            </a:r>
+          </a:p>
+          <a:p>
+            <a:r>
+              <a:rPr kumimoji="1" lang="en" altLang="ja-JP" sz="1600" dirty="0"/>
+              <a:t>  runtime-version: 3.7</a:t>
+            </a:r>
+          </a:p>
+          <a:p>
+            <a:r>
+              <a:rPr kumimoji="1" lang="en" altLang="ja-JP" sz="1600" dirty="0"/>
+              <a:t>  command: flask run --host 0.0.0.0 --port 5000</a:t>
+            </a:r>
+          </a:p>
+          <a:p>
+            <a:r>
+              <a:rPr kumimoji="1" lang="en" altLang="ja-JP" sz="1600" dirty="0"/>
+              <a:t>  network: </a:t>
+            </a:r>
+          </a:p>
+          <a:p>
+            <a:r>
+              <a:rPr kumimoji="1" lang="en" altLang="ja-JP" sz="1600" dirty="0"/>
+              <a:t>    port: 5000</a:t>
+            </a:r>
+            <a:endParaRPr kumimoji="1" lang="ja-JP" altLang="en-US" sz="1600"/>
+          </a:p>
+        </p:txBody>
+      </p:sp>
+    </p:spTree>
+    <p:extLst>
+      <p:ext uri="{BB962C8B-B14F-4D97-AF65-F5344CB8AC3E}">
+        <p14:creationId xmlns:p14="http://schemas.microsoft.com/office/powerpoint/2010/main" val="579598145"/>
       </p:ext>
     </p:extLst>
   </p:cSld>
@@ -11970,11 +12925,11 @@
           <a:p>
             <a:r>
               <a:rPr kumimoji="1" lang="en-US" altLang="ja-JP" dirty="0"/>
-              <a:t>2</a:t>
+              <a:t>modern-skeleton </a:t>
             </a:r>
             <a:r>
               <a:rPr kumimoji="1" lang="ja-JP" altLang="en-US"/>
-              <a:t>つの利用方法</a:t>
+              <a:t>の３つの利用方法</a:t>
             </a:r>
           </a:p>
         </p:txBody>
@@ -12041,7 +12996,7 @@
             </a:r>
             <a:r>
               <a:rPr kumimoji="1" lang="ja-JP" altLang="en-US"/>
-              <a:t>へクローンし、環境構築して動します。</a:t>
+              <a:t>へクローンし、環境構築して稼働します。</a:t>
             </a:r>
           </a:p>
         </p:txBody>
@@ -12095,6 +13050,29 @@
               <a:rPr kumimoji="1" lang="ja-JP" altLang="en-US"/>
               <a:t>コンテナイメージで稼働します。</a:t>
             </a:r>
+            <a:endParaRPr kumimoji="1" lang="en-US" altLang="ja-JP" dirty="0"/>
+          </a:p>
+          <a:p>
+            <a:r>
+              <a:rPr kumimoji="1" lang="ja-JP" altLang="en-US"/>
+              <a:t>ここではローカル</a:t>
+            </a:r>
+            <a:r>
+              <a:rPr kumimoji="1" lang="en-US" altLang="ja-JP" dirty="0"/>
+              <a:t>PC</a:t>
+            </a:r>
+            <a:r>
+              <a:rPr kumimoji="1" lang="ja-JP" altLang="en-US"/>
+              <a:t>へ</a:t>
+            </a:r>
+            <a:r>
+              <a:rPr kumimoji="1" lang="en-US" altLang="ja-JP" dirty="0"/>
+              <a:t>Docker</a:t>
+            </a:r>
+            <a:r>
+              <a:rPr kumimoji="1" lang="ja-JP" altLang="en-US"/>
+              <a:t>を導入し、稼働しています。</a:t>
+            </a:r>
           </a:p>
         </p:txBody>
       </p:sp>
@@ -12283,7 +13261,7 @@
             </a:r>
             <a:r>
               <a:rPr kumimoji="1" lang="ja-JP" altLang="en-US"/>
-              <a:t>上で、コンテナまたは</a:t>
+              <a:t>上で、</a:t>
             </a:r>
             <a:r>
               <a:rPr kumimoji="1" lang="en-US" altLang="ja-JP" dirty="0" err="1"/>
@@ -12292,6 +13270,21 @@
             <a:r>
               <a:rPr kumimoji="1" lang="ja-JP" altLang="en-US"/>
               <a:t>を指定して稼働します。</a:t>
+            </a:r>
+            <a:endParaRPr kumimoji="1" lang="en-US" altLang="ja-JP" dirty="0"/>
+          </a:p>
+          <a:p>
+            <a:r>
+              <a:rPr kumimoji="1" lang="ja-JP" altLang="en-US"/>
+              <a:t>（</a:t>
+            </a:r>
+            <a:r>
+              <a:rPr kumimoji="1" lang="en-US" altLang="ja-JP" dirty="0"/>
+              <a:t>App Runner</a:t>
+            </a:r>
+            <a:r>
+              <a:rPr kumimoji="1" lang="ja-JP" altLang="en-US"/>
+              <a:t>はコンテナを稼働することも可能です。）</a:t>
             </a:r>
           </a:p>
         </p:txBody>
@@ -12386,7 +13379,7 @@
             </a:pPr>
             <a:r>
               <a:rPr kumimoji="1" lang="ja-JP" altLang="en-US" sz="2000"/>
-              <a:t>サンプルコードは、大きく下記の流れとなっています。</a:t>
+              <a:t>サンプルコードの内容は、下記の流れとなっています。</a:t>
             </a:r>
             <a:endParaRPr kumimoji="1" lang="en-US" altLang="ja-JP" sz="2000" dirty="0"/>
           </a:p>
@@ -12396,8 +13389,16 @@
               <a:buAutoNum type="circleNumDbPlain"/>
             </a:pPr>
             <a:r>
+              <a:rPr kumimoji="1" lang="ja-JP" altLang="en-US" sz="2000">
+                <a:solidFill>
+                  <a:schemeClr val="accent1"/>
+                </a:solidFill>
+              </a:rPr>
+              <a:t>アップロード</a:t>
+            </a:r>
+            <a:r>
               <a:rPr kumimoji="1" lang="ja-JP" altLang="en-US" sz="2000"/>
-              <a:t>ファイルを指定してアップロードする</a:t>
+              <a:t>：　ファイルを指定してアップロードする</a:t>
             </a:r>
             <a:endParaRPr kumimoji="1" lang="en-US" altLang="ja-JP" sz="2000" dirty="0"/>
           </a:p>
@@ -12407,8 +13408,16 @@
               <a:buAutoNum type="circleNumDbPlain"/>
             </a:pPr>
             <a:r>
+              <a:rPr kumimoji="1" lang="ja-JP" altLang="en-US" sz="2000">
+                <a:solidFill>
+                  <a:schemeClr val="accent1"/>
+                </a:solidFill>
+              </a:rPr>
+              <a:t>処理</a:t>
+            </a:r>
+            <a:r>
               <a:rPr kumimoji="1" lang="ja-JP" altLang="en-US" sz="2000"/>
-              <a:t>アップロードしたファイルを一時ディレクトリにコピーする</a:t>
+              <a:t>：　アップロードしたファイルを一時ディレクトリにコピーする</a:t>
             </a:r>
             <a:endParaRPr kumimoji="1" lang="en-US" altLang="ja-JP" sz="2000" dirty="0"/>
           </a:p>
@@ -12418,8 +13427,16 @@
               <a:buAutoNum type="circleNumDbPlain"/>
             </a:pPr>
             <a:r>
+              <a:rPr kumimoji="1" lang="ja-JP" altLang="en-US" sz="2000">
+                <a:solidFill>
+                  <a:schemeClr val="accent1"/>
+                </a:solidFill>
+              </a:rPr>
+              <a:t>ダウンロード</a:t>
+            </a:r>
+            <a:r>
               <a:rPr kumimoji="1" lang="ja-JP" altLang="en-US" sz="2000"/>
-              <a:t>コピーしたファイルを</a:t>
+              <a:t>：　コピーしたファイルを</a:t>
             </a:r>
             <a:r>
               <a:rPr kumimoji="1" lang="en-US" altLang="ja-JP" sz="2000" dirty="0"/>
@@ -12429,6 +13446,13 @@
               <a:rPr kumimoji="1" lang="ja-JP" altLang="en-US" sz="2000"/>
               <a:t>し、ダウンロードする</a:t>
             </a:r>
+            <a:endParaRPr kumimoji="1" lang="en-US" altLang="ja-JP" sz="2000" dirty="0"/>
+          </a:p>
+          <a:p>
+            <a:pPr marL="1703070" lvl="1" indent="-514350">
+              <a:buFont typeface="+mj-ea"/>
+              <a:buAutoNum type="circleNumDbPlain"/>
+            </a:pPr>
             <a:endParaRPr kumimoji="1" lang="en-US" altLang="ja-JP" sz="2000" dirty="0"/>
           </a:p>
           <a:p>
@@ -12458,7 +13482,7 @@
         </p:nvSpPr>
         <p:spPr>
           <a:xfrm>
-            <a:off x="1458096" y="3891663"/>
+            <a:off x="1458096" y="4336163"/>
             <a:ext cx="3842952" cy="3139321"/>
           </a:xfrm>
           <a:prstGeom prst="rect">
@@ -12829,7 +13853,7 @@
         </p:nvSpPr>
         <p:spPr>
           <a:xfrm>
-            <a:off x="4589848" y="3891662"/>
+            <a:off x="4589848" y="4336162"/>
             <a:ext cx="7589452" cy="3139321"/>
           </a:xfrm>
           <a:prstGeom prst="rect">
@@ -13476,7 +14500,7 @@
         </p:nvSpPr>
         <p:spPr>
           <a:xfrm>
-            <a:off x="278295" y="2555934"/>
+            <a:off x="278295" y="2225734"/>
             <a:ext cx="3114262" cy="1245706"/>
           </a:xfrm>
           <a:prstGeom prst="rect">
@@ -13577,8 +14601,8 @@
         </p:nvSpPr>
         <p:spPr>
           <a:xfrm>
-            <a:off x="907774" y="4123157"/>
-            <a:ext cx="1855304" cy="369332"/>
+            <a:off x="907774" y="3792957"/>
+            <a:ext cx="1855304" cy="400110"/>
           </a:xfrm>
           <a:prstGeom prst="rect">
             <a:avLst/>
@@ -13610,9 +14634,9 @@
           <a:p>
             <a:pPr algn="ctr"/>
             <a:r>
-              <a:rPr kumimoji="1" lang="en-US" altLang="ja-JP" sz="1800" dirty="0">
-                <a:solidFill>
-                  <a:schemeClr val="tx1"/>
+              <a:rPr kumimoji="1" lang="en-US" altLang="ja-JP" sz="2000" b="1" dirty="0">
+                <a:solidFill>
+                  <a:schemeClr val="accent1"/>
                 </a:solidFill>
                 <a:latin typeface="Meiryo" panose="020B0604030504040204" pitchFamily="34" charset="-128"/>
                 <a:ea typeface="Meiryo" panose="020B0604030504040204" pitchFamily="34" charset="-128"/>
@@ -13620,9 +14644,9 @@
               </a:rPr>
               <a:t>CLI</a:t>
             </a:r>
-            <a:endParaRPr kumimoji="1" lang="ja-JP" altLang="en-US" sz="1800" dirty="0" err="1">
+            <a:endParaRPr kumimoji="1" lang="ja-JP" altLang="en-US" sz="2000" b="1" dirty="0" err="1">
               <a:solidFill>
-                <a:schemeClr val="tx1"/>
+                <a:schemeClr val="accent1"/>
               </a:solidFill>
               <a:latin typeface="Meiryo" panose="020B0604030504040204" pitchFamily="34" charset="-128"/>
               <a:ea typeface="Meiryo" panose="020B0604030504040204" pitchFamily="34" charset="-128"/>
@@ -13645,7 +14669,7 @@
         </p:nvSpPr>
         <p:spPr>
           <a:xfrm>
-            <a:off x="3886199" y="3286538"/>
+            <a:off x="3886199" y="2956338"/>
             <a:ext cx="3114262" cy="515102"/>
           </a:xfrm>
           <a:prstGeom prst="rect">
@@ -13707,7 +14731,7 @@
         </p:nvSpPr>
         <p:spPr>
           <a:xfrm>
-            <a:off x="7494103" y="3286537"/>
+            <a:off x="7494103" y="2956337"/>
             <a:ext cx="3114262" cy="515103"/>
           </a:xfrm>
           <a:prstGeom prst="rect">
@@ -13769,7 +14793,7 @@
         </p:nvSpPr>
         <p:spPr>
           <a:xfrm>
-            <a:off x="11102007" y="3286536"/>
+            <a:off x="11102007" y="2956336"/>
             <a:ext cx="3114262" cy="515103"/>
           </a:xfrm>
           <a:prstGeom prst="rect">
@@ -13831,7 +14855,7 @@
         </p:nvSpPr>
         <p:spPr>
           <a:xfrm>
-            <a:off x="3886199" y="2605785"/>
+            <a:off x="3886199" y="2275585"/>
             <a:ext cx="3114262" cy="478505"/>
           </a:xfrm>
           <a:prstGeom prst="rect">
@@ -13893,7 +14917,7 @@
         </p:nvSpPr>
         <p:spPr>
           <a:xfrm>
-            <a:off x="7494103" y="2605785"/>
+            <a:off x="7494103" y="2275585"/>
             <a:ext cx="3114262" cy="515104"/>
           </a:xfrm>
           <a:prstGeom prst="rect">
@@ -13955,8 +14979,8 @@
         </p:nvSpPr>
         <p:spPr>
           <a:xfrm>
-            <a:off x="3886199" y="4123157"/>
-            <a:ext cx="3114262" cy="369332"/>
+            <a:off x="3886199" y="3792957"/>
+            <a:ext cx="3114262" cy="400110"/>
           </a:xfrm>
           <a:prstGeom prst="rect">
             <a:avLst/>
@@ -13988,9 +15012,9 @@
           <a:p>
             <a:pPr algn="ctr"/>
             <a:r>
-              <a:rPr kumimoji="1" lang="en-US" altLang="ja-JP" sz="1800" dirty="0">
-                <a:solidFill>
-                  <a:schemeClr val="tx1"/>
+              <a:rPr kumimoji="1" lang="en-US" altLang="ja-JP" sz="2000" b="1" dirty="0">
+                <a:solidFill>
+                  <a:schemeClr val="accent1"/>
                 </a:solidFill>
                 <a:latin typeface="Meiryo" panose="020B0604030504040204" pitchFamily="34" charset="-128"/>
                 <a:ea typeface="Meiryo" panose="020B0604030504040204" pitchFamily="34" charset="-128"/>
@@ -13999,9 +15023,9 @@
               <a:t>Web</a:t>
             </a:r>
             <a:r>
-              <a:rPr kumimoji="1" lang="ja-JP" altLang="en-US" sz="1800">
-                <a:solidFill>
-                  <a:schemeClr val="tx1"/>
+              <a:rPr kumimoji="1" lang="ja-JP" altLang="en-US" sz="2000" b="1">
+                <a:solidFill>
+                  <a:schemeClr val="accent1"/>
                 </a:solidFill>
                 <a:latin typeface="Meiryo" panose="020B0604030504040204" pitchFamily="34" charset="-128"/>
                 <a:ea typeface="Meiryo" panose="020B0604030504040204" pitchFamily="34" charset="-128"/>
@@ -14009,9 +15033,9 @@
               </a:rPr>
               <a:t>アプリケーション化</a:t>
             </a:r>
-            <a:endParaRPr kumimoji="1" lang="ja-JP" altLang="en-US" sz="1800" dirty="0" err="1">
+            <a:endParaRPr kumimoji="1" lang="ja-JP" altLang="en-US" sz="2000" b="1" dirty="0" err="1">
               <a:solidFill>
-                <a:schemeClr val="tx1"/>
+                <a:schemeClr val="accent1"/>
               </a:solidFill>
               <a:latin typeface="Meiryo" panose="020B0604030504040204" pitchFamily="34" charset="-128"/>
               <a:ea typeface="Meiryo" panose="020B0604030504040204" pitchFamily="34" charset="-128"/>
@@ -14034,8 +15058,8 @@
         </p:nvSpPr>
         <p:spPr>
           <a:xfrm>
-            <a:off x="7494103" y="4123157"/>
-            <a:ext cx="3114262" cy="369332"/>
+            <a:off x="7494103" y="3792957"/>
+            <a:ext cx="3114262" cy="400110"/>
           </a:xfrm>
           <a:prstGeom prst="rect">
             <a:avLst/>
@@ -14067,9 +15091,9 @@
           <a:p>
             <a:pPr algn="ctr"/>
             <a:r>
-              <a:rPr kumimoji="1" lang="ja-JP" altLang="en-US" sz="1800">
-                <a:solidFill>
-                  <a:schemeClr val="tx1"/>
+              <a:rPr kumimoji="1" lang="ja-JP" altLang="en-US" sz="2000" b="1">
+                <a:solidFill>
+                  <a:schemeClr val="accent1"/>
                 </a:solidFill>
                 <a:latin typeface="Meiryo" panose="020B0604030504040204" pitchFamily="34" charset="-128"/>
                 <a:ea typeface="Meiryo" panose="020B0604030504040204" pitchFamily="34" charset="-128"/>
@@ -14077,9 +15101,9 @@
               </a:rPr>
               <a:t>コンテナ化</a:t>
             </a:r>
-            <a:endParaRPr kumimoji="1" lang="ja-JP" altLang="en-US" sz="1800" dirty="0" err="1">
+            <a:endParaRPr kumimoji="1" lang="ja-JP" altLang="en-US" sz="2000" b="1" dirty="0" err="1">
               <a:solidFill>
-                <a:schemeClr val="tx1"/>
+                <a:schemeClr val="accent1"/>
               </a:solidFill>
               <a:latin typeface="Meiryo" panose="020B0604030504040204" pitchFamily="34" charset="-128"/>
               <a:ea typeface="Meiryo" panose="020B0604030504040204" pitchFamily="34" charset="-128"/>
@@ -14102,8 +15126,8 @@
         </p:nvSpPr>
         <p:spPr>
           <a:xfrm>
-            <a:off x="11102007" y="4123157"/>
-            <a:ext cx="3114262" cy="369332"/>
+            <a:off x="11102007" y="3792957"/>
+            <a:ext cx="3114262" cy="400110"/>
           </a:xfrm>
           <a:prstGeom prst="rect">
             <a:avLst/>
@@ -14135,9 +15159,9 @@
           <a:p>
             <a:pPr algn="ctr"/>
             <a:r>
-              <a:rPr kumimoji="1" lang="en-US" altLang="ja-JP" sz="1800" dirty="0">
-                <a:solidFill>
-                  <a:schemeClr val="tx1"/>
+              <a:rPr kumimoji="1" lang="en-US" altLang="ja-JP" sz="2000" b="1" dirty="0">
+                <a:solidFill>
+                  <a:schemeClr val="accent1"/>
                 </a:solidFill>
                 <a:latin typeface="Meiryo" panose="020B0604030504040204" pitchFamily="34" charset="-128"/>
                 <a:ea typeface="Meiryo" panose="020B0604030504040204" pitchFamily="34" charset="-128"/>
@@ -14146,9 +15170,9 @@
               <a:t>SaaS</a:t>
             </a:r>
             <a:r>
-              <a:rPr kumimoji="1" lang="ja-JP" altLang="en-US" sz="1800">
-                <a:solidFill>
-                  <a:schemeClr val="tx1"/>
+              <a:rPr kumimoji="1" lang="ja-JP" altLang="en-US" sz="2000" b="1">
+                <a:solidFill>
+                  <a:schemeClr val="accent1"/>
                 </a:solidFill>
                 <a:latin typeface="Meiryo" panose="020B0604030504040204" pitchFamily="34" charset="-128"/>
                 <a:ea typeface="Meiryo" panose="020B0604030504040204" pitchFamily="34" charset="-128"/>
@@ -14156,9 +15180,9 @@
               </a:rPr>
               <a:t>化</a:t>
             </a:r>
-            <a:endParaRPr kumimoji="1" lang="ja-JP" altLang="en-US" sz="1800" dirty="0" err="1">
+            <a:endParaRPr kumimoji="1" lang="ja-JP" altLang="en-US" sz="2000" b="1" dirty="0" err="1">
               <a:solidFill>
-                <a:schemeClr val="tx1"/>
+                <a:schemeClr val="accent1"/>
               </a:solidFill>
               <a:latin typeface="Meiryo" panose="020B0604030504040204" pitchFamily="34" charset="-128"/>
               <a:ea typeface="Meiryo" panose="020B0604030504040204" pitchFamily="34" charset="-128"/>
@@ -14181,7 +15205,7 @@
         </p:nvSpPr>
         <p:spPr>
           <a:xfrm>
-            <a:off x="11102007" y="2605785"/>
+            <a:off x="11102007" y="2275585"/>
             <a:ext cx="3114262" cy="515104"/>
           </a:xfrm>
           <a:prstGeom prst="rect">
@@ -14243,7 +15267,7 @@
         </p:nvSpPr>
         <p:spPr>
           <a:xfrm>
-            <a:off x="7494103" y="1929923"/>
+            <a:off x="7494103" y="1599723"/>
             <a:ext cx="3114262" cy="515104"/>
           </a:xfrm>
           <a:prstGeom prst="rect">
@@ -14279,7 +15303,7 @@
           <a:p>
             <a:pPr algn="ctr"/>
             <a:r>
-              <a:rPr kumimoji="1" lang="en-US" altLang="ja-JP" sz="1400" b="1" dirty="0" err="1">
+              <a:rPr kumimoji="1" lang="en-US" altLang="ja-JP" sz="1400" b="1" dirty="0">
                 <a:latin typeface="Meiryo" panose="020B0604030504040204" pitchFamily="34" charset="-128"/>
                 <a:ea typeface="Meiryo" panose="020B0604030504040204" pitchFamily="34" charset="-128"/>
               </a:rPr>
@@ -14306,7 +15330,7 @@
         </p:nvSpPr>
         <p:spPr>
           <a:xfrm>
-            <a:off x="11102007" y="1929922"/>
+            <a:off x="11102007" y="1599722"/>
             <a:ext cx="3114262" cy="515104"/>
           </a:xfrm>
           <a:prstGeom prst="rect">
@@ -14342,7 +15366,7 @@
           <a:p>
             <a:pPr algn="ctr"/>
             <a:r>
-              <a:rPr kumimoji="1" lang="en-US" altLang="ja-JP" sz="1400" b="1" dirty="0" err="1">
+              <a:rPr kumimoji="1" lang="en-US" altLang="ja-JP" sz="1400" b="1" dirty="0">
                 <a:latin typeface="Meiryo" panose="020B0604030504040204" pitchFamily="34" charset="-128"/>
                 <a:ea typeface="Meiryo" panose="020B0604030504040204" pitchFamily="34" charset="-128"/>
               </a:rPr>
@@ -14369,7 +15393,7 @@
         </p:nvSpPr>
         <p:spPr>
           <a:xfrm>
-            <a:off x="11102007" y="1254059"/>
+            <a:off x="11102007" y="923859"/>
             <a:ext cx="3114262" cy="515104"/>
           </a:xfrm>
           <a:prstGeom prst="rect">
@@ -14432,7 +15456,7 @@
         </p:nvCxnSpPr>
         <p:spPr>
           <a:xfrm>
-            <a:off x="278295" y="3995530"/>
+            <a:off x="278295" y="3665330"/>
             <a:ext cx="13937974" cy="8357"/>
           </a:xfrm>
           <a:prstGeom prst="line">
@@ -14468,7 +15492,7 @@
         </p:nvSpPr>
         <p:spPr>
           <a:xfrm>
-            <a:off x="278295" y="4712880"/>
+            <a:off x="278295" y="4382680"/>
             <a:ext cx="3114262" cy="307777"/>
           </a:xfrm>
           <a:prstGeom prst="rect">
@@ -14532,7 +15556,7 @@
         </p:nvSpPr>
         <p:spPr>
           <a:xfrm>
-            <a:off x="3886199" y="4724639"/>
+            <a:off x="3886199" y="4394439"/>
             <a:ext cx="3114262" cy="1169551"/>
           </a:xfrm>
           <a:prstGeom prst="rect">
@@ -14653,8 +15677,8 @@
         </p:nvSpPr>
         <p:spPr>
           <a:xfrm>
-            <a:off x="7494103" y="4724639"/>
-            <a:ext cx="3114262" cy="2677656"/>
+            <a:off x="7494103" y="4394439"/>
+            <a:ext cx="3114262" cy="738664"/>
           </a:xfrm>
           <a:prstGeom prst="rect">
             <a:avLst/>
@@ -14699,7 +15723,7 @@
               <a:buChar char="•"/>
             </a:pPr>
             <a:r>
-              <a:rPr kumimoji="1" lang="en-US" altLang="ja-JP" sz="1400" dirty="0" err="1">
+              <a:rPr kumimoji="1" lang="en-US" altLang="ja-JP" sz="1400" dirty="0">
                 <a:latin typeface="Meiryo" panose="020B0604030504040204" pitchFamily="34" charset="-128"/>
                 <a:ea typeface="Meiryo" panose="020B0604030504040204" pitchFamily="34" charset="-128"/>
                 <a:cs typeface="Amazon Ember" panose="020B0603020204020204" pitchFamily="34" charset="0"/>
@@ -14719,183 +15743,6 @@
               <a:ea typeface="Meiryo" panose="020B0604030504040204" pitchFamily="34" charset="-128"/>
               <a:cs typeface="Amazon Ember" panose="020B0603020204020204" pitchFamily="34" charset="0"/>
             </a:endParaRPr>
-          </a:p>
-          <a:p>
-            <a:pPr marL="285750" indent="-285750" algn="l">
-              <a:buFont typeface="Arial" panose="020B0604020202020204" pitchFamily="34" charset="0"/>
-              <a:buChar char="•"/>
-            </a:pPr>
-            <a:endParaRPr kumimoji="1" lang="en-US" altLang="ja-JP" sz="1400" dirty="0">
-              <a:latin typeface="Meiryo" panose="020B0604030504040204" pitchFamily="34" charset="-128"/>
-              <a:ea typeface="Meiryo" panose="020B0604030504040204" pitchFamily="34" charset="-128"/>
-              <a:cs typeface="Amazon Ember" panose="020B0603020204020204" pitchFamily="34" charset="0"/>
-            </a:endParaRPr>
-          </a:p>
-          <a:p>
-            <a:endParaRPr kumimoji="1" lang="en-US" altLang="ja-JP" sz="1400" dirty="0">
-              <a:latin typeface="Meiryo" panose="020B0604030504040204" pitchFamily="34" charset="-128"/>
-              <a:ea typeface="Meiryo" panose="020B0604030504040204" pitchFamily="34" charset="-128"/>
-              <a:cs typeface="Amazon Ember" panose="020B0603020204020204" pitchFamily="34" charset="0"/>
-            </a:endParaRPr>
-          </a:p>
-          <a:p>
-            <a:pPr marL="285750" indent="-285750">
-              <a:buFont typeface="Arial" panose="020B0604020202020204" pitchFamily="34" charset="0"/>
-              <a:buChar char="•"/>
-            </a:pPr>
-            <a:r>
-              <a:rPr kumimoji="1" lang="en-US" altLang="ja-JP" sz="1400" dirty="0">
-                <a:latin typeface="Meiryo" panose="020B0604030504040204" pitchFamily="34" charset="-128"/>
-                <a:ea typeface="Meiryo" panose="020B0604030504040204" pitchFamily="34" charset="-128"/>
-                <a:cs typeface="Amazon Ember" panose="020B0603020204020204" pitchFamily="34" charset="0"/>
-              </a:rPr>
-              <a:t>Flask</a:t>
-            </a:r>
-            <a:r>
-              <a:rPr kumimoji="1" lang="ja-JP" altLang="en-US" sz="1400">
-                <a:latin typeface="Meiryo" panose="020B0604030504040204" pitchFamily="34" charset="-128"/>
-                <a:ea typeface="Meiryo" panose="020B0604030504040204" pitchFamily="34" charset="-128"/>
-                <a:cs typeface="Amazon Ember" panose="020B0603020204020204" pitchFamily="34" charset="0"/>
-              </a:rPr>
-              <a:t>の</a:t>
-            </a:r>
-            <a:r>
-              <a:rPr kumimoji="1" lang="en-US" altLang="ja-JP" sz="1400" dirty="0">
-                <a:latin typeface="Meiryo" panose="020B0604030504040204" pitchFamily="34" charset="-128"/>
-                <a:ea typeface="Meiryo" panose="020B0604030504040204" pitchFamily="34" charset="-128"/>
-                <a:cs typeface="Amazon Ember" panose="020B0603020204020204" pitchFamily="34" charset="0"/>
-              </a:rPr>
-              <a:t>redirect</a:t>
-            </a:r>
-            <a:r>
-              <a:rPr kumimoji="1" lang="ja-JP" altLang="en-US" sz="1400">
-                <a:latin typeface="Meiryo" panose="020B0604030504040204" pitchFamily="34" charset="-128"/>
-                <a:ea typeface="Meiryo" panose="020B0604030504040204" pitchFamily="34" charset="-128"/>
-                <a:cs typeface="Amazon Ember" panose="020B0603020204020204" pitchFamily="34" charset="0"/>
-              </a:rPr>
-              <a:t>機能が動作せず、</a:t>
-            </a:r>
-            <a:r>
-              <a:rPr kumimoji="1" lang="en-US" altLang="ja-JP" sz="1400" dirty="0">
-                <a:latin typeface="Meiryo" panose="020B0604030504040204" pitchFamily="34" charset="-128"/>
-                <a:ea typeface="Meiryo" panose="020B0604030504040204" pitchFamily="34" charset="-128"/>
-                <a:cs typeface="Amazon Ember" panose="020B0603020204020204" pitchFamily="34" charset="0"/>
-              </a:rPr>
-              <a:t>GET</a:t>
-            </a:r>
-            <a:r>
-              <a:rPr kumimoji="1" lang="ja-JP" altLang="en-US" sz="1400">
-                <a:latin typeface="Meiryo" panose="020B0604030504040204" pitchFamily="34" charset="-128"/>
-                <a:ea typeface="Meiryo" panose="020B0604030504040204" pitchFamily="34" charset="-128"/>
-                <a:cs typeface="Amazon Ember" panose="020B0603020204020204" pitchFamily="34" charset="0"/>
-              </a:rPr>
-              <a:t>へ変更</a:t>
-            </a:r>
-            <a:endParaRPr kumimoji="1" lang="en-US" altLang="ja-JP" sz="1400" dirty="0">
-              <a:latin typeface="Meiryo" panose="020B0604030504040204" pitchFamily="34" charset="-128"/>
-              <a:ea typeface="Meiryo" panose="020B0604030504040204" pitchFamily="34" charset="-128"/>
-              <a:cs typeface="Amazon Ember" panose="020B0603020204020204" pitchFamily="34" charset="0"/>
-            </a:endParaRPr>
-          </a:p>
-          <a:p>
-            <a:pPr marL="285750" indent="-285750">
-              <a:buFont typeface="Arial" panose="020B0604020202020204" pitchFamily="34" charset="0"/>
-              <a:buChar char="•"/>
-            </a:pPr>
-            <a:r>
-              <a:rPr kumimoji="1" lang="ja-JP" altLang="en-US" sz="1400">
-                <a:latin typeface="Meiryo" panose="020B0604030504040204" pitchFamily="34" charset="-128"/>
-                <a:ea typeface="Meiryo" panose="020B0604030504040204" pitchFamily="34" charset="-128"/>
-                <a:cs typeface="Amazon Ember" panose="020B0603020204020204" pitchFamily="34" charset="0"/>
-              </a:rPr>
-              <a:t>スレッドセーフ化（同時リクエストでのエラー回避のため）</a:t>
-            </a:r>
-            <a:endParaRPr kumimoji="1" lang="en-US" altLang="ja-JP" sz="1400" dirty="0">
-              <a:latin typeface="Meiryo" panose="020B0604030504040204" pitchFamily="34" charset="-128"/>
-              <a:ea typeface="Meiryo" panose="020B0604030504040204" pitchFamily="34" charset="-128"/>
-              <a:cs typeface="Amazon Ember" panose="020B0603020204020204" pitchFamily="34" charset="0"/>
-            </a:endParaRPr>
-          </a:p>
-          <a:p>
-            <a:pPr marL="285750" indent="-285750">
-              <a:buFont typeface="Arial" panose="020B0604020202020204" pitchFamily="34" charset="0"/>
-              <a:buChar char="•"/>
-            </a:pPr>
-            <a:r>
-              <a:rPr kumimoji="1" lang="ja-JP" altLang="en-US" sz="1400">
-                <a:latin typeface="Meiryo" panose="020B0604030504040204" pitchFamily="34" charset="-128"/>
-                <a:ea typeface="Meiryo" panose="020B0604030504040204" pitchFamily="34" charset="-128"/>
-                <a:cs typeface="Amazon Ember" panose="020B0603020204020204" pitchFamily="34" charset="0"/>
-              </a:rPr>
-              <a:t>ローカルディレクトリをテンポラリーディレクトリへ変更</a:t>
-            </a:r>
-            <a:endParaRPr kumimoji="1" lang="en-US" altLang="ja-JP" sz="1400" dirty="0">
-              <a:latin typeface="Meiryo" panose="020B0604030504040204" pitchFamily="34" charset="-128"/>
-              <a:ea typeface="Meiryo" panose="020B0604030504040204" pitchFamily="34" charset="-128"/>
-              <a:cs typeface="Amazon Ember" panose="020B0603020204020204" pitchFamily="34" charset="0"/>
-            </a:endParaRPr>
-          </a:p>
-          <a:p>
-            <a:pPr marL="285750" indent="-285750">
-              <a:buFont typeface="Arial" panose="020B0604020202020204" pitchFamily="34" charset="0"/>
-              <a:buChar char="•"/>
-            </a:pPr>
-            <a:r>
-              <a:rPr kumimoji="1" lang="en-US" altLang="ja-JP" sz="1400" dirty="0">
-                <a:latin typeface="Meiryo" panose="020B0604030504040204" pitchFamily="34" charset="-128"/>
-                <a:ea typeface="Meiryo" panose="020B0604030504040204" pitchFamily="34" charset="-128"/>
-                <a:cs typeface="Amazon Ember" panose="020B0603020204020204" pitchFamily="34" charset="0"/>
-              </a:rPr>
-              <a:t>(</a:t>
-            </a:r>
-            <a:r>
-              <a:rPr kumimoji="1" lang="ja-JP" altLang="en-US" sz="1400">
-                <a:latin typeface="Meiryo" panose="020B0604030504040204" pitchFamily="34" charset="-128"/>
-                <a:ea typeface="Meiryo" panose="020B0604030504040204" pitchFamily="34" charset="-128"/>
-                <a:cs typeface="Amazon Ember" panose="020B0603020204020204" pitchFamily="34" charset="0"/>
-              </a:rPr>
-              <a:t>メッセージ出力は</a:t>
-            </a:r>
-            <a:r>
-              <a:rPr kumimoji="1" lang="en-US" altLang="ja-JP" sz="1400" dirty="0">
-                <a:latin typeface="Meiryo" panose="020B0604030504040204" pitchFamily="34" charset="-128"/>
-                <a:ea typeface="Meiryo" panose="020B0604030504040204" pitchFamily="34" charset="-128"/>
-                <a:cs typeface="Amazon Ember" panose="020B0603020204020204" pitchFamily="34" charset="0"/>
-              </a:rPr>
-              <a:t> </a:t>
-            </a:r>
-            <a:r>
-              <a:rPr kumimoji="1" lang="en-US" altLang="ja-JP" sz="1400" dirty="0" err="1">
-                <a:latin typeface="Meiryo" panose="020B0604030504040204" pitchFamily="34" charset="-128"/>
-                <a:ea typeface="Meiryo" panose="020B0604030504040204" pitchFamily="34" charset="-128"/>
-                <a:cs typeface="Amazon Ember" panose="020B0603020204020204" pitchFamily="34" charset="0"/>
-              </a:rPr>
-              <a:t>stdout</a:t>
-            </a:r>
-            <a:r>
-              <a:rPr kumimoji="1" lang="en-US" altLang="ja-JP" sz="1400" dirty="0">
-                <a:latin typeface="Meiryo" panose="020B0604030504040204" pitchFamily="34" charset="-128"/>
-                <a:ea typeface="Meiryo" panose="020B0604030504040204" pitchFamily="34" charset="-128"/>
-                <a:cs typeface="Amazon Ember" panose="020B0603020204020204" pitchFamily="34" charset="0"/>
-              </a:rPr>
-              <a:t> </a:t>
-            </a:r>
-            <a:r>
-              <a:rPr kumimoji="1" lang="ja-JP" altLang="en-US" sz="1400">
-                <a:latin typeface="Meiryo" panose="020B0604030504040204" pitchFamily="34" charset="-128"/>
-                <a:ea typeface="Meiryo" panose="020B0604030504040204" pitchFamily="34" charset="-128"/>
-                <a:cs typeface="Amazon Ember" panose="020B0603020204020204" pitchFamily="34" charset="0"/>
-              </a:rPr>
-              <a:t>へ</a:t>
-            </a:r>
-            <a:r>
-              <a:rPr kumimoji="1" lang="en-US" altLang="ja-JP" sz="1400" dirty="0">
-                <a:latin typeface="Meiryo" panose="020B0604030504040204" pitchFamily="34" charset="-128"/>
-                <a:ea typeface="Meiryo" panose="020B0604030504040204" pitchFamily="34" charset="-128"/>
-                <a:cs typeface="Amazon Ember" panose="020B0603020204020204" pitchFamily="34" charset="0"/>
-              </a:rPr>
-              <a:t>)</a:t>
-            </a:r>
           </a:p>
         </p:txBody>
       </p:sp>
@@ -14913,8 +15760,8 @@
         </p:nvSpPr>
         <p:spPr>
           <a:xfrm>
-            <a:off x="11102007" y="4721419"/>
-            <a:ext cx="3114262" cy="2246769"/>
+            <a:off x="11102007" y="4391219"/>
+            <a:ext cx="3114262" cy="307777"/>
           </a:xfrm>
           <a:prstGeom prst="rect">
             <a:avLst/>
@@ -14932,7 +15779,7 @@
               <a:buChar char="•"/>
             </a:pPr>
             <a:r>
-              <a:rPr kumimoji="1" lang="en-US" altLang="ja-JP" sz="1400" dirty="0" err="1">
+              <a:rPr kumimoji="1" lang="en-US" altLang="ja-JP" sz="1400" dirty="0">
                 <a:latin typeface="Meiryo" panose="020B0604030504040204" pitchFamily="34" charset="-128"/>
                 <a:ea typeface="Meiryo" panose="020B0604030504040204" pitchFamily="34" charset="-128"/>
                 <a:cs typeface="Amazon Ember" panose="020B0603020204020204" pitchFamily="34" charset="0"/>
@@ -14946,197 +15793,6 @@
                 <a:cs typeface="Amazon Ember" panose="020B0603020204020204" pitchFamily="34" charset="0"/>
               </a:rPr>
               <a:t>を作成</a:t>
-            </a:r>
-            <a:endParaRPr kumimoji="1" lang="en-US" altLang="ja-JP" sz="1400" dirty="0">
-              <a:latin typeface="Meiryo" panose="020B0604030504040204" pitchFamily="34" charset="-128"/>
-              <a:ea typeface="Meiryo" panose="020B0604030504040204" pitchFamily="34" charset="-128"/>
-              <a:cs typeface="Amazon Ember" panose="020B0603020204020204" pitchFamily="34" charset="0"/>
-            </a:endParaRPr>
-          </a:p>
-          <a:p>
-            <a:pPr marL="285750" indent="-285750" algn="l">
-              <a:buFont typeface="Arial" panose="020B0604020202020204" pitchFamily="34" charset="0"/>
-              <a:buChar char="•"/>
-            </a:pPr>
-            <a:endParaRPr kumimoji="1" lang="en-US" altLang="ja-JP" sz="1400" dirty="0">
-              <a:latin typeface="Meiryo" panose="020B0604030504040204" pitchFamily="34" charset="-128"/>
-              <a:ea typeface="Meiryo" panose="020B0604030504040204" pitchFamily="34" charset="-128"/>
-              <a:cs typeface="Amazon Ember" panose="020B0603020204020204" pitchFamily="34" charset="0"/>
-            </a:endParaRPr>
-          </a:p>
-          <a:p>
-            <a:pPr marL="285750" indent="-285750" algn="l">
-              <a:buFont typeface="Arial" panose="020B0604020202020204" pitchFamily="34" charset="0"/>
-              <a:buChar char="•"/>
-            </a:pPr>
-            <a:endParaRPr kumimoji="1" lang="en-US" altLang="ja-JP" sz="1400" dirty="0">
-              <a:latin typeface="Meiryo" panose="020B0604030504040204" pitchFamily="34" charset="-128"/>
-              <a:ea typeface="Meiryo" panose="020B0604030504040204" pitchFamily="34" charset="-128"/>
-              <a:cs typeface="Amazon Ember" panose="020B0603020204020204" pitchFamily="34" charset="0"/>
-            </a:endParaRPr>
-          </a:p>
-          <a:p>
-            <a:pPr marL="285750" indent="-285750" algn="l">
-              <a:buFont typeface="Arial" panose="020B0604020202020204" pitchFamily="34" charset="0"/>
-              <a:buChar char="•"/>
-            </a:pPr>
-            <a:r>
-              <a:rPr kumimoji="1" lang="ja-JP" altLang="en-US" sz="1400">
-                <a:latin typeface="Meiryo" panose="020B0604030504040204" pitchFamily="34" charset="-128"/>
-                <a:ea typeface="Meiryo" panose="020B0604030504040204" pitchFamily="34" charset="-128"/>
-                <a:cs typeface="Amazon Ember" panose="020B0603020204020204" pitchFamily="34" charset="0"/>
-              </a:rPr>
-              <a:t>コネクションエラーが発生し以下の対策実施</a:t>
-            </a:r>
-            <a:endParaRPr kumimoji="1" lang="en-US" altLang="ja-JP" sz="1400" dirty="0">
-              <a:latin typeface="Meiryo" panose="020B0604030504040204" pitchFamily="34" charset="-128"/>
-              <a:ea typeface="Meiryo" panose="020B0604030504040204" pitchFamily="34" charset="-128"/>
-              <a:cs typeface="Amazon Ember" panose="020B0603020204020204" pitchFamily="34" charset="0"/>
-            </a:endParaRPr>
-          </a:p>
-          <a:p>
-            <a:pPr marL="285750" indent="-285750" algn="l">
-              <a:buFont typeface="Arial" panose="020B0604020202020204" pitchFamily="34" charset="0"/>
-              <a:buChar char="•"/>
-            </a:pPr>
-            <a:r>
-              <a:rPr kumimoji="1" lang="en-US" altLang="ja-JP" sz="1400" dirty="0">
-                <a:latin typeface="Meiryo" panose="020B0604030504040204" pitchFamily="34" charset="-128"/>
-                <a:ea typeface="Meiryo" panose="020B0604030504040204" pitchFamily="34" charset="-128"/>
-                <a:cs typeface="Amazon Ember" panose="020B0603020204020204" pitchFamily="34" charset="0"/>
-              </a:rPr>
-              <a:t>App Runner </a:t>
-            </a:r>
-            <a:r>
-              <a:rPr kumimoji="1" lang="ja-JP" altLang="en-US" sz="1400">
-                <a:latin typeface="Meiryo" panose="020B0604030504040204" pitchFamily="34" charset="-128"/>
-                <a:ea typeface="Meiryo" panose="020B0604030504040204" pitchFamily="34" charset="-128"/>
-                <a:cs typeface="Amazon Ember" panose="020B0603020204020204" pitchFamily="34" charset="0"/>
-              </a:rPr>
-              <a:t>ヘルスチェックを</a:t>
-            </a:r>
-            <a:r>
-              <a:rPr kumimoji="1" lang="en-US" altLang="ja-JP" sz="1400" dirty="0">
-                <a:latin typeface="Meiryo" panose="020B0604030504040204" pitchFamily="34" charset="-128"/>
-                <a:ea typeface="Meiryo" panose="020B0604030504040204" pitchFamily="34" charset="-128"/>
-                <a:cs typeface="Amazon Ember" panose="020B0603020204020204" pitchFamily="34" charset="0"/>
-              </a:rPr>
-              <a:t>10</a:t>
-            </a:r>
-            <a:r>
-              <a:rPr kumimoji="1" lang="ja-JP" altLang="en-US" sz="1400">
-                <a:latin typeface="Meiryo" panose="020B0604030504040204" pitchFamily="34" charset="-128"/>
-                <a:ea typeface="Meiryo" panose="020B0604030504040204" pitchFamily="34" charset="-128"/>
-                <a:cs typeface="Amazon Ember" panose="020B0603020204020204" pitchFamily="34" charset="0"/>
-              </a:rPr>
-              <a:t>から</a:t>
-            </a:r>
-            <a:r>
-              <a:rPr kumimoji="1" lang="en-US" altLang="ja-JP" sz="1400" dirty="0">
-                <a:latin typeface="Meiryo" panose="020B0604030504040204" pitchFamily="34" charset="-128"/>
-                <a:ea typeface="Meiryo" panose="020B0604030504040204" pitchFamily="34" charset="-128"/>
-                <a:cs typeface="Amazon Ember" panose="020B0603020204020204" pitchFamily="34" charset="0"/>
-              </a:rPr>
-              <a:t>20</a:t>
-            </a:r>
-            <a:r>
-              <a:rPr kumimoji="1" lang="ja-JP" altLang="en-US" sz="1400">
-                <a:latin typeface="Meiryo" panose="020B0604030504040204" pitchFamily="34" charset="-128"/>
-                <a:ea typeface="Meiryo" panose="020B0604030504040204" pitchFamily="34" charset="-128"/>
-                <a:cs typeface="Amazon Ember" panose="020B0603020204020204" pitchFamily="34" charset="0"/>
-              </a:rPr>
-              <a:t>秒へ延長。</a:t>
-            </a:r>
-            <a:endParaRPr kumimoji="1" lang="en-US" altLang="ja-JP" sz="1400" dirty="0">
-              <a:latin typeface="Meiryo" panose="020B0604030504040204" pitchFamily="34" charset="-128"/>
-              <a:ea typeface="Meiryo" panose="020B0604030504040204" pitchFamily="34" charset="-128"/>
-              <a:cs typeface="Amazon Ember" panose="020B0603020204020204" pitchFamily="34" charset="0"/>
-            </a:endParaRPr>
-          </a:p>
-          <a:p>
-            <a:pPr marL="285750" indent="-285750" algn="l">
-              <a:buFont typeface="Arial" panose="020B0604020202020204" pitchFamily="34" charset="0"/>
-              <a:buChar char="•"/>
-            </a:pPr>
-            <a:r>
-              <a:rPr kumimoji="1" lang="en-US" altLang="ja-JP" sz="1400" dirty="0">
-                <a:latin typeface="Meiryo" panose="020B0604030504040204" pitchFamily="34" charset="-128"/>
-                <a:ea typeface="Meiryo" panose="020B0604030504040204" pitchFamily="34" charset="-128"/>
-                <a:cs typeface="Amazon Ember" panose="020B0603020204020204" pitchFamily="34" charset="0"/>
-              </a:rPr>
-              <a:t>App Runner </a:t>
-            </a:r>
-            <a:r>
-              <a:rPr kumimoji="1" lang="ja-JP" altLang="en-US" sz="1400">
-                <a:latin typeface="Meiryo" panose="020B0604030504040204" pitchFamily="34" charset="-128"/>
-                <a:ea typeface="Meiryo" panose="020B0604030504040204" pitchFamily="34" charset="-128"/>
-                <a:cs typeface="Amazon Ember" panose="020B0603020204020204" pitchFamily="34" charset="0"/>
-              </a:rPr>
-              <a:t>サイジングも変更し、</a:t>
-            </a:r>
-            <a:r>
-              <a:rPr kumimoji="1" lang="en-US" altLang="ja-JP" sz="1400" dirty="0">
-                <a:latin typeface="Meiryo" panose="020B0604030504040204" pitchFamily="34" charset="-128"/>
-                <a:ea typeface="Meiryo" panose="020B0604030504040204" pitchFamily="34" charset="-128"/>
-                <a:cs typeface="Amazon Ember" panose="020B0603020204020204" pitchFamily="34" charset="0"/>
-              </a:rPr>
-              <a:t>1</a:t>
-            </a:r>
-            <a:r>
-              <a:rPr kumimoji="1" lang="ja-JP" altLang="en-US" sz="1400">
-                <a:latin typeface="Meiryo" panose="020B0604030504040204" pitchFamily="34" charset="-128"/>
-                <a:ea typeface="Meiryo" panose="020B0604030504040204" pitchFamily="34" charset="-128"/>
-                <a:cs typeface="Amazon Ember" panose="020B0603020204020204" pitchFamily="34" charset="0"/>
-              </a:rPr>
-              <a:t>コア、</a:t>
-            </a:r>
-            <a:r>
-              <a:rPr kumimoji="1" lang="en-US" altLang="ja-JP" sz="1400" dirty="0">
-                <a:latin typeface="Meiryo" panose="020B0604030504040204" pitchFamily="34" charset="-128"/>
-                <a:ea typeface="Meiryo" panose="020B0604030504040204" pitchFamily="34" charset="-128"/>
-                <a:cs typeface="Amazon Ember" panose="020B0603020204020204" pitchFamily="34" charset="0"/>
-              </a:rPr>
-              <a:t>2Gmem</a:t>
-            </a:r>
-            <a:r>
-              <a:rPr kumimoji="1" lang="ja-JP" altLang="en-US" sz="1400">
-                <a:latin typeface="Meiryo" panose="020B0604030504040204" pitchFamily="34" charset="-128"/>
-                <a:ea typeface="Meiryo" panose="020B0604030504040204" pitchFamily="34" charset="-128"/>
-                <a:cs typeface="Amazon Ember" panose="020B0603020204020204" pitchFamily="34" charset="0"/>
-              </a:rPr>
-              <a:t>から</a:t>
-            </a:r>
-            <a:r>
-              <a:rPr kumimoji="1" lang="en-US" altLang="ja-JP" sz="1400" dirty="0">
-                <a:latin typeface="Meiryo" panose="020B0604030504040204" pitchFamily="34" charset="-128"/>
-                <a:ea typeface="Meiryo" panose="020B0604030504040204" pitchFamily="34" charset="-128"/>
-                <a:cs typeface="Amazon Ember" panose="020B0603020204020204" pitchFamily="34" charset="0"/>
-              </a:rPr>
-              <a:t> 2</a:t>
-            </a:r>
-            <a:r>
-              <a:rPr kumimoji="1" lang="ja-JP" altLang="en-US" sz="1400">
-                <a:latin typeface="Meiryo" panose="020B0604030504040204" pitchFamily="34" charset="-128"/>
-                <a:ea typeface="Meiryo" panose="020B0604030504040204" pitchFamily="34" charset="-128"/>
-                <a:cs typeface="Amazon Ember" panose="020B0603020204020204" pitchFamily="34" charset="0"/>
-              </a:rPr>
-              <a:t>コア、</a:t>
-            </a:r>
-            <a:r>
-              <a:rPr kumimoji="1" lang="en-US" altLang="ja-JP" sz="1400" dirty="0">
-                <a:latin typeface="Meiryo" panose="020B0604030504040204" pitchFamily="34" charset="-128"/>
-                <a:ea typeface="Meiryo" panose="020B0604030504040204" pitchFamily="34" charset="-128"/>
-                <a:cs typeface="Amazon Ember" panose="020B0603020204020204" pitchFamily="34" charset="0"/>
-              </a:rPr>
-              <a:t>4Gmem</a:t>
-            </a:r>
-            <a:r>
-              <a:rPr kumimoji="1" lang="ja-JP" altLang="en-US" sz="1400">
-                <a:latin typeface="Meiryo" panose="020B0604030504040204" pitchFamily="34" charset="-128"/>
-                <a:ea typeface="Meiryo" panose="020B0604030504040204" pitchFamily="34" charset="-128"/>
-                <a:cs typeface="Amazon Ember" panose="020B0603020204020204" pitchFamily="34" charset="0"/>
-              </a:rPr>
-              <a:t>へ拡張</a:t>
             </a:r>
             <a:endParaRPr kumimoji="1" lang="en-US" altLang="ja-JP" sz="1400" dirty="0">
               <a:latin typeface="Meiryo" panose="020B0604030504040204" pitchFamily="34" charset="-128"/>
@@ -15162,7 +15818,7 @@
         </p:nvCxnSpPr>
         <p:spPr>
           <a:xfrm>
-            <a:off x="278295" y="4585255"/>
+            <a:off x="278295" y="4255055"/>
             <a:ext cx="3114262" cy="0"/>
           </a:xfrm>
           <a:prstGeom prst="line">
@@ -15203,7 +15859,7 @@
         </p:nvCxnSpPr>
         <p:spPr>
           <a:xfrm>
-            <a:off x="3995530" y="4585255"/>
+            <a:off x="3995530" y="4255055"/>
             <a:ext cx="3114262" cy="0"/>
           </a:xfrm>
           <a:prstGeom prst="line">
@@ -15244,7 +15900,7 @@
         </p:nvCxnSpPr>
         <p:spPr>
           <a:xfrm>
-            <a:off x="7494103" y="4578632"/>
+            <a:off x="7494103" y="4248432"/>
             <a:ext cx="3114262" cy="0"/>
           </a:xfrm>
           <a:prstGeom prst="line">
@@ -15285,7 +15941,7 @@
         </p:nvCxnSpPr>
         <p:spPr>
           <a:xfrm>
-            <a:off x="11102007" y="4578632"/>
+            <a:off x="11102007" y="4248432"/>
             <a:ext cx="3114262" cy="0"/>
           </a:xfrm>
           <a:prstGeom prst="line">
@@ -15310,6 +15966,620 @@
           </a:fontRef>
         </p:style>
       </p:cxnSp>
+      <p:sp>
+        <p:nvSpPr>
+          <p:cNvPr id="31" name="テキスト ボックス 30">
+            <a:extLst>
+              <a:ext uri="{FF2B5EF4-FFF2-40B4-BE49-F238E27FC236}">
+                <a16:creationId xmlns:a16="http://schemas.microsoft.com/office/drawing/2014/main" id="{C5D3B0E7-27DD-137C-34D4-052738AA3502}"/>
+              </a:ext>
+            </a:extLst>
+          </p:cNvPr>
+          <p:cNvSpPr txBox="1"/>
+          <p:nvPr/>
+        </p:nvSpPr>
+        <p:spPr>
+          <a:xfrm>
+            <a:off x="7136298" y="5575699"/>
+            <a:ext cx="1855304" cy="369332"/>
+          </a:xfrm>
+          <a:prstGeom prst="rect">
+            <a:avLst/>
+          </a:prstGeom>
+          <a:noFill/>
+          <a:ln>
+            <a:noFill/>
+          </a:ln>
+        </p:spPr>
+        <p:style>
+          <a:lnRef idx="2">
+            <a:schemeClr val="accent6"/>
+          </a:lnRef>
+          <a:fillRef idx="1">
+            <a:schemeClr val="lt1"/>
+          </a:fillRef>
+          <a:effectRef idx="0">
+            <a:schemeClr val="accent6"/>
+          </a:effectRef>
+          <a:fontRef idx="minor">
+            <a:schemeClr val="dk1"/>
+          </a:fontRef>
+        </p:style>
+        <p:txBody>
+          <a:bodyPr wrap="square" rtlCol="0" anchor="t">
+            <a:spAutoFit/>
+          </a:bodyPr>
+          <a:lstStyle/>
+          <a:p>
+            <a:pPr algn="ctr"/>
+            <a:r>
+              <a:rPr kumimoji="1" lang="ja-JP" altLang="en-US" sz="1800" b="1">
+                <a:solidFill>
+                  <a:srgbClr val="0C9B2E"/>
+                </a:solidFill>
+                <a:latin typeface="Meiryo" panose="020B0604030504040204" pitchFamily="34" charset="-128"/>
+                <a:ea typeface="Meiryo" panose="020B0604030504040204" pitchFamily="34" charset="-128"/>
+                <a:cs typeface="Amazon Ember" panose="020B0603020204020204" pitchFamily="34" charset="0"/>
+              </a:rPr>
+              <a:t>ポイント</a:t>
+            </a:r>
+            <a:endParaRPr kumimoji="1" lang="ja-JP" altLang="en-US" sz="1800" b="1" dirty="0" err="1">
+              <a:solidFill>
+                <a:srgbClr val="0C9B2E"/>
+              </a:solidFill>
+              <a:latin typeface="Meiryo" panose="020B0604030504040204" pitchFamily="34" charset="-128"/>
+              <a:ea typeface="Meiryo" panose="020B0604030504040204" pitchFamily="34" charset="-128"/>
+              <a:cs typeface="Amazon Ember" panose="020B0603020204020204" pitchFamily="34" charset="0"/>
+            </a:endParaRPr>
+          </a:p>
+        </p:txBody>
+      </p:sp>
+      <p:sp>
+        <p:nvSpPr>
+          <p:cNvPr id="35" name="テキスト ボックス 34">
+            <a:extLst>
+              <a:ext uri="{FF2B5EF4-FFF2-40B4-BE49-F238E27FC236}">
+                <a16:creationId xmlns:a16="http://schemas.microsoft.com/office/drawing/2014/main" id="{4DE5B356-FFD8-8911-893A-D011C2500772}"/>
+              </a:ext>
+            </a:extLst>
+          </p:cNvPr>
+          <p:cNvSpPr txBox="1"/>
+          <p:nvPr/>
+        </p:nvSpPr>
+        <p:spPr>
+          <a:xfrm>
+            <a:off x="7494103" y="5914144"/>
+            <a:ext cx="3114262" cy="1600438"/>
+          </a:xfrm>
+          <a:prstGeom prst="rect">
+            <a:avLst/>
+          </a:prstGeom>
+          <a:noFill/>
+        </p:spPr>
+        <p:txBody>
+          <a:bodyPr wrap="square" rtlCol="0">
+            <a:spAutoFit/>
+          </a:bodyPr>
+          <a:lstStyle/>
+          <a:p>
+            <a:pPr marL="285750" indent="-285750">
+              <a:buFont typeface="Arial" panose="020B0604020202020204" pitchFamily="34" charset="0"/>
+              <a:buChar char="•"/>
+            </a:pPr>
+            <a:r>
+              <a:rPr kumimoji="1" lang="en-US" altLang="ja-JP" sz="1400" dirty="0">
+                <a:solidFill>
+                  <a:srgbClr val="0C9B2E"/>
+                </a:solidFill>
+                <a:latin typeface="Meiryo" panose="020B0604030504040204" pitchFamily="34" charset="-128"/>
+                <a:ea typeface="Meiryo" panose="020B0604030504040204" pitchFamily="34" charset="-128"/>
+                <a:cs typeface="Amazon Ember" panose="020B0603020204020204" pitchFamily="34" charset="0"/>
+              </a:rPr>
+              <a:t>Flask</a:t>
+            </a:r>
+            <a:r>
+              <a:rPr kumimoji="1" lang="ja-JP" altLang="en-US" sz="1400">
+                <a:solidFill>
+                  <a:srgbClr val="0C9B2E"/>
+                </a:solidFill>
+                <a:latin typeface="Meiryo" panose="020B0604030504040204" pitchFamily="34" charset="-128"/>
+                <a:ea typeface="Meiryo" panose="020B0604030504040204" pitchFamily="34" charset="-128"/>
+                <a:cs typeface="Amazon Ember" panose="020B0603020204020204" pitchFamily="34" charset="0"/>
+              </a:rPr>
+              <a:t>の</a:t>
+            </a:r>
+            <a:r>
+              <a:rPr kumimoji="1" lang="en-US" altLang="ja-JP" sz="1400" dirty="0">
+                <a:solidFill>
+                  <a:srgbClr val="0C9B2E"/>
+                </a:solidFill>
+                <a:latin typeface="Meiryo" panose="020B0604030504040204" pitchFamily="34" charset="-128"/>
+                <a:ea typeface="Meiryo" panose="020B0604030504040204" pitchFamily="34" charset="-128"/>
+                <a:cs typeface="Amazon Ember" panose="020B0603020204020204" pitchFamily="34" charset="0"/>
+              </a:rPr>
+              <a:t>redirect</a:t>
+            </a:r>
+            <a:r>
+              <a:rPr kumimoji="1" lang="ja-JP" altLang="en-US" sz="1400">
+                <a:solidFill>
+                  <a:srgbClr val="0C9B2E"/>
+                </a:solidFill>
+                <a:latin typeface="Meiryo" panose="020B0604030504040204" pitchFamily="34" charset="-128"/>
+                <a:ea typeface="Meiryo" panose="020B0604030504040204" pitchFamily="34" charset="-128"/>
+                <a:cs typeface="Amazon Ember" panose="020B0603020204020204" pitchFamily="34" charset="0"/>
+              </a:rPr>
+              <a:t>機能が動作せず、</a:t>
+            </a:r>
+            <a:r>
+              <a:rPr kumimoji="1" lang="en-US" altLang="ja-JP" sz="1400" dirty="0">
+                <a:solidFill>
+                  <a:srgbClr val="0C9B2E"/>
+                </a:solidFill>
+                <a:latin typeface="Meiryo" panose="020B0604030504040204" pitchFamily="34" charset="-128"/>
+                <a:ea typeface="Meiryo" panose="020B0604030504040204" pitchFamily="34" charset="-128"/>
+                <a:cs typeface="Amazon Ember" panose="020B0603020204020204" pitchFamily="34" charset="0"/>
+              </a:rPr>
+              <a:t>GET</a:t>
+            </a:r>
+            <a:r>
+              <a:rPr kumimoji="1" lang="ja-JP" altLang="en-US" sz="1400">
+                <a:solidFill>
+                  <a:srgbClr val="0C9B2E"/>
+                </a:solidFill>
+                <a:latin typeface="Meiryo" panose="020B0604030504040204" pitchFamily="34" charset="-128"/>
+                <a:ea typeface="Meiryo" panose="020B0604030504040204" pitchFamily="34" charset="-128"/>
+                <a:cs typeface="Amazon Ember" panose="020B0603020204020204" pitchFamily="34" charset="0"/>
+              </a:rPr>
+              <a:t>へ変更</a:t>
+            </a:r>
+            <a:endParaRPr kumimoji="1" lang="en-US" altLang="ja-JP" sz="1400" dirty="0">
+              <a:solidFill>
+                <a:srgbClr val="0C9B2E"/>
+              </a:solidFill>
+              <a:latin typeface="Meiryo" panose="020B0604030504040204" pitchFamily="34" charset="-128"/>
+              <a:ea typeface="Meiryo" panose="020B0604030504040204" pitchFamily="34" charset="-128"/>
+              <a:cs typeface="Amazon Ember" panose="020B0603020204020204" pitchFamily="34" charset="0"/>
+            </a:endParaRPr>
+          </a:p>
+          <a:p>
+            <a:pPr marL="285750" indent="-285750">
+              <a:buFont typeface="Arial" panose="020B0604020202020204" pitchFamily="34" charset="0"/>
+              <a:buChar char="•"/>
+            </a:pPr>
+            <a:r>
+              <a:rPr kumimoji="1" lang="ja-JP" altLang="en-US" sz="1400">
+                <a:solidFill>
+                  <a:srgbClr val="0C9B2E"/>
+                </a:solidFill>
+                <a:latin typeface="Meiryo" panose="020B0604030504040204" pitchFamily="34" charset="-128"/>
+                <a:ea typeface="Meiryo" panose="020B0604030504040204" pitchFamily="34" charset="-128"/>
+                <a:cs typeface="Amazon Ember" panose="020B0603020204020204" pitchFamily="34" charset="0"/>
+              </a:rPr>
+              <a:t>スレッドセーフ化（同時リクエストでのエラー回避のため）</a:t>
+            </a:r>
+            <a:endParaRPr kumimoji="1" lang="en-US" altLang="ja-JP" sz="1400" dirty="0">
+              <a:solidFill>
+                <a:srgbClr val="0C9B2E"/>
+              </a:solidFill>
+              <a:latin typeface="Meiryo" panose="020B0604030504040204" pitchFamily="34" charset="-128"/>
+              <a:ea typeface="Meiryo" panose="020B0604030504040204" pitchFamily="34" charset="-128"/>
+              <a:cs typeface="Amazon Ember" panose="020B0603020204020204" pitchFamily="34" charset="0"/>
+            </a:endParaRPr>
+          </a:p>
+          <a:p>
+            <a:pPr marL="285750" indent="-285750">
+              <a:buFont typeface="Arial" panose="020B0604020202020204" pitchFamily="34" charset="0"/>
+              <a:buChar char="•"/>
+            </a:pPr>
+            <a:r>
+              <a:rPr kumimoji="1" lang="ja-JP" altLang="en-US" sz="1400">
+                <a:solidFill>
+                  <a:srgbClr val="0C9B2E"/>
+                </a:solidFill>
+                <a:latin typeface="Meiryo" panose="020B0604030504040204" pitchFamily="34" charset="-128"/>
+                <a:ea typeface="Meiryo" panose="020B0604030504040204" pitchFamily="34" charset="-128"/>
+                <a:cs typeface="Amazon Ember" panose="020B0603020204020204" pitchFamily="34" charset="0"/>
+              </a:rPr>
+              <a:t>ローカルディレクトリをテンポラリーディレクトリへ変更</a:t>
+            </a:r>
+            <a:endParaRPr kumimoji="1" lang="en-US" altLang="ja-JP" sz="1400" dirty="0">
+              <a:solidFill>
+                <a:srgbClr val="0C9B2E"/>
+              </a:solidFill>
+              <a:latin typeface="Meiryo" panose="020B0604030504040204" pitchFamily="34" charset="-128"/>
+              <a:ea typeface="Meiryo" panose="020B0604030504040204" pitchFamily="34" charset="-128"/>
+              <a:cs typeface="Amazon Ember" panose="020B0603020204020204" pitchFamily="34" charset="0"/>
+            </a:endParaRPr>
+          </a:p>
+          <a:p>
+            <a:pPr marL="285750" indent="-285750">
+              <a:buFont typeface="Arial" panose="020B0604020202020204" pitchFamily="34" charset="0"/>
+              <a:buChar char="•"/>
+            </a:pPr>
+            <a:r>
+              <a:rPr kumimoji="1" lang="en-US" altLang="ja-JP" sz="1400" dirty="0">
+                <a:solidFill>
+                  <a:srgbClr val="0C9B2E"/>
+                </a:solidFill>
+                <a:latin typeface="Meiryo" panose="020B0604030504040204" pitchFamily="34" charset="-128"/>
+                <a:ea typeface="Meiryo" panose="020B0604030504040204" pitchFamily="34" charset="-128"/>
+                <a:cs typeface="Amazon Ember" panose="020B0603020204020204" pitchFamily="34" charset="0"/>
+              </a:rPr>
+              <a:t>(</a:t>
+            </a:r>
+            <a:r>
+              <a:rPr kumimoji="1" lang="ja-JP" altLang="en-US" sz="1400">
+                <a:solidFill>
+                  <a:srgbClr val="0C9B2E"/>
+                </a:solidFill>
+                <a:latin typeface="Meiryo" panose="020B0604030504040204" pitchFamily="34" charset="-128"/>
+                <a:ea typeface="Meiryo" panose="020B0604030504040204" pitchFamily="34" charset="-128"/>
+                <a:cs typeface="Amazon Ember" panose="020B0603020204020204" pitchFamily="34" charset="0"/>
+              </a:rPr>
+              <a:t>メッセージ出力は</a:t>
+            </a:r>
+            <a:r>
+              <a:rPr kumimoji="1" lang="en-US" altLang="ja-JP" sz="1400" dirty="0">
+                <a:solidFill>
+                  <a:srgbClr val="0C9B2E"/>
+                </a:solidFill>
+                <a:latin typeface="Meiryo" panose="020B0604030504040204" pitchFamily="34" charset="-128"/>
+                <a:ea typeface="Meiryo" panose="020B0604030504040204" pitchFamily="34" charset="-128"/>
+                <a:cs typeface="Amazon Ember" panose="020B0603020204020204" pitchFamily="34" charset="0"/>
+              </a:rPr>
+              <a:t> stdout </a:t>
+            </a:r>
+            <a:r>
+              <a:rPr kumimoji="1" lang="ja-JP" altLang="en-US" sz="1400">
+                <a:solidFill>
+                  <a:srgbClr val="0C9B2E"/>
+                </a:solidFill>
+                <a:latin typeface="Meiryo" panose="020B0604030504040204" pitchFamily="34" charset="-128"/>
+                <a:ea typeface="Meiryo" panose="020B0604030504040204" pitchFamily="34" charset="-128"/>
+                <a:cs typeface="Amazon Ember" panose="020B0603020204020204" pitchFamily="34" charset="0"/>
+              </a:rPr>
+              <a:t>へ</a:t>
+            </a:r>
+            <a:r>
+              <a:rPr kumimoji="1" lang="en-US" altLang="ja-JP" sz="1400" dirty="0">
+                <a:solidFill>
+                  <a:srgbClr val="0C9B2E"/>
+                </a:solidFill>
+                <a:latin typeface="Meiryo" panose="020B0604030504040204" pitchFamily="34" charset="-128"/>
+                <a:ea typeface="Meiryo" panose="020B0604030504040204" pitchFamily="34" charset="-128"/>
+                <a:cs typeface="Amazon Ember" panose="020B0603020204020204" pitchFamily="34" charset="0"/>
+              </a:rPr>
+              <a:t>)</a:t>
+            </a:r>
+          </a:p>
+        </p:txBody>
+      </p:sp>
+      <p:sp>
+        <p:nvSpPr>
+          <p:cNvPr id="36" name="テキスト ボックス 35">
+            <a:extLst>
+              <a:ext uri="{FF2B5EF4-FFF2-40B4-BE49-F238E27FC236}">
+                <a16:creationId xmlns:a16="http://schemas.microsoft.com/office/drawing/2014/main" id="{CABE6742-C4B3-1236-184F-4690625E1F49}"/>
+              </a:ext>
+            </a:extLst>
+          </p:cNvPr>
+          <p:cNvSpPr txBox="1"/>
+          <p:nvPr/>
+        </p:nvSpPr>
+        <p:spPr>
+          <a:xfrm>
+            <a:off x="11102007" y="5894190"/>
+            <a:ext cx="3114262" cy="1600438"/>
+          </a:xfrm>
+          <a:prstGeom prst="rect">
+            <a:avLst/>
+          </a:prstGeom>
+          <a:noFill/>
+        </p:spPr>
+        <p:txBody>
+          <a:bodyPr wrap="square" rtlCol="0">
+            <a:spAutoFit/>
+          </a:bodyPr>
+          <a:lstStyle/>
+          <a:p>
+            <a:pPr marL="285750" indent="-285750" algn="l">
+              <a:buFont typeface="Arial" panose="020B0604020202020204" pitchFamily="34" charset="0"/>
+              <a:buChar char="•"/>
+            </a:pPr>
+            <a:r>
+              <a:rPr kumimoji="1" lang="ja-JP" altLang="en-US" sz="1400">
+                <a:solidFill>
+                  <a:srgbClr val="0C9B2E"/>
+                </a:solidFill>
+                <a:latin typeface="Meiryo" panose="020B0604030504040204" pitchFamily="34" charset="-128"/>
+                <a:ea typeface="Meiryo" panose="020B0604030504040204" pitchFamily="34" charset="-128"/>
+                <a:cs typeface="Amazon Ember" panose="020B0603020204020204" pitchFamily="34" charset="0"/>
+              </a:rPr>
+              <a:t>コネクションエラーが発生し以下の対策実施</a:t>
+            </a:r>
+            <a:endParaRPr kumimoji="1" lang="en-US" altLang="ja-JP" sz="1400" dirty="0">
+              <a:solidFill>
+                <a:srgbClr val="0C9B2E"/>
+              </a:solidFill>
+              <a:latin typeface="Meiryo" panose="020B0604030504040204" pitchFamily="34" charset="-128"/>
+              <a:ea typeface="Meiryo" panose="020B0604030504040204" pitchFamily="34" charset="-128"/>
+              <a:cs typeface="Amazon Ember" panose="020B0603020204020204" pitchFamily="34" charset="0"/>
+            </a:endParaRPr>
+          </a:p>
+          <a:p>
+            <a:pPr marL="285750" indent="-285750" algn="l">
+              <a:buFont typeface="Arial" panose="020B0604020202020204" pitchFamily="34" charset="0"/>
+              <a:buChar char="•"/>
+            </a:pPr>
+            <a:r>
+              <a:rPr kumimoji="1" lang="en-US" altLang="ja-JP" sz="1400" dirty="0">
+                <a:solidFill>
+                  <a:srgbClr val="0C9B2E"/>
+                </a:solidFill>
+                <a:latin typeface="Meiryo" panose="020B0604030504040204" pitchFamily="34" charset="-128"/>
+                <a:ea typeface="Meiryo" panose="020B0604030504040204" pitchFamily="34" charset="-128"/>
+                <a:cs typeface="Amazon Ember" panose="020B0603020204020204" pitchFamily="34" charset="0"/>
+              </a:rPr>
+              <a:t>App Runner </a:t>
+            </a:r>
+            <a:r>
+              <a:rPr kumimoji="1" lang="ja-JP" altLang="en-US" sz="1400">
+                <a:solidFill>
+                  <a:srgbClr val="0C9B2E"/>
+                </a:solidFill>
+                <a:latin typeface="Meiryo" panose="020B0604030504040204" pitchFamily="34" charset="-128"/>
+                <a:ea typeface="Meiryo" panose="020B0604030504040204" pitchFamily="34" charset="-128"/>
+                <a:cs typeface="Amazon Ember" panose="020B0603020204020204" pitchFamily="34" charset="0"/>
+              </a:rPr>
+              <a:t>ヘルスチェックを</a:t>
+            </a:r>
+            <a:r>
+              <a:rPr kumimoji="1" lang="en-US" altLang="ja-JP" sz="1400" dirty="0">
+                <a:solidFill>
+                  <a:srgbClr val="0C9B2E"/>
+                </a:solidFill>
+                <a:latin typeface="Meiryo" panose="020B0604030504040204" pitchFamily="34" charset="-128"/>
+                <a:ea typeface="Meiryo" panose="020B0604030504040204" pitchFamily="34" charset="-128"/>
+                <a:cs typeface="Amazon Ember" panose="020B0603020204020204" pitchFamily="34" charset="0"/>
+              </a:rPr>
+              <a:t>10</a:t>
+            </a:r>
+            <a:r>
+              <a:rPr kumimoji="1" lang="ja-JP" altLang="en-US" sz="1400">
+                <a:solidFill>
+                  <a:srgbClr val="0C9B2E"/>
+                </a:solidFill>
+                <a:latin typeface="Meiryo" panose="020B0604030504040204" pitchFamily="34" charset="-128"/>
+                <a:ea typeface="Meiryo" panose="020B0604030504040204" pitchFamily="34" charset="-128"/>
+                <a:cs typeface="Amazon Ember" panose="020B0603020204020204" pitchFamily="34" charset="0"/>
+              </a:rPr>
+              <a:t>から</a:t>
+            </a:r>
+            <a:r>
+              <a:rPr kumimoji="1" lang="en-US" altLang="ja-JP" sz="1400" dirty="0">
+                <a:solidFill>
+                  <a:srgbClr val="0C9B2E"/>
+                </a:solidFill>
+                <a:latin typeface="Meiryo" panose="020B0604030504040204" pitchFamily="34" charset="-128"/>
+                <a:ea typeface="Meiryo" panose="020B0604030504040204" pitchFamily="34" charset="-128"/>
+                <a:cs typeface="Amazon Ember" panose="020B0603020204020204" pitchFamily="34" charset="0"/>
+              </a:rPr>
+              <a:t>20</a:t>
+            </a:r>
+            <a:r>
+              <a:rPr kumimoji="1" lang="ja-JP" altLang="en-US" sz="1400">
+                <a:solidFill>
+                  <a:srgbClr val="0C9B2E"/>
+                </a:solidFill>
+                <a:latin typeface="Meiryo" panose="020B0604030504040204" pitchFamily="34" charset="-128"/>
+                <a:ea typeface="Meiryo" panose="020B0604030504040204" pitchFamily="34" charset="-128"/>
+                <a:cs typeface="Amazon Ember" panose="020B0603020204020204" pitchFamily="34" charset="0"/>
+              </a:rPr>
+              <a:t>秒へ延長。</a:t>
+            </a:r>
+            <a:endParaRPr kumimoji="1" lang="en-US" altLang="ja-JP" sz="1400" dirty="0">
+              <a:solidFill>
+                <a:srgbClr val="0C9B2E"/>
+              </a:solidFill>
+              <a:latin typeface="Meiryo" panose="020B0604030504040204" pitchFamily="34" charset="-128"/>
+              <a:ea typeface="Meiryo" panose="020B0604030504040204" pitchFamily="34" charset="-128"/>
+              <a:cs typeface="Amazon Ember" panose="020B0603020204020204" pitchFamily="34" charset="0"/>
+            </a:endParaRPr>
+          </a:p>
+          <a:p>
+            <a:pPr marL="285750" indent="-285750" algn="l">
+              <a:buFont typeface="Arial" panose="020B0604020202020204" pitchFamily="34" charset="0"/>
+              <a:buChar char="•"/>
+            </a:pPr>
+            <a:r>
+              <a:rPr kumimoji="1" lang="en-US" altLang="ja-JP" sz="1400" dirty="0">
+                <a:solidFill>
+                  <a:srgbClr val="0C9B2E"/>
+                </a:solidFill>
+                <a:latin typeface="Meiryo" panose="020B0604030504040204" pitchFamily="34" charset="-128"/>
+                <a:ea typeface="Meiryo" panose="020B0604030504040204" pitchFamily="34" charset="-128"/>
+                <a:cs typeface="Amazon Ember" panose="020B0603020204020204" pitchFamily="34" charset="0"/>
+              </a:rPr>
+              <a:t>App Runner </a:t>
+            </a:r>
+            <a:r>
+              <a:rPr kumimoji="1" lang="ja-JP" altLang="en-US" sz="1400">
+                <a:solidFill>
+                  <a:srgbClr val="0C9B2E"/>
+                </a:solidFill>
+                <a:latin typeface="Meiryo" panose="020B0604030504040204" pitchFamily="34" charset="-128"/>
+                <a:ea typeface="Meiryo" panose="020B0604030504040204" pitchFamily="34" charset="-128"/>
+                <a:cs typeface="Amazon Ember" panose="020B0603020204020204" pitchFamily="34" charset="0"/>
+              </a:rPr>
+              <a:t>サイジングも変更し、</a:t>
+            </a:r>
+            <a:r>
+              <a:rPr kumimoji="1" lang="en-US" altLang="ja-JP" sz="1400" dirty="0">
+                <a:solidFill>
+                  <a:srgbClr val="0C9B2E"/>
+                </a:solidFill>
+                <a:latin typeface="Meiryo" panose="020B0604030504040204" pitchFamily="34" charset="-128"/>
+                <a:ea typeface="Meiryo" panose="020B0604030504040204" pitchFamily="34" charset="-128"/>
+                <a:cs typeface="Amazon Ember" panose="020B0603020204020204" pitchFamily="34" charset="0"/>
+              </a:rPr>
+              <a:t>1</a:t>
+            </a:r>
+            <a:r>
+              <a:rPr kumimoji="1" lang="ja-JP" altLang="en-US" sz="1400">
+                <a:solidFill>
+                  <a:srgbClr val="0C9B2E"/>
+                </a:solidFill>
+                <a:latin typeface="Meiryo" panose="020B0604030504040204" pitchFamily="34" charset="-128"/>
+                <a:ea typeface="Meiryo" panose="020B0604030504040204" pitchFamily="34" charset="-128"/>
+                <a:cs typeface="Amazon Ember" panose="020B0603020204020204" pitchFamily="34" charset="0"/>
+              </a:rPr>
+              <a:t>コア、</a:t>
+            </a:r>
+            <a:r>
+              <a:rPr kumimoji="1" lang="en-US" altLang="ja-JP" sz="1400" dirty="0">
+                <a:solidFill>
+                  <a:srgbClr val="0C9B2E"/>
+                </a:solidFill>
+                <a:latin typeface="Meiryo" panose="020B0604030504040204" pitchFamily="34" charset="-128"/>
+                <a:ea typeface="Meiryo" panose="020B0604030504040204" pitchFamily="34" charset="-128"/>
+                <a:cs typeface="Amazon Ember" panose="020B0603020204020204" pitchFamily="34" charset="0"/>
+              </a:rPr>
+              <a:t>2Gmem</a:t>
+            </a:r>
+            <a:r>
+              <a:rPr kumimoji="1" lang="ja-JP" altLang="en-US" sz="1400">
+                <a:solidFill>
+                  <a:srgbClr val="0C9B2E"/>
+                </a:solidFill>
+                <a:latin typeface="Meiryo" panose="020B0604030504040204" pitchFamily="34" charset="-128"/>
+                <a:ea typeface="Meiryo" panose="020B0604030504040204" pitchFamily="34" charset="-128"/>
+                <a:cs typeface="Amazon Ember" panose="020B0603020204020204" pitchFamily="34" charset="0"/>
+              </a:rPr>
+              <a:t>から</a:t>
+            </a:r>
+            <a:r>
+              <a:rPr kumimoji="1" lang="en-US" altLang="ja-JP" sz="1400" dirty="0">
+                <a:solidFill>
+                  <a:srgbClr val="0C9B2E"/>
+                </a:solidFill>
+                <a:latin typeface="Meiryo" panose="020B0604030504040204" pitchFamily="34" charset="-128"/>
+                <a:ea typeface="Meiryo" panose="020B0604030504040204" pitchFamily="34" charset="-128"/>
+                <a:cs typeface="Amazon Ember" panose="020B0603020204020204" pitchFamily="34" charset="0"/>
+              </a:rPr>
+              <a:t> 2</a:t>
+            </a:r>
+            <a:r>
+              <a:rPr kumimoji="1" lang="ja-JP" altLang="en-US" sz="1400">
+                <a:solidFill>
+                  <a:srgbClr val="0C9B2E"/>
+                </a:solidFill>
+                <a:latin typeface="Meiryo" panose="020B0604030504040204" pitchFamily="34" charset="-128"/>
+                <a:ea typeface="Meiryo" panose="020B0604030504040204" pitchFamily="34" charset="-128"/>
+                <a:cs typeface="Amazon Ember" panose="020B0603020204020204" pitchFamily="34" charset="0"/>
+              </a:rPr>
+              <a:t>コア、</a:t>
+            </a:r>
+            <a:r>
+              <a:rPr kumimoji="1" lang="en-US" altLang="ja-JP" sz="1400" dirty="0">
+                <a:solidFill>
+                  <a:srgbClr val="0C9B2E"/>
+                </a:solidFill>
+                <a:latin typeface="Meiryo" panose="020B0604030504040204" pitchFamily="34" charset="-128"/>
+                <a:ea typeface="Meiryo" panose="020B0604030504040204" pitchFamily="34" charset="-128"/>
+                <a:cs typeface="Amazon Ember" panose="020B0603020204020204" pitchFamily="34" charset="0"/>
+              </a:rPr>
+              <a:t>4Gmem</a:t>
+            </a:r>
+            <a:r>
+              <a:rPr kumimoji="1" lang="ja-JP" altLang="en-US" sz="1400">
+                <a:solidFill>
+                  <a:srgbClr val="0C9B2E"/>
+                </a:solidFill>
+                <a:latin typeface="Meiryo" panose="020B0604030504040204" pitchFamily="34" charset="-128"/>
+                <a:ea typeface="Meiryo" panose="020B0604030504040204" pitchFamily="34" charset="-128"/>
+                <a:cs typeface="Amazon Ember" panose="020B0603020204020204" pitchFamily="34" charset="0"/>
+              </a:rPr>
+              <a:t>へ拡張</a:t>
+            </a:r>
+            <a:endParaRPr kumimoji="1" lang="en-US" altLang="ja-JP" sz="1400" dirty="0">
+              <a:solidFill>
+                <a:srgbClr val="0C9B2E"/>
+              </a:solidFill>
+              <a:latin typeface="Meiryo" panose="020B0604030504040204" pitchFamily="34" charset="-128"/>
+              <a:ea typeface="Meiryo" panose="020B0604030504040204" pitchFamily="34" charset="-128"/>
+              <a:cs typeface="Amazon Ember" panose="020B0603020204020204" pitchFamily="34" charset="0"/>
+            </a:endParaRPr>
+          </a:p>
+        </p:txBody>
+      </p:sp>
+      <p:sp>
+        <p:nvSpPr>
+          <p:cNvPr id="37" name="テキスト ボックス 36">
+            <a:extLst>
+              <a:ext uri="{FF2B5EF4-FFF2-40B4-BE49-F238E27FC236}">
+                <a16:creationId xmlns:a16="http://schemas.microsoft.com/office/drawing/2014/main" id="{80FF379F-4760-1F72-9BFE-2FEA7C7B06BA}"/>
+              </a:ext>
+            </a:extLst>
+          </p:cNvPr>
+          <p:cNvSpPr txBox="1"/>
+          <p:nvPr/>
+        </p:nvSpPr>
+        <p:spPr>
+          <a:xfrm>
+            <a:off x="10803834" y="5575699"/>
+            <a:ext cx="1855304" cy="369332"/>
+          </a:xfrm>
+          <a:prstGeom prst="rect">
+            <a:avLst/>
+          </a:prstGeom>
+          <a:noFill/>
+          <a:ln>
+            <a:noFill/>
+          </a:ln>
+        </p:spPr>
+        <p:style>
+          <a:lnRef idx="2">
+            <a:schemeClr val="accent6"/>
+          </a:lnRef>
+          <a:fillRef idx="1">
+            <a:schemeClr val="lt1"/>
+          </a:fillRef>
+          <a:effectRef idx="0">
+            <a:schemeClr val="accent6"/>
+          </a:effectRef>
+          <a:fontRef idx="minor">
+            <a:schemeClr val="dk1"/>
+          </a:fontRef>
+        </p:style>
+        <p:txBody>
+          <a:bodyPr wrap="square" rtlCol="0" anchor="t">
+            <a:spAutoFit/>
+          </a:bodyPr>
+          <a:lstStyle/>
+          <a:p>
+            <a:pPr algn="ctr"/>
+            <a:r>
+              <a:rPr kumimoji="1" lang="ja-JP" altLang="en-US" sz="1800" b="1">
+                <a:solidFill>
+                  <a:srgbClr val="0C9B2E"/>
+                </a:solidFill>
+                <a:latin typeface="Meiryo" panose="020B0604030504040204" pitchFamily="34" charset="-128"/>
+                <a:ea typeface="Meiryo" panose="020B0604030504040204" pitchFamily="34" charset="-128"/>
+                <a:cs typeface="Amazon Ember" panose="020B0603020204020204" pitchFamily="34" charset="0"/>
+              </a:rPr>
+              <a:t>ポイント</a:t>
+            </a:r>
+            <a:endParaRPr kumimoji="1" lang="ja-JP" altLang="en-US" sz="1800" b="1" dirty="0" err="1">
+              <a:solidFill>
+                <a:srgbClr val="0C9B2E"/>
+              </a:solidFill>
+              <a:latin typeface="Meiryo" panose="020B0604030504040204" pitchFamily="34" charset="-128"/>
+              <a:ea typeface="Meiryo" panose="020B0604030504040204" pitchFamily="34" charset="-128"/>
+              <a:cs typeface="Amazon Ember" panose="020B0603020204020204" pitchFamily="34" charset="0"/>
+            </a:endParaRPr>
+          </a:p>
+        </p:txBody>
+      </p:sp>
     </p:spTree>
     <p:extLst>
       <p:ext uri="{BB962C8B-B14F-4D97-AF65-F5344CB8AC3E}">
@@ -16842,12 +18112,6 @@
 </file>
 
 <file path=customXml/item2.xml><?xml version="1.0" encoding="utf-8"?>
-<p:properties xmlns:p="http://schemas.microsoft.com/office/2006/metadata/properties" xmlns:xsi="http://www.w3.org/2001/XMLSchema-instance">
-  <documentManagement/>
-</p:properties>
-</file>
-
-<file path=customXml/item3.xml><?xml version="1.0" encoding="utf-8"?>
 <ct:contentTypeSchema xmlns:ct="http://schemas.microsoft.com/office/2006/metadata/contentType" xmlns:ma="http://schemas.microsoft.com/office/2006/metadata/properties/metaAttributes" ct:_="" ma:_="" ma:contentTypeName="Document" ma:contentTypeID="0x010100D26A3D6C04DFD740953BA1B2B9E62D60" ma:contentTypeVersion="0" ma:contentTypeDescription="Create a new document." ma:contentTypeScope="" ma:versionID="26617cd14cd3af163c0e97ff614e520a">
   <xsd:schema xmlns:xsd="http://www.w3.org/2001/XMLSchema" xmlns:xs="http://www.w3.org/2001/XMLSchema" xmlns:p="http://schemas.microsoft.com/office/2006/metadata/properties" targetNamespace="http://schemas.microsoft.com/office/2006/metadata/properties" ma:root="true" ma:fieldsID="c64490b4aec6201516c3a874156f37b2">
     <xsd:element name="properties">
@@ -16961,6 +18225,12 @@
 </ct:contentTypeSchema>
 </file>
 
+<file path=customXml/item3.xml><?xml version="1.0" encoding="utf-8"?>
+<p:properties xmlns:p="http://schemas.microsoft.com/office/2006/metadata/properties" xmlns:xsi="http://www.w3.org/2001/XMLSchema-instance">
+  <documentManagement/>
+</p:properties>
+</file>
+
 <file path=customXml/itemProps1.xml><?xml version="1.0" encoding="utf-8"?>
 <ds:datastoreItem xmlns:ds="http://schemas.openxmlformats.org/officeDocument/2006/customXml" ds:itemID="{705B35A6-8B52-46A5-AE45-B98C6459DC10}">
   <ds:schemaRefs>
@@ -16970,21 +18240,6 @@
 </file>
 
 <file path=customXml/itemProps2.xml><?xml version="1.0" encoding="utf-8"?>
-<ds:datastoreItem xmlns:ds="http://schemas.openxmlformats.org/officeDocument/2006/customXml" ds:itemID="{C597C89A-FD0C-431E-81F6-90225B937683}">
-  <ds:schemaRefs>
-    <ds:schemaRef ds:uri="http://schemas.microsoft.com/office/infopath/2007/PartnerControls"/>
-    <ds:schemaRef ds:uri="http://www.w3.org/XML/1998/namespace"/>
-    <ds:schemaRef ds:uri="http://schemas.microsoft.com/office/2006/documentManagement/types"/>
-    <ds:schemaRef ds:uri="http://purl.org/dc/dcmitype/"/>
-    <ds:schemaRef ds:uri="http://schemas.openxmlformats.org/package/2006/metadata/core-properties"/>
-    <ds:schemaRef ds:uri="http://purl.org/dc/terms/"/>
-    <ds:schemaRef ds:uri="http://schemas.microsoft.com/office/2006/metadata/properties"/>
-    <ds:schemaRef ds:uri="http://purl.org/dc/elements/1.1/"/>
-  </ds:schemaRefs>
-</ds:datastoreItem>
-</file>
-
-<file path=customXml/itemProps3.xml><?xml version="1.0" encoding="utf-8"?>
 <ds:datastoreItem xmlns:ds="http://schemas.openxmlformats.org/officeDocument/2006/customXml" ds:itemID="{51A3258A-222C-4488-825E-7520D001FB75}">
   <ds:schemaRefs>
     <ds:schemaRef ds:uri="http://schemas.microsoft.com/office/2006/metadata/contentType"/>
@@ -16998,4 +18253,19 @@
     <ds:schemaRef ds:uri="http://schemas.microsoft.com/office/infopath/2007/PartnerControls"/>
   </ds:schemaRefs>
 </ds:datastoreItem>
+</file>
+
+<file path=customXml/itemProps3.xml><?xml version="1.0" encoding="utf-8"?>
+<ds:datastoreItem xmlns:ds="http://schemas.openxmlformats.org/officeDocument/2006/customXml" ds:itemID="{C597C89A-FD0C-431E-81F6-90225B937683}">
+  <ds:schemaRefs>
+    <ds:schemaRef ds:uri="http://schemas.microsoft.com/office/infopath/2007/PartnerControls"/>
+    <ds:schemaRef ds:uri="http://www.w3.org/XML/1998/namespace"/>
+    <ds:schemaRef ds:uri="http://schemas.microsoft.com/office/2006/documentManagement/types"/>
+    <ds:schemaRef ds:uri="http://purl.org/dc/dcmitype/"/>
+    <ds:schemaRef ds:uri="http://schemas.openxmlformats.org/package/2006/metadata/core-properties"/>
+    <ds:schemaRef ds:uri="http://purl.org/dc/terms/"/>
+    <ds:schemaRef ds:uri="http://schemas.microsoft.com/office/2006/metadata/properties"/>
+    <ds:schemaRef ds:uri="http://purl.org/dc/elements/1.1/"/>
+  </ds:schemaRefs>
+</ds:datastoreItem>
 </file>
--- a/skeleton-guide.pptx
+++ b/skeleton-guide.pptx
@@ -392,7 +392,7 @@
           <a:p>
             <a:fld id="{D2887149-AF03-6142-908A-3DD284EAF54B}" type="datetimeFigureOut">
               <a:rPr lang="en-US" smtClean="0"/>
-              <a:t>6/10/22</a:t>
+              <a:t>6/14/22</a:t>
             </a:fld>
             <a:endParaRPr lang="en-US"/>
           </a:p>
@@ -574,7 +574,7 @@
             <a:fld id="{0B25AC41-3BEC-9247-8322-91B80C013F2D}" type="datetimeFigureOut">
               <a:rPr lang="en-US" smtClean="0"/>
               <a:pPr/>
-              <a:t>6/10/22</a:t>
+              <a:t>6/14/22</a:t>
             </a:fld>
             <a:endParaRPr lang="en-US"/>
           </a:p>
@@ -1177,6 +1177,261 @@
     <p:extLst>
       <p:ext uri="{BB962C8B-B14F-4D97-AF65-F5344CB8AC3E}">
         <p14:creationId xmlns:p14="http://schemas.microsoft.com/office/powerpoint/2010/main" val="2866550493"/>
+      </p:ext>
+    </p:extLst>
+  </p:cSld>
+  <p:clrMapOvr>
+    <a:masterClrMapping/>
+  </p:clrMapOvr>
+</p:notes>
+</file>
+
+<file path=ppt/notesSlides/notesSlide5.xml><?xml version="1.0" encoding="utf-8"?>
+<p:notes xmlns:a="http://schemas.openxmlformats.org/drawingml/2006/main" xmlns:r="http://schemas.openxmlformats.org/officeDocument/2006/relationships" xmlns:p="http://schemas.openxmlformats.org/presentationml/2006/main">
+  <p:cSld>
+    <p:spTree>
+      <p:nvGrpSpPr>
+        <p:cNvPr id="1" name=""/>
+        <p:cNvGrpSpPr/>
+        <p:nvPr/>
+      </p:nvGrpSpPr>
+      <p:grpSpPr>
+        <a:xfrm>
+          <a:off x="0" y="0"/>
+          <a:ext cx="0" cy="0"/>
+          <a:chOff x="0" y="0"/>
+          <a:chExt cx="0" cy="0"/>
+        </a:xfrm>
+      </p:grpSpPr>
+      <p:sp>
+        <p:nvSpPr>
+          <p:cNvPr id="2" name="スライド イメージ プレースホルダー 1"/>
+          <p:cNvSpPr>
+            <a:spLocks noGrp="1" noRot="1" noChangeAspect="1"/>
+          </p:cNvSpPr>
+          <p:nvPr>
+            <p:ph type="sldImg"/>
+          </p:nvPr>
+        </p:nvSpPr>
+        <p:spPr/>
+      </p:sp>
+      <p:sp>
+        <p:nvSpPr>
+          <p:cNvPr id="3" name="ノート プレースホルダー 2"/>
+          <p:cNvSpPr>
+            <a:spLocks noGrp="1"/>
+          </p:cNvSpPr>
+          <p:nvPr>
+            <p:ph type="body" idx="1"/>
+          </p:nvPr>
+        </p:nvSpPr>
+        <p:spPr/>
+        <p:txBody>
+          <a:bodyPr/>
+          <a:lstStyle/>
+          <a:p>
+            <a:endParaRPr kumimoji="1" lang="ja-JP" altLang="en-US"/>
+          </a:p>
+        </p:txBody>
+      </p:sp>
+      <p:sp>
+        <p:nvSpPr>
+          <p:cNvPr id="4" name="スライド番号プレースホルダー 3"/>
+          <p:cNvSpPr>
+            <a:spLocks noGrp="1"/>
+          </p:cNvSpPr>
+          <p:nvPr>
+            <p:ph type="sldNum" sz="quarter" idx="5"/>
+          </p:nvPr>
+        </p:nvSpPr>
+        <p:spPr/>
+        <p:txBody>
+          <a:bodyPr/>
+          <a:lstStyle/>
+          <a:p>
+            <a:fld id="{69C3F2ED-74C5-7D4F-8560-0CC253E9A436}" type="slidenum">
+              <a:rPr lang="en-US" smtClean="0"/>
+              <a:pPr/>
+              <a:t>17</a:t>
+            </a:fld>
+            <a:endParaRPr lang="en-US"/>
+          </a:p>
+        </p:txBody>
+      </p:sp>
+    </p:spTree>
+    <p:extLst>
+      <p:ext uri="{BB962C8B-B14F-4D97-AF65-F5344CB8AC3E}">
+        <p14:creationId xmlns:p14="http://schemas.microsoft.com/office/powerpoint/2010/main" val="3619237787"/>
+      </p:ext>
+    </p:extLst>
+  </p:cSld>
+  <p:clrMapOvr>
+    <a:masterClrMapping/>
+  </p:clrMapOvr>
+</p:notes>
+</file>
+
+<file path=ppt/notesSlides/notesSlide6.xml><?xml version="1.0" encoding="utf-8"?>
+<p:notes xmlns:a="http://schemas.openxmlformats.org/drawingml/2006/main" xmlns:r="http://schemas.openxmlformats.org/officeDocument/2006/relationships" xmlns:p="http://schemas.openxmlformats.org/presentationml/2006/main">
+  <p:cSld>
+    <p:spTree>
+      <p:nvGrpSpPr>
+        <p:cNvPr id="1" name=""/>
+        <p:cNvGrpSpPr/>
+        <p:nvPr/>
+      </p:nvGrpSpPr>
+      <p:grpSpPr>
+        <a:xfrm>
+          <a:off x="0" y="0"/>
+          <a:ext cx="0" cy="0"/>
+          <a:chOff x="0" y="0"/>
+          <a:chExt cx="0" cy="0"/>
+        </a:xfrm>
+      </p:grpSpPr>
+      <p:sp>
+        <p:nvSpPr>
+          <p:cNvPr id="2" name="スライド イメージ プレースホルダー 1"/>
+          <p:cNvSpPr>
+            <a:spLocks noGrp="1" noRot="1" noChangeAspect="1"/>
+          </p:cNvSpPr>
+          <p:nvPr>
+            <p:ph type="sldImg"/>
+          </p:nvPr>
+        </p:nvSpPr>
+        <p:spPr/>
+      </p:sp>
+      <p:sp>
+        <p:nvSpPr>
+          <p:cNvPr id="3" name="ノート プレースホルダー 2"/>
+          <p:cNvSpPr>
+            <a:spLocks noGrp="1"/>
+          </p:cNvSpPr>
+          <p:nvPr>
+            <p:ph type="body" idx="1"/>
+          </p:nvPr>
+        </p:nvSpPr>
+        <p:spPr/>
+        <p:txBody>
+          <a:bodyPr/>
+          <a:lstStyle/>
+          <a:p>
+            <a:endParaRPr kumimoji="1" lang="ja-JP" altLang="en-US"/>
+          </a:p>
+        </p:txBody>
+      </p:sp>
+      <p:sp>
+        <p:nvSpPr>
+          <p:cNvPr id="4" name="スライド番号プレースホルダー 3"/>
+          <p:cNvSpPr>
+            <a:spLocks noGrp="1"/>
+          </p:cNvSpPr>
+          <p:nvPr>
+            <p:ph type="sldNum" sz="quarter" idx="5"/>
+          </p:nvPr>
+        </p:nvSpPr>
+        <p:spPr/>
+        <p:txBody>
+          <a:bodyPr/>
+          <a:lstStyle/>
+          <a:p>
+            <a:fld id="{69C3F2ED-74C5-7D4F-8560-0CC253E9A436}" type="slidenum">
+              <a:rPr lang="en-US" smtClean="0"/>
+              <a:pPr/>
+              <a:t>18</a:t>
+            </a:fld>
+            <a:endParaRPr lang="en-US"/>
+          </a:p>
+        </p:txBody>
+      </p:sp>
+    </p:spTree>
+    <p:extLst>
+      <p:ext uri="{BB962C8B-B14F-4D97-AF65-F5344CB8AC3E}">
+        <p14:creationId xmlns:p14="http://schemas.microsoft.com/office/powerpoint/2010/main" val="3080460012"/>
+      </p:ext>
+    </p:extLst>
+  </p:cSld>
+  <p:clrMapOvr>
+    <a:masterClrMapping/>
+  </p:clrMapOvr>
+</p:notes>
+</file>
+
+<file path=ppt/notesSlides/notesSlide7.xml><?xml version="1.0" encoding="utf-8"?>
+<p:notes xmlns:a="http://schemas.openxmlformats.org/drawingml/2006/main" xmlns:r="http://schemas.openxmlformats.org/officeDocument/2006/relationships" xmlns:p="http://schemas.openxmlformats.org/presentationml/2006/main">
+  <p:cSld>
+    <p:spTree>
+      <p:nvGrpSpPr>
+        <p:cNvPr id="1" name=""/>
+        <p:cNvGrpSpPr/>
+        <p:nvPr/>
+      </p:nvGrpSpPr>
+      <p:grpSpPr>
+        <a:xfrm>
+          <a:off x="0" y="0"/>
+          <a:ext cx="0" cy="0"/>
+          <a:chOff x="0" y="0"/>
+          <a:chExt cx="0" cy="0"/>
+        </a:xfrm>
+      </p:grpSpPr>
+      <p:sp>
+        <p:nvSpPr>
+          <p:cNvPr id="2" name="スライド イメージ プレースホルダー 1"/>
+          <p:cNvSpPr>
+            <a:spLocks noGrp="1" noRot="1" noChangeAspect="1"/>
+          </p:cNvSpPr>
+          <p:nvPr>
+            <p:ph type="sldImg"/>
+          </p:nvPr>
+        </p:nvSpPr>
+        <p:spPr/>
+      </p:sp>
+      <p:sp>
+        <p:nvSpPr>
+          <p:cNvPr id="3" name="ノート プレースホルダー 2"/>
+          <p:cNvSpPr>
+            <a:spLocks noGrp="1"/>
+          </p:cNvSpPr>
+          <p:nvPr>
+            <p:ph type="body" idx="1"/>
+          </p:nvPr>
+        </p:nvSpPr>
+        <p:spPr/>
+        <p:txBody>
+          <a:bodyPr/>
+          <a:lstStyle/>
+          <a:p>
+            <a:endParaRPr kumimoji="1" lang="ja-JP" altLang="en-US"/>
+          </a:p>
+        </p:txBody>
+      </p:sp>
+      <p:sp>
+        <p:nvSpPr>
+          <p:cNvPr id="4" name="スライド番号プレースホルダー 3"/>
+          <p:cNvSpPr>
+            <a:spLocks noGrp="1"/>
+          </p:cNvSpPr>
+          <p:nvPr>
+            <p:ph type="sldNum" sz="quarter" idx="5"/>
+          </p:nvPr>
+        </p:nvSpPr>
+        <p:spPr/>
+        <p:txBody>
+          <a:bodyPr/>
+          <a:lstStyle/>
+          <a:p>
+            <a:fld id="{69C3F2ED-74C5-7D4F-8560-0CC253E9A436}" type="slidenum">
+              <a:rPr lang="en-US" smtClean="0"/>
+              <a:pPr/>
+              <a:t>25</a:t>
+            </a:fld>
+            <a:endParaRPr lang="en-US"/>
+          </a:p>
+        </p:txBody>
+      </p:sp>
+    </p:spTree>
+    <p:extLst>
+      <p:ext uri="{BB962C8B-B14F-4D97-AF65-F5344CB8AC3E}">
+        <p14:creationId xmlns:p14="http://schemas.microsoft.com/office/powerpoint/2010/main" val="4265422212"/>
       </p:ext>
     </p:extLst>
   </p:cSld>
@@ -9283,8 +9538,12 @@
           <a:lstStyle/>
           <a:p>
             <a:r>
+              <a:rPr kumimoji="1" lang="en-US" altLang="ja-JP" dirty="0"/>
+              <a:t>skeleton</a:t>
+            </a:r>
+            <a:r>
               <a:rPr kumimoji="1" lang="ja-JP" altLang="en-US"/>
-              <a:t>コンテナイメージ作成</a:t>
+              <a:t>のコンテナイメージを作成</a:t>
             </a:r>
           </a:p>
         </p:txBody>
@@ -9305,7 +9564,12 @@
             <p:ph type="body" sz="quarter" idx="10"/>
           </p:nvPr>
         </p:nvSpPr>
-        <p:spPr/>
+        <p:spPr>
+          <a:xfrm>
+            <a:off x="548640" y="1645920"/>
+            <a:ext cx="13510260" cy="5669280"/>
+          </a:xfrm>
+        </p:spPr>
         <p:txBody>
           <a:bodyPr/>
           <a:lstStyle/>
@@ -9316,13 +9580,27 @@
             </a:pPr>
             <a:r>
               <a:rPr kumimoji="1" lang="en-US" altLang="ja-JP" dirty="0"/>
-              <a:t>Dockerfile </a:t>
+              <a:t>$ cd [</a:t>
             </a:r>
             <a:r>
               <a:rPr kumimoji="1" lang="ja-JP" altLang="en-US"/>
-              <a:t>を作成</a:t>
-            </a:r>
-            <a:endParaRPr kumimoji="1" lang="en-US" altLang="ja-JP" dirty="0"/>
+              <a:t>サンプルコードのあるディレクトリ</a:t>
+            </a:r>
+            <a:r>
+              <a:rPr kumimoji="1" lang="en-US" altLang="ja-JP" dirty="0"/>
+              <a:t>]</a:t>
+            </a:r>
+          </a:p>
+          <a:p>
+            <a:pPr marL="1703070" lvl="1" indent="-514350">
+              <a:buFont typeface="Arial" panose="020B0604020202020204" pitchFamily="34" charset="0"/>
+              <a:buChar char="•"/>
+            </a:pPr>
+            <a:r>
+              <a:rPr kumimoji="1" lang="ja-JP" altLang="en-US" sz="2000"/>
+              <a:t>サンプルコード一式のディレクトリに移動します。</a:t>
+            </a:r>
+            <a:endParaRPr kumimoji="1" lang="en-US" altLang="ja-JP" sz="2000" dirty="0"/>
           </a:p>
           <a:p>
             <a:pPr marL="514350" indent="-514350">
@@ -9337,17 +9615,107 @@
               <a:buAutoNum type="circleNumDbPlain"/>
             </a:pPr>
             <a:r>
+              <a:rPr kumimoji="1" lang="en-US" altLang="ja-JP" dirty="0" err="1"/>
+              <a:t>Dockerfile</a:t>
+            </a:r>
+            <a:r>
               <a:rPr kumimoji="1" lang="en-US" altLang="ja-JP" dirty="0"/>
-              <a:t>$ cd [</a:t>
+              <a:t> </a:t>
             </a:r>
             <a:r>
               <a:rPr kumimoji="1" lang="ja-JP" altLang="en-US"/>
-              <a:t>サンプルコードのあるディレクトリ</a:t>
-            </a:r>
+              <a:t>を作成します。</a:t>
+            </a:r>
+            <a:endParaRPr kumimoji="1" lang="en-US" altLang="ja-JP" dirty="0"/>
+          </a:p>
+          <a:p>
+            <a:pPr marL="1703070" lvl="1" indent="-514350">
+              <a:buFont typeface="Arial" panose="020B0604020202020204" pitchFamily="34" charset="0"/>
+              <a:buChar char="•"/>
+            </a:pPr>
+            <a:r>
+              <a:rPr kumimoji="1" lang="en-US" altLang="ja-JP" sz="2000" dirty="0" err="1"/>
+              <a:t>Dockerfile.txt</a:t>
+            </a:r>
+            <a:r>
+              <a:rPr kumimoji="1" lang="ja-JP" altLang="en-US" sz="2000"/>
+              <a:t>というファイルを作成します。（補足参照）</a:t>
+            </a:r>
+            <a:endParaRPr kumimoji="1" lang="en-US" altLang="ja-JP" sz="2000" dirty="0"/>
+          </a:p>
+          <a:p>
+            <a:pPr marL="1703070" lvl="1" indent="-514350">
+              <a:buFont typeface="Arial" panose="020B0604020202020204" pitchFamily="34" charset="0"/>
+              <a:buChar char="•"/>
+            </a:pPr>
+            <a:r>
+              <a:rPr kumimoji="1" lang="ja-JP" altLang="en-US" sz="2000"/>
+              <a:t>今回は各種環境設定、</a:t>
+            </a:r>
+            <a:r>
+              <a:rPr kumimoji="1" lang="en-US" altLang="ja-JP" sz="2000" dirty="0"/>
+              <a:t>GitHub</a:t>
+            </a:r>
+            <a:r>
+              <a:rPr kumimoji="1" lang="ja-JP" altLang="en-US" sz="2000"/>
+              <a:t>参照先、起動方法などを記載します。</a:t>
+            </a:r>
+            <a:endParaRPr kumimoji="1" lang="en-US" altLang="ja-JP" sz="2000" dirty="0"/>
+          </a:p>
+          <a:p>
+            <a:pPr lvl="1" indent="0">
+              <a:buNone/>
+            </a:pPr>
+            <a:endParaRPr kumimoji="1" lang="en-US" altLang="ja-JP" dirty="0"/>
+          </a:p>
+          <a:p>
+            <a:pPr marL="514350" indent="-514350">
+              <a:buFont typeface="+mj-ea"/>
+              <a:buAutoNum type="circleNumDbPlain"/>
+            </a:pPr>
             <a:r>
               <a:rPr kumimoji="1" lang="en-US" altLang="ja-JP" dirty="0"/>
-              <a:t>]</a:t>
-            </a:r>
+              <a:t>$ docker</a:t>
+            </a:r>
+            <a:r>
+              <a:rPr kumimoji="1" lang="ja-JP" altLang="en-US"/>
+              <a:t> </a:t>
+            </a:r>
+            <a:r>
+              <a:rPr kumimoji="1" lang="en-US" altLang="ja-JP" dirty="0"/>
+              <a:t>image</a:t>
+            </a:r>
+            <a:r>
+              <a:rPr kumimoji="1" lang="ja-JP" altLang="en-US"/>
+              <a:t> </a:t>
+            </a:r>
+            <a:r>
+              <a:rPr kumimoji="1" lang="en-US" altLang="ja-JP" dirty="0"/>
+              <a:t>build –t</a:t>
+            </a:r>
+            <a:r>
+              <a:rPr kumimoji="1" lang="ja-JP" altLang="en-US"/>
+              <a:t> </a:t>
+            </a:r>
+            <a:r>
+              <a:rPr kumimoji="1" lang="en-US" altLang="ja-JP" dirty="0"/>
+              <a:t>modern-skeleton .  </a:t>
+            </a:r>
+          </a:p>
+          <a:p>
+            <a:pPr marL="1703070" lvl="1" indent="-514350">
+              <a:buFont typeface="Arial" panose="020B0604020202020204" pitchFamily="34" charset="0"/>
+              <a:buChar char="•"/>
+            </a:pPr>
+            <a:r>
+              <a:rPr kumimoji="1" lang="en-US" altLang="ja-JP" sz="2000" dirty="0"/>
+              <a:t>docker </a:t>
+            </a:r>
+            <a:r>
+              <a:rPr kumimoji="1" lang="ja-JP" altLang="en-US" sz="2000"/>
+              <a:t>イメージをビルドします。</a:t>
+            </a:r>
+            <a:endParaRPr kumimoji="1" lang="en-US" altLang="ja-JP" sz="2000" dirty="0"/>
           </a:p>
           <a:p>
             <a:pPr marL="514350" indent="-514350">
@@ -9363,55 +9731,23 @@
             </a:pPr>
             <a:r>
               <a:rPr kumimoji="1" lang="en-US" altLang="ja-JP" dirty="0"/>
-              <a:t>$ docker</a:t>
-            </a:r>
-            <a:r>
-              <a:rPr kumimoji="1" lang="ja-JP" altLang="en-US"/>
-              <a:t> </a:t>
-            </a:r>
-            <a:r>
-              <a:rPr kumimoji="1" lang="en-US" altLang="ja-JP" dirty="0"/>
-              <a:t>image</a:t>
-            </a:r>
-            <a:r>
-              <a:rPr kumimoji="1" lang="ja-JP" altLang="en-US"/>
-              <a:t> </a:t>
-            </a:r>
-            <a:r>
-              <a:rPr kumimoji="1" lang="en-US" altLang="ja-JP" dirty="0"/>
-              <a:t>build –t</a:t>
-            </a:r>
-            <a:r>
-              <a:rPr kumimoji="1" lang="ja-JP" altLang="en-US"/>
-              <a:t> </a:t>
-            </a:r>
-            <a:r>
-              <a:rPr kumimoji="1" lang="en-US" altLang="ja-JP" dirty="0"/>
-              <a:t>modern-skeleton .  [CR]</a:t>
-            </a:r>
-          </a:p>
-          <a:p>
-            <a:pPr marL="514350" indent="-514350">
-              <a:buFont typeface="+mj-ea"/>
-              <a:buAutoNum type="circleNumDbPlain"/>
-            </a:pPr>
-            <a:endParaRPr kumimoji="1" lang="en-US" altLang="ja-JP" dirty="0"/>
-          </a:p>
-          <a:p>
-            <a:pPr marL="514350" indent="-514350">
-              <a:buFont typeface="+mj-ea"/>
-              <a:buAutoNum type="circleNumDbPlain"/>
-            </a:pPr>
-            <a:r>
-              <a:rPr kumimoji="1" lang="en-US" altLang="ja-JP" dirty="0"/>
-              <a:t>$ docker container ls [CR] </a:t>
-            </a:r>
-          </a:p>
-          <a:p>
-            <a:endParaRPr kumimoji="1" lang="en-US" altLang="ja-JP" dirty="0"/>
-          </a:p>
-          <a:p>
-            <a:endParaRPr kumimoji="1" lang="en-US" altLang="ja-JP" dirty="0"/>
+              <a:t>$ docker container ls</a:t>
+            </a:r>
+          </a:p>
+          <a:p>
+            <a:pPr marL="1703070" lvl="1" indent="-514350"/>
+            <a:r>
+              <a:rPr kumimoji="1" lang="en-US" altLang="ja-JP" sz="2000" dirty="0"/>
+              <a:t>docker</a:t>
+            </a:r>
+            <a:r>
+              <a:rPr kumimoji="1" lang="ja-JP" altLang="en-US" sz="2000"/>
+              <a:t>イメージが作成されたことを確認します。</a:t>
+            </a:r>
+            <a:endParaRPr kumimoji="1" lang="en-US" altLang="ja-JP" sz="2000" dirty="0"/>
+          </a:p>
+          <a:p>
+            <a:endParaRPr kumimoji="1" lang="en-US" altLang="ja-JP" sz="2000" dirty="0"/>
           </a:p>
           <a:p>
             <a:endParaRPr kumimoji="1" lang="en-US" altLang="ja-JP" dirty="0"/>
@@ -9494,7 +9830,7 @@
           <p:nvPr/>
         </p:nvPicPr>
         <p:blipFill>
-          <a:blip r:embed="rId2"/>
+          <a:blip r:embed="rId3"/>
           <a:stretch>
             <a:fillRect/>
           </a:stretch>
@@ -9523,8 +9859,8 @@
         </p:nvSpPr>
         <p:spPr>
           <a:xfrm>
-            <a:off x="7132488" y="6248400"/>
-            <a:ext cx="6786712" cy="707886"/>
+            <a:off x="3263900" y="5676900"/>
+            <a:ext cx="11023600" cy="1323439"/>
           </a:xfrm>
           <a:prstGeom prst="rect">
             <a:avLst/>
@@ -9542,7 +9878,10 @@
           </a:bodyPr>
           <a:lstStyle/>
           <a:p>
-            <a:pPr algn="l"/>
+            <a:pPr marL="342900" indent="-342900" algn="l">
+              <a:buFont typeface="Arial" panose="020B0604020202020204" pitchFamily="34" charset="0"/>
+              <a:buChar char="•"/>
+            </a:pPr>
             <a:r>
               <a:rPr kumimoji="1" lang="en-US" altLang="ja-JP" sz="2000" dirty="0">
                 <a:solidFill>
@@ -9552,7 +9891,7 @@
                 <a:ea typeface="Meiryo" panose="020B0604030504040204" pitchFamily="34" charset="-128"/>
                 <a:cs typeface="Amazon Ember" panose="020B0603020204020204" pitchFamily="34" charset="0"/>
               </a:rPr>
-              <a:t>Dockerfile</a:t>
+              <a:t>Docker </a:t>
             </a:r>
             <a:r>
               <a:rPr kumimoji="1" lang="ja-JP" altLang="en-US" sz="2000">
@@ -9563,7 +9902,7 @@
                 <a:ea typeface="Meiryo" panose="020B0604030504040204" pitchFamily="34" charset="-128"/>
                 <a:cs typeface="Amazon Ember" panose="020B0603020204020204" pitchFamily="34" charset="0"/>
               </a:rPr>
-              <a:t>を用意し</a:t>
+              <a:t>イメージをビルドすると、</a:t>
             </a:r>
             <a:r>
               <a:rPr kumimoji="1" lang="en-US" altLang="ja-JP" sz="2000" dirty="0">
@@ -9574,7 +9913,7 @@
                 <a:ea typeface="Meiryo" panose="020B0604030504040204" pitchFamily="34" charset="-128"/>
                 <a:cs typeface="Amazon Ember" panose="020B0603020204020204" pitchFamily="34" charset="0"/>
               </a:rPr>
-              <a:t>Docker </a:t>
+              <a:t>Docker Desktop </a:t>
             </a:r>
             <a:r>
               <a:rPr kumimoji="1" lang="ja-JP" altLang="en-US" sz="2000">
@@ -9585,10 +9924,10 @@
                 <a:ea typeface="Meiryo" panose="020B0604030504040204" pitchFamily="34" charset="-128"/>
                 <a:cs typeface="Amazon Ember" panose="020B0603020204020204" pitchFamily="34" charset="0"/>
               </a:rPr>
-              <a:t>イメージをビルドすると、</a:t>
-            </a:r>
-            <a:r>
-              <a:rPr kumimoji="1" lang="en-US" altLang="ja-JP" sz="2000">
+              <a:t>では左側「</a:t>
+            </a:r>
+            <a:r>
+              <a:rPr kumimoji="1" lang="en-US" altLang="ja-JP" sz="2000" dirty="0">
                 <a:solidFill>
                   <a:srgbClr val="000000"/>
                 </a:solidFill>
@@ -9596,7 +9935,7 @@
                 <a:ea typeface="Meiryo" panose="020B0604030504040204" pitchFamily="34" charset="-128"/>
                 <a:cs typeface="Amazon Ember" panose="020B0603020204020204" pitchFamily="34" charset="0"/>
               </a:rPr>
-              <a:t>Docker</a:t>
+              <a:t>Images</a:t>
             </a:r>
             <a:r>
               <a:rPr kumimoji="1" lang="ja-JP" altLang="en-US" sz="2000">
@@ -9607,7 +9946,90 @@
                 <a:ea typeface="Meiryo" panose="020B0604030504040204" pitchFamily="34" charset="-128"/>
                 <a:cs typeface="Amazon Ember" panose="020B0603020204020204" pitchFamily="34" charset="0"/>
               </a:rPr>
-              <a:t>管理画面に表示されます。</a:t>
+              <a:t>」に表示されます。</a:t>
+            </a:r>
+            <a:endParaRPr kumimoji="1" lang="en-US" altLang="ja-JP" sz="2000" dirty="0">
+              <a:solidFill>
+                <a:srgbClr val="000000"/>
+              </a:solidFill>
+              <a:latin typeface="Meiryo" panose="020B0604030504040204" pitchFamily="34" charset="-128"/>
+              <a:ea typeface="Meiryo" panose="020B0604030504040204" pitchFamily="34" charset="-128"/>
+              <a:cs typeface="Amazon Ember" panose="020B0603020204020204" pitchFamily="34" charset="0"/>
+            </a:endParaRPr>
+          </a:p>
+          <a:p>
+            <a:pPr marL="342900" indent="-342900" algn="l">
+              <a:buFont typeface="Arial" panose="020B0604020202020204" pitchFamily="34" charset="0"/>
+              <a:buChar char="•"/>
+            </a:pPr>
+            <a:endParaRPr kumimoji="1" lang="en-US" altLang="ja-JP" sz="2000" dirty="0">
+              <a:solidFill>
+                <a:srgbClr val="000000"/>
+              </a:solidFill>
+              <a:latin typeface="Meiryo" panose="020B0604030504040204" pitchFamily="34" charset="-128"/>
+              <a:ea typeface="Meiryo" panose="020B0604030504040204" pitchFamily="34" charset="-128"/>
+              <a:cs typeface="Amazon Ember" panose="020B0603020204020204" pitchFamily="34" charset="0"/>
+            </a:endParaRPr>
+          </a:p>
+          <a:p>
+            <a:pPr marL="342900" indent="-342900">
+              <a:buFont typeface="Arial" panose="020B0604020202020204" pitchFamily="34" charset="0"/>
+              <a:buChar char="•"/>
+            </a:pPr>
+            <a:r>
+              <a:rPr kumimoji="1" lang="ja-JP" altLang="en-US" sz="2000">
+                <a:solidFill>
+                  <a:srgbClr val="000000"/>
+                </a:solidFill>
+                <a:latin typeface="Meiryo" panose="020B0604030504040204" pitchFamily="34" charset="-128"/>
+                <a:ea typeface="Meiryo" panose="020B0604030504040204" pitchFamily="34" charset="-128"/>
+                <a:cs typeface="Amazon Ember" panose="020B0603020204020204" pitchFamily="34" charset="0"/>
+              </a:rPr>
+              <a:t>ここでは</a:t>
+            </a:r>
+            <a:r>
+              <a:rPr kumimoji="1" lang="en-US" altLang="ja-JP" sz="2000" dirty="0">
+                <a:solidFill>
+                  <a:srgbClr val="000000"/>
+                </a:solidFill>
+                <a:latin typeface="Meiryo" panose="020B0604030504040204" pitchFamily="34" charset="-128"/>
+                <a:ea typeface="Meiryo" panose="020B0604030504040204" pitchFamily="34" charset="-128"/>
+                <a:cs typeface="Amazon Ember" panose="020B0603020204020204" pitchFamily="34" charset="0"/>
+              </a:rPr>
+              <a:t> modern-skeleton </a:t>
+            </a:r>
+            <a:r>
+              <a:rPr kumimoji="1" lang="ja-JP" altLang="en-US" sz="2000">
+                <a:solidFill>
+                  <a:srgbClr val="000000"/>
+                </a:solidFill>
+                <a:latin typeface="Meiryo" panose="020B0604030504040204" pitchFamily="34" charset="-128"/>
+                <a:ea typeface="Meiryo" panose="020B0604030504040204" pitchFamily="34" charset="-128"/>
+                <a:cs typeface="Amazon Ember" panose="020B0603020204020204" pitchFamily="34" charset="0"/>
+              </a:rPr>
+              <a:t>を起動したので「</a:t>
+            </a:r>
+            <a:r>
+              <a:rPr kumimoji="1" lang="en-US" altLang="ja-JP" sz="2000" dirty="0">
+                <a:solidFill>
+                  <a:srgbClr val="000000"/>
+                </a:solidFill>
+                <a:latin typeface="Meiryo" panose="020B0604030504040204" pitchFamily="34" charset="-128"/>
+                <a:ea typeface="Meiryo" panose="020B0604030504040204" pitchFamily="34" charset="-128"/>
+                <a:cs typeface="Amazon Ember" panose="020B0603020204020204" pitchFamily="34" charset="0"/>
+              </a:rPr>
+              <a:t>Containers / Apps</a:t>
+            </a:r>
+            <a:r>
+              <a:rPr kumimoji="1" lang="ja-JP" altLang="en-US" sz="2000">
+                <a:solidFill>
+                  <a:srgbClr val="000000"/>
+                </a:solidFill>
+                <a:latin typeface="Meiryo" panose="020B0604030504040204" pitchFamily="34" charset="-128"/>
+                <a:ea typeface="Meiryo" panose="020B0604030504040204" pitchFamily="34" charset="-128"/>
+                <a:cs typeface="Amazon Ember" panose="020B0603020204020204" pitchFamily="34" charset="0"/>
+              </a:rPr>
+              <a:t>」 に稼働中のグリーン表示がされています。</a:t>
             </a:r>
             <a:endParaRPr kumimoji="1" lang="en-US" altLang="ja-JP" sz="2000" dirty="0">
               <a:latin typeface="Meiryo" panose="020B0604030504040204" pitchFamily="34" charset="-128"/>
@@ -10399,18 +10821,18 @@
             </a:pPr>
             <a:r>
               <a:rPr lang="en-US" altLang="ja-JP" dirty="0"/>
-              <a:t>Docker</a:t>
+              <a:t>Docker Desktop</a:t>
             </a:r>
             <a:r>
               <a:rPr lang="ja-JP" altLang="en-US"/>
-              <a:t>クライアントからではなく、コマンドで実行する場合、下記のようにします。</a:t>
+              <a:t>からではなく、コマンドで実行する場合、下記のようにします。</a:t>
             </a:r>
             <a:endParaRPr lang="en-US" altLang="ja-JP" dirty="0"/>
           </a:p>
           <a:p>
             <a:r>
               <a:rPr lang="en-US" altLang="ja-JP" dirty="0"/>
-              <a:t>        $ docker run –it –rm –p 5000:5000 modern-skeleton [CR]</a:t>
+              <a:t>        $ docker run –it –rm –p 5000:5000 modern-skeleton</a:t>
             </a:r>
           </a:p>
           <a:p>
@@ -10925,8 +11347,8 @@
         </p:nvSpPr>
         <p:spPr>
           <a:xfrm>
-            <a:off x="9638959" y="2017542"/>
-            <a:ext cx="4442802" cy="1938992"/>
+            <a:off x="8001000" y="1585742"/>
+            <a:ext cx="6258561" cy="2246769"/>
           </a:xfrm>
           <a:prstGeom prst="rect">
             <a:avLst/>
@@ -10973,6 +11395,13 @@
               <a:buFont typeface="Arial" panose="020B0604020202020204" pitchFamily="34" charset="0"/>
               <a:buChar char="•"/>
             </a:pPr>
+            <a:endParaRPr lang="en-US" altLang="ja-JP" dirty="0"/>
+          </a:p>
+          <a:p>
+            <a:pPr marL="342900" indent="-342900">
+              <a:buFont typeface="Arial" panose="020B0604020202020204" pitchFamily="34" charset="0"/>
+              <a:buChar char="•"/>
+            </a:pPr>
             <a:r>
               <a:rPr lang="ja-JP" altLang="en-US"/>
               <a:t>ここでは</a:t>
@@ -10985,6 +11414,13 @@
               <a:rPr lang="ja-JP" altLang="en-US"/>
               <a:t>を指定し、リポジトリやブランチを選択しています。</a:t>
             </a:r>
+            <a:endParaRPr lang="en-US" altLang="ja-JP" dirty="0"/>
+          </a:p>
+          <a:p>
+            <a:pPr marL="342900" indent="-342900">
+              <a:buFont typeface="Arial" panose="020B0604020202020204" pitchFamily="34" charset="0"/>
+              <a:buChar char="•"/>
+            </a:pPr>
             <a:endParaRPr lang="en-US" altLang="ja-JP" dirty="0"/>
           </a:p>
           <a:p>
@@ -11097,7 +11533,7 @@
           <p:nvPr/>
         </p:nvPicPr>
         <p:blipFill>
-          <a:blip r:embed="rId2"/>
+          <a:blip r:embed="rId3"/>
           <a:stretch>
             <a:fillRect/>
           </a:stretch>
@@ -11251,8 +11687,8 @@
         </p:nvSpPr>
         <p:spPr>
           <a:xfrm>
-            <a:off x="6228660" y="1827428"/>
-            <a:ext cx="7604761" cy="1323439"/>
+            <a:off x="6019800" y="1827428"/>
+            <a:ext cx="7813621" cy="2246769"/>
           </a:xfrm>
           <a:prstGeom prst="rect">
             <a:avLst/>
@@ -11289,8 +11725,12 @@
               <a:buChar char="•"/>
             </a:pPr>
             <a:r>
+              <a:rPr lang="en-US" altLang="ja-JP" dirty="0"/>
+              <a:t>skeleton</a:t>
+            </a:r>
+            <a:r>
               <a:rPr lang="ja-JP" altLang="en-US"/>
-              <a:t>サービスのサージングなどの設定を行います。</a:t>
+              <a:t>プログラムの、サービスとしてのサイジング設定などを行います。</a:t>
             </a:r>
             <a:endParaRPr lang="en-US" altLang="ja-JP" dirty="0"/>
           </a:p>
@@ -11299,6 +11739,13 @@
               <a:buFont typeface="Arial" panose="020B0604020202020204" pitchFamily="34" charset="0"/>
               <a:buChar char="•"/>
             </a:pPr>
+            <a:endParaRPr lang="en-US" altLang="ja-JP" dirty="0"/>
+          </a:p>
+          <a:p>
+            <a:pPr marL="342900" indent="-342900">
+              <a:buFont typeface="Arial" panose="020B0604020202020204" pitchFamily="34" charset="0"/>
+              <a:buChar char="•"/>
+            </a:pPr>
             <a:r>
               <a:rPr lang="ja-JP" altLang="en-US"/>
               <a:t>ここではスケルトンであることからデフォルト最小値の</a:t>
@@ -11311,6 +11758,13 @@
               <a:rPr lang="ja-JP" altLang="en-US"/>
               <a:t>としています。</a:t>
             </a:r>
+            <a:endParaRPr lang="en-US" altLang="ja-JP" dirty="0"/>
+          </a:p>
+          <a:p>
+            <a:pPr marL="342900" indent="-342900">
+              <a:buFont typeface="Arial" panose="020B0604020202020204" pitchFamily="34" charset="0"/>
+              <a:buChar char="•"/>
+            </a:pPr>
             <a:endParaRPr lang="en-US" altLang="ja-JP" dirty="0"/>
           </a:p>
           <a:p>
@@ -11609,8 +12063,8 @@
         </p:nvSpPr>
         <p:spPr>
           <a:xfrm>
-            <a:off x="7016061" y="5929528"/>
-            <a:ext cx="6560240" cy="707886"/>
+            <a:off x="7016061" y="5269128"/>
+            <a:ext cx="6560240" cy="1015663"/>
           </a:xfrm>
           <a:prstGeom prst="rect">
             <a:avLst/>
@@ -11650,6 +12104,13 @@
               <a:rPr lang="ja-JP" altLang="en-US"/>
               <a:t>デプロイが開始されます。数分かかります。</a:t>
             </a:r>
+            <a:endParaRPr lang="en-US" altLang="ja-JP" dirty="0"/>
+          </a:p>
+          <a:p>
+            <a:pPr marL="342900" indent="-342900">
+              <a:buFont typeface="Arial" panose="020B0604020202020204" pitchFamily="34" charset="0"/>
+              <a:buChar char="•"/>
+            </a:pPr>
             <a:endParaRPr lang="en-US" altLang="ja-JP" dirty="0"/>
           </a:p>
           <a:p>
@@ -11771,8 +12232,8 @@
         </p:nvSpPr>
         <p:spPr>
           <a:xfrm>
-            <a:off x="8349561" y="1741287"/>
-            <a:ext cx="5556939" cy="2246769"/>
+            <a:off x="8115301" y="1741287"/>
+            <a:ext cx="5791200" cy="2246769"/>
           </a:xfrm>
           <a:prstGeom prst="rect">
             <a:avLst/>
@@ -11812,6 +12273,13 @@
               <a:rPr lang="ja-JP" altLang="en-US"/>
               <a:t>サービス作成に成功し、イベントログ、デプロイログ、アプリケーションログ、がそれぞれ確認できます。</a:t>
             </a:r>
+            <a:endParaRPr lang="en-US" altLang="ja-JP" dirty="0"/>
+          </a:p>
+          <a:p>
+            <a:pPr marL="342900" indent="-342900">
+              <a:buFont typeface="Arial" panose="020B0604020202020204" pitchFamily="34" charset="0"/>
+              <a:buChar char="•"/>
+            </a:pPr>
             <a:endParaRPr lang="en-US" altLang="ja-JP" dirty="0"/>
           </a:p>
           <a:p>
@@ -12603,7 +13071,7 @@
           <a:p>
             <a:r>
               <a:rPr kumimoji="1" lang="en" altLang="ja-JP" sz="1600" dirty="0"/>
-              <a:t>  apt install -y git unzip curl &amp;&amp; \</a:t>
+              <a:t>  apt install -y git &amp;&amp; \</a:t>
             </a:r>
           </a:p>
           <a:p>
@@ -12814,13 +13282,8 @@
           <a:p>
             <a:r>
               <a:rPr kumimoji="1" lang="en" altLang="ja-JP" sz="1600" dirty="0"/>
-              <a:t>      - yum install -y unzip curl </a:t>
-            </a:r>
-            <a:r>
-              <a:rPr kumimoji="1" lang="en" altLang="ja-JP" sz="1600" dirty="0" err="1"/>
-              <a:t>fontconfig</a:t>
-            </a:r>
-            <a:endParaRPr kumimoji="1" lang="en" altLang="ja-JP" sz="1600" dirty="0"/>
+              <a:t>      - yum install -y curl</a:t>
+            </a:r>
           </a:p>
           <a:p>
             <a:r>
@@ -15318,69 +15781,6 @@
       </p:sp>
       <p:sp>
         <p:nvSpPr>
-          <p:cNvPr id="22" name="正方形/長方形 21">
-            <a:extLst>
-              <a:ext uri="{FF2B5EF4-FFF2-40B4-BE49-F238E27FC236}">
-                <a16:creationId xmlns:a16="http://schemas.microsoft.com/office/drawing/2014/main" id="{4EAB54CA-81FD-4140-D29E-51467BA3001B}"/>
-              </a:ext>
-            </a:extLst>
-          </p:cNvPr>
-          <p:cNvSpPr/>
-          <p:nvPr/>
-        </p:nvSpPr>
-        <p:spPr>
-          <a:xfrm>
-            <a:off x="11102007" y="1599722"/>
-            <a:ext cx="3114262" cy="515104"/>
-          </a:xfrm>
-          <a:prstGeom prst="rect">
-            <a:avLst/>
-          </a:prstGeom>
-          <a:solidFill>
-            <a:schemeClr val="accent6">
-              <a:lumMod val="60000"/>
-              <a:lumOff val="40000"/>
-            </a:schemeClr>
-          </a:solidFill>
-          <a:ln/>
-        </p:spPr>
-        <p:style>
-          <a:lnRef idx="2">
-            <a:schemeClr val="accent6">
-              <a:shade val="50000"/>
-            </a:schemeClr>
-          </a:lnRef>
-          <a:fillRef idx="1">
-            <a:schemeClr val="accent6"/>
-          </a:fillRef>
-          <a:effectRef idx="0">
-            <a:schemeClr val="accent6"/>
-          </a:effectRef>
-          <a:fontRef idx="minor">
-            <a:schemeClr val="lt1"/>
-          </a:fontRef>
-        </p:style>
-        <p:txBody>
-          <a:bodyPr rtlCol="0" anchor="ctr"/>
-          <a:lstStyle/>
-          <a:p>
-            <a:pPr algn="ctr"/>
-            <a:r>
-              <a:rPr kumimoji="1" lang="en-US" altLang="ja-JP" sz="1400" b="1" dirty="0">
-                <a:latin typeface="Meiryo" panose="020B0604030504040204" pitchFamily="34" charset="-128"/>
-                <a:ea typeface="Meiryo" panose="020B0604030504040204" pitchFamily="34" charset="-128"/>
-              </a:rPr>
-              <a:t>Dockerfile</a:t>
-            </a:r>
-            <a:endParaRPr kumimoji="1" lang="ja-JP" altLang="en-US" sz="1400" b="1" dirty="0">
-              <a:latin typeface="Meiryo" panose="020B0604030504040204" pitchFamily="34" charset="-128"/>
-              <a:ea typeface="Meiryo" panose="020B0604030504040204" pitchFamily="34" charset="-128"/>
-            </a:endParaRPr>
-          </a:p>
-        </p:txBody>
-      </p:sp>
-      <p:sp>
-        <p:nvSpPr>
           <p:cNvPr id="23" name="正方形/長方形 22">
             <a:extLst>
               <a:ext uri="{FF2B5EF4-FFF2-40B4-BE49-F238E27FC236}">
@@ -15393,16 +15793,15 @@
         </p:nvSpPr>
         <p:spPr>
           <a:xfrm>
-            <a:off x="11102007" y="923859"/>
+            <a:off x="11102007" y="1595571"/>
             <a:ext cx="3114262" cy="515104"/>
           </a:xfrm>
           <a:prstGeom prst="rect">
             <a:avLst/>
           </a:prstGeom>
           <a:solidFill>
-            <a:schemeClr val="accent6">
-              <a:lumMod val="40000"/>
-              <a:lumOff val="60000"/>
+            <a:schemeClr val="accent1">
+              <a:lumMod val="75000"/>
             </a:schemeClr>
           </a:solidFill>
           <a:ln/>
@@ -15980,8 +16379,8 @@
         </p:nvSpPr>
         <p:spPr>
           <a:xfrm>
-            <a:off x="7136298" y="5575699"/>
-            <a:ext cx="1855304" cy="369332"/>
+            <a:off x="7834518" y="5557865"/>
+            <a:ext cx="2433431" cy="369332"/>
           </a:xfrm>
           <a:prstGeom prst="rect">
             <a:avLst/>
@@ -16021,7 +16420,7 @@
                 <a:ea typeface="Meiryo" panose="020B0604030504040204" pitchFamily="34" charset="-128"/>
                 <a:cs typeface="Amazon Ember" panose="020B0603020204020204" pitchFamily="34" charset="0"/>
               </a:rPr>
-              <a:t>ポイント</a:t>
+              <a:t>コンテナ化ポイント</a:t>
             </a:r>
             <a:endParaRPr kumimoji="1" lang="ja-JP" altLang="en-US" sz="1800" b="1" dirty="0" err="1">
               <a:solidFill>
@@ -16295,7 +16694,29 @@
                 <a:ea typeface="Meiryo" panose="020B0604030504040204" pitchFamily="34" charset="-128"/>
                 <a:cs typeface="Amazon Ember" panose="020B0603020204020204" pitchFamily="34" charset="0"/>
               </a:rPr>
-              <a:t>コネクションエラーが発生し以下の対策実施</a:t>
+              <a:t>コネクションエラーが発生し以下</a:t>
+            </a:r>
+            <a:r>
+              <a:rPr kumimoji="1" lang="en-US" altLang="ja-JP" sz="1400" dirty="0">
+                <a:solidFill>
+                  <a:srgbClr val="0C9B2E"/>
+                </a:solidFill>
+                <a:latin typeface="Meiryo" panose="020B0604030504040204" pitchFamily="34" charset="-128"/>
+                <a:ea typeface="Meiryo" panose="020B0604030504040204" pitchFamily="34" charset="-128"/>
+                <a:cs typeface="Amazon Ember" panose="020B0603020204020204" pitchFamily="34" charset="0"/>
+              </a:rPr>
+              <a:t>2</a:t>
+            </a:r>
+            <a:r>
+              <a:rPr kumimoji="1" lang="ja-JP" altLang="en-US" sz="1400">
+                <a:solidFill>
+                  <a:srgbClr val="0C9B2E"/>
+                </a:solidFill>
+                <a:latin typeface="Meiryo" panose="020B0604030504040204" pitchFamily="34" charset="-128"/>
+                <a:ea typeface="Meiryo" panose="020B0604030504040204" pitchFamily="34" charset="-128"/>
+                <a:cs typeface="Amazon Ember" panose="020B0603020204020204" pitchFamily="34" charset="0"/>
+              </a:rPr>
+              <a:t>点の対策実施</a:t>
             </a:r>
             <a:endParaRPr kumimoji="1" lang="en-US" altLang="ja-JP" sz="1400" dirty="0">
               <a:solidFill>
@@ -16307,9 +16728,9 @@
             </a:endParaRPr>
           </a:p>
           <a:p>
-            <a:pPr marL="285750" indent="-285750" algn="l">
-              <a:buFont typeface="Arial" panose="020B0604020202020204" pitchFamily="34" charset="0"/>
-              <a:buChar char="•"/>
+            <a:pPr marL="342900" indent="-342900" algn="l">
+              <a:buFont typeface="+mj-ea"/>
+              <a:buAutoNum type="circleNumDbPlain"/>
             </a:pPr>
             <a:r>
               <a:rPr kumimoji="1" lang="en-US" altLang="ja-JP" sz="1400" dirty="0">
@@ -16387,9 +16808,9 @@
             </a:endParaRPr>
           </a:p>
           <a:p>
-            <a:pPr marL="285750" indent="-285750" algn="l">
-              <a:buFont typeface="Arial" panose="020B0604020202020204" pitchFamily="34" charset="0"/>
-              <a:buChar char="•"/>
+            <a:pPr marL="342900" indent="-342900" algn="l">
+              <a:buFont typeface="+mj-ea"/>
+              <a:buAutoNum type="circleNumDbPlain"/>
             </a:pPr>
             <a:r>
               <a:rPr kumimoji="1" lang="en-US" altLang="ja-JP" sz="1400" dirty="0">
@@ -16411,7 +16832,7 @@
                 <a:ea typeface="Meiryo" panose="020B0604030504040204" pitchFamily="34" charset="-128"/>
                 <a:cs typeface="Amazon Ember" panose="020B0603020204020204" pitchFamily="34" charset="0"/>
               </a:rPr>
-              <a:t>サイジングも変更し、</a:t>
+              <a:t>サイジングを変更し、</a:t>
             </a:r>
             <a:r>
               <a:rPr kumimoji="1" lang="en-US" altLang="ja-JP" sz="1400" dirty="0">
@@ -16526,8 +16947,8 @@
         </p:nvSpPr>
         <p:spPr>
           <a:xfrm>
-            <a:off x="10803834" y="5575699"/>
-            <a:ext cx="1855304" cy="369332"/>
+            <a:off x="11565005" y="5544812"/>
+            <a:ext cx="2188266" cy="369332"/>
           </a:xfrm>
           <a:prstGeom prst="rect">
             <a:avLst/>
@@ -16559,6 +16980,17 @@
           <a:p>
             <a:pPr algn="ctr"/>
             <a:r>
+              <a:rPr kumimoji="1" lang="en-US" altLang="ja-JP" sz="1800" b="1" dirty="0">
+                <a:solidFill>
+                  <a:srgbClr val="0C9B2E"/>
+                </a:solidFill>
+                <a:latin typeface="Meiryo" panose="020B0604030504040204" pitchFamily="34" charset="-128"/>
+                <a:ea typeface="Meiryo" panose="020B0604030504040204" pitchFamily="34" charset="-128"/>
+                <a:cs typeface="Amazon Ember" panose="020B0603020204020204" pitchFamily="34" charset="0"/>
+              </a:rPr>
+              <a:t>SaaS</a:t>
+            </a:r>
+            <a:r>
               <a:rPr kumimoji="1" lang="ja-JP" altLang="en-US" sz="1800" b="1">
                 <a:solidFill>
                   <a:srgbClr val="0C9B2E"/>
@@ -16567,11 +16999,215 @@
                 <a:ea typeface="Meiryo" panose="020B0604030504040204" pitchFamily="34" charset="-128"/>
                 <a:cs typeface="Amazon Ember" panose="020B0603020204020204" pitchFamily="34" charset="0"/>
               </a:rPr>
-              <a:t>ポイント</a:t>
+              <a:t>化ポイント</a:t>
             </a:r>
             <a:endParaRPr kumimoji="1" lang="ja-JP" altLang="en-US" sz="1800" b="1" dirty="0" err="1">
               <a:solidFill>
                 <a:srgbClr val="0C9B2E"/>
+              </a:solidFill>
+              <a:latin typeface="Meiryo" panose="020B0604030504040204" pitchFamily="34" charset="-128"/>
+              <a:ea typeface="Meiryo" panose="020B0604030504040204" pitchFamily="34" charset="-128"/>
+              <a:cs typeface="Amazon Ember" panose="020B0603020204020204" pitchFamily="34" charset="0"/>
+            </a:endParaRPr>
+          </a:p>
+        </p:txBody>
+      </p:sp>
+      <p:sp>
+        <p:nvSpPr>
+          <p:cNvPr id="38" name="テキスト ボックス 37">
+            <a:extLst>
+              <a:ext uri="{FF2B5EF4-FFF2-40B4-BE49-F238E27FC236}">
+                <a16:creationId xmlns:a16="http://schemas.microsoft.com/office/drawing/2014/main" id="{2021368F-4A7E-DC30-B4C2-2C1A67449944}"/>
+              </a:ext>
+            </a:extLst>
+          </p:cNvPr>
+          <p:cNvSpPr txBox="1"/>
+          <p:nvPr/>
+        </p:nvSpPr>
+        <p:spPr>
+          <a:xfrm>
+            <a:off x="548639" y="6345031"/>
+            <a:ext cx="5891697" cy="1169551"/>
+          </a:xfrm>
+          <a:prstGeom prst="rect">
+            <a:avLst/>
+          </a:prstGeom>
+          <a:noFill/>
+        </p:spPr>
+        <p:txBody>
+          <a:bodyPr wrap="square" rtlCol="0">
+            <a:spAutoFit/>
+          </a:bodyPr>
+          <a:lstStyle/>
+          <a:p>
+            <a:r>
+              <a:rPr kumimoji="1" lang="en-US" altLang="ja-JP" sz="1400" dirty="0">
+                <a:solidFill>
+                  <a:schemeClr val="accent1"/>
+                </a:solidFill>
+                <a:latin typeface="Meiryo" panose="020B0604030504040204" pitchFamily="34" charset="-128"/>
+                <a:ea typeface="Meiryo" panose="020B0604030504040204" pitchFamily="34" charset="-128"/>
+                <a:cs typeface="Amazon Ember" panose="020B0603020204020204" pitchFamily="34" charset="0"/>
+              </a:rPr>
+              <a:t>【SaaS</a:t>
+            </a:r>
+            <a:r>
+              <a:rPr kumimoji="1" lang="ja-JP" altLang="en-US" sz="1400">
+                <a:solidFill>
+                  <a:schemeClr val="accent1"/>
+                </a:solidFill>
+                <a:latin typeface="Meiryo" panose="020B0604030504040204" pitchFamily="34" charset="-128"/>
+                <a:ea typeface="Meiryo" panose="020B0604030504040204" pitchFamily="34" charset="-128"/>
+                <a:cs typeface="Amazon Ember" panose="020B0603020204020204" pitchFamily="34" charset="0"/>
+              </a:rPr>
+              <a:t>化</a:t>
+            </a:r>
+            <a:r>
+              <a:rPr kumimoji="1" lang="en-US" altLang="ja-JP" sz="1400" dirty="0">
+                <a:solidFill>
+                  <a:schemeClr val="accent1"/>
+                </a:solidFill>
+                <a:latin typeface="Meiryo" panose="020B0604030504040204" pitchFamily="34" charset="-128"/>
+                <a:ea typeface="Meiryo" panose="020B0604030504040204" pitchFamily="34" charset="-128"/>
+                <a:cs typeface="Amazon Ember" panose="020B0603020204020204" pitchFamily="34" charset="0"/>
+              </a:rPr>
+              <a:t> </a:t>
+            </a:r>
+            <a:r>
+              <a:rPr kumimoji="1" lang="ja-JP" altLang="en-US" sz="1400">
+                <a:solidFill>
+                  <a:schemeClr val="accent1"/>
+                </a:solidFill>
+                <a:latin typeface="Meiryo" panose="020B0604030504040204" pitchFamily="34" charset="-128"/>
+                <a:ea typeface="Meiryo" panose="020B0604030504040204" pitchFamily="34" charset="-128"/>
+                <a:cs typeface="Amazon Ember" panose="020B0603020204020204" pitchFamily="34" charset="0"/>
+              </a:rPr>
+              <a:t>注意点</a:t>
+            </a:r>
+            <a:r>
+              <a:rPr kumimoji="1" lang="en-US" altLang="ja-JP" sz="1400" dirty="0">
+                <a:solidFill>
+                  <a:schemeClr val="accent1"/>
+                </a:solidFill>
+                <a:latin typeface="Meiryo" panose="020B0604030504040204" pitchFamily="34" charset="-128"/>
+                <a:ea typeface="Meiryo" panose="020B0604030504040204" pitchFamily="34" charset="-128"/>
+                <a:cs typeface="Amazon Ember" panose="020B0603020204020204" pitchFamily="34" charset="0"/>
+              </a:rPr>
+              <a:t>】</a:t>
+            </a:r>
+          </a:p>
+          <a:p>
+            <a:r>
+              <a:rPr kumimoji="1" lang="en-US" altLang="ja-JP" sz="1400" dirty="0">
+                <a:solidFill>
+                  <a:schemeClr val="accent1"/>
+                </a:solidFill>
+                <a:latin typeface="Meiryo" panose="020B0604030504040204" pitchFamily="34" charset="-128"/>
+                <a:ea typeface="Meiryo" panose="020B0604030504040204" pitchFamily="34" charset="-128"/>
+                <a:cs typeface="Amazon Ember" panose="020B0603020204020204" pitchFamily="34" charset="0"/>
+              </a:rPr>
+              <a:t>App Runner</a:t>
+            </a:r>
+            <a:r>
+              <a:rPr kumimoji="1" lang="ja-JP" altLang="en-US" sz="1400">
+                <a:solidFill>
+                  <a:schemeClr val="accent1"/>
+                </a:solidFill>
+                <a:latin typeface="Meiryo" panose="020B0604030504040204" pitchFamily="34" charset="-128"/>
+                <a:ea typeface="Meiryo" panose="020B0604030504040204" pitchFamily="34" charset="-128"/>
+                <a:cs typeface="Amazon Ember" panose="020B0603020204020204" pitchFamily="34" charset="0"/>
+              </a:rPr>
+              <a:t>のデプロイには、①コンテナイメージを指定、②ソースと設定ファイルを指定、の</a:t>
+            </a:r>
+            <a:r>
+              <a:rPr kumimoji="1" lang="en-US" altLang="ja-JP" sz="1400" dirty="0">
+                <a:solidFill>
+                  <a:schemeClr val="accent1"/>
+                </a:solidFill>
+                <a:latin typeface="Meiryo" panose="020B0604030504040204" pitchFamily="34" charset="-128"/>
+                <a:ea typeface="Meiryo" panose="020B0604030504040204" pitchFamily="34" charset="-128"/>
+                <a:cs typeface="Amazon Ember" panose="020B0603020204020204" pitchFamily="34" charset="0"/>
+              </a:rPr>
+              <a:t>2</a:t>
+            </a:r>
+            <a:r>
+              <a:rPr kumimoji="1" lang="ja-JP" altLang="en-US" sz="1400">
+                <a:solidFill>
+                  <a:schemeClr val="accent1"/>
+                </a:solidFill>
+                <a:latin typeface="Meiryo" panose="020B0604030504040204" pitchFamily="34" charset="-128"/>
+                <a:ea typeface="Meiryo" panose="020B0604030504040204" pitchFamily="34" charset="-128"/>
+                <a:cs typeface="Amazon Ember" panose="020B0603020204020204" pitchFamily="34" charset="0"/>
+              </a:rPr>
+              <a:t>通りがあります。</a:t>
+            </a:r>
+            <a:endParaRPr kumimoji="1" lang="en-US" altLang="ja-JP" sz="1400" dirty="0">
+              <a:solidFill>
+                <a:schemeClr val="accent1"/>
+              </a:solidFill>
+              <a:latin typeface="Meiryo" panose="020B0604030504040204" pitchFamily="34" charset="-128"/>
+              <a:ea typeface="Meiryo" panose="020B0604030504040204" pitchFamily="34" charset="-128"/>
+              <a:cs typeface="Amazon Ember" panose="020B0603020204020204" pitchFamily="34" charset="0"/>
+            </a:endParaRPr>
+          </a:p>
+          <a:p>
+            <a:r>
+              <a:rPr kumimoji="1" lang="ja-JP" altLang="en-US" sz="1400">
+                <a:solidFill>
+                  <a:schemeClr val="accent1"/>
+                </a:solidFill>
+                <a:latin typeface="Meiryo" panose="020B0604030504040204" pitchFamily="34" charset="-128"/>
+                <a:ea typeface="Meiryo" panose="020B0604030504040204" pitchFamily="34" charset="-128"/>
+                <a:cs typeface="Amazon Ember" panose="020B0603020204020204" pitchFamily="34" charset="0"/>
+              </a:rPr>
+              <a:t>この資料では、②の方法を紹介しています。</a:t>
+            </a:r>
+            <a:endParaRPr kumimoji="1" lang="en-US" altLang="ja-JP" sz="1400" dirty="0">
+              <a:solidFill>
+                <a:schemeClr val="accent1"/>
+              </a:solidFill>
+              <a:latin typeface="Meiryo" panose="020B0604030504040204" pitchFamily="34" charset="-128"/>
+              <a:ea typeface="Meiryo" panose="020B0604030504040204" pitchFamily="34" charset="-128"/>
+              <a:cs typeface="Amazon Ember" panose="020B0603020204020204" pitchFamily="34" charset="0"/>
+            </a:endParaRPr>
+          </a:p>
+          <a:p>
+            <a:r>
+              <a:rPr kumimoji="1" lang="ja-JP" altLang="en-US" sz="1400">
+                <a:solidFill>
+                  <a:schemeClr val="accent1"/>
+                </a:solidFill>
+                <a:latin typeface="Meiryo" panose="020B0604030504040204" pitchFamily="34" charset="-128"/>
+                <a:ea typeface="Meiryo" panose="020B0604030504040204" pitchFamily="34" charset="-128"/>
+                <a:cs typeface="Amazon Ember" panose="020B0603020204020204" pitchFamily="34" charset="0"/>
+              </a:rPr>
+              <a:t>コンテナ化したものを①の方法で</a:t>
+            </a:r>
+            <a:r>
+              <a:rPr kumimoji="1" lang="en-US" altLang="ja-JP" sz="1400" dirty="0">
+                <a:solidFill>
+                  <a:schemeClr val="accent1"/>
+                </a:solidFill>
+                <a:latin typeface="Meiryo" panose="020B0604030504040204" pitchFamily="34" charset="-128"/>
+                <a:ea typeface="Meiryo" panose="020B0604030504040204" pitchFamily="34" charset="-128"/>
+                <a:cs typeface="Amazon Ember" panose="020B0603020204020204" pitchFamily="34" charset="0"/>
+              </a:rPr>
+              <a:t>App Runner</a:t>
+            </a:r>
+            <a:r>
+              <a:rPr kumimoji="1" lang="ja-JP" altLang="en-US" sz="1400">
+                <a:solidFill>
+                  <a:schemeClr val="accent1"/>
+                </a:solidFill>
+                <a:latin typeface="Meiryo" panose="020B0604030504040204" pitchFamily="34" charset="-128"/>
+                <a:ea typeface="Meiryo" panose="020B0604030504040204" pitchFamily="34" charset="-128"/>
+                <a:cs typeface="Amazon Ember" panose="020B0603020204020204" pitchFamily="34" charset="0"/>
+              </a:rPr>
+              <a:t>にデプロイしていません。</a:t>
+            </a:r>
+            <a:endParaRPr kumimoji="1" lang="en-US" altLang="ja-JP" sz="1400" dirty="0">
+              <a:solidFill>
+                <a:schemeClr val="accent1"/>
               </a:solidFill>
               <a:latin typeface="Meiryo" panose="020B0604030504040204" pitchFamily="34" charset="-128"/>
               <a:ea typeface="Meiryo" panose="020B0604030504040204" pitchFamily="34" charset="-128"/>
@@ -18103,15 +18739,6 @@
 </file>
 
 <file path=customXml/item1.xml><?xml version="1.0" encoding="utf-8"?>
-<?mso-contentType ?>
-<FormTemplates xmlns="http://schemas.microsoft.com/sharepoint/v3/contenttype/forms">
-  <Display>DocumentLibraryForm</Display>
-  <Edit>DocumentLibraryForm</Edit>
-  <New>DocumentLibraryForm</New>
-</FormTemplates>
-</file>
-
-<file path=customXml/item2.xml><?xml version="1.0" encoding="utf-8"?>
 <ct:contentTypeSchema xmlns:ct="http://schemas.microsoft.com/office/2006/metadata/contentType" xmlns:ma="http://schemas.microsoft.com/office/2006/metadata/properties/metaAttributes" ct:_="" ma:_="" ma:contentTypeName="Document" ma:contentTypeID="0x010100D26A3D6C04DFD740953BA1B2B9E62D60" ma:contentTypeVersion="0" ma:contentTypeDescription="Create a new document." ma:contentTypeScope="" ma:versionID="26617cd14cd3af163c0e97ff614e520a">
   <xsd:schema xmlns:xsd="http://www.w3.org/2001/XMLSchema" xmlns:xs="http://www.w3.org/2001/XMLSchema" xmlns:p="http://schemas.microsoft.com/office/2006/metadata/properties" targetNamespace="http://schemas.microsoft.com/office/2006/metadata/properties" ma:root="true" ma:fieldsID="c64490b4aec6201516c3a874156f37b2">
     <xsd:element name="properties">
@@ -18225,6 +18852,15 @@
 </ct:contentTypeSchema>
 </file>
 
+<file path=customXml/item2.xml><?xml version="1.0" encoding="utf-8"?>
+<?mso-contentType ?>
+<FormTemplates xmlns="http://schemas.microsoft.com/sharepoint/v3/contenttype/forms">
+  <Display>DocumentLibraryForm</Display>
+  <Edit>DocumentLibraryForm</Edit>
+  <New>DocumentLibraryForm</New>
+</FormTemplates>
+</file>
+
 <file path=customXml/item3.xml><?xml version="1.0" encoding="utf-8"?>
 <p:properties xmlns:p="http://schemas.microsoft.com/office/2006/metadata/properties" xmlns:xsi="http://www.w3.org/2001/XMLSchema-instance">
   <documentManagement/>
@@ -18232,14 +18868,6 @@
 </file>
 
 <file path=customXml/itemProps1.xml><?xml version="1.0" encoding="utf-8"?>
-<ds:datastoreItem xmlns:ds="http://schemas.openxmlformats.org/officeDocument/2006/customXml" ds:itemID="{705B35A6-8B52-46A5-AE45-B98C6459DC10}">
-  <ds:schemaRefs>
-    <ds:schemaRef ds:uri="http://schemas.microsoft.com/sharepoint/v3/contenttype/forms"/>
-  </ds:schemaRefs>
-</ds:datastoreItem>
-</file>
-
-<file path=customXml/itemProps2.xml><?xml version="1.0" encoding="utf-8"?>
 <ds:datastoreItem xmlns:ds="http://schemas.openxmlformats.org/officeDocument/2006/customXml" ds:itemID="{51A3258A-222C-4488-825E-7520D001FB75}">
   <ds:schemaRefs>
     <ds:schemaRef ds:uri="http://schemas.microsoft.com/office/2006/metadata/contentType"/>
@@ -18251,6 +18879,14 @@
     <ds:schemaRef ds:uri="http://purl.org/dc/terms/"/>
     <ds:schemaRef ds:uri="http://schemas.microsoft.com/internal/obd"/>
     <ds:schemaRef ds:uri="http://schemas.microsoft.com/office/infopath/2007/PartnerControls"/>
+  </ds:schemaRefs>
+</ds:datastoreItem>
+</file>
+
+<file path=customXml/itemProps2.xml><?xml version="1.0" encoding="utf-8"?>
+<ds:datastoreItem xmlns:ds="http://schemas.openxmlformats.org/officeDocument/2006/customXml" ds:itemID="{705B35A6-8B52-46A5-AE45-B98C6459DC10}">
+  <ds:schemaRefs>
+    <ds:schemaRef ds:uri="http://schemas.microsoft.com/sharepoint/v3/contenttype/forms"/>
   </ds:schemaRefs>
 </ds:datastoreItem>
 </file>

--- a/skeleton-guide.pptx
+++ b/skeleton-guide.pptx
@@ -8549,7 +8549,15 @@
             </a:r>
             <a:r>
               <a:rPr lang="ja-JP" altLang="en-US" sz="1800"/>
-              <a:t>倉本貴一</a:t>
+              <a:t>倉元</a:t>
+            </a:r>
+            <a:r>
+              <a:rPr lang="en-US" altLang="ja-JP" sz="1800" dirty="0"/>
+              <a:t> </a:t>
+            </a:r>
+            <a:r>
+              <a:rPr lang="ja-JP" altLang="en-US" sz="1800"/>
+              <a:t>貴一</a:t>
             </a:r>
             <a:endParaRPr lang="en-US" altLang="ja-JP" sz="1800" dirty="0"/>
           </a:p>
@@ -8585,33 +8593,17 @@
           <a:lstStyle/>
           <a:p>
             <a:r>
-              <a:rPr lang="en-US" sz="5400" dirty="0"/>
-              <a:t>Modern-Skeleton </a:t>
-            </a:r>
-            <a:r>
-              <a:rPr lang="en-US" altLang="ja-JP" sz="5400" dirty="0" err="1"/>
-              <a:t>起動・操作ガイド</a:t>
-            </a:r>
-            <a:endParaRPr lang="en-US" altLang="ja-JP" sz="5400" dirty="0"/>
-          </a:p>
-          <a:p>
-            <a:r>
-              <a:rPr lang="en-US" altLang="ja-JP" sz="3200" dirty="0"/>
-              <a:t>Web</a:t>
-            </a:r>
-            <a:r>
-              <a:rPr lang="ja-JP" altLang="en-US" sz="3200"/>
-              <a:t>アプリのコンテナ化、</a:t>
-            </a:r>
-            <a:r>
-              <a:rPr lang="en-US" altLang="ja-JP" sz="3200" dirty="0"/>
-              <a:t>SaaS</a:t>
-            </a:r>
-            <a:r>
-              <a:rPr lang="ja-JP" altLang="en-US" sz="3200"/>
-              <a:t>化の試み</a:t>
-            </a:r>
-            <a:endParaRPr lang="en-US" altLang="ja-JP" sz="1600" dirty="0"/>
+              <a:rPr lang="en-US" sz="4800" dirty="0" err="1"/>
+              <a:t>Webアプリのコンテナ化、SaaS化の試み</a:t>
+            </a:r>
+            <a:endParaRPr lang="en-US" sz="4800" dirty="0"/>
+          </a:p>
+          <a:p>
+            <a:r>
+              <a:rPr lang="ja-JP" altLang="en-US" sz="2800"/>
+              <a:t>モダナイズ・スケルトンの起動操作ガイド</a:t>
+            </a:r>
+            <a:endParaRPr lang="en-US" altLang="ja-JP" sz="1400" dirty="0"/>
           </a:p>
         </p:txBody>
       </p:sp>
@@ -10806,11 +10798,11 @@
             </a:r>
             <a:r>
               <a:rPr lang="en-US" altLang="ja-JP" sz="2400" dirty="0"/>
-              <a:t> ETA/MSA </a:t>
+              <a:t> ETA/MMSA </a:t>
             </a:r>
             <a:r>
               <a:rPr lang="ja-JP" altLang="en-US" sz="2400"/>
-              <a:t>チームが作成した内部ツールをベースに、基本動作以外はすべて削除したスケルトンコードにし、学習のために作成しました。</a:t>
+              <a:t>チームが作成した社内簡易ツールをベースに、基本動作以外はすべて削除したスケルトンコードにし、学習のために作成しました。</a:t>
             </a:r>
             <a:endParaRPr lang="en-US" altLang="ja-JP" sz="2400" dirty="0"/>
           </a:p>
@@ -15203,7 +15195,7 @@
             </a:r>
             <a:r>
               <a:rPr kumimoji="1" lang="ja-JP" altLang="en-US"/>
-              <a:t>はコンテナを稼働することも可能です。）</a:t>
+              <a:t>はコンテナを指定して稼働することも可能です。）</a:t>
             </a:r>
           </a:p>
         </p:txBody>

--- a/skeleton-guide.pptx
+++ b/skeleton-guide.pptx
@@ -5,54 +5,56 @@
     <p:sldMasterId id="2147483674" r:id="rId4"/>
   </p:sldMasterIdLst>
   <p:notesMasterIdLst>
-    <p:notesMasterId r:id="rId47"/>
+    <p:notesMasterId r:id="rId49"/>
   </p:notesMasterIdLst>
   <p:handoutMasterIdLst>
-    <p:handoutMasterId r:id="rId48"/>
+    <p:handoutMasterId r:id="rId50"/>
   </p:handoutMasterIdLst>
   <p:sldIdLst>
     <p:sldId id="331" r:id="rId5"/>
     <p:sldId id="3871" r:id="rId6"/>
-    <p:sldId id="3879" r:id="rId7"/>
-    <p:sldId id="3875" r:id="rId8"/>
-    <p:sldId id="3880" r:id="rId9"/>
-    <p:sldId id="3881" r:id="rId10"/>
-    <p:sldId id="3898" r:id="rId11"/>
-    <p:sldId id="3899" r:id="rId12"/>
-    <p:sldId id="3876" r:id="rId13"/>
-    <p:sldId id="3860" r:id="rId14"/>
-    <p:sldId id="3861" r:id="rId15"/>
-    <p:sldId id="3862" r:id="rId16"/>
-    <p:sldId id="3863" r:id="rId17"/>
-    <p:sldId id="3870" r:id="rId18"/>
-    <p:sldId id="3865" r:id="rId19"/>
-    <p:sldId id="3867" r:id="rId20"/>
-    <p:sldId id="3869" r:id="rId21"/>
-    <p:sldId id="3877" r:id="rId22"/>
-    <p:sldId id="3884" r:id="rId23"/>
-    <p:sldId id="3885" r:id="rId24"/>
-    <p:sldId id="3894" r:id="rId25"/>
-    <p:sldId id="3883" r:id="rId26"/>
-    <p:sldId id="3895" r:id="rId27"/>
-    <p:sldId id="3896" r:id="rId28"/>
-    <p:sldId id="3897" r:id="rId29"/>
-    <p:sldId id="3882" r:id="rId30"/>
-    <p:sldId id="3893" r:id="rId31"/>
-    <p:sldId id="3887" r:id="rId32"/>
-    <p:sldId id="3878" r:id="rId33"/>
-    <p:sldId id="343" r:id="rId34"/>
-    <p:sldId id="337" r:id="rId35"/>
-    <p:sldId id="338" r:id="rId36"/>
-    <p:sldId id="339" r:id="rId37"/>
-    <p:sldId id="340" r:id="rId38"/>
-    <p:sldId id="341" r:id="rId39"/>
-    <p:sldId id="342" r:id="rId40"/>
-    <p:sldId id="3888" r:id="rId41"/>
-    <p:sldId id="3886" r:id="rId42"/>
-    <p:sldId id="3889" r:id="rId43"/>
-    <p:sldId id="3890" r:id="rId44"/>
-    <p:sldId id="3891" r:id="rId45"/>
-    <p:sldId id="3892" r:id="rId46"/>
+    <p:sldId id="3901" r:id="rId7"/>
+    <p:sldId id="3879" r:id="rId8"/>
+    <p:sldId id="3875" r:id="rId9"/>
+    <p:sldId id="3880" r:id="rId10"/>
+    <p:sldId id="3881" r:id="rId11"/>
+    <p:sldId id="3898" r:id="rId12"/>
+    <p:sldId id="3899" r:id="rId13"/>
+    <p:sldId id="3876" r:id="rId14"/>
+    <p:sldId id="3860" r:id="rId15"/>
+    <p:sldId id="3861" r:id="rId16"/>
+    <p:sldId id="3862" r:id="rId17"/>
+    <p:sldId id="3863" r:id="rId18"/>
+    <p:sldId id="3870" r:id="rId19"/>
+    <p:sldId id="3865" r:id="rId20"/>
+    <p:sldId id="3867" r:id="rId21"/>
+    <p:sldId id="3869" r:id="rId22"/>
+    <p:sldId id="3877" r:id="rId23"/>
+    <p:sldId id="3884" r:id="rId24"/>
+    <p:sldId id="3885" r:id="rId25"/>
+    <p:sldId id="3894" r:id="rId26"/>
+    <p:sldId id="3883" r:id="rId27"/>
+    <p:sldId id="3895" r:id="rId28"/>
+    <p:sldId id="3896" r:id="rId29"/>
+    <p:sldId id="3897" r:id="rId30"/>
+    <p:sldId id="3882" r:id="rId31"/>
+    <p:sldId id="3893" r:id="rId32"/>
+    <p:sldId id="3887" r:id="rId33"/>
+    <p:sldId id="3878" r:id="rId34"/>
+    <p:sldId id="343" r:id="rId35"/>
+    <p:sldId id="337" r:id="rId36"/>
+    <p:sldId id="338" r:id="rId37"/>
+    <p:sldId id="339" r:id="rId38"/>
+    <p:sldId id="340" r:id="rId39"/>
+    <p:sldId id="341" r:id="rId40"/>
+    <p:sldId id="342" r:id="rId41"/>
+    <p:sldId id="3888" r:id="rId42"/>
+    <p:sldId id="3886" r:id="rId43"/>
+    <p:sldId id="3889" r:id="rId44"/>
+    <p:sldId id="3890" r:id="rId45"/>
+    <p:sldId id="3891" r:id="rId46"/>
+    <p:sldId id="3892" r:id="rId47"/>
+    <p:sldId id="3900" r:id="rId48"/>
   </p:sldIdLst>
   <p:sldSz cx="14630400" cy="8229600"/>
   <p:notesSz cx="6858000" cy="9144000"/>
@@ -399,7 +401,7 @@
           <a:p>
             <a:fld id="{D2887149-AF03-6142-908A-3DD284EAF54B}" type="datetimeFigureOut">
               <a:rPr lang="en-US" smtClean="0"/>
-              <a:t>6/15/22</a:t>
+              <a:t>7/1/22</a:t>
             </a:fld>
             <a:endParaRPr lang="en-US"/>
           </a:p>
@@ -581,7 +583,7 @@
             <a:fld id="{0B25AC41-3BEC-9247-8322-91B80C013F2D}" type="datetimeFigureOut">
               <a:rPr lang="en-US" smtClean="0"/>
               <a:pPr/>
-              <a:t>6/15/22</a:t>
+              <a:t>7/1/22</a:t>
             </a:fld>
             <a:endParaRPr lang="en-US"/>
           </a:p>
@@ -919,7 +921,7 @@
             <a:fld id="{69C3F2ED-74C5-7D4F-8560-0CC253E9A436}" type="slidenum">
               <a:rPr lang="en-US" smtClean="0"/>
               <a:pPr/>
-              <a:t>5</a:t>
+              <a:t>6</a:t>
             </a:fld>
             <a:endParaRPr lang="en-US"/>
           </a:p>
@@ -1004,7 +1006,7 @@
             <a:fld id="{69C3F2ED-74C5-7D4F-8560-0CC253E9A436}" type="slidenum">
               <a:rPr lang="en-US" smtClean="0"/>
               <a:pPr/>
-              <a:t>32</a:t>
+              <a:t>33</a:t>
             </a:fld>
             <a:endParaRPr lang="en-US"/>
           </a:p>
@@ -1089,7 +1091,7 @@
             <a:fld id="{69C3F2ED-74C5-7D4F-8560-0CC253E9A436}" type="slidenum">
               <a:rPr lang="en-US" smtClean="0"/>
               <a:pPr/>
-              <a:t>6</a:t>
+              <a:t>7</a:t>
             </a:fld>
             <a:endParaRPr lang="en-US"/>
           </a:p>
@@ -1174,7 +1176,7 @@
             <a:fld id="{69C3F2ED-74C5-7D4F-8560-0CC253E9A436}" type="slidenum">
               <a:rPr lang="en-US" smtClean="0"/>
               <a:pPr/>
-              <a:t>7</a:t>
+              <a:t>8</a:t>
             </a:fld>
             <a:endParaRPr lang="en-US"/>
           </a:p>
@@ -1259,7 +1261,7 @@
             <a:fld id="{69C3F2ED-74C5-7D4F-8560-0CC253E9A436}" type="slidenum">
               <a:rPr lang="en-US" smtClean="0"/>
               <a:pPr/>
-              <a:t>11</a:t>
+              <a:t>12</a:t>
             </a:fld>
             <a:endParaRPr lang="en-US"/>
           </a:p>
@@ -1344,7 +1346,7 @@
             <a:fld id="{69C3F2ED-74C5-7D4F-8560-0CC253E9A436}" type="slidenum">
               <a:rPr lang="en-US" smtClean="0"/>
               <a:pPr/>
-              <a:t>12</a:t>
+              <a:t>13</a:t>
             </a:fld>
             <a:endParaRPr lang="en-US"/>
           </a:p>
@@ -1429,7 +1431,7 @@
             <a:fld id="{69C3F2ED-74C5-7D4F-8560-0CC253E9A436}" type="slidenum">
               <a:rPr lang="en-US" smtClean="0"/>
               <a:pPr/>
-              <a:t>13</a:t>
+              <a:t>14</a:t>
             </a:fld>
             <a:endParaRPr lang="en-US"/>
           </a:p>
@@ -1514,7 +1516,7 @@
             <a:fld id="{69C3F2ED-74C5-7D4F-8560-0CC253E9A436}" type="slidenum">
               <a:rPr lang="en-US" smtClean="0"/>
               <a:pPr/>
-              <a:t>14</a:t>
+              <a:t>15</a:t>
             </a:fld>
             <a:endParaRPr lang="en-US"/>
           </a:p>
@@ -1599,7 +1601,7 @@
             <a:fld id="{69C3F2ED-74C5-7D4F-8560-0CC253E9A436}" type="slidenum">
               <a:rPr lang="en-US" smtClean="0"/>
               <a:pPr/>
-              <a:t>19</a:t>
+              <a:t>20</a:t>
             </a:fld>
             <a:endParaRPr lang="en-US"/>
           </a:p>
@@ -1684,7 +1686,7 @@
             <a:fld id="{69C3F2ED-74C5-7D4F-8560-0CC253E9A436}" type="slidenum">
               <a:rPr lang="en-US" smtClean="0"/>
               <a:pPr/>
-              <a:t>22</a:t>
+              <a:t>23</a:t>
             </a:fld>
             <a:endParaRPr lang="en-US"/>
           </a:p>
@@ -8677,6 +8679,104 @@
       </p:grpSpPr>
       <p:sp>
         <p:nvSpPr>
+          <p:cNvPr id="3" name="タイトル 2">
+            <a:extLst>
+              <a:ext uri="{FF2B5EF4-FFF2-40B4-BE49-F238E27FC236}">
+                <a16:creationId xmlns:a16="http://schemas.microsoft.com/office/drawing/2014/main" id="{D312E969-2058-B776-7460-26EAD49A80E4}"/>
+              </a:ext>
+            </a:extLst>
+          </p:cNvPr>
+          <p:cNvSpPr>
+            <a:spLocks noGrp="1"/>
+          </p:cNvSpPr>
+          <p:nvPr>
+            <p:ph type="title"/>
+          </p:nvPr>
+        </p:nvSpPr>
+        <p:spPr/>
+        <p:txBody>
+          <a:bodyPr/>
+          <a:lstStyle/>
+          <a:p>
+            <a:r>
+              <a:rPr lang="ja-JP" altLang="en-US"/>
+              <a:t>ローカル</a:t>
+            </a:r>
+            <a:r>
+              <a:rPr lang="en-US" altLang="ja-JP" dirty="0"/>
+              <a:t>PC</a:t>
+            </a:r>
+            <a:r>
+              <a:rPr lang="ja-JP" altLang="en-US"/>
+              <a:t>での稼働</a:t>
+            </a:r>
+          </a:p>
+        </p:txBody>
+      </p:sp>
+      <p:sp>
+        <p:nvSpPr>
+          <p:cNvPr id="4" name="テキスト プレースホルダー 3">
+            <a:extLst>
+              <a:ext uri="{FF2B5EF4-FFF2-40B4-BE49-F238E27FC236}">
+                <a16:creationId xmlns:a16="http://schemas.microsoft.com/office/drawing/2014/main" id="{DE827BF2-8346-A9AF-51F6-DDF015FF0F1A}"/>
+              </a:ext>
+            </a:extLst>
+          </p:cNvPr>
+          <p:cNvSpPr>
+            <a:spLocks noGrp="1"/>
+          </p:cNvSpPr>
+          <p:nvPr>
+            <p:ph type="body" sz="quarter" idx="10"/>
+          </p:nvPr>
+        </p:nvSpPr>
+        <p:spPr/>
+        <p:txBody>
+          <a:bodyPr/>
+          <a:lstStyle/>
+          <a:p>
+            <a:r>
+              <a:rPr lang="en-US" altLang="ja-JP" dirty="0"/>
+              <a:t>GitHub</a:t>
+            </a:r>
+            <a:r>
+              <a:rPr lang="ja-JP" altLang="en-US"/>
+              <a:t>からクローンして動かします</a:t>
+            </a:r>
+          </a:p>
+        </p:txBody>
+      </p:sp>
+    </p:spTree>
+    <p:extLst>
+      <p:ext uri="{BB962C8B-B14F-4D97-AF65-F5344CB8AC3E}">
+        <p14:creationId xmlns:p14="http://schemas.microsoft.com/office/powerpoint/2010/main" val="3499733254"/>
+      </p:ext>
+    </p:extLst>
+  </p:cSld>
+  <p:clrMapOvr>
+    <a:masterClrMapping/>
+  </p:clrMapOvr>
+</p:sld>
+</file>
+
+<file path=ppt/slides/slide11.xml><?xml version="1.0" encoding="utf-8"?>
+<p:sld xmlns:a="http://schemas.openxmlformats.org/drawingml/2006/main" xmlns:r="http://schemas.openxmlformats.org/officeDocument/2006/relationships" xmlns:p="http://schemas.openxmlformats.org/presentationml/2006/main">
+  <p:cSld>
+    <p:spTree>
+      <p:nvGrpSpPr>
+        <p:cNvPr id="1" name=""/>
+        <p:cNvGrpSpPr/>
+        <p:nvPr/>
+      </p:nvGrpSpPr>
+      <p:grpSpPr>
+        <a:xfrm>
+          <a:off x="0" y="0"/>
+          <a:ext cx="0" cy="0"/>
+          <a:chOff x="0" y="0"/>
+          <a:chExt cx="0" cy="0"/>
+        </a:xfrm>
+      </p:grpSpPr>
+      <p:sp>
+        <p:nvSpPr>
           <p:cNvPr id="2" name="タイトル 1">
             <a:extLst>
               <a:ext uri="{FF2B5EF4-FFF2-40B4-BE49-F238E27FC236}">
@@ -8969,7 +9069,7 @@
 </p:sld>
 </file>
 
-<file path=ppt/slides/slide11.xml><?xml version="1.0" encoding="utf-8"?>
+<file path=ppt/slides/slide12.xml><?xml version="1.0" encoding="utf-8"?>
 <p:sld xmlns:a="http://schemas.openxmlformats.org/drawingml/2006/main" xmlns:r="http://schemas.openxmlformats.org/officeDocument/2006/relationships" xmlns:p="http://schemas.openxmlformats.org/presentationml/2006/main">
   <p:cSld>
     <p:spTree>
@@ -9160,7 +9260,7 @@
 </p:sld>
 </file>
 
-<file path=ppt/slides/slide12.xml><?xml version="1.0" encoding="utf-8"?>
+<file path=ppt/slides/slide13.xml><?xml version="1.0" encoding="utf-8"?>
 <p:sld xmlns:a="http://schemas.openxmlformats.org/drawingml/2006/main" xmlns:r="http://schemas.openxmlformats.org/officeDocument/2006/relationships" xmlns:p="http://schemas.openxmlformats.org/presentationml/2006/main">
   <p:cSld>
     <p:spTree>
@@ -9315,7 +9415,7 @@
 </p:sld>
 </file>
 
-<file path=ppt/slides/slide13.xml><?xml version="1.0" encoding="utf-8"?>
+<file path=ppt/slides/slide14.xml><?xml version="1.0" encoding="utf-8"?>
 <p:sld xmlns:a="http://schemas.openxmlformats.org/drawingml/2006/main" xmlns:r="http://schemas.openxmlformats.org/officeDocument/2006/relationships" xmlns:p="http://schemas.openxmlformats.org/presentationml/2006/main">
   <p:cSld>
     <p:spTree>
@@ -9470,7 +9570,7 @@
 </p:sld>
 </file>
 
-<file path=ppt/slides/slide14.xml><?xml version="1.0" encoding="utf-8"?>
+<file path=ppt/slides/slide15.xml><?xml version="1.0" encoding="utf-8"?>
 <p:sld xmlns:a="http://schemas.openxmlformats.org/drawingml/2006/main" xmlns:r="http://schemas.openxmlformats.org/officeDocument/2006/relationships" xmlns:p="http://schemas.openxmlformats.org/presentationml/2006/main">
   <p:cSld>
     <p:spTree>
@@ -9644,7 +9744,7 @@
 </p:sld>
 </file>
 
-<file path=ppt/slides/slide15.xml><?xml version="1.0" encoding="utf-8"?>
+<file path=ppt/slides/slide16.xml><?xml version="1.0" encoding="utf-8"?>
 <p:sld xmlns:a="http://schemas.openxmlformats.org/drawingml/2006/main" xmlns:r="http://schemas.openxmlformats.org/officeDocument/2006/relationships" xmlns:p="http://schemas.openxmlformats.org/presentationml/2006/main">
   <p:cSld>
     <p:spTree>
@@ -9837,7 +9937,7 @@
 </p:sld>
 </file>
 
-<file path=ppt/slides/slide16.xml><?xml version="1.0" encoding="utf-8"?>
+<file path=ppt/slides/slide17.xml><?xml version="1.0" encoding="utf-8"?>
 <p:sld xmlns:a="http://schemas.openxmlformats.org/drawingml/2006/main" xmlns:r="http://schemas.openxmlformats.org/officeDocument/2006/relationships" xmlns:p="http://schemas.openxmlformats.org/presentationml/2006/main">
   <p:cSld>
     <p:spTree>
@@ -10008,7 +10108,7 @@
 </p:sld>
 </file>
 
-<file path=ppt/slides/slide17.xml><?xml version="1.0" encoding="utf-8"?>
+<file path=ppt/slides/slide18.xml><?xml version="1.0" encoding="utf-8"?>
 <p:sld xmlns:a="http://schemas.openxmlformats.org/drawingml/2006/main" xmlns:r="http://schemas.openxmlformats.org/officeDocument/2006/relationships" xmlns:p="http://schemas.openxmlformats.org/presentationml/2006/main">
   <p:cSld>
     <p:spTree>
@@ -10219,92 +10319,6 @@
 </p:sld>
 </file>
 
-<file path=ppt/slides/slide18.xml><?xml version="1.0" encoding="utf-8"?>
-<p:sld xmlns:a="http://schemas.openxmlformats.org/drawingml/2006/main" xmlns:r="http://schemas.openxmlformats.org/officeDocument/2006/relationships" xmlns:p="http://schemas.openxmlformats.org/presentationml/2006/main">
-  <p:cSld>
-    <p:spTree>
-      <p:nvGrpSpPr>
-        <p:cNvPr id="1" name=""/>
-        <p:cNvGrpSpPr/>
-        <p:nvPr/>
-      </p:nvGrpSpPr>
-      <p:grpSpPr>
-        <a:xfrm>
-          <a:off x="0" y="0"/>
-          <a:ext cx="0" cy="0"/>
-          <a:chOff x="0" y="0"/>
-          <a:chExt cx="0" cy="0"/>
-        </a:xfrm>
-      </p:grpSpPr>
-      <p:sp>
-        <p:nvSpPr>
-          <p:cNvPr id="3" name="タイトル 2">
-            <a:extLst>
-              <a:ext uri="{FF2B5EF4-FFF2-40B4-BE49-F238E27FC236}">
-                <a16:creationId xmlns:a16="http://schemas.microsoft.com/office/drawing/2014/main" id="{D312E969-2058-B776-7460-26EAD49A80E4}"/>
-              </a:ext>
-            </a:extLst>
-          </p:cNvPr>
-          <p:cNvSpPr>
-            <a:spLocks noGrp="1"/>
-          </p:cNvSpPr>
-          <p:nvPr>
-            <p:ph type="title"/>
-          </p:nvPr>
-        </p:nvSpPr>
-        <p:spPr/>
-        <p:txBody>
-          <a:bodyPr/>
-          <a:lstStyle/>
-          <a:p>
-            <a:r>
-              <a:rPr lang="ja-JP" altLang="en-US"/>
-              <a:t>コンテナでの稼働</a:t>
-            </a:r>
-          </a:p>
-        </p:txBody>
-      </p:sp>
-      <p:sp>
-        <p:nvSpPr>
-          <p:cNvPr id="2" name="テキスト プレースホルダー 1">
-            <a:extLst>
-              <a:ext uri="{FF2B5EF4-FFF2-40B4-BE49-F238E27FC236}">
-                <a16:creationId xmlns:a16="http://schemas.microsoft.com/office/drawing/2014/main" id="{49910FBB-48DE-62A8-FA91-1BEC1B68B599}"/>
-              </a:ext>
-            </a:extLst>
-          </p:cNvPr>
-          <p:cNvSpPr>
-            <a:spLocks noGrp="1"/>
-          </p:cNvSpPr>
-          <p:nvPr>
-            <p:ph type="body" sz="quarter" idx="10"/>
-          </p:nvPr>
-        </p:nvSpPr>
-        <p:spPr/>
-        <p:txBody>
-          <a:bodyPr/>
-          <a:lstStyle/>
-          <a:p>
-            <a:r>
-              <a:rPr lang="ja-JP" altLang="en-US"/>
-              <a:t>コンテナイメージを作成し、コンテナ上で動かします</a:t>
-            </a:r>
-          </a:p>
-        </p:txBody>
-      </p:sp>
-    </p:spTree>
-    <p:extLst>
-      <p:ext uri="{BB962C8B-B14F-4D97-AF65-F5344CB8AC3E}">
-        <p14:creationId xmlns:p14="http://schemas.microsoft.com/office/powerpoint/2010/main" val="2283865648"/>
-      </p:ext>
-    </p:extLst>
-  </p:cSld>
-  <p:clrMapOvr>
-    <a:masterClrMapping/>
-  </p:clrMapOvr>
-</p:sld>
-</file>
-
 <file path=ppt/slides/slide19.xml><?xml version="1.0" encoding="utf-8"?>
 <p:sld xmlns:a="http://schemas.openxmlformats.org/drawingml/2006/main" xmlns:r="http://schemas.openxmlformats.org/officeDocument/2006/relationships" xmlns:p="http://schemas.openxmlformats.org/presentationml/2006/main">
   <p:cSld>
@@ -10324,10 +10338,10 @@
       </p:grpSpPr>
       <p:sp>
         <p:nvSpPr>
-          <p:cNvPr id="2" name="タイトル 1">
+          <p:cNvPr id="3" name="タイトル 2">
             <a:extLst>
               <a:ext uri="{FF2B5EF4-FFF2-40B4-BE49-F238E27FC236}">
-                <a16:creationId xmlns:a16="http://schemas.microsoft.com/office/drawing/2014/main" id="{F8404955-0468-E580-7C99-E2BE06901014}"/>
+                <a16:creationId xmlns:a16="http://schemas.microsoft.com/office/drawing/2014/main" id="{D312E969-2058-B776-7460-26EAD49A80E4}"/>
               </a:ext>
             </a:extLst>
           </p:cNvPr>
@@ -10344,22 +10358,18 @@
           <a:lstStyle/>
           <a:p>
             <a:r>
-              <a:rPr kumimoji="1" lang="en-US" altLang="ja-JP" dirty="0"/>
-              <a:t>skeleton</a:t>
-            </a:r>
-            <a:r>
-              <a:rPr kumimoji="1" lang="ja-JP" altLang="en-US"/>
-              <a:t>のコンテナイメージ作成の流れ</a:t>
-            </a:r>
-          </a:p>
-        </p:txBody>
-      </p:sp>
-      <p:sp>
-        <p:nvSpPr>
-          <p:cNvPr id="3" name="テキスト プレースホルダー 2">
+              <a:rPr lang="ja-JP" altLang="en-US"/>
+              <a:t>コンテナでの稼働</a:t>
+            </a:r>
+          </a:p>
+        </p:txBody>
+      </p:sp>
+      <p:sp>
+        <p:nvSpPr>
+          <p:cNvPr id="2" name="テキスト プレースホルダー 1">
             <a:extLst>
               <a:ext uri="{FF2B5EF4-FFF2-40B4-BE49-F238E27FC236}">
-                <a16:creationId xmlns:a16="http://schemas.microsoft.com/office/drawing/2014/main" id="{020A5868-E634-1EBD-91A9-E61C757E0622}"/>
+                <a16:creationId xmlns:a16="http://schemas.microsoft.com/office/drawing/2014/main" id="{49910FBB-48DE-62A8-FA91-1BEC1B68B599}"/>
               </a:ext>
             </a:extLst>
           </p:cNvPr>
@@ -10370,237 +10380,22 @@
             <p:ph type="body" sz="quarter" idx="10"/>
           </p:nvPr>
         </p:nvSpPr>
-        <p:spPr>
-          <a:xfrm>
-            <a:off x="548640" y="1645920"/>
-            <a:ext cx="13510260" cy="5669280"/>
-          </a:xfrm>
-        </p:spPr>
+        <p:spPr/>
         <p:txBody>
           <a:bodyPr/>
           <a:lstStyle/>
           <a:p>
-            <a:pPr marL="514350" indent="-514350">
-              <a:buFont typeface="+mj-ea"/>
-              <a:buAutoNum type="circleNumDbPlain"/>
-            </a:pPr>
-            <a:r>
-              <a:rPr kumimoji="1" lang="ja-JP" altLang="en-US"/>
-              <a:t>ローカル</a:t>
-            </a:r>
-            <a:r>
-              <a:rPr kumimoji="1" lang="en-US" altLang="ja-JP" dirty="0"/>
-              <a:t>PC</a:t>
-            </a:r>
-            <a:r>
-              <a:rPr kumimoji="1" lang="ja-JP" altLang="en-US"/>
-              <a:t>に</a:t>
-            </a:r>
-            <a:r>
-              <a:rPr kumimoji="1" lang="en-US" altLang="ja-JP" dirty="0"/>
-              <a:t>Docker</a:t>
-            </a:r>
-            <a:r>
-              <a:rPr kumimoji="1" lang="ja-JP" altLang="en-US"/>
-              <a:t>をインストールします。</a:t>
-            </a:r>
-            <a:endParaRPr kumimoji="1" lang="en-US" altLang="ja-JP" dirty="0"/>
-          </a:p>
-          <a:p>
-            <a:pPr marL="514350" indent="-514350">
-              <a:buFont typeface="+mj-ea"/>
-              <a:buAutoNum type="circleNumDbPlain"/>
-            </a:pPr>
-            <a:endParaRPr kumimoji="1" lang="en-US" altLang="ja-JP" dirty="0"/>
-          </a:p>
-          <a:p>
-            <a:pPr marL="514350" indent="-514350">
-              <a:buFont typeface="+mj-ea"/>
-              <a:buAutoNum type="circleNumDbPlain"/>
-            </a:pPr>
-            <a:r>
-              <a:rPr kumimoji="1" lang="en-US" altLang="ja-JP" dirty="0"/>
-              <a:t>$ cd [</a:t>
-            </a:r>
-            <a:r>
-              <a:rPr kumimoji="1" lang="ja-JP" altLang="en-US"/>
-              <a:t>サンプルコードのあるディレクトリ</a:t>
-            </a:r>
-            <a:r>
-              <a:rPr kumimoji="1" lang="en-US" altLang="ja-JP" dirty="0"/>
-              <a:t>]</a:t>
-            </a:r>
-          </a:p>
-          <a:p>
-            <a:pPr marL="1703070" lvl="1" indent="-514350">
-              <a:buFont typeface="Arial" panose="020B0604020202020204" pitchFamily="34" charset="0"/>
-              <a:buChar char="•"/>
-            </a:pPr>
-            <a:r>
-              <a:rPr kumimoji="1" lang="ja-JP" altLang="en-US" sz="2000"/>
-              <a:t>サンプルコード一式のディレクトリに移動します。</a:t>
-            </a:r>
-            <a:endParaRPr kumimoji="1" lang="en-US" altLang="ja-JP" sz="2000" dirty="0"/>
-          </a:p>
-          <a:p>
-            <a:pPr marL="514350" indent="-514350">
-              <a:buFont typeface="+mj-ea"/>
-              <a:buAutoNum type="circleNumDbPlain"/>
-            </a:pPr>
-            <a:endParaRPr kumimoji="1" lang="en-US" altLang="ja-JP" dirty="0"/>
-          </a:p>
-          <a:p>
-            <a:pPr marL="514350" indent="-514350">
-              <a:buFont typeface="+mj-ea"/>
-              <a:buAutoNum type="circleNumDbPlain"/>
-            </a:pPr>
-            <a:r>
-              <a:rPr kumimoji="1" lang="en-US" altLang="ja-JP" dirty="0" err="1"/>
-              <a:t>Dockerfile</a:t>
-            </a:r>
-            <a:r>
-              <a:rPr kumimoji="1" lang="en-US" altLang="ja-JP" dirty="0"/>
-              <a:t> </a:t>
-            </a:r>
-            <a:r>
-              <a:rPr kumimoji="1" lang="ja-JP" altLang="en-US"/>
-              <a:t>を作成します。</a:t>
-            </a:r>
-            <a:endParaRPr kumimoji="1" lang="en-US" altLang="ja-JP" dirty="0"/>
-          </a:p>
-          <a:p>
-            <a:pPr marL="1703070" lvl="1" indent="-514350">
-              <a:buFont typeface="Arial" panose="020B0604020202020204" pitchFamily="34" charset="0"/>
-              <a:buChar char="•"/>
-            </a:pPr>
-            <a:r>
-              <a:rPr kumimoji="1" lang="en-US" altLang="ja-JP" sz="2000" dirty="0" err="1"/>
-              <a:t>Dockerfile</a:t>
-            </a:r>
-            <a:r>
-              <a:rPr kumimoji="1" lang="ja-JP" altLang="en-US" sz="2000"/>
-              <a:t>というテキストファイルを作成します。（補足参照）</a:t>
-            </a:r>
-            <a:endParaRPr kumimoji="1" lang="en-US" altLang="ja-JP" sz="2000" dirty="0"/>
-          </a:p>
-          <a:p>
-            <a:pPr marL="1703070" lvl="1" indent="-514350">
-              <a:buFont typeface="Arial" panose="020B0604020202020204" pitchFamily="34" charset="0"/>
-              <a:buChar char="•"/>
-            </a:pPr>
-            <a:r>
-              <a:rPr kumimoji="1" lang="ja-JP" altLang="en-US" sz="2000"/>
-              <a:t>各種環境設定、</a:t>
-            </a:r>
-            <a:r>
-              <a:rPr kumimoji="1" lang="en-US" altLang="ja-JP" sz="2000" dirty="0"/>
-              <a:t>GitHub</a:t>
-            </a:r>
-            <a:r>
-              <a:rPr kumimoji="1" lang="ja-JP" altLang="en-US" sz="2000"/>
-              <a:t>参照先、起動方法などを記載します。</a:t>
-            </a:r>
-            <a:endParaRPr kumimoji="1" lang="en-US" altLang="ja-JP" sz="2000" dirty="0"/>
-          </a:p>
-          <a:p>
-            <a:pPr lvl="1" indent="0">
-              <a:buNone/>
-            </a:pPr>
-            <a:endParaRPr kumimoji="1" lang="en-US" altLang="ja-JP" dirty="0"/>
-          </a:p>
-          <a:p>
-            <a:pPr marL="514350" indent="-514350">
-              <a:buFont typeface="+mj-ea"/>
-              <a:buAutoNum type="circleNumDbPlain"/>
-            </a:pPr>
-            <a:r>
-              <a:rPr kumimoji="1" lang="en-US" altLang="ja-JP" dirty="0"/>
-              <a:t>$ docker</a:t>
-            </a:r>
-            <a:r>
-              <a:rPr kumimoji="1" lang="ja-JP" altLang="en-US"/>
-              <a:t> </a:t>
-            </a:r>
-            <a:r>
-              <a:rPr kumimoji="1" lang="en-US" altLang="ja-JP" dirty="0"/>
-              <a:t>image</a:t>
-            </a:r>
-            <a:r>
-              <a:rPr kumimoji="1" lang="ja-JP" altLang="en-US"/>
-              <a:t> </a:t>
-            </a:r>
-            <a:r>
-              <a:rPr kumimoji="1" lang="en-US" altLang="ja-JP" dirty="0"/>
-              <a:t>build –t</a:t>
-            </a:r>
-            <a:r>
-              <a:rPr kumimoji="1" lang="ja-JP" altLang="en-US"/>
-              <a:t> </a:t>
-            </a:r>
-            <a:r>
-              <a:rPr kumimoji="1" lang="en-US" altLang="ja-JP" dirty="0"/>
-              <a:t>modern-skeleton .  </a:t>
-            </a:r>
-          </a:p>
-          <a:p>
-            <a:pPr marL="1703070" lvl="1" indent="-514350">
-              <a:buFont typeface="Arial" panose="020B0604020202020204" pitchFamily="34" charset="0"/>
-              <a:buChar char="•"/>
-            </a:pPr>
-            <a:r>
-              <a:rPr kumimoji="1" lang="en-US" altLang="ja-JP" sz="2000" dirty="0"/>
-              <a:t>docker </a:t>
-            </a:r>
-            <a:r>
-              <a:rPr kumimoji="1" lang="ja-JP" altLang="en-US" sz="2000"/>
-              <a:t>イメージをビルドします。</a:t>
-            </a:r>
-            <a:endParaRPr kumimoji="1" lang="en-US" altLang="ja-JP" sz="2000" dirty="0"/>
-          </a:p>
-          <a:p>
-            <a:pPr marL="514350" indent="-514350">
-              <a:buFont typeface="+mj-ea"/>
-              <a:buAutoNum type="circleNumDbPlain"/>
-            </a:pPr>
-            <a:endParaRPr kumimoji="1" lang="en-US" altLang="ja-JP" dirty="0"/>
-          </a:p>
-          <a:p>
-            <a:pPr marL="514350" indent="-514350">
-              <a:buFont typeface="+mj-ea"/>
-              <a:buAutoNum type="circleNumDbPlain"/>
-            </a:pPr>
-            <a:r>
-              <a:rPr kumimoji="1" lang="en-US" altLang="ja-JP" dirty="0"/>
-              <a:t>$ docker image ls</a:t>
-            </a:r>
-          </a:p>
-          <a:p>
-            <a:pPr marL="1703070" lvl="1" indent="-514350"/>
-            <a:r>
-              <a:rPr kumimoji="1" lang="en-US" altLang="ja-JP" sz="2000" dirty="0"/>
-              <a:t>docker</a:t>
-            </a:r>
-            <a:r>
-              <a:rPr kumimoji="1" lang="ja-JP" altLang="en-US" sz="2000"/>
-              <a:t>イメージが作成されたことを確認します。</a:t>
-            </a:r>
-            <a:endParaRPr kumimoji="1" lang="en-US" altLang="ja-JP" sz="2000" dirty="0"/>
-          </a:p>
-          <a:p>
-            <a:endParaRPr kumimoji="1" lang="en-US" altLang="ja-JP" sz="2000" dirty="0"/>
-          </a:p>
-          <a:p>
-            <a:endParaRPr kumimoji="1" lang="en-US" altLang="ja-JP" dirty="0"/>
-          </a:p>
-          <a:p>
-            <a:endParaRPr kumimoji="1" lang="ja-JP" altLang="en-US"/>
+            <a:r>
+              <a:rPr lang="ja-JP" altLang="en-US"/>
+              <a:t>コンテナイメージを作成し、コンテナ上で動かします</a:t>
+            </a:r>
           </a:p>
         </p:txBody>
       </p:sp>
     </p:spTree>
     <p:extLst>
       <p:ext uri="{BB962C8B-B14F-4D97-AF65-F5344CB8AC3E}">
-        <p14:creationId xmlns:p14="http://schemas.microsoft.com/office/powerpoint/2010/main" val="3405029058"/>
+        <p14:creationId xmlns:p14="http://schemas.microsoft.com/office/powerpoint/2010/main" val="2283865648"/>
       </p:ext>
     </p:extLst>
   </p:cSld>
@@ -10867,6 +10662,311 @@
 </file>
 
 <file path=ppt/slides/slide20.xml><?xml version="1.0" encoding="utf-8"?>
+<p:sld xmlns:a="http://schemas.openxmlformats.org/drawingml/2006/main" xmlns:r="http://schemas.openxmlformats.org/officeDocument/2006/relationships" xmlns:p="http://schemas.openxmlformats.org/presentationml/2006/main">
+  <p:cSld>
+    <p:spTree>
+      <p:nvGrpSpPr>
+        <p:cNvPr id="1" name=""/>
+        <p:cNvGrpSpPr/>
+        <p:nvPr/>
+      </p:nvGrpSpPr>
+      <p:grpSpPr>
+        <a:xfrm>
+          <a:off x="0" y="0"/>
+          <a:ext cx="0" cy="0"/>
+          <a:chOff x="0" y="0"/>
+          <a:chExt cx="0" cy="0"/>
+        </a:xfrm>
+      </p:grpSpPr>
+      <p:sp>
+        <p:nvSpPr>
+          <p:cNvPr id="2" name="タイトル 1">
+            <a:extLst>
+              <a:ext uri="{FF2B5EF4-FFF2-40B4-BE49-F238E27FC236}">
+                <a16:creationId xmlns:a16="http://schemas.microsoft.com/office/drawing/2014/main" id="{F8404955-0468-E580-7C99-E2BE06901014}"/>
+              </a:ext>
+            </a:extLst>
+          </p:cNvPr>
+          <p:cNvSpPr>
+            <a:spLocks noGrp="1"/>
+          </p:cNvSpPr>
+          <p:nvPr>
+            <p:ph type="title"/>
+          </p:nvPr>
+        </p:nvSpPr>
+        <p:spPr/>
+        <p:txBody>
+          <a:bodyPr/>
+          <a:lstStyle/>
+          <a:p>
+            <a:r>
+              <a:rPr kumimoji="1" lang="en-US" altLang="ja-JP" dirty="0"/>
+              <a:t>skeleton</a:t>
+            </a:r>
+            <a:r>
+              <a:rPr kumimoji="1" lang="ja-JP" altLang="en-US"/>
+              <a:t>のコンテナイメージ作成の流れ</a:t>
+            </a:r>
+          </a:p>
+        </p:txBody>
+      </p:sp>
+      <p:sp>
+        <p:nvSpPr>
+          <p:cNvPr id="3" name="テキスト プレースホルダー 2">
+            <a:extLst>
+              <a:ext uri="{FF2B5EF4-FFF2-40B4-BE49-F238E27FC236}">
+                <a16:creationId xmlns:a16="http://schemas.microsoft.com/office/drawing/2014/main" id="{020A5868-E634-1EBD-91A9-E61C757E0622}"/>
+              </a:ext>
+            </a:extLst>
+          </p:cNvPr>
+          <p:cNvSpPr>
+            <a:spLocks noGrp="1"/>
+          </p:cNvSpPr>
+          <p:nvPr>
+            <p:ph type="body" sz="quarter" idx="10"/>
+          </p:nvPr>
+        </p:nvSpPr>
+        <p:spPr>
+          <a:xfrm>
+            <a:off x="548640" y="1645920"/>
+            <a:ext cx="13510260" cy="5669280"/>
+          </a:xfrm>
+        </p:spPr>
+        <p:txBody>
+          <a:bodyPr/>
+          <a:lstStyle/>
+          <a:p>
+            <a:pPr marL="514350" indent="-514350">
+              <a:buFont typeface="+mj-ea"/>
+              <a:buAutoNum type="circleNumDbPlain"/>
+            </a:pPr>
+            <a:r>
+              <a:rPr kumimoji="1" lang="ja-JP" altLang="en-US"/>
+              <a:t>ローカル</a:t>
+            </a:r>
+            <a:r>
+              <a:rPr kumimoji="1" lang="en-US" altLang="ja-JP" dirty="0"/>
+              <a:t>PC</a:t>
+            </a:r>
+            <a:r>
+              <a:rPr kumimoji="1" lang="ja-JP" altLang="en-US"/>
+              <a:t>に</a:t>
+            </a:r>
+            <a:r>
+              <a:rPr kumimoji="1" lang="en-US" altLang="ja-JP" dirty="0"/>
+              <a:t>Docker</a:t>
+            </a:r>
+            <a:r>
+              <a:rPr kumimoji="1" lang="ja-JP" altLang="en-US"/>
+              <a:t>をインストールします。</a:t>
+            </a:r>
+            <a:endParaRPr kumimoji="1" lang="en-US" altLang="ja-JP" dirty="0"/>
+          </a:p>
+          <a:p>
+            <a:pPr marL="514350" indent="-514350">
+              <a:buFont typeface="+mj-ea"/>
+              <a:buAutoNum type="circleNumDbPlain"/>
+            </a:pPr>
+            <a:endParaRPr kumimoji="1" lang="en-US" altLang="ja-JP" dirty="0"/>
+          </a:p>
+          <a:p>
+            <a:pPr marL="514350" indent="-514350">
+              <a:buFont typeface="+mj-ea"/>
+              <a:buAutoNum type="circleNumDbPlain"/>
+            </a:pPr>
+            <a:r>
+              <a:rPr kumimoji="1" lang="en-US" altLang="ja-JP" dirty="0"/>
+              <a:t>$ cd [</a:t>
+            </a:r>
+            <a:r>
+              <a:rPr kumimoji="1" lang="ja-JP" altLang="en-US"/>
+              <a:t>サンプルコードのあるディレクトリ</a:t>
+            </a:r>
+            <a:r>
+              <a:rPr kumimoji="1" lang="en-US" altLang="ja-JP" dirty="0"/>
+              <a:t>]</a:t>
+            </a:r>
+          </a:p>
+          <a:p>
+            <a:pPr marL="1703070" lvl="1" indent="-514350">
+              <a:buFont typeface="Arial" panose="020B0604020202020204" pitchFamily="34" charset="0"/>
+              <a:buChar char="•"/>
+            </a:pPr>
+            <a:r>
+              <a:rPr kumimoji="1" lang="ja-JP" altLang="en-US" sz="2000"/>
+              <a:t>サンプルコード一式のディレクトリに移動します。</a:t>
+            </a:r>
+            <a:endParaRPr kumimoji="1" lang="en-US" altLang="ja-JP" sz="2000" dirty="0"/>
+          </a:p>
+          <a:p>
+            <a:pPr marL="514350" indent="-514350">
+              <a:buFont typeface="+mj-ea"/>
+              <a:buAutoNum type="circleNumDbPlain"/>
+            </a:pPr>
+            <a:endParaRPr kumimoji="1" lang="en-US" altLang="ja-JP" dirty="0"/>
+          </a:p>
+          <a:p>
+            <a:pPr marL="514350" indent="-514350">
+              <a:buFont typeface="+mj-ea"/>
+              <a:buAutoNum type="circleNumDbPlain"/>
+            </a:pPr>
+            <a:r>
+              <a:rPr kumimoji="1" lang="en-US" altLang="ja-JP" dirty="0" err="1"/>
+              <a:t>Dockerfile</a:t>
+            </a:r>
+            <a:r>
+              <a:rPr kumimoji="1" lang="en-US" altLang="ja-JP" dirty="0"/>
+              <a:t> </a:t>
+            </a:r>
+            <a:r>
+              <a:rPr kumimoji="1" lang="ja-JP" altLang="en-US"/>
+              <a:t>を作成します。</a:t>
+            </a:r>
+            <a:endParaRPr kumimoji="1" lang="en-US" altLang="ja-JP" dirty="0"/>
+          </a:p>
+          <a:p>
+            <a:pPr marL="1703070" lvl="1" indent="-514350">
+              <a:buFont typeface="Arial" panose="020B0604020202020204" pitchFamily="34" charset="0"/>
+              <a:buChar char="•"/>
+            </a:pPr>
+            <a:r>
+              <a:rPr kumimoji="1" lang="en-US" altLang="ja-JP" sz="2000" dirty="0" err="1"/>
+              <a:t>Dockerfile</a:t>
+            </a:r>
+            <a:r>
+              <a:rPr kumimoji="1" lang="ja-JP" altLang="en-US" sz="2000"/>
+              <a:t>というテキストファイルを作成します。（補足参照）</a:t>
+            </a:r>
+            <a:endParaRPr kumimoji="1" lang="en-US" altLang="ja-JP" sz="2000" dirty="0"/>
+          </a:p>
+          <a:p>
+            <a:pPr marL="1703070" lvl="1" indent="-514350">
+              <a:buFont typeface="Arial" panose="020B0604020202020204" pitchFamily="34" charset="0"/>
+              <a:buChar char="•"/>
+            </a:pPr>
+            <a:r>
+              <a:rPr kumimoji="1" lang="ja-JP" altLang="en-US" sz="2000"/>
+              <a:t>各種環境設定、</a:t>
+            </a:r>
+            <a:r>
+              <a:rPr kumimoji="1" lang="en-US" altLang="ja-JP" sz="2000" dirty="0"/>
+              <a:t>GitHub</a:t>
+            </a:r>
+            <a:r>
+              <a:rPr kumimoji="1" lang="ja-JP" altLang="en-US" sz="2000"/>
+              <a:t>参照先、起動方法などを記載します。</a:t>
+            </a:r>
+            <a:endParaRPr kumimoji="1" lang="en-US" altLang="ja-JP" sz="2000" dirty="0"/>
+          </a:p>
+          <a:p>
+            <a:pPr lvl="1" indent="0">
+              <a:buNone/>
+            </a:pPr>
+            <a:endParaRPr kumimoji="1" lang="en-US" altLang="ja-JP" dirty="0"/>
+          </a:p>
+          <a:p>
+            <a:pPr marL="514350" indent="-514350">
+              <a:buFont typeface="+mj-ea"/>
+              <a:buAutoNum type="circleNumDbPlain"/>
+            </a:pPr>
+            <a:r>
+              <a:rPr kumimoji="1" lang="en-US" altLang="ja-JP" dirty="0"/>
+              <a:t>$ docker</a:t>
+            </a:r>
+            <a:r>
+              <a:rPr kumimoji="1" lang="ja-JP" altLang="en-US"/>
+              <a:t> </a:t>
+            </a:r>
+            <a:r>
+              <a:rPr kumimoji="1" lang="en-US" altLang="ja-JP" dirty="0"/>
+              <a:t>image</a:t>
+            </a:r>
+            <a:r>
+              <a:rPr kumimoji="1" lang="ja-JP" altLang="en-US"/>
+              <a:t> </a:t>
+            </a:r>
+            <a:r>
+              <a:rPr kumimoji="1" lang="en-US" altLang="ja-JP" dirty="0"/>
+              <a:t>build –t</a:t>
+            </a:r>
+            <a:r>
+              <a:rPr kumimoji="1" lang="ja-JP" altLang="en-US"/>
+              <a:t> </a:t>
+            </a:r>
+            <a:r>
+              <a:rPr kumimoji="1" lang="en-US" altLang="ja-JP" dirty="0"/>
+              <a:t>modern-skeleton .  </a:t>
+            </a:r>
+          </a:p>
+          <a:p>
+            <a:pPr marL="1703070" lvl="1" indent="-514350">
+              <a:buFont typeface="Arial" panose="020B0604020202020204" pitchFamily="34" charset="0"/>
+              <a:buChar char="•"/>
+            </a:pPr>
+            <a:r>
+              <a:rPr kumimoji="1" lang="en-US" altLang="ja-JP" sz="2000" dirty="0"/>
+              <a:t>docker </a:t>
+            </a:r>
+            <a:r>
+              <a:rPr kumimoji="1" lang="ja-JP" altLang="en-US" sz="2000"/>
+              <a:t>イメージをビルドします。</a:t>
+            </a:r>
+            <a:endParaRPr kumimoji="1" lang="en-US" altLang="ja-JP" sz="2000" dirty="0"/>
+          </a:p>
+          <a:p>
+            <a:pPr marL="514350" indent="-514350">
+              <a:buFont typeface="+mj-ea"/>
+              <a:buAutoNum type="circleNumDbPlain"/>
+            </a:pPr>
+            <a:endParaRPr kumimoji="1" lang="en-US" altLang="ja-JP" dirty="0"/>
+          </a:p>
+          <a:p>
+            <a:pPr marL="514350" indent="-514350">
+              <a:buFont typeface="+mj-ea"/>
+              <a:buAutoNum type="circleNumDbPlain"/>
+            </a:pPr>
+            <a:r>
+              <a:rPr kumimoji="1" lang="en-US" altLang="ja-JP" dirty="0"/>
+              <a:t>$ docker image ls</a:t>
+            </a:r>
+          </a:p>
+          <a:p>
+            <a:pPr marL="1703070" lvl="1" indent="-514350"/>
+            <a:r>
+              <a:rPr kumimoji="1" lang="en-US" altLang="ja-JP" sz="2000" dirty="0"/>
+              <a:t>docker</a:t>
+            </a:r>
+            <a:r>
+              <a:rPr kumimoji="1" lang="ja-JP" altLang="en-US" sz="2000"/>
+              <a:t>イメージが作成されたことを確認します。</a:t>
+            </a:r>
+            <a:endParaRPr kumimoji="1" lang="en-US" altLang="ja-JP" sz="2000" dirty="0"/>
+          </a:p>
+          <a:p>
+            <a:endParaRPr kumimoji="1" lang="en-US" altLang="ja-JP" sz="2000" dirty="0"/>
+          </a:p>
+          <a:p>
+            <a:endParaRPr kumimoji="1" lang="en-US" altLang="ja-JP" dirty="0"/>
+          </a:p>
+          <a:p>
+            <a:endParaRPr kumimoji="1" lang="ja-JP" altLang="en-US"/>
+          </a:p>
+        </p:txBody>
+      </p:sp>
+    </p:spTree>
+    <p:extLst>
+      <p:ext uri="{BB962C8B-B14F-4D97-AF65-F5344CB8AC3E}">
+        <p14:creationId xmlns:p14="http://schemas.microsoft.com/office/powerpoint/2010/main" val="3405029058"/>
+      </p:ext>
+    </p:extLst>
+  </p:cSld>
+  <p:clrMapOvr>
+    <a:masterClrMapping/>
+  </p:clrMapOvr>
+</p:sld>
+</file>
+
+<file path=ppt/slides/slide21.xml><?xml version="1.0" encoding="utf-8"?>
 <p:sld xmlns:a="http://schemas.openxmlformats.org/drawingml/2006/main" xmlns:r="http://schemas.openxmlformats.org/officeDocument/2006/relationships" xmlns:p="http://schemas.openxmlformats.org/presentationml/2006/main">
   <p:cSld>
     <p:spTree>
@@ -11073,7 +11173,7 @@
 </p:sld>
 </file>
 
-<file path=ppt/slides/slide21.xml><?xml version="1.0" encoding="utf-8"?>
+<file path=ppt/slides/slide22.xml><?xml version="1.0" encoding="utf-8"?>
 <p:sld xmlns:a="http://schemas.openxmlformats.org/drawingml/2006/main" xmlns:r="http://schemas.openxmlformats.org/officeDocument/2006/relationships" xmlns:p="http://schemas.openxmlformats.org/presentationml/2006/main">
   <p:cSld>
     <p:spTree>
@@ -11303,7 +11403,7 @@
 </p:sld>
 </file>
 
-<file path=ppt/slides/slide22.xml><?xml version="1.0" encoding="utf-8"?>
+<file path=ppt/slides/slide23.xml><?xml version="1.0" encoding="utf-8"?>
 <p:sld xmlns:a="http://schemas.openxmlformats.org/drawingml/2006/main" xmlns:r="http://schemas.openxmlformats.org/officeDocument/2006/relationships" xmlns:p="http://schemas.openxmlformats.org/presentationml/2006/main">
   <p:cSld>
     <p:spTree>
@@ -11528,7 +11628,7 @@
 </p:sld>
 </file>
 
-<file path=ppt/slides/slide23.xml><?xml version="1.0" encoding="utf-8"?>
+<file path=ppt/slides/slide24.xml><?xml version="1.0" encoding="utf-8"?>
 <p:sld xmlns:a="http://schemas.openxmlformats.org/drawingml/2006/main" xmlns:r="http://schemas.openxmlformats.org/officeDocument/2006/relationships" xmlns:p="http://schemas.openxmlformats.org/presentationml/2006/main">
   <p:cSld>
     <p:spTree>
@@ -11687,7 +11787,7 @@
 </p:sld>
 </file>
 
-<file path=ppt/slides/slide24.xml><?xml version="1.0" encoding="utf-8"?>
+<file path=ppt/slides/slide25.xml><?xml version="1.0" encoding="utf-8"?>
 <p:sld xmlns:a="http://schemas.openxmlformats.org/drawingml/2006/main" xmlns:r="http://schemas.openxmlformats.org/officeDocument/2006/relationships" xmlns:p="http://schemas.openxmlformats.org/presentationml/2006/main">
   <p:cSld>
     <p:spTree>
@@ -11909,7 +12009,7 @@
 </p:sld>
 </file>
 
-<file path=ppt/slides/slide25.xml><?xml version="1.0" encoding="utf-8"?>
+<file path=ppt/slides/slide26.xml><?xml version="1.0" encoding="utf-8"?>
 <p:sld xmlns:a="http://schemas.openxmlformats.org/drawingml/2006/main" xmlns:r="http://schemas.openxmlformats.org/officeDocument/2006/relationships" xmlns:p="http://schemas.openxmlformats.org/presentationml/2006/main">
   <p:cSld>
     <p:spTree>
@@ -12120,7 +12220,7 @@
 </p:sld>
 </file>
 
-<file path=ppt/slides/slide26.xml><?xml version="1.0" encoding="utf-8"?>
+<file path=ppt/slides/slide27.xml><?xml version="1.0" encoding="utf-8"?>
 <p:sld xmlns:a="http://schemas.openxmlformats.org/drawingml/2006/main" xmlns:r="http://schemas.openxmlformats.org/officeDocument/2006/relationships" xmlns:p="http://schemas.openxmlformats.org/presentationml/2006/main">
   <p:cSld>
     <p:spTree>
@@ -12316,7 +12416,7 @@
 </p:sld>
 </file>
 
-<file path=ppt/slides/slide27.xml><?xml version="1.0" encoding="utf-8"?>
+<file path=ppt/slides/slide28.xml><?xml version="1.0" encoding="utf-8"?>
 <p:sld xmlns:a="http://schemas.openxmlformats.org/drawingml/2006/main" xmlns:r="http://schemas.openxmlformats.org/officeDocument/2006/relationships" xmlns:p="http://schemas.openxmlformats.org/presentationml/2006/main">
   <p:cSld>
     <p:spTree>
@@ -12477,7 +12577,7 @@
 </p:sld>
 </file>
 
-<file path=ppt/slides/slide28.xml><?xml version="1.0" encoding="utf-8"?>
+<file path=ppt/slides/slide29.xml><?xml version="1.0" encoding="utf-8"?>
 <p:sld xmlns:a="http://schemas.openxmlformats.org/drawingml/2006/main" xmlns:r="http://schemas.openxmlformats.org/officeDocument/2006/relationships" xmlns:p="http://schemas.openxmlformats.org/presentationml/2006/main">
   <p:cSld>
     <p:spTree>
@@ -12823,112 +12923,6 @@
 </p:sld>
 </file>
 
-<file path=ppt/slides/slide29.xml><?xml version="1.0" encoding="utf-8"?>
-<p:sld xmlns:a="http://schemas.openxmlformats.org/drawingml/2006/main" xmlns:r="http://schemas.openxmlformats.org/officeDocument/2006/relationships" xmlns:p="http://schemas.openxmlformats.org/presentationml/2006/main">
-  <p:cSld>
-    <p:spTree>
-      <p:nvGrpSpPr>
-        <p:cNvPr id="1" name=""/>
-        <p:cNvGrpSpPr/>
-        <p:nvPr/>
-      </p:nvGrpSpPr>
-      <p:grpSpPr>
-        <a:xfrm>
-          <a:off x="0" y="0"/>
-          <a:ext cx="0" cy="0"/>
-          <a:chOff x="0" y="0"/>
-          <a:chExt cx="0" cy="0"/>
-        </a:xfrm>
-      </p:grpSpPr>
-      <p:sp>
-        <p:nvSpPr>
-          <p:cNvPr id="3" name="タイトル 2">
-            <a:extLst>
-              <a:ext uri="{FF2B5EF4-FFF2-40B4-BE49-F238E27FC236}">
-                <a16:creationId xmlns:a16="http://schemas.microsoft.com/office/drawing/2014/main" id="{D312E969-2058-B776-7460-26EAD49A80E4}"/>
-              </a:ext>
-            </a:extLst>
-          </p:cNvPr>
-          <p:cNvSpPr>
-            <a:spLocks noGrp="1"/>
-          </p:cNvSpPr>
-          <p:nvPr>
-            <p:ph type="title"/>
-          </p:nvPr>
-        </p:nvSpPr>
-        <p:spPr/>
-        <p:txBody>
-          <a:bodyPr/>
-          <a:lstStyle/>
-          <a:p>
-            <a:r>
-              <a:rPr lang="en-US" altLang="ja-JP" dirty="0"/>
-              <a:t>SaaS</a:t>
-            </a:r>
-            <a:r>
-              <a:rPr lang="ja-JP" altLang="en-US"/>
-              <a:t>での稼働</a:t>
-            </a:r>
-          </a:p>
-        </p:txBody>
-      </p:sp>
-      <p:sp>
-        <p:nvSpPr>
-          <p:cNvPr id="2" name="テキスト プレースホルダー 1">
-            <a:extLst>
-              <a:ext uri="{FF2B5EF4-FFF2-40B4-BE49-F238E27FC236}">
-                <a16:creationId xmlns:a16="http://schemas.microsoft.com/office/drawing/2014/main" id="{EB1E17B8-7608-8E93-3C3A-0763A40B116C}"/>
-              </a:ext>
-            </a:extLst>
-          </p:cNvPr>
-          <p:cNvSpPr>
-            <a:spLocks noGrp="1"/>
-          </p:cNvSpPr>
-          <p:nvPr>
-            <p:ph type="body" sz="quarter" idx="10"/>
-          </p:nvPr>
-        </p:nvSpPr>
-        <p:spPr/>
-        <p:txBody>
-          <a:bodyPr/>
-          <a:lstStyle/>
-          <a:p>
-            <a:r>
-              <a:rPr lang="ja-JP" altLang="en-US"/>
-              <a:t>コンテナイメージを</a:t>
-            </a:r>
-            <a:r>
-              <a:rPr lang="en-US" altLang="ja-JP" dirty="0"/>
-              <a:t>App Runner</a:t>
-            </a:r>
-            <a:r>
-              <a:rPr lang="ja-JP" altLang="en-US"/>
-              <a:t>上で</a:t>
-            </a:r>
-            <a:r>
-              <a:rPr lang="en-US" altLang="ja-JP" dirty="0"/>
-              <a:t>SaaS</a:t>
-            </a:r>
-            <a:r>
-              <a:rPr lang="ja-JP" altLang="en-US"/>
-              <a:t>として稼働します</a:t>
-            </a:r>
-          </a:p>
-        </p:txBody>
-      </p:sp>
-    </p:spTree>
-    <p:extLst>
-      <p:ext uri="{BB962C8B-B14F-4D97-AF65-F5344CB8AC3E}">
-        <p14:creationId xmlns:p14="http://schemas.microsoft.com/office/powerpoint/2010/main" val="2760395679"/>
-      </p:ext>
-    </p:extLst>
-  </p:cSld>
-  <p:clrMapOvr>
-    <a:masterClrMapping/>
-  </p:clrMapOvr>
-</p:sld>
-</file>
-
 <file path=ppt/slides/slide3.xml><?xml version="1.0" encoding="utf-8"?>
 <p:sld xmlns:a="http://schemas.openxmlformats.org/drawingml/2006/main" xmlns:r="http://schemas.openxmlformats.org/officeDocument/2006/relationships" xmlns:p="http://schemas.openxmlformats.org/presentationml/2006/main">
   <p:cSld>
@@ -12951,7 +12945,7 @@
           <p:cNvPr id="2" name="タイトル 1">
             <a:extLst>
               <a:ext uri="{FF2B5EF4-FFF2-40B4-BE49-F238E27FC236}">
-                <a16:creationId xmlns:a16="http://schemas.microsoft.com/office/drawing/2014/main" id="{A02C8EA4-107E-44BC-3E72-34BB554C4377}"/>
+                <a16:creationId xmlns:a16="http://schemas.microsoft.com/office/drawing/2014/main" id="{DBA66F9B-87DE-4D15-DFC3-B1E91C88BCE0}"/>
               </a:ext>
             </a:extLst>
           </p:cNvPr>
@@ -12969,17 +12963,17 @@
           <a:p>
             <a:r>
               <a:rPr kumimoji="1" lang="ja-JP" altLang="en-US"/>
-              <a:t>目次</a:t>
-            </a:r>
-          </a:p>
-        </p:txBody>
-      </p:sp>
-      <p:sp>
-        <p:nvSpPr>
-          <p:cNvPr id="3" name="テキスト プレースホルダー 2">
+              <a:t>注意事項</a:t>
+            </a:r>
+          </a:p>
+        </p:txBody>
+      </p:sp>
+      <p:sp>
+        <p:nvSpPr>
+          <p:cNvPr id="9" name="テキスト プレースホルダー 8">
             <a:extLst>
               <a:ext uri="{FF2B5EF4-FFF2-40B4-BE49-F238E27FC236}">
-                <a16:creationId xmlns:a16="http://schemas.microsoft.com/office/drawing/2014/main" id="{52A60602-19A1-FE09-C7EB-232065394D92}"/>
+                <a16:creationId xmlns:a16="http://schemas.microsoft.com/office/drawing/2014/main" id="{001FACAD-DE56-370B-835B-D8CBC1167A7B}"/>
               </a:ext>
             </a:extLst>
           </p:cNvPr>
@@ -12990,79 +12984,74 @@
             <p:ph type="body" sz="quarter" idx="10"/>
           </p:nvPr>
         </p:nvSpPr>
-        <p:spPr/>
+        <p:spPr>
+          <a:xfrm>
+            <a:off x="548640" y="1645920"/>
+            <a:ext cx="13510260" cy="5682928"/>
+          </a:xfrm>
+        </p:spPr>
         <p:txBody>
           <a:bodyPr/>
           <a:lstStyle/>
           <a:p>
-            <a:pPr marL="514350" indent="-514350">
-              <a:buFont typeface="+mj-lt"/>
-              <a:buAutoNum type="arabicPeriod"/>
+            <a:pPr marL="457200" indent="-457200">
+              <a:buFont typeface="Arial" panose="020B0604020202020204" pitchFamily="34" charset="0"/>
+              <a:buChar char="•"/>
             </a:pPr>
             <a:r>
-              <a:rPr kumimoji="1" lang="ja-JP" altLang="en-US"/>
-              <a:t>ローカル</a:t>
-            </a:r>
-            <a:r>
-              <a:rPr kumimoji="1" lang="en-US" altLang="ja-JP" dirty="0"/>
-              <a:t>PC</a:t>
-            </a:r>
-            <a:r>
-              <a:rPr kumimoji="1" lang="ja-JP" altLang="en-US"/>
-              <a:t>での稼働</a:t>
-            </a:r>
-            <a:endParaRPr kumimoji="1" lang="en-US" altLang="ja-JP" dirty="0"/>
-          </a:p>
-          <a:p>
-            <a:pPr marL="514350" indent="-514350">
-              <a:buFont typeface="+mj-lt"/>
-              <a:buAutoNum type="arabicPeriod"/>
+              <a:rPr lang="ja-JP" altLang="en-US" sz="2400"/>
+              <a:t>ファイルアップロードの際、日本語文字を含むファイル名を選択すると、日本語文字部分だけが抜け落ちたようなファイル名として内部処理されます。原因は、プログラム内部で利用するライブラリー関数</a:t>
+            </a:r>
+            <a:r>
+              <a:rPr lang="en-US" altLang="ja-JP" sz="2400" dirty="0"/>
+              <a:t> </a:t>
+            </a:r>
+            <a:r>
+              <a:rPr lang="en-US" altLang="ja-JP" sz="2400" dirty="0" err="1"/>
+              <a:t>secure_filename</a:t>
+            </a:r>
+            <a:r>
+              <a:rPr lang="en-US" altLang="ja-JP" sz="2400" dirty="0"/>
+              <a:t>() </a:t>
+            </a:r>
+            <a:r>
+              <a:rPr lang="ja-JP" altLang="en-US" sz="2400"/>
+              <a:t>の仕様として内部的に</a:t>
+            </a:r>
+            <a:r>
+              <a:rPr lang="en-US" altLang="ja-JP" sz="2400" dirty="0"/>
+              <a:t>ascii</a:t>
+            </a:r>
+            <a:r>
+              <a:rPr lang="ja-JP" altLang="en-US" sz="2400"/>
+              <a:t>文字のみを扱うためです。</a:t>
+            </a:r>
+            <a:endParaRPr lang="en-US" altLang="ja-JP" sz="2400" dirty="0"/>
+          </a:p>
+          <a:p>
+            <a:pPr marL="457200" indent="-457200">
+              <a:buFont typeface="Arial" panose="020B0604020202020204" pitchFamily="34" charset="0"/>
+              <a:buChar char="•"/>
             </a:pPr>
             <a:r>
-              <a:rPr kumimoji="1" lang="ja-JP" altLang="en-US"/>
-              <a:t>コンテナでの稼働</a:t>
-            </a:r>
-            <a:endParaRPr kumimoji="1" lang="en-US" altLang="ja-JP" dirty="0"/>
-          </a:p>
-          <a:p>
-            <a:pPr marL="514350" indent="-514350">
-              <a:buFont typeface="+mj-lt"/>
-              <a:buAutoNum type="arabicPeriod"/>
+              <a:rPr lang="ja-JP" altLang="en-US" sz="2400"/>
+              <a:t>日本語文字が抜け落ちて空文字のままでもァイルは処理されます。これが気になる場合はあらかじめファイル名を英数文字にすることをお勧めします。</a:t>
+            </a:r>
+            <a:endParaRPr lang="en-US" altLang="ja-JP" sz="2400" dirty="0"/>
+          </a:p>
+          <a:p>
+            <a:pPr marL="457200" indent="-457200">
+              <a:buFont typeface="Arial" panose="020B0604020202020204" pitchFamily="34" charset="0"/>
+              <a:buChar char="•"/>
             </a:pPr>
-            <a:r>
-              <a:rPr kumimoji="1" lang="en-US" altLang="ja-JP" dirty="0"/>
-              <a:t>SaaS</a:t>
-            </a:r>
-            <a:r>
-              <a:rPr kumimoji="1" lang="ja-JP" altLang="en-US"/>
-              <a:t>での稼働</a:t>
-            </a:r>
-            <a:endParaRPr kumimoji="1" lang="en-US" altLang="ja-JP" dirty="0"/>
-          </a:p>
-          <a:p>
-            <a:pPr marL="514350" indent="-514350">
-              <a:buFont typeface="+mj-lt"/>
-              <a:buAutoNum type="arabicPeriod"/>
-            </a:pPr>
-            <a:r>
-              <a:rPr kumimoji="1" lang="ja-JP" altLang="en-US"/>
-              <a:t>補足（サンプルコード一部）</a:t>
-            </a:r>
-            <a:endParaRPr kumimoji="1" lang="en-US" altLang="ja-JP" dirty="0"/>
-          </a:p>
-          <a:p>
-            <a:pPr marL="514350" indent="-514350">
-              <a:buFont typeface="+mj-lt"/>
-              <a:buAutoNum type="arabicPeriod"/>
-            </a:pPr>
-            <a:endParaRPr kumimoji="1" lang="ja-JP" altLang="en-US"/>
+            <a:endParaRPr lang="en-US" altLang="ja-JP" sz="2400" dirty="0"/>
           </a:p>
         </p:txBody>
       </p:sp>
     </p:spTree>
     <p:extLst>
       <p:ext uri="{BB962C8B-B14F-4D97-AF65-F5344CB8AC3E}">
-        <p14:creationId xmlns:p14="http://schemas.microsoft.com/office/powerpoint/2010/main" val="952943633"/>
+        <p14:creationId xmlns:p14="http://schemas.microsoft.com/office/powerpoint/2010/main" val="1407733982"/>
       </p:ext>
     </p:extLst>
   </p:cSld>
@@ -13073,6 +13062,112 @@
 </file>
 
 <file path=ppt/slides/slide30.xml><?xml version="1.0" encoding="utf-8"?>
+<p:sld xmlns:a="http://schemas.openxmlformats.org/drawingml/2006/main" xmlns:r="http://schemas.openxmlformats.org/officeDocument/2006/relationships" xmlns:p="http://schemas.openxmlformats.org/presentationml/2006/main">
+  <p:cSld>
+    <p:spTree>
+      <p:nvGrpSpPr>
+        <p:cNvPr id="1" name=""/>
+        <p:cNvGrpSpPr/>
+        <p:nvPr/>
+      </p:nvGrpSpPr>
+      <p:grpSpPr>
+        <a:xfrm>
+          <a:off x="0" y="0"/>
+          <a:ext cx="0" cy="0"/>
+          <a:chOff x="0" y="0"/>
+          <a:chExt cx="0" cy="0"/>
+        </a:xfrm>
+      </p:grpSpPr>
+      <p:sp>
+        <p:nvSpPr>
+          <p:cNvPr id="3" name="タイトル 2">
+            <a:extLst>
+              <a:ext uri="{FF2B5EF4-FFF2-40B4-BE49-F238E27FC236}">
+                <a16:creationId xmlns:a16="http://schemas.microsoft.com/office/drawing/2014/main" id="{D312E969-2058-B776-7460-26EAD49A80E4}"/>
+              </a:ext>
+            </a:extLst>
+          </p:cNvPr>
+          <p:cNvSpPr>
+            <a:spLocks noGrp="1"/>
+          </p:cNvSpPr>
+          <p:nvPr>
+            <p:ph type="title"/>
+          </p:nvPr>
+        </p:nvSpPr>
+        <p:spPr/>
+        <p:txBody>
+          <a:bodyPr/>
+          <a:lstStyle/>
+          <a:p>
+            <a:r>
+              <a:rPr lang="en-US" altLang="ja-JP" dirty="0"/>
+              <a:t>SaaS</a:t>
+            </a:r>
+            <a:r>
+              <a:rPr lang="ja-JP" altLang="en-US"/>
+              <a:t>での稼働</a:t>
+            </a:r>
+          </a:p>
+        </p:txBody>
+      </p:sp>
+      <p:sp>
+        <p:nvSpPr>
+          <p:cNvPr id="2" name="テキスト プレースホルダー 1">
+            <a:extLst>
+              <a:ext uri="{FF2B5EF4-FFF2-40B4-BE49-F238E27FC236}">
+                <a16:creationId xmlns:a16="http://schemas.microsoft.com/office/drawing/2014/main" id="{EB1E17B8-7608-8E93-3C3A-0763A40B116C}"/>
+              </a:ext>
+            </a:extLst>
+          </p:cNvPr>
+          <p:cNvSpPr>
+            <a:spLocks noGrp="1"/>
+          </p:cNvSpPr>
+          <p:nvPr>
+            <p:ph type="body" sz="quarter" idx="10"/>
+          </p:nvPr>
+        </p:nvSpPr>
+        <p:spPr/>
+        <p:txBody>
+          <a:bodyPr/>
+          <a:lstStyle/>
+          <a:p>
+            <a:r>
+              <a:rPr lang="ja-JP" altLang="en-US"/>
+              <a:t>コンテナイメージを</a:t>
+            </a:r>
+            <a:r>
+              <a:rPr lang="en-US" altLang="ja-JP" dirty="0"/>
+              <a:t>App Runner</a:t>
+            </a:r>
+            <a:r>
+              <a:rPr lang="ja-JP" altLang="en-US"/>
+              <a:t>上で</a:t>
+            </a:r>
+            <a:r>
+              <a:rPr lang="en-US" altLang="ja-JP" dirty="0"/>
+              <a:t>SaaS</a:t>
+            </a:r>
+            <a:r>
+              <a:rPr lang="ja-JP" altLang="en-US"/>
+              <a:t>として稼働します</a:t>
+            </a:r>
+          </a:p>
+        </p:txBody>
+      </p:sp>
+    </p:spTree>
+    <p:extLst>
+      <p:ext uri="{BB962C8B-B14F-4D97-AF65-F5344CB8AC3E}">
+        <p14:creationId xmlns:p14="http://schemas.microsoft.com/office/powerpoint/2010/main" val="2760395679"/>
+      </p:ext>
+    </p:extLst>
+  </p:cSld>
+  <p:clrMapOvr>
+    <a:masterClrMapping/>
+  </p:clrMapOvr>
+</p:sld>
+</file>
+
+<file path=ppt/slides/slide31.xml><?xml version="1.0" encoding="utf-8"?>
 <p:sld xmlns:a="http://schemas.openxmlformats.org/drawingml/2006/main" xmlns:r="http://schemas.openxmlformats.org/officeDocument/2006/relationships" xmlns:p="http://schemas.openxmlformats.org/presentationml/2006/main">
   <p:cSld>
     <p:spTree>
@@ -13243,7 +13338,7 @@
 </p:sld>
 </file>
 
-<file path=ppt/slides/slide31.xml><?xml version="1.0" encoding="utf-8"?>
+<file path=ppt/slides/slide32.xml><?xml version="1.0" encoding="utf-8"?>
 <p:sld xmlns:a="http://schemas.openxmlformats.org/drawingml/2006/main" xmlns:r="http://schemas.openxmlformats.org/officeDocument/2006/relationships" xmlns:p="http://schemas.openxmlformats.org/presentationml/2006/main">
   <p:cSld>
     <p:spTree>
@@ -13450,7 +13545,7 @@
 </p:sld>
 </file>
 
-<file path=ppt/slides/slide32.xml><?xml version="1.0" encoding="utf-8"?>
+<file path=ppt/slides/slide33.xml><?xml version="1.0" encoding="utf-8"?>
 <p:sld xmlns:a="http://schemas.openxmlformats.org/drawingml/2006/main" xmlns:r="http://schemas.openxmlformats.org/officeDocument/2006/relationships" xmlns:p="http://schemas.openxmlformats.org/presentationml/2006/main">
   <p:cSld>
     <p:spTree>
@@ -13617,7 +13712,7 @@
 </p:sld>
 </file>
 
-<file path=ppt/slides/slide33.xml><?xml version="1.0" encoding="utf-8"?>
+<file path=ppt/slides/slide34.xml><?xml version="1.0" encoding="utf-8"?>
 <p:sld xmlns:a="http://schemas.openxmlformats.org/drawingml/2006/main" xmlns:r="http://schemas.openxmlformats.org/officeDocument/2006/relationships" xmlns:p="http://schemas.openxmlformats.org/presentationml/2006/main">
   <p:cSld>
     <p:spTree>
@@ -13837,7 +13932,7 @@
 </p:sld>
 </file>
 
-<file path=ppt/slides/slide34.xml><?xml version="1.0" encoding="utf-8"?>
+<file path=ppt/slides/slide35.xml><?xml version="1.0" encoding="utf-8"?>
 <p:sld xmlns:a="http://schemas.openxmlformats.org/drawingml/2006/main" xmlns:r="http://schemas.openxmlformats.org/officeDocument/2006/relationships" xmlns:p="http://schemas.openxmlformats.org/presentationml/2006/main">
   <p:cSld>
     <p:spTree>
@@ -13984,7 +14079,7 @@
 </p:sld>
 </file>
 
-<file path=ppt/slides/slide35.xml><?xml version="1.0" encoding="utf-8"?>
+<file path=ppt/slides/slide36.xml><?xml version="1.0" encoding="utf-8"?>
 <p:sld xmlns:a="http://schemas.openxmlformats.org/drawingml/2006/main" xmlns:r="http://schemas.openxmlformats.org/officeDocument/2006/relationships" xmlns:p="http://schemas.openxmlformats.org/presentationml/2006/main">
   <p:cSld>
     <p:spTree>
@@ -14153,7 +14248,7 @@
 </p:sld>
 </file>
 
-<file path=ppt/slides/slide36.xml><?xml version="1.0" encoding="utf-8"?>
+<file path=ppt/slides/slide37.xml><?xml version="1.0" encoding="utf-8"?>
 <p:sld xmlns:a="http://schemas.openxmlformats.org/drawingml/2006/main" xmlns:r="http://schemas.openxmlformats.org/officeDocument/2006/relationships" xmlns:p="http://schemas.openxmlformats.org/presentationml/2006/main">
   <p:cSld>
     <p:spTree>
@@ -14397,7 +14492,7 @@
 </p:sld>
 </file>
 
-<file path=ppt/slides/slide37.xml><?xml version="1.0" encoding="utf-8"?>
+<file path=ppt/slides/slide38.xml><?xml version="1.0" encoding="utf-8"?>
 <p:sld xmlns:a="http://schemas.openxmlformats.org/drawingml/2006/main" xmlns:r="http://schemas.openxmlformats.org/officeDocument/2006/relationships" xmlns:p="http://schemas.openxmlformats.org/presentationml/2006/main">
   <p:cSld>
     <p:spTree>
@@ -14603,93 +14698,6 @@
 </p:sld>
 </file>
 
-<file path=ppt/slides/slide38.xml><?xml version="1.0" encoding="utf-8"?>
-<p:sld xmlns:a="http://schemas.openxmlformats.org/drawingml/2006/main" xmlns:r="http://schemas.openxmlformats.org/officeDocument/2006/relationships" xmlns:p="http://schemas.openxmlformats.org/presentationml/2006/main">
-  <p:cSld>
-    <p:spTree>
-      <p:nvGrpSpPr>
-        <p:cNvPr id="1" name=""/>
-        <p:cNvGrpSpPr/>
-        <p:nvPr/>
-      </p:nvGrpSpPr>
-      <p:grpSpPr>
-        <a:xfrm>
-          <a:off x="0" y="0"/>
-          <a:ext cx="0" cy="0"/>
-          <a:chOff x="0" y="0"/>
-          <a:chExt cx="0" cy="0"/>
-        </a:xfrm>
-      </p:grpSpPr>
-      <p:sp>
-        <p:nvSpPr>
-          <p:cNvPr id="2" name="Title 1">
-            <a:extLst>
-              <a:ext uri="{FF2B5EF4-FFF2-40B4-BE49-F238E27FC236}">
-                <a16:creationId xmlns:a16="http://schemas.microsoft.com/office/drawing/2014/main" id="{9EBADC66-B5FD-D747-96FE-62C7FB088D4C}"/>
-              </a:ext>
-            </a:extLst>
-          </p:cNvPr>
-          <p:cNvSpPr>
-            <a:spLocks noGrp="1"/>
-          </p:cNvSpPr>
-          <p:nvPr>
-            <p:ph type="title"/>
-          </p:nvPr>
-        </p:nvSpPr>
-        <p:spPr/>
-        <p:txBody>
-          <a:bodyPr/>
-          <a:lstStyle/>
-          <a:p>
-            <a:r>
-              <a:rPr lang="en-US" dirty="0"/>
-              <a:t>Thank you !!</a:t>
-            </a:r>
-          </a:p>
-        </p:txBody>
-      </p:sp>
-      <p:sp>
-        <p:nvSpPr>
-          <p:cNvPr id="3" name="Text Placeholder 2">
-            <a:extLst>
-              <a:ext uri="{FF2B5EF4-FFF2-40B4-BE49-F238E27FC236}">
-                <a16:creationId xmlns:a16="http://schemas.microsoft.com/office/drawing/2014/main" id="{8CFD704F-8BFC-2847-9F9E-08EBD45A313F}"/>
-              </a:ext>
-            </a:extLst>
-          </p:cNvPr>
-          <p:cNvSpPr>
-            <a:spLocks noGrp="1"/>
-          </p:cNvSpPr>
-          <p:nvPr>
-            <p:ph type="body" sz="quarter" idx="10"/>
-          </p:nvPr>
-        </p:nvSpPr>
-        <p:spPr/>
-        <p:txBody>
-          <a:bodyPr/>
-          <a:lstStyle/>
-          <a:p>
-            <a:r>
-              <a:rPr lang="en-US" dirty="0" err="1"/>
-              <a:t>ありがとうございました</a:t>
-            </a:r>
-            <a:endParaRPr lang="en-US" dirty="0"/>
-          </a:p>
-        </p:txBody>
-      </p:sp>
-    </p:spTree>
-    <p:extLst>
-      <p:ext uri="{BB962C8B-B14F-4D97-AF65-F5344CB8AC3E}">
-        <p14:creationId xmlns:p14="http://schemas.microsoft.com/office/powerpoint/2010/main" val="2654942265"/>
-      </p:ext>
-    </p:extLst>
-  </p:cSld>
-  <p:clrMapOvr>
-    <a:masterClrMapping/>
-  </p:clrMapOvr>
-</p:sld>
-</file>
-
 <file path=ppt/slides/slide39.xml><?xml version="1.0" encoding="utf-8"?>
 <p:sld xmlns:a="http://schemas.openxmlformats.org/drawingml/2006/main" xmlns:r="http://schemas.openxmlformats.org/officeDocument/2006/relationships" xmlns:p="http://schemas.openxmlformats.org/presentationml/2006/main">
   <p:cSld>
@@ -14709,10 +14717,10 @@
       </p:grpSpPr>
       <p:sp>
         <p:nvSpPr>
-          <p:cNvPr id="2" name="タイトル 1">
+          <p:cNvPr id="2" name="Title 1">
             <a:extLst>
               <a:ext uri="{FF2B5EF4-FFF2-40B4-BE49-F238E27FC236}">
-                <a16:creationId xmlns:a16="http://schemas.microsoft.com/office/drawing/2014/main" id="{3ECF1FDD-47E1-40D0-EC4D-C4E72226944E}"/>
+                <a16:creationId xmlns:a16="http://schemas.microsoft.com/office/drawing/2014/main" id="{9EBADC66-B5FD-D747-96FE-62C7FB088D4C}"/>
               </a:ext>
             </a:extLst>
           </p:cNvPr>
@@ -14729,48 +14737,45 @@
           <a:lstStyle/>
           <a:p>
             <a:r>
-              <a:rPr kumimoji="1" lang="ja-JP" altLang="en-US"/>
-              <a:t>補足（サンプルコード一部）</a:t>
-            </a:r>
-            <a:br>
-              <a:rPr kumimoji="1" lang="en-US" altLang="ja-JP" dirty="0"/>
-            </a:br>
-            <a:r>
-              <a:rPr kumimoji="1" lang="ja-JP" altLang="en-US" sz="2400">
-                <a:solidFill>
-                  <a:srgbClr val="FF0000"/>
-                </a:solidFill>
-              </a:rPr>
-              <a:t>詳細は前述した</a:t>
-            </a:r>
-            <a:r>
-              <a:rPr kumimoji="1" lang="en-US" altLang="ja-JP" sz="2400" dirty="0">
-                <a:solidFill>
-                  <a:srgbClr val="FF0000"/>
-                </a:solidFill>
-              </a:rPr>
-              <a:t>GitHub</a:t>
-            </a:r>
-            <a:r>
-              <a:rPr kumimoji="1" lang="ja-JP" altLang="en-US" sz="2400">
-                <a:solidFill>
-                  <a:srgbClr val="FF0000"/>
-                </a:solidFill>
-              </a:rPr>
-              <a:t>をご参照ください。</a:t>
-            </a:r>
-            <a:endParaRPr kumimoji="1" lang="ja-JP" altLang="en-US" sz="1800">
-              <a:solidFill>
-                <a:srgbClr val="FF0000"/>
-              </a:solidFill>
-            </a:endParaRPr>
+              <a:rPr lang="en-US" dirty="0"/>
+              <a:t>Thank you !!</a:t>
+            </a:r>
+          </a:p>
+        </p:txBody>
+      </p:sp>
+      <p:sp>
+        <p:nvSpPr>
+          <p:cNvPr id="3" name="Text Placeholder 2">
+            <a:extLst>
+              <a:ext uri="{FF2B5EF4-FFF2-40B4-BE49-F238E27FC236}">
+                <a16:creationId xmlns:a16="http://schemas.microsoft.com/office/drawing/2014/main" id="{8CFD704F-8BFC-2847-9F9E-08EBD45A313F}"/>
+              </a:ext>
+            </a:extLst>
+          </p:cNvPr>
+          <p:cNvSpPr>
+            <a:spLocks noGrp="1"/>
+          </p:cNvSpPr>
+          <p:nvPr>
+            <p:ph type="body" sz="quarter" idx="10"/>
+          </p:nvPr>
+        </p:nvSpPr>
+        <p:spPr/>
+        <p:txBody>
+          <a:bodyPr/>
+          <a:lstStyle/>
+          <a:p>
+            <a:r>
+              <a:rPr lang="en-US" dirty="0" err="1"/>
+              <a:t>ありがとうございました</a:t>
+            </a:r>
+            <a:endParaRPr lang="en-US" dirty="0"/>
           </a:p>
         </p:txBody>
       </p:sp>
     </p:spTree>
     <p:extLst>
       <p:ext uri="{BB962C8B-B14F-4D97-AF65-F5344CB8AC3E}">
-        <p14:creationId xmlns:p14="http://schemas.microsoft.com/office/powerpoint/2010/main" val="1390121936"/>
+        <p14:creationId xmlns:p14="http://schemas.microsoft.com/office/powerpoint/2010/main" val="2654942265"/>
       </p:ext>
     </p:extLst>
   </p:cSld>
@@ -14802,7 +14807,7 @@
           <p:cNvPr id="2" name="タイトル 1">
             <a:extLst>
               <a:ext uri="{FF2B5EF4-FFF2-40B4-BE49-F238E27FC236}">
-                <a16:creationId xmlns:a16="http://schemas.microsoft.com/office/drawing/2014/main" id="{DBA66F9B-87DE-4D15-DFC3-B1E91C88BCE0}"/>
+                <a16:creationId xmlns:a16="http://schemas.microsoft.com/office/drawing/2014/main" id="{A02C8EA4-107E-44BC-3E72-34BB554C4377}"/>
               </a:ext>
             </a:extLst>
           </p:cNvPr>
@@ -14819,12 +14824,8 @@
           <a:lstStyle/>
           <a:p>
             <a:r>
-              <a:rPr kumimoji="1" lang="en-US" altLang="ja-JP" dirty="0"/>
-              <a:t>modern-skeleton </a:t>
-            </a:r>
-            <a:r>
               <a:rPr kumimoji="1" lang="ja-JP" altLang="en-US"/>
-              <a:t>の３つの利用方法</a:t>
+              <a:t>目次</a:t>
             </a:r>
           </a:p>
         </p:txBody>
@@ -14834,7 +14835,7 @@
           <p:cNvPr id="3" name="テキスト プレースホルダー 2">
             <a:extLst>
               <a:ext uri="{FF2B5EF4-FFF2-40B4-BE49-F238E27FC236}">
-                <a16:creationId xmlns:a16="http://schemas.microsoft.com/office/drawing/2014/main" id="{8FF1FBE5-0C2A-7839-ADED-27C362C1AA33}"/>
+                <a16:creationId xmlns:a16="http://schemas.microsoft.com/office/drawing/2014/main" id="{52A60602-19A1-FE09-C7EB-232065394D92}"/>
               </a:ext>
             </a:extLst>
           </p:cNvPr>
@@ -14842,48 +14843,21 @@
             <a:spLocks noGrp="1"/>
           </p:cNvSpPr>
           <p:nvPr>
-            <p:ph type="body" sz="quarter" idx="4294967295"/>
+            <p:ph type="body" sz="quarter" idx="10"/>
           </p:nvPr>
         </p:nvSpPr>
-        <p:spPr>
-          <a:xfrm>
-            <a:off x="357809" y="1786871"/>
-            <a:ext cx="4704522" cy="5089525"/>
-          </a:xfrm>
-        </p:spPr>
+        <p:spPr/>
         <p:txBody>
           <a:bodyPr/>
           <a:lstStyle/>
           <a:p>
-            <a:pPr algn="ctr"/>
-            <a:r>
-              <a:rPr kumimoji="1" lang="ja-JP" altLang="en-US" b="1">
-                <a:solidFill>
-                  <a:schemeClr val="accent1"/>
-                </a:solidFill>
-              </a:rPr>
+            <a:pPr marL="514350" indent="-514350">
+              <a:buFont typeface="+mj-lt"/>
+              <a:buAutoNum type="arabicPeriod"/>
+            </a:pPr>
+            <a:r>
+              <a:rPr kumimoji="1" lang="ja-JP" altLang="en-US"/>
               <a:t>ローカル</a:t>
-            </a:r>
-            <a:r>
-              <a:rPr kumimoji="1" lang="en-US" altLang="ja-JP" b="1" dirty="0">
-                <a:solidFill>
-                  <a:schemeClr val="accent1"/>
-                </a:solidFill>
-              </a:rPr>
-              <a:t>PC</a:t>
-            </a:r>
-          </a:p>
-          <a:p>
-            <a:endParaRPr kumimoji="1" lang="en-US" altLang="ja-JP" dirty="0"/>
-          </a:p>
-          <a:p>
-            <a:r>
-              <a:rPr kumimoji="1" lang="en-US" altLang="ja-JP" dirty="0"/>
-              <a:t>GitHub</a:t>
-            </a:r>
-            <a:r>
-              <a:rPr kumimoji="1" lang="ja-JP" altLang="en-US"/>
-              <a:t>からローカル</a:t>
             </a:r>
             <a:r>
               <a:rPr kumimoji="1" lang="en-US" altLang="ja-JP" dirty="0"/>
@@ -14891,319 +14865,60 @@
             </a:r>
             <a:r>
               <a:rPr kumimoji="1" lang="ja-JP" altLang="en-US"/>
-              <a:t>へクローンし、環境構築して稼働します。</a:t>
-            </a:r>
-          </a:p>
-        </p:txBody>
-      </p:sp>
-      <p:sp>
-        <p:nvSpPr>
-          <p:cNvPr id="4" name="テキスト プレースホルダー 3">
-            <a:extLst>
-              <a:ext uri="{FF2B5EF4-FFF2-40B4-BE49-F238E27FC236}">
-                <a16:creationId xmlns:a16="http://schemas.microsoft.com/office/drawing/2014/main" id="{2FDD3D79-3F4D-D276-633D-859F08618DD1}"/>
-              </a:ext>
-            </a:extLst>
-          </p:cNvPr>
-          <p:cNvSpPr>
-            <a:spLocks noGrp="1"/>
-          </p:cNvSpPr>
-          <p:nvPr>
-            <p:ph type="body" sz="quarter" idx="4294967295"/>
-          </p:nvPr>
-        </p:nvSpPr>
-        <p:spPr>
-          <a:xfrm>
-            <a:off x="5224669" y="1786871"/>
-            <a:ext cx="4704522" cy="5089525"/>
-          </a:xfrm>
-        </p:spPr>
-        <p:txBody>
-          <a:bodyPr/>
-          <a:lstStyle/>
-          <a:p>
-            <a:pPr algn="ctr"/>
-            <a:r>
-              <a:rPr kumimoji="1" lang="ja-JP" altLang="en-US" b="1">
-                <a:solidFill>
-                  <a:schemeClr val="accent1"/>
-                </a:solidFill>
-              </a:rPr>
-              <a:t>コンテナ</a:t>
-            </a:r>
-            <a:endParaRPr kumimoji="1" lang="en-US" altLang="ja-JP" b="1" dirty="0">
-              <a:solidFill>
-                <a:schemeClr val="accent1"/>
-              </a:solidFill>
-            </a:endParaRPr>
-          </a:p>
-          <a:p>
+              <a:t>での稼働</a:t>
+            </a:r>
             <a:endParaRPr kumimoji="1" lang="en-US" altLang="ja-JP" dirty="0"/>
           </a:p>
           <a:p>
+            <a:pPr marL="514350" indent="-514350">
+              <a:buFont typeface="+mj-lt"/>
+              <a:buAutoNum type="arabicPeriod"/>
+            </a:pPr>
             <a:r>
               <a:rPr kumimoji="1" lang="ja-JP" altLang="en-US"/>
-              <a:t>コンテナイメージで稼働します。</a:t>
+              <a:t>コンテナでの稼働</a:t>
             </a:r>
             <a:endParaRPr kumimoji="1" lang="en-US" altLang="ja-JP" dirty="0"/>
           </a:p>
           <a:p>
+            <a:pPr marL="514350" indent="-514350">
+              <a:buFont typeface="+mj-lt"/>
+              <a:buAutoNum type="arabicPeriod"/>
+            </a:pPr>
+            <a:r>
+              <a:rPr kumimoji="1" lang="en-US" altLang="ja-JP" dirty="0"/>
+              <a:t>SaaS</a:t>
+            </a:r>
             <a:r>
               <a:rPr kumimoji="1" lang="ja-JP" altLang="en-US"/>
-              <a:t>本文書では、ローカル</a:t>
-            </a:r>
-            <a:r>
-              <a:rPr kumimoji="1" lang="en-US" altLang="ja-JP" dirty="0"/>
-              <a:t>PC</a:t>
-            </a:r>
+              <a:t>での稼働</a:t>
+            </a:r>
+            <a:endParaRPr kumimoji="1" lang="en-US" altLang="ja-JP" dirty="0"/>
+          </a:p>
+          <a:p>
+            <a:pPr marL="514350" indent="-514350">
+              <a:buFont typeface="+mj-lt"/>
+              <a:buAutoNum type="arabicPeriod"/>
+            </a:pPr>
             <a:r>
               <a:rPr kumimoji="1" lang="ja-JP" altLang="en-US"/>
-              <a:t>へ</a:t>
-            </a:r>
-            <a:r>
-              <a:rPr kumimoji="1" lang="en-US" altLang="ja-JP" dirty="0"/>
-              <a:t>Docker</a:t>
-            </a:r>
-            <a:r>
-              <a:rPr kumimoji="1" lang="ja-JP" altLang="en-US"/>
-              <a:t>を導入し、</a:t>
-            </a:r>
-            <a:r>
-              <a:rPr kumimoji="1" lang="en-US" altLang="ja-JP" dirty="0"/>
-              <a:t>Docker</a:t>
-            </a:r>
-            <a:r>
-              <a:rPr kumimoji="1" lang="ja-JP" altLang="en-US"/>
-              <a:t>イメージを構築後、</a:t>
-            </a:r>
-            <a:r>
-              <a:rPr kumimoji="1" lang="en-US" altLang="ja-JP" dirty="0"/>
-              <a:t>PC</a:t>
-            </a:r>
-            <a:r>
-              <a:rPr kumimoji="1" lang="ja-JP" altLang="en-US"/>
-              <a:t>上で稼働します。</a:t>
-            </a:r>
-          </a:p>
-        </p:txBody>
-      </p:sp>
-      <p:sp>
-        <p:nvSpPr>
-          <p:cNvPr id="5" name="テキスト プレースホルダー 3">
-            <a:extLst>
-              <a:ext uri="{FF2B5EF4-FFF2-40B4-BE49-F238E27FC236}">
-                <a16:creationId xmlns:a16="http://schemas.microsoft.com/office/drawing/2014/main" id="{83CCBADD-2FF6-E09F-0DD2-34546E8A8F20}"/>
-              </a:ext>
-            </a:extLst>
-          </p:cNvPr>
-          <p:cNvSpPr txBox="1">
-            <a:spLocks/>
-          </p:cNvSpPr>
-          <p:nvPr/>
-        </p:nvSpPr>
-        <p:spPr>
-          <a:xfrm>
-            <a:off x="10091530" y="1786871"/>
-            <a:ext cx="4704522" cy="5089525"/>
-          </a:xfrm>
-          <a:prstGeom prst="rect">
-            <a:avLst/>
-          </a:prstGeom>
-        </p:spPr>
-        <p:txBody>
-          <a:bodyPr vert="horz" lIns="91440" tIns="45720" rIns="91440" bIns="45720" rtlCol="0">
-            <a:noAutofit/>
-          </a:bodyPr>
-          <a:lstStyle>
-            <a:lvl1pPr marL="0" indent="0" algn="l" defTabSz="731520" rtl="0" eaLnBrk="1" latinLnBrk="0" hangingPunct="1">
-              <a:spcBef>
-                <a:spcPct val="20000"/>
-              </a:spcBef>
-              <a:buFontTx/>
-              <a:buNone/>
-              <a:defRPr sz="2900" b="0" i="0" kern="1200">
-                <a:solidFill>
-                  <a:schemeClr val="tx1"/>
-                </a:solidFill>
-                <a:latin typeface="Meiryo" panose="020B0604030504040204" pitchFamily="34" charset="-128"/>
-                <a:ea typeface="Meiryo" panose="020B0604030504040204" pitchFamily="34" charset="-128"/>
-                <a:cs typeface="Amazon Ember Regular" charset="0"/>
-              </a:defRPr>
-            </a:lvl1pPr>
-            <a:lvl2pPr marL="1188720" indent="-457200" algn="l" defTabSz="731520" rtl="0" eaLnBrk="1" latinLnBrk="0" hangingPunct="1">
-              <a:spcBef>
-                <a:spcPct val="20000"/>
-              </a:spcBef>
-              <a:buFont typeface="Arial"/>
-              <a:buChar char="•"/>
-              <a:defRPr sz="2900" b="0" i="0" kern="1200">
-                <a:solidFill>
-                  <a:schemeClr val="tx1"/>
-                </a:solidFill>
-                <a:latin typeface="Meiryo" panose="020B0604030504040204" pitchFamily="34" charset="-128"/>
-                <a:ea typeface="Meiryo" panose="020B0604030504040204" pitchFamily="34" charset="-128"/>
-                <a:cs typeface="Amazon Ember Regular" charset="0"/>
-              </a:defRPr>
-            </a:lvl2pPr>
-            <a:lvl3pPr marL="1828800" indent="-365760" algn="l" defTabSz="731520" rtl="0" eaLnBrk="1" latinLnBrk="0" hangingPunct="1">
-              <a:spcBef>
-                <a:spcPct val="20000"/>
-              </a:spcBef>
-              <a:buFont typeface="Arial"/>
-              <a:buChar char="•"/>
-              <a:defRPr sz="2600" b="0" i="0" kern="1200">
-                <a:solidFill>
-                  <a:schemeClr val="tx1"/>
-                </a:solidFill>
-                <a:latin typeface="Meiryo" panose="020B0604030504040204" pitchFamily="34" charset="-128"/>
-                <a:ea typeface="Meiryo" panose="020B0604030504040204" pitchFamily="34" charset="-128"/>
-                <a:cs typeface="Amazon Ember Regular" charset="0"/>
-              </a:defRPr>
-            </a:lvl3pPr>
-            <a:lvl4pPr marL="2560320" indent="-365760" algn="l" defTabSz="731520" rtl="0" eaLnBrk="1" latinLnBrk="0" hangingPunct="1">
-              <a:spcBef>
-                <a:spcPct val="20000"/>
-              </a:spcBef>
-              <a:buFont typeface="Arial"/>
-              <a:buChar char="–"/>
-              <a:defRPr sz="2200" b="0" i="0" kern="1200">
-                <a:solidFill>
-                  <a:schemeClr val="tx1"/>
-                </a:solidFill>
-                <a:latin typeface="Meiryo" panose="020B0604030504040204" pitchFamily="34" charset="-128"/>
-                <a:ea typeface="Meiryo" panose="020B0604030504040204" pitchFamily="34" charset="-128"/>
-                <a:cs typeface="Amazon Ember Regular" charset="0"/>
-              </a:defRPr>
-            </a:lvl4pPr>
-            <a:lvl5pPr marL="3291840" indent="-365760" algn="l" defTabSz="731520" rtl="0" eaLnBrk="1" latinLnBrk="0" hangingPunct="1">
-              <a:spcBef>
-                <a:spcPct val="20000"/>
-              </a:spcBef>
-              <a:buFont typeface="Arial"/>
-              <a:buChar char="»"/>
-              <a:defRPr sz="1900" b="0" i="0" kern="1200">
-                <a:solidFill>
-                  <a:schemeClr val="tx1"/>
-                </a:solidFill>
-                <a:latin typeface="Meiryo" panose="020B0604030504040204" pitchFamily="34" charset="-128"/>
-                <a:ea typeface="Meiryo" panose="020B0604030504040204" pitchFamily="34" charset="-128"/>
-                <a:cs typeface="Amazon Ember Regular" charset="0"/>
-              </a:defRPr>
-            </a:lvl5pPr>
-            <a:lvl6pPr marL="4023360" indent="-365760" algn="l" defTabSz="731520" rtl="0" eaLnBrk="1" latinLnBrk="0" hangingPunct="1">
-              <a:spcBef>
-                <a:spcPct val="20000"/>
-              </a:spcBef>
-              <a:buFont typeface="Arial"/>
-              <a:buChar char="•"/>
-              <a:defRPr sz="3200" kern="1200">
-                <a:solidFill>
-                  <a:schemeClr val="tx1"/>
-                </a:solidFill>
-                <a:latin typeface="+mn-lt"/>
-                <a:ea typeface="+mn-ea"/>
-                <a:cs typeface="+mn-cs"/>
-              </a:defRPr>
-            </a:lvl6pPr>
-            <a:lvl7pPr marL="4754880" indent="-365760" algn="l" defTabSz="731520" rtl="0" eaLnBrk="1" latinLnBrk="0" hangingPunct="1">
-              <a:spcBef>
-                <a:spcPct val="20000"/>
-              </a:spcBef>
-              <a:buFont typeface="Arial"/>
-              <a:buChar char="•"/>
-              <a:defRPr sz="3200" kern="1200">
-                <a:solidFill>
-                  <a:schemeClr val="tx1"/>
-                </a:solidFill>
-                <a:latin typeface="+mn-lt"/>
-                <a:ea typeface="+mn-ea"/>
-                <a:cs typeface="+mn-cs"/>
-              </a:defRPr>
-            </a:lvl7pPr>
-            <a:lvl8pPr marL="5486400" indent="-365760" algn="l" defTabSz="731520" rtl="0" eaLnBrk="1" latinLnBrk="0" hangingPunct="1">
-              <a:spcBef>
-                <a:spcPct val="20000"/>
-              </a:spcBef>
-              <a:buFont typeface="Arial"/>
-              <a:buChar char="•"/>
-              <a:defRPr sz="3200" kern="1200">
-                <a:solidFill>
-                  <a:schemeClr val="tx1"/>
-                </a:solidFill>
-                <a:latin typeface="+mn-lt"/>
-                <a:ea typeface="+mn-ea"/>
-                <a:cs typeface="+mn-cs"/>
-              </a:defRPr>
-            </a:lvl8pPr>
-            <a:lvl9pPr marL="6217920" indent="-365760" algn="l" defTabSz="731520" rtl="0" eaLnBrk="1" latinLnBrk="0" hangingPunct="1">
-              <a:spcBef>
-                <a:spcPct val="20000"/>
-              </a:spcBef>
-              <a:buFont typeface="Arial"/>
-              <a:buChar char="•"/>
-              <a:defRPr sz="3200" kern="1200">
-                <a:solidFill>
-                  <a:schemeClr val="tx1"/>
-                </a:solidFill>
-                <a:latin typeface="+mn-lt"/>
-                <a:ea typeface="+mn-ea"/>
-                <a:cs typeface="+mn-cs"/>
-              </a:defRPr>
-            </a:lvl9pPr>
-          </a:lstStyle>
-          <a:p>
-            <a:pPr algn="ctr"/>
-            <a:r>
-              <a:rPr kumimoji="1" lang="en-US" altLang="ja-JP" b="1" dirty="0">
-                <a:solidFill>
-                  <a:schemeClr val="accent1"/>
-                </a:solidFill>
-              </a:rPr>
-              <a:t>SaaS</a:t>
-            </a:r>
-          </a:p>
-          <a:p>
+              <a:t>補足（サンプルコード一部）</a:t>
+            </a:r>
             <a:endParaRPr kumimoji="1" lang="en-US" altLang="ja-JP" dirty="0"/>
           </a:p>
           <a:p>
-            <a:r>
-              <a:rPr kumimoji="1" lang="en-US" altLang="ja-JP" dirty="0"/>
-              <a:t>AWS App Runner</a:t>
-            </a:r>
-            <a:r>
-              <a:rPr kumimoji="1" lang="ja-JP" altLang="en-US"/>
-              <a:t>上で、</a:t>
-            </a:r>
-            <a:r>
-              <a:rPr kumimoji="1" lang="en-US" altLang="ja-JP" dirty="0" err="1"/>
-              <a:t>GiuHub</a:t>
-            </a:r>
-            <a:r>
-              <a:rPr kumimoji="1" lang="ja-JP" altLang="en-US"/>
-              <a:t>を指定して稼働します。</a:t>
-            </a:r>
-            <a:endParaRPr kumimoji="1" lang="en-US" altLang="ja-JP" dirty="0"/>
-          </a:p>
-          <a:p>
-            <a:r>
-              <a:rPr kumimoji="1" lang="ja-JP" altLang="en-US"/>
-              <a:t>（</a:t>
-            </a:r>
-            <a:r>
-              <a:rPr kumimoji="1" lang="en-US" altLang="ja-JP" dirty="0"/>
-              <a:t>App Runner</a:t>
-            </a:r>
-            <a:r>
-              <a:rPr kumimoji="1" lang="ja-JP" altLang="en-US"/>
-              <a:t>はコンテナを指定して稼働することも可能です。）</a:t>
-            </a:r>
+            <a:pPr marL="514350" indent="-514350">
+              <a:buFont typeface="+mj-lt"/>
+              <a:buAutoNum type="arabicPeriod"/>
+            </a:pPr>
+            <a:endParaRPr kumimoji="1" lang="ja-JP" altLang="en-US"/>
           </a:p>
         </p:txBody>
       </p:sp>
     </p:spTree>
     <p:extLst>
       <p:ext uri="{BB962C8B-B14F-4D97-AF65-F5344CB8AC3E}">
-        <p14:creationId xmlns:p14="http://schemas.microsoft.com/office/powerpoint/2010/main" val="2318748458"/>
+        <p14:creationId xmlns:p14="http://schemas.microsoft.com/office/powerpoint/2010/main" val="952943633"/>
       </p:ext>
     </p:extLst>
   </p:cSld>
@@ -15235,7 +14950,7 @@
           <p:cNvPr id="2" name="タイトル 1">
             <a:extLst>
               <a:ext uri="{FF2B5EF4-FFF2-40B4-BE49-F238E27FC236}">
-                <a16:creationId xmlns:a16="http://schemas.microsoft.com/office/drawing/2014/main" id="{1A65DBFB-A86D-A170-7CC7-A3AD91C9ECF7}"/>
+                <a16:creationId xmlns:a16="http://schemas.microsoft.com/office/drawing/2014/main" id="{3ECF1FDD-47E1-40D0-EC4D-C4E72226944E}"/>
               </a:ext>
             </a:extLst>
           </p:cNvPr>
@@ -15252,57 +14967,48 @@
           <a:lstStyle/>
           <a:p>
             <a:r>
-              <a:rPr kumimoji="1" lang="en-US" altLang="ja-JP" dirty="0" err="1"/>
-              <a:t>requirements.txt</a:t>
-            </a:r>
-            <a:endParaRPr kumimoji="1" lang="ja-JP" altLang="en-US"/>
-          </a:p>
-        </p:txBody>
-      </p:sp>
-      <p:sp>
-        <p:nvSpPr>
-          <p:cNvPr id="3" name="テキスト プレースホルダー 2">
-            <a:extLst>
-              <a:ext uri="{FF2B5EF4-FFF2-40B4-BE49-F238E27FC236}">
-                <a16:creationId xmlns:a16="http://schemas.microsoft.com/office/drawing/2014/main" id="{7B766510-0882-5901-2A4E-7BB07D04B217}"/>
-              </a:ext>
-            </a:extLst>
-          </p:cNvPr>
-          <p:cNvSpPr>
-            <a:spLocks noGrp="1"/>
-          </p:cNvSpPr>
-          <p:nvPr>
-            <p:ph type="body" sz="quarter" idx="10"/>
-          </p:nvPr>
-        </p:nvSpPr>
-        <p:spPr>
-          <a:ln>
-            <a:solidFill>
-              <a:schemeClr val="accent6">
-                <a:lumMod val="60000"/>
-                <a:lumOff val="40000"/>
-              </a:schemeClr>
-            </a:solidFill>
-          </a:ln>
-        </p:spPr>
-        <p:txBody>
-          <a:bodyPr/>
-          <a:lstStyle/>
-          <a:p>
-            <a:r>
-              <a:rPr kumimoji="1" lang="en" altLang="ja-JP" sz="1600" dirty="0"/>
-              <a:t>Flask==2.0.2</a:t>
-            </a:r>
-          </a:p>
-          <a:p>
-            <a:endParaRPr kumimoji="1" lang="ja-JP" altLang="en-US" sz="1600"/>
+              <a:rPr kumimoji="1" lang="ja-JP" altLang="en-US"/>
+              <a:t>補足（サンプルコード一部）</a:t>
+            </a:r>
+            <a:br>
+              <a:rPr kumimoji="1" lang="en-US" altLang="ja-JP" dirty="0"/>
+            </a:br>
+            <a:r>
+              <a:rPr kumimoji="1" lang="ja-JP" altLang="en-US" sz="2400">
+                <a:solidFill>
+                  <a:srgbClr val="FF0000"/>
+                </a:solidFill>
+              </a:rPr>
+              <a:t>詳細は前述した</a:t>
+            </a:r>
+            <a:r>
+              <a:rPr kumimoji="1" lang="en-US" altLang="ja-JP" sz="2400" dirty="0">
+                <a:solidFill>
+                  <a:srgbClr val="FF0000"/>
+                </a:solidFill>
+              </a:rPr>
+              <a:t>GitHub</a:t>
+            </a:r>
+            <a:r>
+              <a:rPr kumimoji="1" lang="ja-JP" altLang="en-US" sz="2400">
+                <a:solidFill>
+                  <a:srgbClr val="FF0000"/>
+                </a:solidFill>
+              </a:rPr>
+              <a:t>をご参照ください。</a:t>
+            </a:r>
+            <a:endParaRPr kumimoji="1" lang="ja-JP" altLang="en-US" sz="1800">
+              <a:solidFill>
+                <a:srgbClr val="FF0000"/>
+              </a:solidFill>
+            </a:endParaRPr>
           </a:p>
         </p:txBody>
       </p:sp>
     </p:spTree>
     <p:extLst>
       <p:ext uri="{BB962C8B-B14F-4D97-AF65-F5344CB8AC3E}">
-        <p14:creationId xmlns:p14="http://schemas.microsoft.com/office/powerpoint/2010/main" val="1796955621"/>
+        <p14:creationId xmlns:p14="http://schemas.microsoft.com/office/powerpoint/2010/main" val="1390121936"/>
       </p:ext>
     </p:extLst>
   </p:cSld>
@@ -15352,7 +15058,7 @@
           <a:p>
             <a:r>
               <a:rPr kumimoji="1" lang="en-US" altLang="ja-JP" dirty="0" err="1"/>
-              <a:t>Dockerfile.txt</a:t>
+              <a:t>requirements.txt</a:t>
             </a:r>
             <a:endParaRPr kumimoji="1" lang="ja-JP" altLang="en-US"/>
           </a:p>
@@ -15385,103 +15091,12 @@
           </a:ln>
         </p:spPr>
         <p:txBody>
-          <a:bodyPr vert="horz" lIns="91440" tIns="45720" rIns="91440" bIns="45720" rtlCol="0">
-            <a:noAutofit/>
-          </a:bodyPr>
+          <a:bodyPr/>
           <a:lstStyle/>
           <a:p>
             <a:r>
               <a:rPr kumimoji="1" lang="en" altLang="ja-JP" sz="1600" dirty="0"/>
-              <a:t>FROM python:3.8.12-slim-bullseye</a:t>
-            </a:r>
-          </a:p>
-          <a:p>
-            <a:endParaRPr kumimoji="1" lang="en" altLang="ja-JP" sz="1600" dirty="0"/>
-          </a:p>
-          <a:p>
-            <a:r>
-              <a:rPr kumimoji="1" lang="en" altLang="ja-JP" sz="1600" dirty="0"/>
-              <a:t>RUN apt update  &amp;&amp; \</a:t>
-            </a:r>
-          </a:p>
-          <a:p>
-            <a:r>
-              <a:rPr kumimoji="1" lang="en" altLang="ja-JP" sz="1600" dirty="0"/>
-              <a:t>  apt install -y git curl &amp;&amp; \</a:t>
-            </a:r>
-          </a:p>
-          <a:p>
-            <a:r>
-              <a:rPr kumimoji="1" lang="en" altLang="ja-JP" sz="1600" dirty="0"/>
-              <a:t>  git clone https://</a:t>
-            </a:r>
-            <a:r>
-              <a:rPr kumimoji="1" lang="en" altLang="ja-JP" sz="1600" dirty="0" err="1"/>
-              <a:t>github.com</a:t>
-            </a:r>
-            <a:r>
-              <a:rPr kumimoji="1" lang="en" altLang="ja-JP" sz="1600" dirty="0"/>
-              <a:t>/</a:t>
-            </a:r>
-            <a:r>
-              <a:rPr kumimoji="1" lang="en" altLang="ja-JP" sz="1600" dirty="0" err="1"/>
-              <a:t>kmorooka</a:t>
-            </a:r>
-            <a:r>
-              <a:rPr kumimoji="1" lang="en" altLang="ja-JP" sz="1600" dirty="0"/>
-              <a:t>/modern-</a:t>
-            </a:r>
-            <a:r>
-              <a:rPr kumimoji="1" lang="en" altLang="ja-JP" sz="1600" dirty="0" err="1"/>
-              <a:t>skeleton.git</a:t>
-            </a:r>
-            <a:r>
-              <a:rPr kumimoji="1" lang="en" altLang="ja-JP" sz="1600" dirty="0"/>
-              <a:t> &amp;&amp; \</a:t>
-            </a:r>
-          </a:p>
-          <a:p>
-            <a:r>
-              <a:rPr kumimoji="1" lang="en" altLang="ja-JP" sz="1600" dirty="0"/>
-              <a:t>  pip install --upgrade pip &amp;&amp; \</a:t>
-            </a:r>
-          </a:p>
-          <a:p>
-            <a:r>
-              <a:rPr kumimoji="1" lang="en" altLang="ja-JP" sz="1600" dirty="0"/>
-              <a:t>  pip install -r /modern-skeleton/</a:t>
-            </a:r>
-            <a:r>
-              <a:rPr kumimoji="1" lang="en" altLang="ja-JP" sz="1600" dirty="0" err="1"/>
-              <a:t>requirements.txt</a:t>
-            </a:r>
-            <a:r>
-              <a:rPr kumimoji="1" lang="en" altLang="ja-JP" sz="1600" dirty="0"/>
-              <a:t> &amp;&amp; \</a:t>
-            </a:r>
-          </a:p>
-          <a:p>
-            <a:r>
-              <a:rPr kumimoji="1" lang="en" altLang="ja-JP" sz="1600" dirty="0"/>
-              <a:t>  rm -rf ~/.cache</a:t>
-            </a:r>
-          </a:p>
-          <a:p>
-            <a:endParaRPr kumimoji="1" lang="en" altLang="ja-JP" sz="1600" dirty="0"/>
-          </a:p>
-          <a:p>
-            <a:r>
-              <a:rPr kumimoji="1" lang="en" altLang="ja-JP" sz="1600" dirty="0"/>
-              <a:t>WORKDIR /modern-skeleton</a:t>
-            </a:r>
-          </a:p>
-          <a:p>
-            <a:endParaRPr kumimoji="1" lang="en" altLang="ja-JP" sz="1600" dirty="0"/>
-          </a:p>
-          <a:p>
-            <a:r>
-              <a:rPr kumimoji="1" lang="en" altLang="ja-JP" sz="1600" dirty="0"/>
-              <a:t>CMD ["flask", "run", "--host", "0.0.0.0", "--port", "5000"]</a:t>
+              <a:t>Flask==2.0.2</a:t>
             </a:r>
           </a:p>
           <a:p>
@@ -15492,7 +15107,7 @@
     </p:spTree>
     <p:extLst>
       <p:ext uri="{BB962C8B-B14F-4D97-AF65-F5344CB8AC3E}">
-        <p14:creationId xmlns:p14="http://schemas.microsoft.com/office/powerpoint/2010/main" val="257487454"/>
+        <p14:creationId xmlns:p14="http://schemas.microsoft.com/office/powerpoint/2010/main" val="1796955621"/>
       </p:ext>
     </p:extLst>
   </p:cSld>
@@ -15542,7 +15157,7 @@
           <a:p>
             <a:r>
               <a:rPr kumimoji="1" lang="en-US" altLang="ja-JP" dirty="0" err="1"/>
-              <a:t>apprunner.txt</a:t>
+              <a:t>Dockerfile.txt</a:t>
             </a:r>
             <a:endParaRPr kumimoji="1" lang="ja-JP" altLang="en-US"/>
           </a:p>
@@ -15582,6 +15197,196 @@
           <a:p>
             <a:r>
               <a:rPr kumimoji="1" lang="en" altLang="ja-JP" sz="1600" dirty="0"/>
+              <a:t>FROM python:3.8.12-slim-bullseye</a:t>
+            </a:r>
+          </a:p>
+          <a:p>
+            <a:endParaRPr kumimoji="1" lang="en" altLang="ja-JP" sz="1600" dirty="0"/>
+          </a:p>
+          <a:p>
+            <a:r>
+              <a:rPr kumimoji="1" lang="en" altLang="ja-JP" sz="1600" dirty="0"/>
+              <a:t>RUN apt update  &amp;&amp; \</a:t>
+            </a:r>
+          </a:p>
+          <a:p>
+            <a:r>
+              <a:rPr kumimoji="1" lang="en" altLang="ja-JP" sz="1600" dirty="0"/>
+              <a:t>  apt install -y git curl &amp;&amp; \</a:t>
+            </a:r>
+          </a:p>
+          <a:p>
+            <a:r>
+              <a:rPr kumimoji="1" lang="en" altLang="ja-JP" sz="1600" dirty="0"/>
+              <a:t>  git clone https://</a:t>
+            </a:r>
+            <a:r>
+              <a:rPr kumimoji="1" lang="en" altLang="ja-JP" sz="1600" dirty="0" err="1"/>
+              <a:t>github.com</a:t>
+            </a:r>
+            <a:r>
+              <a:rPr kumimoji="1" lang="en" altLang="ja-JP" sz="1600" dirty="0"/>
+              <a:t>/</a:t>
+            </a:r>
+            <a:r>
+              <a:rPr kumimoji="1" lang="en" altLang="ja-JP" sz="1600" dirty="0" err="1"/>
+              <a:t>kmorooka</a:t>
+            </a:r>
+            <a:r>
+              <a:rPr kumimoji="1" lang="en" altLang="ja-JP" sz="1600" dirty="0"/>
+              <a:t>/modern-</a:t>
+            </a:r>
+            <a:r>
+              <a:rPr kumimoji="1" lang="en" altLang="ja-JP" sz="1600" dirty="0" err="1"/>
+              <a:t>skeleton.git</a:t>
+            </a:r>
+            <a:r>
+              <a:rPr kumimoji="1" lang="en" altLang="ja-JP" sz="1600" dirty="0"/>
+              <a:t> &amp;&amp; \</a:t>
+            </a:r>
+          </a:p>
+          <a:p>
+            <a:r>
+              <a:rPr kumimoji="1" lang="en" altLang="ja-JP" sz="1600" dirty="0"/>
+              <a:t>  pip install --upgrade pip &amp;&amp; \</a:t>
+            </a:r>
+          </a:p>
+          <a:p>
+            <a:r>
+              <a:rPr kumimoji="1" lang="en" altLang="ja-JP" sz="1600" dirty="0"/>
+              <a:t>  pip install -r /modern-skeleton/</a:t>
+            </a:r>
+            <a:r>
+              <a:rPr kumimoji="1" lang="en" altLang="ja-JP" sz="1600" dirty="0" err="1"/>
+              <a:t>requirements.txt</a:t>
+            </a:r>
+            <a:r>
+              <a:rPr kumimoji="1" lang="en" altLang="ja-JP" sz="1600" dirty="0"/>
+              <a:t> &amp;&amp; \</a:t>
+            </a:r>
+          </a:p>
+          <a:p>
+            <a:r>
+              <a:rPr kumimoji="1" lang="en" altLang="ja-JP" sz="1600" dirty="0"/>
+              <a:t>  rm -rf ~/.cache</a:t>
+            </a:r>
+          </a:p>
+          <a:p>
+            <a:endParaRPr kumimoji="1" lang="en" altLang="ja-JP" sz="1600" dirty="0"/>
+          </a:p>
+          <a:p>
+            <a:r>
+              <a:rPr kumimoji="1" lang="en" altLang="ja-JP" sz="1600" dirty="0"/>
+              <a:t>WORKDIR /modern-skeleton</a:t>
+            </a:r>
+          </a:p>
+          <a:p>
+            <a:endParaRPr kumimoji="1" lang="en" altLang="ja-JP" sz="1600" dirty="0"/>
+          </a:p>
+          <a:p>
+            <a:r>
+              <a:rPr kumimoji="1" lang="en" altLang="ja-JP" sz="1600" dirty="0"/>
+              <a:t>CMD ["flask", "run", "--host", "0.0.0.0", "--port", "5000"]</a:t>
+            </a:r>
+          </a:p>
+          <a:p>
+            <a:endParaRPr kumimoji="1" lang="ja-JP" altLang="en-US" sz="1600"/>
+          </a:p>
+        </p:txBody>
+      </p:sp>
+    </p:spTree>
+    <p:extLst>
+      <p:ext uri="{BB962C8B-B14F-4D97-AF65-F5344CB8AC3E}">
+        <p14:creationId xmlns:p14="http://schemas.microsoft.com/office/powerpoint/2010/main" val="257487454"/>
+      </p:ext>
+    </p:extLst>
+  </p:cSld>
+  <p:clrMapOvr>
+    <a:masterClrMapping/>
+  </p:clrMapOvr>
+</p:sld>
+</file>
+
+<file path=ppt/slides/slide43.xml><?xml version="1.0" encoding="utf-8"?>
+<p:sld xmlns:a="http://schemas.openxmlformats.org/drawingml/2006/main" xmlns:r="http://schemas.openxmlformats.org/officeDocument/2006/relationships" xmlns:p="http://schemas.openxmlformats.org/presentationml/2006/main">
+  <p:cSld>
+    <p:spTree>
+      <p:nvGrpSpPr>
+        <p:cNvPr id="1" name=""/>
+        <p:cNvGrpSpPr/>
+        <p:nvPr/>
+      </p:nvGrpSpPr>
+      <p:grpSpPr>
+        <a:xfrm>
+          <a:off x="0" y="0"/>
+          <a:ext cx="0" cy="0"/>
+          <a:chOff x="0" y="0"/>
+          <a:chExt cx="0" cy="0"/>
+        </a:xfrm>
+      </p:grpSpPr>
+      <p:sp>
+        <p:nvSpPr>
+          <p:cNvPr id="2" name="タイトル 1">
+            <a:extLst>
+              <a:ext uri="{FF2B5EF4-FFF2-40B4-BE49-F238E27FC236}">
+                <a16:creationId xmlns:a16="http://schemas.microsoft.com/office/drawing/2014/main" id="{1A65DBFB-A86D-A170-7CC7-A3AD91C9ECF7}"/>
+              </a:ext>
+            </a:extLst>
+          </p:cNvPr>
+          <p:cNvSpPr>
+            <a:spLocks noGrp="1"/>
+          </p:cNvSpPr>
+          <p:nvPr>
+            <p:ph type="title"/>
+          </p:nvPr>
+        </p:nvSpPr>
+        <p:spPr/>
+        <p:txBody>
+          <a:bodyPr/>
+          <a:lstStyle/>
+          <a:p>
+            <a:r>
+              <a:rPr kumimoji="1" lang="en-US" altLang="ja-JP" dirty="0" err="1"/>
+              <a:t>apprunner.txt</a:t>
+            </a:r>
+            <a:endParaRPr kumimoji="1" lang="ja-JP" altLang="en-US"/>
+          </a:p>
+        </p:txBody>
+      </p:sp>
+      <p:sp>
+        <p:nvSpPr>
+          <p:cNvPr id="3" name="テキスト プレースホルダー 2">
+            <a:extLst>
+              <a:ext uri="{FF2B5EF4-FFF2-40B4-BE49-F238E27FC236}">
+                <a16:creationId xmlns:a16="http://schemas.microsoft.com/office/drawing/2014/main" id="{7B766510-0882-5901-2A4E-7BB07D04B217}"/>
+              </a:ext>
+            </a:extLst>
+          </p:cNvPr>
+          <p:cNvSpPr>
+            <a:spLocks noGrp="1"/>
+          </p:cNvSpPr>
+          <p:nvPr>
+            <p:ph type="body" sz="quarter" idx="10"/>
+          </p:nvPr>
+        </p:nvSpPr>
+        <p:spPr>
+          <a:ln>
+            <a:solidFill>
+              <a:schemeClr val="accent6">
+                <a:lumMod val="60000"/>
+                <a:lumOff val="40000"/>
+              </a:schemeClr>
+            </a:solidFill>
+          </a:ln>
+        </p:spPr>
+        <p:txBody>
+          <a:bodyPr vert="horz" lIns="91440" tIns="45720" rIns="91440" bIns="45720" rtlCol="0">
+            <a:noAutofit/>
+          </a:bodyPr>
+          <a:lstStyle/>
+          <a:p>
+            <a:r>
+              <a:rPr kumimoji="1" lang="en" altLang="ja-JP" sz="1600" dirty="0"/>
               <a:t>version: 1.0</a:t>
             </a:r>
           </a:p>
@@ -15684,7 +15489,527 @@
 </p:sld>
 </file>
 
+<file path=ppt/slides/slide44.xml><?xml version="1.0" encoding="utf-8"?>
+<p:sld xmlns:a="http://schemas.openxmlformats.org/drawingml/2006/main" xmlns:r="http://schemas.openxmlformats.org/officeDocument/2006/relationships" xmlns:p="http://schemas.openxmlformats.org/presentationml/2006/main">
+  <p:cSld>
+    <p:spTree>
+      <p:nvGrpSpPr>
+        <p:cNvPr id="1" name=""/>
+        <p:cNvGrpSpPr/>
+        <p:nvPr/>
+      </p:nvGrpSpPr>
+      <p:grpSpPr>
+        <a:xfrm>
+          <a:off x="0" y="0"/>
+          <a:ext cx="0" cy="0"/>
+          <a:chOff x="0" y="0"/>
+          <a:chExt cx="0" cy="0"/>
+        </a:xfrm>
+      </p:grpSpPr>
+      <p:sp>
+        <p:nvSpPr>
+          <p:cNvPr id="2" name="Title 1">
+            <a:extLst>
+              <a:ext uri="{FF2B5EF4-FFF2-40B4-BE49-F238E27FC236}">
+                <a16:creationId xmlns:a16="http://schemas.microsoft.com/office/drawing/2014/main" id="{9EBADC66-B5FD-D747-96FE-62C7FB088D4C}"/>
+              </a:ext>
+            </a:extLst>
+          </p:cNvPr>
+          <p:cNvSpPr>
+            <a:spLocks noGrp="1"/>
+          </p:cNvSpPr>
+          <p:nvPr>
+            <p:ph type="title"/>
+          </p:nvPr>
+        </p:nvSpPr>
+        <p:spPr/>
+        <p:txBody>
+          <a:bodyPr/>
+          <a:lstStyle/>
+          <a:p>
+            <a:r>
+              <a:rPr lang="en-US" dirty="0"/>
+              <a:t>Thank you !!</a:t>
+            </a:r>
+          </a:p>
+        </p:txBody>
+      </p:sp>
+      <p:sp>
+        <p:nvSpPr>
+          <p:cNvPr id="3" name="Text Placeholder 2">
+            <a:extLst>
+              <a:ext uri="{FF2B5EF4-FFF2-40B4-BE49-F238E27FC236}">
+                <a16:creationId xmlns:a16="http://schemas.microsoft.com/office/drawing/2014/main" id="{8CFD704F-8BFC-2847-9F9E-08EBD45A313F}"/>
+              </a:ext>
+            </a:extLst>
+          </p:cNvPr>
+          <p:cNvSpPr>
+            <a:spLocks noGrp="1"/>
+          </p:cNvSpPr>
+          <p:nvPr>
+            <p:ph type="body" sz="quarter" idx="10"/>
+          </p:nvPr>
+        </p:nvSpPr>
+        <p:spPr/>
+        <p:txBody>
+          <a:bodyPr/>
+          <a:lstStyle/>
+          <a:p>
+            <a:r>
+              <a:rPr lang="en-US" dirty="0" err="1"/>
+              <a:t>ありがとうございました</a:t>
+            </a:r>
+            <a:endParaRPr lang="en-US" dirty="0"/>
+          </a:p>
+        </p:txBody>
+      </p:sp>
+    </p:spTree>
+    <p:extLst>
+      <p:ext uri="{BB962C8B-B14F-4D97-AF65-F5344CB8AC3E}">
+        <p14:creationId xmlns:p14="http://schemas.microsoft.com/office/powerpoint/2010/main" val="1768961880"/>
+      </p:ext>
+    </p:extLst>
+  </p:cSld>
+  <p:clrMapOvr>
+    <a:masterClrMapping/>
+  </p:clrMapOvr>
+</p:sld>
+</file>
+
 <file path=ppt/slides/slide5.xml><?xml version="1.0" encoding="utf-8"?>
+<p:sld xmlns:a="http://schemas.openxmlformats.org/drawingml/2006/main" xmlns:r="http://schemas.openxmlformats.org/officeDocument/2006/relationships" xmlns:p="http://schemas.openxmlformats.org/presentationml/2006/main">
+  <p:cSld>
+    <p:spTree>
+      <p:nvGrpSpPr>
+        <p:cNvPr id="1" name=""/>
+        <p:cNvGrpSpPr/>
+        <p:nvPr/>
+      </p:nvGrpSpPr>
+      <p:grpSpPr>
+        <a:xfrm>
+          <a:off x="0" y="0"/>
+          <a:ext cx="0" cy="0"/>
+          <a:chOff x="0" y="0"/>
+          <a:chExt cx="0" cy="0"/>
+        </a:xfrm>
+      </p:grpSpPr>
+      <p:sp>
+        <p:nvSpPr>
+          <p:cNvPr id="2" name="タイトル 1">
+            <a:extLst>
+              <a:ext uri="{FF2B5EF4-FFF2-40B4-BE49-F238E27FC236}">
+                <a16:creationId xmlns:a16="http://schemas.microsoft.com/office/drawing/2014/main" id="{DBA66F9B-87DE-4D15-DFC3-B1E91C88BCE0}"/>
+              </a:ext>
+            </a:extLst>
+          </p:cNvPr>
+          <p:cNvSpPr>
+            <a:spLocks noGrp="1"/>
+          </p:cNvSpPr>
+          <p:nvPr>
+            <p:ph type="title"/>
+          </p:nvPr>
+        </p:nvSpPr>
+        <p:spPr/>
+        <p:txBody>
+          <a:bodyPr/>
+          <a:lstStyle/>
+          <a:p>
+            <a:r>
+              <a:rPr kumimoji="1" lang="en-US" altLang="ja-JP" dirty="0"/>
+              <a:t>modern-skeleton </a:t>
+            </a:r>
+            <a:r>
+              <a:rPr kumimoji="1" lang="ja-JP" altLang="en-US"/>
+              <a:t>の３つの利用方法</a:t>
+            </a:r>
+          </a:p>
+        </p:txBody>
+      </p:sp>
+      <p:sp>
+        <p:nvSpPr>
+          <p:cNvPr id="3" name="テキスト プレースホルダー 2">
+            <a:extLst>
+              <a:ext uri="{FF2B5EF4-FFF2-40B4-BE49-F238E27FC236}">
+                <a16:creationId xmlns:a16="http://schemas.microsoft.com/office/drawing/2014/main" id="{8FF1FBE5-0C2A-7839-ADED-27C362C1AA33}"/>
+              </a:ext>
+            </a:extLst>
+          </p:cNvPr>
+          <p:cNvSpPr>
+            <a:spLocks noGrp="1"/>
+          </p:cNvSpPr>
+          <p:nvPr>
+            <p:ph type="body" sz="quarter" idx="4294967295"/>
+          </p:nvPr>
+        </p:nvSpPr>
+        <p:spPr>
+          <a:xfrm>
+            <a:off x="357809" y="1786871"/>
+            <a:ext cx="4704522" cy="5089525"/>
+          </a:xfrm>
+        </p:spPr>
+        <p:txBody>
+          <a:bodyPr/>
+          <a:lstStyle/>
+          <a:p>
+            <a:pPr algn="ctr"/>
+            <a:r>
+              <a:rPr kumimoji="1" lang="ja-JP" altLang="en-US" b="1">
+                <a:solidFill>
+                  <a:schemeClr val="accent1"/>
+                </a:solidFill>
+              </a:rPr>
+              <a:t>ローカル</a:t>
+            </a:r>
+            <a:r>
+              <a:rPr kumimoji="1" lang="en-US" altLang="ja-JP" b="1" dirty="0">
+                <a:solidFill>
+                  <a:schemeClr val="accent1"/>
+                </a:solidFill>
+              </a:rPr>
+              <a:t>PC</a:t>
+            </a:r>
+          </a:p>
+          <a:p>
+            <a:endParaRPr kumimoji="1" lang="en-US" altLang="ja-JP" dirty="0"/>
+          </a:p>
+          <a:p>
+            <a:r>
+              <a:rPr kumimoji="1" lang="en-US" altLang="ja-JP" dirty="0"/>
+              <a:t>GitHub</a:t>
+            </a:r>
+            <a:r>
+              <a:rPr kumimoji="1" lang="ja-JP" altLang="en-US"/>
+              <a:t>からローカル</a:t>
+            </a:r>
+            <a:r>
+              <a:rPr kumimoji="1" lang="en-US" altLang="ja-JP" dirty="0"/>
+              <a:t>PC</a:t>
+            </a:r>
+            <a:r>
+              <a:rPr kumimoji="1" lang="ja-JP" altLang="en-US"/>
+              <a:t>へクローンし、環境構築して稼働します。</a:t>
+            </a:r>
+          </a:p>
+        </p:txBody>
+      </p:sp>
+      <p:sp>
+        <p:nvSpPr>
+          <p:cNvPr id="4" name="テキスト プレースホルダー 3">
+            <a:extLst>
+              <a:ext uri="{FF2B5EF4-FFF2-40B4-BE49-F238E27FC236}">
+                <a16:creationId xmlns:a16="http://schemas.microsoft.com/office/drawing/2014/main" id="{2FDD3D79-3F4D-D276-633D-859F08618DD1}"/>
+              </a:ext>
+            </a:extLst>
+          </p:cNvPr>
+          <p:cNvSpPr>
+            <a:spLocks noGrp="1"/>
+          </p:cNvSpPr>
+          <p:nvPr>
+            <p:ph type="body" sz="quarter" idx="4294967295"/>
+          </p:nvPr>
+        </p:nvSpPr>
+        <p:spPr>
+          <a:xfrm>
+            <a:off x="5224669" y="1786871"/>
+            <a:ext cx="4704522" cy="5089525"/>
+          </a:xfrm>
+        </p:spPr>
+        <p:txBody>
+          <a:bodyPr/>
+          <a:lstStyle/>
+          <a:p>
+            <a:pPr algn="ctr"/>
+            <a:r>
+              <a:rPr kumimoji="1" lang="ja-JP" altLang="en-US" b="1">
+                <a:solidFill>
+                  <a:schemeClr val="accent1"/>
+                </a:solidFill>
+              </a:rPr>
+              <a:t>コンテナ</a:t>
+            </a:r>
+            <a:endParaRPr kumimoji="1" lang="en-US" altLang="ja-JP" b="1" dirty="0">
+              <a:solidFill>
+                <a:schemeClr val="accent1"/>
+              </a:solidFill>
+            </a:endParaRPr>
+          </a:p>
+          <a:p>
+            <a:endParaRPr kumimoji="1" lang="en-US" altLang="ja-JP" dirty="0"/>
+          </a:p>
+          <a:p>
+            <a:r>
+              <a:rPr kumimoji="1" lang="ja-JP" altLang="en-US"/>
+              <a:t>コンテナイメージで稼働します。</a:t>
+            </a:r>
+            <a:endParaRPr kumimoji="1" lang="en-US" altLang="ja-JP" dirty="0"/>
+          </a:p>
+          <a:p>
+            <a:r>
+              <a:rPr kumimoji="1" lang="ja-JP" altLang="en-US"/>
+              <a:t>本文書では、ローカル</a:t>
+            </a:r>
+            <a:r>
+              <a:rPr kumimoji="1" lang="en-US" altLang="ja-JP" dirty="0"/>
+              <a:t>PC</a:t>
+            </a:r>
+            <a:r>
+              <a:rPr kumimoji="1" lang="ja-JP" altLang="en-US"/>
+              <a:t>へ</a:t>
+            </a:r>
+            <a:r>
+              <a:rPr kumimoji="1" lang="en-US" altLang="ja-JP" dirty="0"/>
+              <a:t>Docker</a:t>
+            </a:r>
+            <a:r>
+              <a:rPr kumimoji="1" lang="ja-JP" altLang="en-US"/>
+              <a:t>を導入し、</a:t>
+            </a:r>
+            <a:r>
+              <a:rPr kumimoji="1" lang="en-US" altLang="ja-JP" dirty="0"/>
+              <a:t>Docker</a:t>
+            </a:r>
+            <a:r>
+              <a:rPr kumimoji="1" lang="ja-JP" altLang="en-US"/>
+              <a:t>イメージを構築後、</a:t>
+            </a:r>
+            <a:r>
+              <a:rPr kumimoji="1" lang="en-US" altLang="ja-JP" dirty="0"/>
+              <a:t>PC</a:t>
+            </a:r>
+            <a:r>
+              <a:rPr kumimoji="1" lang="ja-JP" altLang="en-US"/>
+              <a:t>上で稼働します。</a:t>
+            </a:r>
+          </a:p>
+        </p:txBody>
+      </p:sp>
+      <p:sp>
+        <p:nvSpPr>
+          <p:cNvPr id="5" name="テキスト プレースホルダー 3">
+            <a:extLst>
+              <a:ext uri="{FF2B5EF4-FFF2-40B4-BE49-F238E27FC236}">
+                <a16:creationId xmlns:a16="http://schemas.microsoft.com/office/drawing/2014/main" id="{83CCBADD-2FF6-E09F-0DD2-34546E8A8F20}"/>
+              </a:ext>
+            </a:extLst>
+          </p:cNvPr>
+          <p:cNvSpPr txBox="1">
+            <a:spLocks/>
+          </p:cNvSpPr>
+          <p:nvPr/>
+        </p:nvSpPr>
+        <p:spPr>
+          <a:xfrm>
+            <a:off x="10091530" y="1786871"/>
+            <a:ext cx="4704522" cy="5089525"/>
+          </a:xfrm>
+          <a:prstGeom prst="rect">
+            <a:avLst/>
+          </a:prstGeom>
+        </p:spPr>
+        <p:txBody>
+          <a:bodyPr vert="horz" lIns="91440" tIns="45720" rIns="91440" bIns="45720" rtlCol="0">
+            <a:noAutofit/>
+          </a:bodyPr>
+          <a:lstStyle>
+            <a:lvl1pPr marL="0" indent="0" algn="l" defTabSz="731520" rtl="0" eaLnBrk="1" latinLnBrk="0" hangingPunct="1">
+              <a:spcBef>
+                <a:spcPct val="20000"/>
+              </a:spcBef>
+              <a:buFontTx/>
+              <a:buNone/>
+              <a:defRPr sz="2900" b="0" i="0" kern="1200">
+                <a:solidFill>
+                  <a:schemeClr val="tx1"/>
+                </a:solidFill>
+                <a:latin typeface="Meiryo" panose="020B0604030504040204" pitchFamily="34" charset="-128"/>
+                <a:ea typeface="Meiryo" panose="020B0604030504040204" pitchFamily="34" charset="-128"/>
+                <a:cs typeface="Amazon Ember Regular" charset="0"/>
+              </a:defRPr>
+            </a:lvl1pPr>
+            <a:lvl2pPr marL="1188720" indent="-457200" algn="l" defTabSz="731520" rtl="0" eaLnBrk="1" latinLnBrk="0" hangingPunct="1">
+              <a:spcBef>
+                <a:spcPct val="20000"/>
+              </a:spcBef>
+              <a:buFont typeface="Arial"/>
+              <a:buChar char="•"/>
+              <a:defRPr sz="2900" b="0" i="0" kern="1200">
+                <a:solidFill>
+                  <a:schemeClr val="tx1"/>
+                </a:solidFill>
+                <a:latin typeface="Meiryo" panose="020B0604030504040204" pitchFamily="34" charset="-128"/>
+                <a:ea typeface="Meiryo" panose="020B0604030504040204" pitchFamily="34" charset="-128"/>
+                <a:cs typeface="Amazon Ember Regular" charset="0"/>
+              </a:defRPr>
+            </a:lvl2pPr>
+            <a:lvl3pPr marL="1828800" indent="-365760" algn="l" defTabSz="731520" rtl="0" eaLnBrk="1" latinLnBrk="0" hangingPunct="1">
+              <a:spcBef>
+                <a:spcPct val="20000"/>
+              </a:spcBef>
+              <a:buFont typeface="Arial"/>
+              <a:buChar char="•"/>
+              <a:defRPr sz="2600" b="0" i="0" kern="1200">
+                <a:solidFill>
+                  <a:schemeClr val="tx1"/>
+                </a:solidFill>
+                <a:latin typeface="Meiryo" panose="020B0604030504040204" pitchFamily="34" charset="-128"/>
+                <a:ea typeface="Meiryo" panose="020B0604030504040204" pitchFamily="34" charset="-128"/>
+                <a:cs typeface="Amazon Ember Regular" charset="0"/>
+              </a:defRPr>
+            </a:lvl3pPr>
+            <a:lvl4pPr marL="2560320" indent="-365760" algn="l" defTabSz="731520" rtl="0" eaLnBrk="1" latinLnBrk="0" hangingPunct="1">
+              <a:spcBef>
+                <a:spcPct val="20000"/>
+              </a:spcBef>
+              <a:buFont typeface="Arial"/>
+              <a:buChar char="–"/>
+              <a:defRPr sz="2200" b="0" i="0" kern="1200">
+                <a:solidFill>
+                  <a:schemeClr val="tx1"/>
+                </a:solidFill>
+                <a:latin typeface="Meiryo" panose="020B0604030504040204" pitchFamily="34" charset="-128"/>
+                <a:ea typeface="Meiryo" panose="020B0604030504040204" pitchFamily="34" charset="-128"/>
+                <a:cs typeface="Amazon Ember Regular" charset="0"/>
+              </a:defRPr>
+            </a:lvl4pPr>
+            <a:lvl5pPr marL="3291840" indent="-365760" algn="l" defTabSz="731520" rtl="0" eaLnBrk="1" latinLnBrk="0" hangingPunct="1">
+              <a:spcBef>
+                <a:spcPct val="20000"/>
+              </a:spcBef>
+              <a:buFont typeface="Arial"/>
+              <a:buChar char="»"/>
+              <a:defRPr sz="1900" b="0" i="0" kern="1200">
+                <a:solidFill>
+                  <a:schemeClr val="tx1"/>
+                </a:solidFill>
+                <a:latin typeface="Meiryo" panose="020B0604030504040204" pitchFamily="34" charset="-128"/>
+                <a:ea typeface="Meiryo" panose="020B0604030504040204" pitchFamily="34" charset="-128"/>
+                <a:cs typeface="Amazon Ember Regular" charset="0"/>
+              </a:defRPr>
+            </a:lvl5pPr>
+            <a:lvl6pPr marL="4023360" indent="-365760" algn="l" defTabSz="731520" rtl="0" eaLnBrk="1" latinLnBrk="0" hangingPunct="1">
+              <a:spcBef>
+                <a:spcPct val="20000"/>
+              </a:spcBef>
+              <a:buFont typeface="Arial"/>
+              <a:buChar char="•"/>
+              <a:defRPr sz="3200" kern="1200">
+                <a:solidFill>
+                  <a:schemeClr val="tx1"/>
+                </a:solidFill>
+                <a:latin typeface="+mn-lt"/>
+                <a:ea typeface="+mn-ea"/>
+                <a:cs typeface="+mn-cs"/>
+              </a:defRPr>
+            </a:lvl6pPr>
+            <a:lvl7pPr marL="4754880" indent="-365760" algn="l" defTabSz="731520" rtl="0" eaLnBrk="1" latinLnBrk="0" hangingPunct="1">
+              <a:spcBef>
+                <a:spcPct val="20000"/>
+              </a:spcBef>
+              <a:buFont typeface="Arial"/>
+              <a:buChar char="•"/>
+              <a:defRPr sz="3200" kern="1200">
+                <a:solidFill>
+                  <a:schemeClr val="tx1"/>
+                </a:solidFill>
+                <a:latin typeface="+mn-lt"/>
+                <a:ea typeface="+mn-ea"/>
+                <a:cs typeface="+mn-cs"/>
+              </a:defRPr>
+            </a:lvl7pPr>
+            <a:lvl8pPr marL="5486400" indent="-365760" algn="l" defTabSz="731520" rtl="0" eaLnBrk="1" latinLnBrk="0" hangingPunct="1">
+              <a:spcBef>
+                <a:spcPct val="20000"/>
+              </a:spcBef>
+              <a:buFont typeface="Arial"/>
+              <a:buChar char="•"/>
+              <a:defRPr sz="3200" kern="1200">
+                <a:solidFill>
+                  <a:schemeClr val="tx1"/>
+                </a:solidFill>
+                <a:latin typeface="+mn-lt"/>
+                <a:ea typeface="+mn-ea"/>
+                <a:cs typeface="+mn-cs"/>
+              </a:defRPr>
+            </a:lvl8pPr>
+            <a:lvl9pPr marL="6217920" indent="-365760" algn="l" defTabSz="731520" rtl="0" eaLnBrk="1" latinLnBrk="0" hangingPunct="1">
+              <a:spcBef>
+                <a:spcPct val="20000"/>
+              </a:spcBef>
+              <a:buFont typeface="Arial"/>
+              <a:buChar char="•"/>
+              <a:defRPr sz="3200" kern="1200">
+                <a:solidFill>
+                  <a:schemeClr val="tx1"/>
+                </a:solidFill>
+                <a:latin typeface="+mn-lt"/>
+                <a:ea typeface="+mn-ea"/>
+                <a:cs typeface="+mn-cs"/>
+              </a:defRPr>
+            </a:lvl9pPr>
+          </a:lstStyle>
+          <a:p>
+            <a:pPr algn="ctr"/>
+            <a:r>
+              <a:rPr kumimoji="1" lang="en-US" altLang="ja-JP" b="1" dirty="0">
+                <a:solidFill>
+                  <a:schemeClr val="accent1"/>
+                </a:solidFill>
+              </a:rPr>
+              <a:t>SaaS</a:t>
+            </a:r>
+          </a:p>
+          <a:p>
+            <a:endParaRPr kumimoji="1" lang="en-US" altLang="ja-JP" dirty="0"/>
+          </a:p>
+          <a:p>
+            <a:r>
+              <a:rPr kumimoji="1" lang="en-US" altLang="ja-JP" dirty="0"/>
+              <a:t>AWS App Runner</a:t>
+            </a:r>
+            <a:r>
+              <a:rPr kumimoji="1" lang="ja-JP" altLang="en-US"/>
+              <a:t>上で、</a:t>
+            </a:r>
+            <a:r>
+              <a:rPr kumimoji="1" lang="en-US" altLang="ja-JP" dirty="0" err="1"/>
+              <a:t>GiuHub</a:t>
+            </a:r>
+            <a:r>
+              <a:rPr kumimoji="1" lang="ja-JP" altLang="en-US"/>
+              <a:t>を指定して稼働します。</a:t>
+            </a:r>
+            <a:endParaRPr kumimoji="1" lang="en-US" altLang="ja-JP" dirty="0"/>
+          </a:p>
+          <a:p>
+            <a:r>
+              <a:rPr kumimoji="1" lang="ja-JP" altLang="en-US"/>
+              <a:t>（</a:t>
+            </a:r>
+            <a:r>
+              <a:rPr kumimoji="1" lang="en-US" altLang="ja-JP" dirty="0"/>
+              <a:t>App Runner</a:t>
+            </a:r>
+            <a:r>
+              <a:rPr kumimoji="1" lang="ja-JP" altLang="en-US"/>
+              <a:t>はコンテナを指定して稼働することも可能です。）</a:t>
+            </a:r>
+          </a:p>
+        </p:txBody>
+      </p:sp>
+    </p:spTree>
+    <p:extLst>
+      <p:ext uri="{BB962C8B-B14F-4D97-AF65-F5344CB8AC3E}">
+        <p14:creationId xmlns:p14="http://schemas.microsoft.com/office/powerpoint/2010/main" val="2318748458"/>
+      </p:ext>
+    </p:extLst>
+  </p:cSld>
+  <p:clrMapOvr>
+    <a:masterClrMapping/>
+  </p:clrMapOvr>
+</p:sld>
+</file>
+
+<file path=ppt/slides/slide6.xml><?xml version="1.0" encoding="utf-8"?>
 <p:sld xmlns:a="http://schemas.openxmlformats.org/drawingml/2006/main" xmlns:r="http://schemas.openxmlformats.org/officeDocument/2006/relationships" xmlns:p="http://schemas.openxmlformats.org/presentationml/2006/main">
   <p:cSld>
     <p:spTree>
@@ -16508,7 +16833,7 @@
 </p:sld>
 </file>
 
-<file path=ppt/slides/slide6.xml><?xml version="1.0" encoding="utf-8"?>
+<file path=ppt/slides/slide7.xml><?xml version="1.0" encoding="utf-8"?>
 <p:sld xmlns:a="http://schemas.openxmlformats.org/drawingml/2006/main" xmlns:r="http://schemas.openxmlformats.org/officeDocument/2006/relationships" xmlns:p="http://schemas.openxmlformats.org/presentationml/2006/main">
   <p:cSld>
     <p:spTree>
@@ -18225,7 +18550,7 @@
 </p:sld>
 </file>
 
-<file path=ppt/slides/slide7.xml><?xml version="1.0" encoding="utf-8"?>
+<file path=ppt/slides/slide8.xml><?xml version="1.0" encoding="utf-8"?>
 <p:sld xmlns:a="http://schemas.openxmlformats.org/drawingml/2006/main" xmlns:r="http://schemas.openxmlformats.org/officeDocument/2006/relationships" xmlns:p="http://schemas.openxmlformats.org/presentationml/2006/main">
   <p:cSld>
     <p:spTree>
@@ -18723,7 +19048,7 @@
         <p:spPr>
           <a:xfrm>
             <a:off x="4341640" y="1088020"/>
-            <a:ext cx="9685280" cy="5355312"/>
+            <a:ext cx="9685280" cy="5632311"/>
           </a:xfrm>
           <a:prstGeom prst="rect">
             <a:avLst/>
@@ -18801,6 +19126,49 @@
                 <a:cs typeface="Amazon Ember" panose="020B0603020204020204" pitchFamily="34" charset="0"/>
               </a:rPr>
               <a:t>」を指定</a:t>
+            </a:r>
+            <a:endParaRPr kumimoji="1" lang="en-US" altLang="ja-JP" sz="1800" dirty="0">
+              <a:latin typeface="Meiryo" panose="020B0604030504040204" pitchFamily="34" charset="-128"/>
+              <a:ea typeface="Meiryo" panose="020B0604030504040204" pitchFamily="34" charset="-128"/>
+              <a:cs typeface="Amazon Ember" panose="020B0603020204020204" pitchFamily="34" charset="0"/>
+            </a:endParaRPr>
+          </a:p>
+          <a:p>
+            <a:pPr marL="1748790" lvl="2" indent="-285750">
+              <a:buFont typeface="Arial" panose="020B0604020202020204" pitchFamily="34" charset="0"/>
+              <a:buChar char="•"/>
+            </a:pPr>
+            <a:r>
+              <a:rPr kumimoji="1" lang="ja-JP" altLang="en-US" sz="1400">
+                <a:latin typeface="Meiryo" panose="020B0604030504040204" pitchFamily="34" charset="-128"/>
+                <a:ea typeface="Meiryo" panose="020B0604030504040204" pitchFamily="34" charset="-128"/>
+                <a:cs typeface="Amazon Ember" panose="020B0603020204020204" pitchFamily="34" charset="0"/>
+              </a:rPr>
+              <a:t>参照：</a:t>
+            </a:r>
+            <a:r>
+              <a:rPr kumimoji="1" lang="en" altLang="ja-JP" sz="1400" dirty="0">
+                <a:latin typeface="Meiryo" panose="020B0604030504040204" pitchFamily="34" charset="-128"/>
+                <a:ea typeface="Meiryo" panose="020B0604030504040204" pitchFamily="34" charset="-128"/>
+                <a:cs typeface="Amazon Ember" panose="020B0603020204020204" pitchFamily="34" charset="0"/>
+              </a:rPr>
+              <a:t> https://</a:t>
+            </a:r>
+            <a:r>
+              <a:rPr kumimoji="1" lang="en" altLang="ja-JP" sz="1400" dirty="0" err="1">
+                <a:latin typeface="Meiryo" panose="020B0604030504040204" pitchFamily="34" charset="-128"/>
+                <a:ea typeface="Meiryo" panose="020B0604030504040204" pitchFamily="34" charset="-128"/>
+                <a:cs typeface="Amazon Ember" panose="020B0603020204020204" pitchFamily="34" charset="0"/>
+              </a:rPr>
+              <a:t>hub.docker.com</a:t>
+            </a:r>
+            <a:r>
+              <a:rPr kumimoji="1" lang="en" altLang="ja-JP" sz="1400" dirty="0">
+                <a:latin typeface="Meiryo" panose="020B0604030504040204" pitchFamily="34" charset="-128"/>
+                <a:ea typeface="Meiryo" panose="020B0604030504040204" pitchFamily="34" charset="-128"/>
+                <a:cs typeface="Amazon Ember" panose="020B0603020204020204" pitchFamily="34" charset="0"/>
+              </a:rPr>
+              <a:t>/_/python</a:t>
             </a:r>
             <a:endParaRPr kumimoji="1" lang="en-US" altLang="ja-JP" sz="1800" dirty="0">
               <a:latin typeface="Meiryo" panose="020B0604030504040204" pitchFamily="34" charset="-128"/>
@@ -19152,7 +19520,7 @@
 </p:sld>
 </file>
 
-<file path=ppt/slides/slide8.xml><?xml version="1.0" encoding="utf-8"?>
+<file path=ppt/slides/slide9.xml><?xml version="1.0" encoding="utf-8"?>
 <p:sld xmlns:a="http://schemas.openxmlformats.org/drawingml/2006/main" xmlns:r="http://schemas.openxmlformats.org/officeDocument/2006/relationships" xmlns:p="http://schemas.openxmlformats.org/presentationml/2006/main">
   <p:cSld>
     <p:spTree>
@@ -20075,104 +20443,6 @@
     <p:extLst>
       <p:ext uri="{BB962C8B-B14F-4D97-AF65-F5344CB8AC3E}">
         <p14:creationId xmlns:p14="http://schemas.microsoft.com/office/powerpoint/2010/main" val="971508346"/>
-      </p:ext>
-    </p:extLst>
-  </p:cSld>
-  <p:clrMapOvr>
-    <a:masterClrMapping/>
-  </p:clrMapOvr>
-</p:sld>
-</file>
-
-<file path=ppt/slides/slide9.xml><?xml version="1.0" encoding="utf-8"?>
-<p:sld xmlns:a="http://schemas.openxmlformats.org/drawingml/2006/main" xmlns:r="http://schemas.openxmlformats.org/officeDocument/2006/relationships" xmlns:p="http://schemas.openxmlformats.org/presentationml/2006/main">
-  <p:cSld>
-    <p:spTree>
-      <p:nvGrpSpPr>
-        <p:cNvPr id="1" name=""/>
-        <p:cNvGrpSpPr/>
-        <p:nvPr/>
-      </p:nvGrpSpPr>
-      <p:grpSpPr>
-        <a:xfrm>
-          <a:off x="0" y="0"/>
-          <a:ext cx="0" cy="0"/>
-          <a:chOff x="0" y="0"/>
-          <a:chExt cx="0" cy="0"/>
-        </a:xfrm>
-      </p:grpSpPr>
-      <p:sp>
-        <p:nvSpPr>
-          <p:cNvPr id="3" name="タイトル 2">
-            <a:extLst>
-              <a:ext uri="{FF2B5EF4-FFF2-40B4-BE49-F238E27FC236}">
-                <a16:creationId xmlns:a16="http://schemas.microsoft.com/office/drawing/2014/main" id="{D312E969-2058-B776-7460-26EAD49A80E4}"/>
-              </a:ext>
-            </a:extLst>
-          </p:cNvPr>
-          <p:cNvSpPr>
-            <a:spLocks noGrp="1"/>
-          </p:cNvSpPr>
-          <p:nvPr>
-            <p:ph type="title"/>
-          </p:nvPr>
-        </p:nvSpPr>
-        <p:spPr/>
-        <p:txBody>
-          <a:bodyPr/>
-          <a:lstStyle/>
-          <a:p>
-            <a:r>
-              <a:rPr lang="ja-JP" altLang="en-US"/>
-              <a:t>ローカル</a:t>
-            </a:r>
-            <a:r>
-              <a:rPr lang="en-US" altLang="ja-JP" dirty="0"/>
-              <a:t>PC</a:t>
-            </a:r>
-            <a:r>
-              <a:rPr lang="ja-JP" altLang="en-US"/>
-              <a:t>での稼働</a:t>
-            </a:r>
-          </a:p>
-        </p:txBody>
-      </p:sp>
-      <p:sp>
-        <p:nvSpPr>
-          <p:cNvPr id="4" name="テキスト プレースホルダー 3">
-            <a:extLst>
-              <a:ext uri="{FF2B5EF4-FFF2-40B4-BE49-F238E27FC236}">
-                <a16:creationId xmlns:a16="http://schemas.microsoft.com/office/drawing/2014/main" id="{DE827BF2-8346-A9AF-51F6-DDF015FF0F1A}"/>
-              </a:ext>
-            </a:extLst>
-          </p:cNvPr>
-          <p:cNvSpPr>
-            <a:spLocks noGrp="1"/>
-          </p:cNvSpPr>
-          <p:nvPr>
-            <p:ph type="body" sz="quarter" idx="10"/>
-          </p:nvPr>
-        </p:nvSpPr>
-        <p:spPr/>
-        <p:txBody>
-          <a:bodyPr/>
-          <a:lstStyle/>
-          <a:p>
-            <a:r>
-              <a:rPr lang="en-US" altLang="ja-JP" dirty="0"/>
-              <a:t>GitHub</a:t>
-            </a:r>
-            <a:r>
-              <a:rPr lang="ja-JP" altLang="en-US"/>
-              <a:t>からクローンして動かします</a:t>
-            </a:r>
-          </a:p>
-        </p:txBody>
-      </p:sp>
-    </p:spTree>
-    <p:extLst>
-      <p:ext uri="{BB962C8B-B14F-4D97-AF65-F5344CB8AC3E}">
-        <p14:creationId xmlns:p14="http://schemas.microsoft.com/office/powerpoint/2010/main" val="3499733254"/>
       </p:ext>
     </p:extLst>
   </p:cSld>
